--- a/Document/1122 기획발표자료_01.pptx
+++ b/Document/1122 기획발표자료_01.pptx
@@ -6,9 +6,12 @@
   </p:sldMasterIdLst>
   <p:sldIdLst>
     <p:sldId id="256" r:id="rId2"/>
-    <p:sldId id="257" r:id="rId3"/>
-    <p:sldId id="258" r:id="rId4"/>
-    <p:sldId id="259" r:id="rId5"/>
+    <p:sldId id="260" r:id="rId3"/>
+    <p:sldId id="263" r:id="rId4"/>
+    <p:sldId id="264" r:id="rId5"/>
+    <p:sldId id="257" r:id="rId6"/>
+    <p:sldId id="258" r:id="rId7"/>
+    <p:sldId id="259" r:id="rId8"/>
   </p:sldIdLst>
   <p:sldSz cx="12192000" cy="6858000"/>
   <p:notesSz cx="6858000" cy="9144000"/>
@@ -262,7 +265,7 @@
           <a:p>
             <a:fld id="{BE8D2DAF-387B-41D4-BE33-DC8C35FEC344}" type="datetimeFigureOut">
               <a:rPr lang="ko-KR" altLang="en-US" smtClean="0"/>
-              <a:t>2018-11-19</a:t>
+              <a:t>2018-11-21</a:t>
             </a:fld>
             <a:endParaRPr lang="ko-KR" altLang="en-US"/>
           </a:p>
@@ -460,7 +463,7 @@
           <a:p>
             <a:fld id="{BE8D2DAF-387B-41D4-BE33-DC8C35FEC344}" type="datetimeFigureOut">
               <a:rPr lang="ko-KR" altLang="en-US" smtClean="0"/>
-              <a:t>2018-11-19</a:t>
+              <a:t>2018-11-21</a:t>
             </a:fld>
             <a:endParaRPr lang="ko-KR" altLang="en-US"/>
           </a:p>
@@ -668,7 +671,7 @@
           <a:p>
             <a:fld id="{BE8D2DAF-387B-41D4-BE33-DC8C35FEC344}" type="datetimeFigureOut">
               <a:rPr lang="ko-KR" altLang="en-US" smtClean="0"/>
-              <a:t>2018-11-19</a:t>
+              <a:t>2018-11-21</a:t>
             </a:fld>
             <a:endParaRPr lang="ko-KR" altLang="en-US"/>
           </a:p>
@@ -866,7 +869,7 @@
           <a:p>
             <a:fld id="{BE8D2DAF-387B-41D4-BE33-DC8C35FEC344}" type="datetimeFigureOut">
               <a:rPr lang="ko-KR" altLang="en-US" smtClean="0"/>
-              <a:t>2018-11-19</a:t>
+              <a:t>2018-11-21</a:t>
             </a:fld>
             <a:endParaRPr lang="ko-KR" altLang="en-US"/>
           </a:p>
@@ -1141,7 +1144,7 @@
           <a:p>
             <a:fld id="{BE8D2DAF-387B-41D4-BE33-DC8C35FEC344}" type="datetimeFigureOut">
               <a:rPr lang="ko-KR" altLang="en-US" smtClean="0"/>
-              <a:t>2018-11-19</a:t>
+              <a:t>2018-11-21</a:t>
             </a:fld>
             <a:endParaRPr lang="ko-KR" altLang="en-US"/>
           </a:p>
@@ -1406,7 +1409,7 @@
           <a:p>
             <a:fld id="{BE8D2DAF-387B-41D4-BE33-DC8C35FEC344}" type="datetimeFigureOut">
               <a:rPr lang="ko-KR" altLang="en-US" smtClean="0"/>
-              <a:t>2018-11-19</a:t>
+              <a:t>2018-11-21</a:t>
             </a:fld>
             <a:endParaRPr lang="ko-KR" altLang="en-US"/>
           </a:p>
@@ -1818,7 +1821,7 @@
           <a:p>
             <a:fld id="{BE8D2DAF-387B-41D4-BE33-DC8C35FEC344}" type="datetimeFigureOut">
               <a:rPr lang="ko-KR" altLang="en-US" smtClean="0"/>
-              <a:t>2018-11-19</a:t>
+              <a:t>2018-11-21</a:t>
             </a:fld>
             <a:endParaRPr lang="ko-KR" altLang="en-US"/>
           </a:p>
@@ -1959,7 +1962,7 @@
           <a:p>
             <a:fld id="{BE8D2DAF-387B-41D4-BE33-DC8C35FEC344}" type="datetimeFigureOut">
               <a:rPr lang="ko-KR" altLang="en-US" smtClean="0"/>
-              <a:t>2018-11-19</a:t>
+              <a:t>2018-11-21</a:t>
             </a:fld>
             <a:endParaRPr lang="ko-KR" altLang="en-US"/>
           </a:p>
@@ -2072,7 +2075,7 @@
           <a:p>
             <a:fld id="{BE8D2DAF-387B-41D4-BE33-DC8C35FEC344}" type="datetimeFigureOut">
               <a:rPr lang="ko-KR" altLang="en-US" smtClean="0"/>
-              <a:t>2018-11-19</a:t>
+              <a:t>2018-11-21</a:t>
             </a:fld>
             <a:endParaRPr lang="ko-KR" altLang="en-US"/>
           </a:p>
@@ -2383,7 +2386,7 @@
           <a:p>
             <a:fld id="{BE8D2DAF-387B-41D4-BE33-DC8C35FEC344}" type="datetimeFigureOut">
               <a:rPr lang="ko-KR" altLang="en-US" smtClean="0"/>
-              <a:t>2018-11-19</a:t>
+              <a:t>2018-11-21</a:t>
             </a:fld>
             <a:endParaRPr lang="ko-KR" altLang="en-US"/>
           </a:p>
@@ -2671,7 +2674,7 @@
           <a:p>
             <a:fld id="{BE8D2DAF-387B-41D4-BE33-DC8C35FEC344}" type="datetimeFigureOut">
               <a:rPr lang="ko-KR" altLang="en-US" smtClean="0"/>
-              <a:t>2018-11-19</a:t>
+              <a:t>2018-11-21</a:t>
             </a:fld>
             <a:endParaRPr lang="ko-KR" altLang="en-US"/>
           </a:p>
@@ -2912,7 +2915,7 @@
           <a:p>
             <a:fld id="{BE8D2DAF-387B-41D4-BE33-DC8C35FEC344}" type="datetimeFigureOut">
               <a:rPr lang="ko-KR" altLang="en-US" smtClean="0"/>
-              <a:t>2018-11-19</a:t>
+              <a:t>2018-11-21</a:t>
             </a:fld>
             <a:endParaRPr lang="ko-KR" altLang="en-US"/>
           </a:p>
@@ -3347,9 +3350,30 @@
         </p:nvSpPr>
         <p:spPr/>
         <p:txBody>
-          <a:bodyPr/>
+          <a:bodyPr>
+            <a:normAutofit/>
+          </a:bodyPr>
           <a:lstStyle/>
           <a:p>
+            <a:r>
+              <a:rPr lang="ko-KR" altLang="en-US" dirty="0"/>
+              <a:t>미세먼지에서 살아남기</a:t>
+            </a:r>
+            <a:r>
+              <a:rPr lang="en-US" altLang="ko-KR" sz="3200" dirty="0"/>
+              <a:t>(</a:t>
+            </a:r>
+            <a:r>
+              <a:rPr lang="ko-KR" altLang="en-US" sz="3200" dirty="0"/>
+              <a:t>가제</a:t>
+            </a:r>
+            <a:r>
+              <a:rPr lang="en-US" altLang="ko-KR" sz="3200" dirty="0"/>
+              <a:t>)</a:t>
+            </a:r>
+            <a:br>
+              <a:rPr lang="en-US" altLang="ko-KR" dirty="0"/>
+            </a:br>
             <a:endParaRPr lang="ko-KR" altLang="en-US" dirty="0"/>
           </a:p>
         </p:txBody>
@@ -3440,10 +3464,10 @@
       </p:grpSpPr>
       <p:sp>
         <p:nvSpPr>
-          <p:cNvPr id="5" name="TextBox 4">
-            <a:extLst>
-              <a:ext uri="{FF2B5EF4-FFF2-40B4-BE49-F238E27FC236}">
-                <a16:creationId xmlns:a16="http://schemas.microsoft.com/office/drawing/2014/main" id="{8F3E1CD3-FD42-4AAB-AE6E-4FCAB3327E85}"/>
+          <p:cNvPr id="4" name="TextBox 3">
+            <a:extLst>
+              <a:ext uri="{FF2B5EF4-FFF2-40B4-BE49-F238E27FC236}">
+                <a16:creationId xmlns:a16="http://schemas.microsoft.com/office/drawing/2014/main" id="{18B53779-214E-42FE-B538-1108F2BE1E30}"/>
               </a:ext>
             </a:extLst>
           </p:cNvPr>
@@ -3452,8 +3476,8 @@
         </p:nvSpPr>
         <p:spPr>
           <a:xfrm>
-            <a:off x="592130" y="791737"/>
-            <a:ext cx="7514807" cy="4031873"/>
+            <a:off x="964276" y="565265"/>
+            <a:ext cx="1210588" cy="707886"/>
           </a:xfrm>
           <a:prstGeom prst="rect">
             <a:avLst/>
@@ -3461,246 +3485,1484 @@
           <a:noFill/>
         </p:spPr>
         <p:txBody>
-          <a:bodyPr wrap="square" rtlCol="0">
+          <a:bodyPr wrap="none" rtlCol="0">
             <a:spAutoFit/>
           </a:bodyPr>
           <a:lstStyle/>
           <a:p>
             <a:r>
-              <a:rPr lang="ko-KR" altLang="en-US" sz="1600" dirty="0"/>
-              <a:t>배경 </a:t>
-            </a:r>
-            <a:r>
-              <a:rPr lang="en-US" altLang="ko-KR" sz="1600" dirty="0"/>
-              <a:t>info</a:t>
-            </a:r>
-          </a:p>
-          <a:p>
-            <a:endParaRPr lang="en-US" altLang="ko-KR" sz="1600" dirty="0"/>
-          </a:p>
-          <a:p>
-            <a:r>
-              <a:rPr lang="ko-KR" altLang="en-US" sz="1600" dirty="0"/>
-              <a:t>선정 이유 </a:t>
-            </a:r>
-            <a:r>
-              <a:rPr lang="en-US" altLang="ko-KR" sz="1600" dirty="0"/>
-              <a:t>: </a:t>
-            </a:r>
-            <a:r>
-              <a:rPr lang="ko-KR" altLang="en-US" sz="1600" dirty="0"/>
-              <a:t>지금 현실에 미세먼지가 너무 심각함</a:t>
-            </a:r>
-            <a:r>
-              <a:rPr lang="en-US" altLang="ko-KR" sz="1600" dirty="0"/>
-              <a:t>. </a:t>
-            </a:r>
-          </a:p>
-          <a:p>
-            <a:r>
-              <a:rPr lang="ko-KR" altLang="en-US" sz="1600" dirty="0"/>
-              <a:t>내년에도 심각한 상태이지 않을까</a:t>
-            </a:r>
-            <a:r>
-              <a:rPr lang="en-US" altLang="ko-KR" sz="1600" dirty="0"/>
-              <a:t>?</a:t>
-            </a:r>
-          </a:p>
-          <a:p>
-            <a:endParaRPr lang="en-US" altLang="ko-KR" sz="1600" dirty="0"/>
-          </a:p>
-          <a:p>
-            <a:r>
-              <a:rPr lang="ko-KR" altLang="en-US" sz="1600" dirty="0"/>
-              <a:t>미세먼지가 너무 심각한 정도가 되어서 밖에 다니기 힘든 시대가 되어 버림</a:t>
-            </a:r>
-            <a:r>
-              <a:rPr lang="en-US" altLang="ko-KR" sz="1600" dirty="0"/>
-              <a:t>.</a:t>
-            </a:r>
-          </a:p>
-          <a:p>
-            <a:r>
-              <a:rPr lang="ko-KR" altLang="en-US" sz="1600" dirty="0"/>
-              <a:t>국가적으로 특정 도시 외곽에 돔을 설치하여 사람들이 생존 가능한 지대를 </a:t>
-            </a:r>
-            <a:r>
-              <a:rPr lang="ko-KR" altLang="en-US" sz="1600" dirty="0" err="1"/>
-              <a:t>만듬</a:t>
-            </a:r>
-            <a:r>
-              <a:rPr lang="en-US" altLang="ko-KR" sz="1600" dirty="0"/>
-              <a:t>.</a:t>
-            </a:r>
-          </a:p>
-          <a:p>
-            <a:r>
-              <a:rPr lang="ko-KR" altLang="en-US" sz="1600" dirty="0"/>
-              <a:t>돔 내부는 특수기술로 공기 청정이 이루어지고 있다</a:t>
-            </a:r>
-            <a:r>
-              <a:rPr lang="en-US" altLang="ko-KR" sz="1600" dirty="0"/>
-              <a:t>.</a:t>
-            </a:r>
-          </a:p>
-          <a:p>
-            <a:endParaRPr lang="en-US" altLang="ko-KR" sz="1600" dirty="0"/>
-          </a:p>
-          <a:p>
-            <a:r>
-              <a:rPr lang="ko-KR" altLang="en-US" sz="1600" dirty="0"/>
-              <a:t>돔 </a:t>
-            </a:r>
-            <a:r>
-              <a:rPr lang="en-US" altLang="ko-KR" sz="1600" dirty="0"/>
-              <a:t>:: </a:t>
-            </a:r>
-            <a:r>
-              <a:rPr lang="ko-KR" altLang="en-US" sz="1600" dirty="0"/>
-              <a:t>스폰지밥에 </a:t>
-            </a:r>
-            <a:r>
-              <a:rPr lang="ko-KR" altLang="en-US" sz="1600" dirty="0" err="1"/>
-              <a:t>다람이</a:t>
-            </a:r>
-            <a:r>
-              <a:rPr lang="ko-KR" altLang="en-US" sz="1600" dirty="0"/>
-              <a:t> 집처럼 되어있음</a:t>
-            </a:r>
-            <a:r>
-              <a:rPr lang="en-US" altLang="ko-KR" sz="1600" dirty="0"/>
-              <a:t>.</a:t>
-            </a:r>
-          </a:p>
-          <a:p>
-            <a:r>
-              <a:rPr lang="ko-KR" altLang="en-US" sz="1600" dirty="0"/>
-              <a:t>돔은 부서지지 않는다</a:t>
-            </a:r>
-            <a:endParaRPr lang="en-US" altLang="ko-KR" sz="1600" dirty="0"/>
-          </a:p>
-          <a:p>
-            <a:endParaRPr lang="en-US" altLang="ko-KR" sz="1600" dirty="0"/>
-          </a:p>
-          <a:p>
-            <a:r>
-              <a:rPr lang="en-US" altLang="ko-KR" sz="1600" dirty="0"/>
-              <a:t>//</a:t>
-            </a:r>
-            <a:r>
-              <a:rPr lang="ko-KR" altLang="en-US" sz="1600" dirty="0"/>
-              <a:t>돔 시작지역 설정 가능 </a:t>
-            </a:r>
-            <a:r>
-              <a:rPr lang="en-US" altLang="ko-KR" sz="1600" dirty="0"/>
-              <a:t>:: like </a:t>
-            </a:r>
-            <a:r>
-              <a:rPr lang="ko-KR" altLang="en-US" sz="1600" dirty="0" err="1"/>
-              <a:t>스타듀밸리</a:t>
-            </a:r>
-            <a:endParaRPr lang="en-US" altLang="ko-KR" sz="1600" dirty="0"/>
-          </a:p>
-          <a:p>
-            <a:r>
-              <a:rPr lang="en-US" altLang="ko-KR" sz="1600" dirty="0"/>
-              <a:t>//(</a:t>
-            </a:r>
-            <a:r>
-              <a:rPr lang="ko-KR" altLang="en-US" sz="1600" dirty="0"/>
-              <a:t>도시지역 </a:t>
-            </a:r>
-            <a:r>
-              <a:rPr lang="en-US" altLang="ko-KR" sz="1600" dirty="0"/>
-              <a:t>: </a:t>
-            </a:r>
-            <a:r>
-              <a:rPr lang="ko-KR" altLang="en-US" sz="1600" dirty="0"/>
-              <a:t>기술개발이 농경지역보다 쉽다</a:t>
-            </a:r>
-            <a:r>
-              <a:rPr lang="en-US" altLang="ko-KR" sz="1600" dirty="0"/>
-              <a:t>.</a:t>
-            </a:r>
-          </a:p>
-          <a:p>
-            <a:r>
-              <a:rPr lang="en-US" altLang="ko-KR" sz="1600" dirty="0"/>
-              <a:t>//</a:t>
-            </a:r>
-            <a:r>
-              <a:rPr lang="ko-KR" altLang="en-US" sz="1600" dirty="0"/>
-              <a:t>농경지역 </a:t>
-            </a:r>
-            <a:r>
-              <a:rPr lang="en-US" altLang="ko-KR" sz="1600" dirty="0"/>
-              <a:t>: </a:t>
-            </a:r>
-            <a:r>
-              <a:rPr lang="ko-KR" altLang="en-US" sz="1600" dirty="0"/>
-              <a:t>자연물을 재배를 통해 쉽게 얻을 수 있다</a:t>
-            </a:r>
-            <a:r>
-              <a:rPr lang="en-US" altLang="ko-KR" sz="1600" dirty="0"/>
-              <a:t>.)</a:t>
-            </a:r>
-          </a:p>
-          <a:p>
-            <a:endParaRPr lang="en-US" altLang="ko-KR" sz="1600" dirty="0"/>
-          </a:p>
-        </p:txBody>
-      </p:sp>
-      <p:pic>
-        <p:nvPicPr>
-          <p:cNvPr id="1026" name="Picture 2" descr="ì¤í°ì§ë°¥ ë¤ëì´ ì§ì ëí ì´ë¯¸ì§ ê²ìê²°ê³¼">
-            <a:extLst>
-              <a:ext uri="{FF2B5EF4-FFF2-40B4-BE49-F238E27FC236}">
-                <a16:creationId xmlns:a16="http://schemas.microsoft.com/office/drawing/2014/main" id="{1242FE83-60C1-4D88-8665-FDDAE6A00E5E}"/>
-              </a:ext>
-            </a:extLst>
-          </p:cNvPr>
-          <p:cNvPicPr>
-            <a:picLocks noChangeAspect="1" noChangeArrowheads="1"/>
-          </p:cNvPicPr>
+              <a:rPr lang="ko-KR" altLang="en-US" sz="4000" dirty="0"/>
+              <a:t>목차</a:t>
+            </a:r>
+          </a:p>
+        </p:txBody>
+      </p:sp>
+      <p:sp>
+        <p:nvSpPr>
+          <p:cNvPr id="6" name="텍스트 개체 틀 2">
+            <a:extLst>
+              <a:ext uri="{FF2B5EF4-FFF2-40B4-BE49-F238E27FC236}">
+                <a16:creationId xmlns:a16="http://schemas.microsoft.com/office/drawing/2014/main" id="{C4A5C19D-66F2-4BB0-AB4B-3311175ECED7}"/>
+              </a:ext>
+            </a:extLst>
+          </p:cNvPr>
+          <p:cNvSpPr txBox="1">
+            <a:spLocks/>
+          </p:cNvSpPr>
           <p:nvPr/>
-        </p:nvPicPr>
-        <p:blipFill>
-          <a:blip r:embed="rId2">
-            <a:extLst>
-              <a:ext uri="{28A0092B-C50C-407E-A947-70E740481C1C}">
-                <a14:useLocalDpi xmlns:a14="http://schemas.microsoft.com/office/drawing/2010/main" val="0"/>
-              </a:ext>
-            </a:extLst>
-          </a:blip>
-          <a:srcRect/>
-          <a:stretch>
-            <a:fillRect/>
-          </a:stretch>
-        </p:blipFill>
-        <p:spPr bwMode="auto">
+        </p:nvSpPr>
+        <p:spPr>
           <a:xfrm>
-            <a:off x="6910039" y="3537735"/>
-            <a:ext cx="4572000" cy="2571750"/>
+            <a:off x="2493092" y="1672384"/>
+            <a:ext cx="4196376" cy="375615"/>
           </a:xfrm>
           <a:prstGeom prst="rect">
             <a:avLst/>
           </a:prstGeom>
-          <a:noFill/>
-          <a:extLst>
-            <a:ext uri="{909E8E84-426E-40DD-AFC4-6F175D3DCCD1}">
-              <a14:hiddenFill xmlns:a14="http://schemas.microsoft.com/office/drawing/2010/main">
-                <a:solidFill>
-                  <a:srgbClr val="FFFFFF"/>
-                </a:solidFill>
-              </a14:hiddenFill>
-            </a:ext>
-          </a:extLst>
         </p:spPr>
-      </p:pic>
+        <p:txBody>
+          <a:bodyPr/>
+          <a:lstStyle>
+            <a:lvl1pPr marL="228600" indent="-228600" algn="l" defTabSz="914400" rtl="0" eaLnBrk="1" latinLnBrk="1" hangingPunct="1">
+              <a:lnSpc>
+                <a:spcPct val="90000"/>
+              </a:lnSpc>
+              <a:spcBef>
+                <a:spcPts val="1000"/>
+              </a:spcBef>
+              <a:buFont typeface="Arial" panose="020B0604020202020204" pitchFamily="34" charset="0"/>
+              <a:buChar char="•"/>
+              <a:defRPr sz="2800" kern="1200">
+                <a:solidFill>
+                  <a:schemeClr val="tx1"/>
+                </a:solidFill>
+                <a:latin typeface="+mn-lt"/>
+                <a:ea typeface="+mn-ea"/>
+                <a:cs typeface="+mn-cs"/>
+              </a:defRPr>
+            </a:lvl1pPr>
+            <a:lvl2pPr marL="685800" indent="-228600" algn="l" defTabSz="914400" rtl="0" eaLnBrk="1" latinLnBrk="1" hangingPunct="1">
+              <a:lnSpc>
+                <a:spcPct val="90000"/>
+              </a:lnSpc>
+              <a:spcBef>
+                <a:spcPts val="500"/>
+              </a:spcBef>
+              <a:buFont typeface="Arial" panose="020B0604020202020204" pitchFamily="34" charset="0"/>
+              <a:buChar char="•"/>
+              <a:defRPr sz="2400" kern="1200">
+                <a:solidFill>
+                  <a:schemeClr val="tx1"/>
+                </a:solidFill>
+                <a:latin typeface="+mn-lt"/>
+                <a:ea typeface="+mn-ea"/>
+                <a:cs typeface="+mn-cs"/>
+              </a:defRPr>
+            </a:lvl2pPr>
+            <a:lvl3pPr marL="1143000" indent="-228600" algn="l" defTabSz="914400" rtl="0" eaLnBrk="1" latinLnBrk="1" hangingPunct="1">
+              <a:lnSpc>
+                <a:spcPct val="90000"/>
+              </a:lnSpc>
+              <a:spcBef>
+                <a:spcPts val="500"/>
+              </a:spcBef>
+              <a:buFont typeface="Arial" panose="020B0604020202020204" pitchFamily="34" charset="0"/>
+              <a:buChar char="•"/>
+              <a:defRPr sz="2000" kern="1200">
+                <a:solidFill>
+                  <a:schemeClr val="tx1"/>
+                </a:solidFill>
+                <a:latin typeface="+mn-lt"/>
+                <a:ea typeface="+mn-ea"/>
+                <a:cs typeface="+mn-cs"/>
+              </a:defRPr>
+            </a:lvl3pPr>
+            <a:lvl4pPr marL="1600200" indent="-228600" algn="l" defTabSz="914400" rtl="0" eaLnBrk="1" latinLnBrk="1" hangingPunct="1">
+              <a:lnSpc>
+                <a:spcPct val="90000"/>
+              </a:lnSpc>
+              <a:spcBef>
+                <a:spcPts val="500"/>
+              </a:spcBef>
+              <a:buFont typeface="Arial" panose="020B0604020202020204" pitchFamily="34" charset="0"/>
+              <a:buChar char="•"/>
+              <a:defRPr sz="1800" kern="1200">
+                <a:solidFill>
+                  <a:schemeClr val="tx1"/>
+                </a:solidFill>
+                <a:latin typeface="+mn-lt"/>
+                <a:ea typeface="+mn-ea"/>
+                <a:cs typeface="+mn-cs"/>
+              </a:defRPr>
+            </a:lvl4pPr>
+            <a:lvl5pPr marL="2057400" indent="-228600" algn="l" defTabSz="914400" rtl="0" eaLnBrk="1" latinLnBrk="1" hangingPunct="1">
+              <a:lnSpc>
+                <a:spcPct val="90000"/>
+              </a:lnSpc>
+              <a:spcBef>
+                <a:spcPts val="500"/>
+              </a:spcBef>
+              <a:buFont typeface="Arial" panose="020B0604020202020204" pitchFamily="34" charset="0"/>
+              <a:buChar char="•"/>
+              <a:defRPr sz="1800" kern="1200">
+                <a:solidFill>
+                  <a:schemeClr val="tx1"/>
+                </a:solidFill>
+                <a:latin typeface="+mn-lt"/>
+                <a:ea typeface="+mn-ea"/>
+                <a:cs typeface="+mn-cs"/>
+              </a:defRPr>
+            </a:lvl5pPr>
+            <a:lvl6pPr marL="2514600" indent="-228600" algn="l" defTabSz="914400" rtl="0" eaLnBrk="1" latinLnBrk="1" hangingPunct="1">
+              <a:lnSpc>
+                <a:spcPct val="90000"/>
+              </a:lnSpc>
+              <a:spcBef>
+                <a:spcPts val="500"/>
+              </a:spcBef>
+              <a:buFont typeface="Arial" panose="020B0604020202020204" pitchFamily="34" charset="0"/>
+              <a:buChar char="•"/>
+              <a:defRPr sz="1800" kern="1200">
+                <a:solidFill>
+                  <a:schemeClr val="tx1"/>
+                </a:solidFill>
+                <a:latin typeface="+mn-lt"/>
+                <a:ea typeface="+mn-ea"/>
+                <a:cs typeface="+mn-cs"/>
+              </a:defRPr>
+            </a:lvl6pPr>
+            <a:lvl7pPr marL="2971800" indent="-228600" algn="l" defTabSz="914400" rtl="0" eaLnBrk="1" latinLnBrk="1" hangingPunct="1">
+              <a:lnSpc>
+                <a:spcPct val="90000"/>
+              </a:lnSpc>
+              <a:spcBef>
+                <a:spcPts val="500"/>
+              </a:spcBef>
+              <a:buFont typeface="Arial" panose="020B0604020202020204" pitchFamily="34" charset="0"/>
+              <a:buChar char="•"/>
+              <a:defRPr sz="1800" kern="1200">
+                <a:solidFill>
+                  <a:schemeClr val="tx1"/>
+                </a:solidFill>
+                <a:latin typeface="+mn-lt"/>
+                <a:ea typeface="+mn-ea"/>
+                <a:cs typeface="+mn-cs"/>
+              </a:defRPr>
+            </a:lvl7pPr>
+            <a:lvl8pPr marL="3429000" indent="-228600" algn="l" defTabSz="914400" rtl="0" eaLnBrk="1" latinLnBrk="1" hangingPunct="1">
+              <a:lnSpc>
+                <a:spcPct val="90000"/>
+              </a:lnSpc>
+              <a:spcBef>
+                <a:spcPts val="500"/>
+              </a:spcBef>
+              <a:buFont typeface="Arial" panose="020B0604020202020204" pitchFamily="34" charset="0"/>
+              <a:buChar char="•"/>
+              <a:defRPr sz="1800" kern="1200">
+                <a:solidFill>
+                  <a:schemeClr val="tx1"/>
+                </a:solidFill>
+                <a:latin typeface="+mn-lt"/>
+                <a:ea typeface="+mn-ea"/>
+                <a:cs typeface="+mn-cs"/>
+              </a:defRPr>
+            </a:lvl8pPr>
+            <a:lvl9pPr marL="3886200" indent="-228600" algn="l" defTabSz="914400" rtl="0" eaLnBrk="1" latinLnBrk="1" hangingPunct="1">
+              <a:lnSpc>
+                <a:spcPct val="90000"/>
+              </a:lnSpc>
+              <a:spcBef>
+                <a:spcPts val="500"/>
+              </a:spcBef>
+              <a:buFont typeface="Arial" panose="020B0604020202020204" pitchFamily="34" charset="0"/>
+              <a:buChar char="•"/>
+              <a:defRPr sz="1800" kern="1200">
+                <a:solidFill>
+                  <a:schemeClr val="tx1"/>
+                </a:solidFill>
+                <a:latin typeface="+mn-lt"/>
+                <a:ea typeface="+mn-ea"/>
+                <a:cs typeface="+mn-cs"/>
+              </a:defRPr>
+            </a:lvl9pPr>
+          </a:lstStyle>
+          <a:p>
+            <a:pPr marL="0" indent="0">
+              <a:buNone/>
+            </a:pPr>
+            <a:r>
+              <a:rPr lang="ko-KR" altLang="en-US" sz="2000" b="1" dirty="0">
+                <a:solidFill>
+                  <a:schemeClr val="tx1">
+                    <a:lumMod val="85000"/>
+                    <a:lumOff val="15000"/>
+                  </a:schemeClr>
+                </a:solidFill>
+              </a:rPr>
+              <a:t>연구 목적</a:t>
+            </a:r>
+          </a:p>
+        </p:txBody>
+      </p:sp>
+      <p:sp>
+        <p:nvSpPr>
+          <p:cNvPr id="7" name="텍스트 개체 틀 2">
+            <a:extLst>
+              <a:ext uri="{FF2B5EF4-FFF2-40B4-BE49-F238E27FC236}">
+                <a16:creationId xmlns:a16="http://schemas.microsoft.com/office/drawing/2014/main" id="{EEFBE758-5FAB-4829-97FF-E2C5FD980D13}"/>
+              </a:ext>
+            </a:extLst>
+          </p:cNvPr>
+          <p:cNvSpPr txBox="1">
+            <a:spLocks/>
+          </p:cNvSpPr>
+          <p:nvPr/>
+        </p:nvSpPr>
+        <p:spPr>
+          <a:xfrm>
+            <a:off x="2493092" y="2400573"/>
+            <a:ext cx="4196376" cy="375615"/>
+          </a:xfrm>
+          <a:prstGeom prst="rect">
+            <a:avLst/>
+          </a:prstGeom>
+        </p:spPr>
+        <p:txBody>
+          <a:bodyPr/>
+          <a:lstStyle>
+            <a:lvl1pPr marL="228600" indent="-228600" algn="l" defTabSz="914400" rtl="0" eaLnBrk="1" latinLnBrk="1" hangingPunct="1">
+              <a:lnSpc>
+                <a:spcPct val="90000"/>
+              </a:lnSpc>
+              <a:spcBef>
+                <a:spcPts val="1000"/>
+              </a:spcBef>
+              <a:buFont typeface="Arial" panose="020B0604020202020204" pitchFamily="34" charset="0"/>
+              <a:buChar char="•"/>
+              <a:defRPr sz="2800" kern="1200">
+                <a:solidFill>
+                  <a:schemeClr val="tx1"/>
+                </a:solidFill>
+                <a:latin typeface="+mn-lt"/>
+                <a:ea typeface="+mn-ea"/>
+                <a:cs typeface="+mn-cs"/>
+              </a:defRPr>
+            </a:lvl1pPr>
+            <a:lvl2pPr marL="685800" indent="-228600" algn="l" defTabSz="914400" rtl="0" eaLnBrk="1" latinLnBrk="1" hangingPunct="1">
+              <a:lnSpc>
+                <a:spcPct val="90000"/>
+              </a:lnSpc>
+              <a:spcBef>
+                <a:spcPts val="500"/>
+              </a:spcBef>
+              <a:buFont typeface="Arial" panose="020B0604020202020204" pitchFamily="34" charset="0"/>
+              <a:buChar char="•"/>
+              <a:defRPr sz="2400" kern="1200">
+                <a:solidFill>
+                  <a:schemeClr val="tx1"/>
+                </a:solidFill>
+                <a:latin typeface="+mn-lt"/>
+                <a:ea typeface="+mn-ea"/>
+                <a:cs typeface="+mn-cs"/>
+              </a:defRPr>
+            </a:lvl2pPr>
+            <a:lvl3pPr marL="1143000" indent="-228600" algn="l" defTabSz="914400" rtl="0" eaLnBrk="1" latinLnBrk="1" hangingPunct="1">
+              <a:lnSpc>
+                <a:spcPct val="90000"/>
+              </a:lnSpc>
+              <a:spcBef>
+                <a:spcPts val="500"/>
+              </a:spcBef>
+              <a:buFont typeface="Arial" panose="020B0604020202020204" pitchFamily="34" charset="0"/>
+              <a:buChar char="•"/>
+              <a:defRPr sz="2000" kern="1200">
+                <a:solidFill>
+                  <a:schemeClr val="tx1"/>
+                </a:solidFill>
+                <a:latin typeface="+mn-lt"/>
+                <a:ea typeface="+mn-ea"/>
+                <a:cs typeface="+mn-cs"/>
+              </a:defRPr>
+            </a:lvl3pPr>
+            <a:lvl4pPr marL="1600200" indent="-228600" algn="l" defTabSz="914400" rtl="0" eaLnBrk="1" latinLnBrk="1" hangingPunct="1">
+              <a:lnSpc>
+                <a:spcPct val="90000"/>
+              </a:lnSpc>
+              <a:spcBef>
+                <a:spcPts val="500"/>
+              </a:spcBef>
+              <a:buFont typeface="Arial" panose="020B0604020202020204" pitchFamily="34" charset="0"/>
+              <a:buChar char="•"/>
+              <a:defRPr sz="1800" kern="1200">
+                <a:solidFill>
+                  <a:schemeClr val="tx1"/>
+                </a:solidFill>
+                <a:latin typeface="+mn-lt"/>
+                <a:ea typeface="+mn-ea"/>
+                <a:cs typeface="+mn-cs"/>
+              </a:defRPr>
+            </a:lvl4pPr>
+            <a:lvl5pPr marL="2057400" indent="-228600" algn="l" defTabSz="914400" rtl="0" eaLnBrk="1" latinLnBrk="1" hangingPunct="1">
+              <a:lnSpc>
+                <a:spcPct val="90000"/>
+              </a:lnSpc>
+              <a:spcBef>
+                <a:spcPts val="500"/>
+              </a:spcBef>
+              <a:buFont typeface="Arial" panose="020B0604020202020204" pitchFamily="34" charset="0"/>
+              <a:buChar char="•"/>
+              <a:defRPr sz="1800" kern="1200">
+                <a:solidFill>
+                  <a:schemeClr val="tx1"/>
+                </a:solidFill>
+                <a:latin typeface="+mn-lt"/>
+                <a:ea typeface="+mn-ea"/>
+                <a:cs typeface="+mn-cs"/>
+              </a:defRPr>
+            </a:lvl5pPr>
+            <a:lvl6pPr marL="2514600" indent="-228600" algn="l" defTabSz="914400" rtl="0" eaLnBrk="1" latinLnBrk="1" hangingPunct="1">
+              <a:lnSpc>
+                <a:spcPct val="90000"/>
+              </a:lnSpc>
+              <a:spcBef>
+                <a:spcPts val="500"/>
+              </a:spcBef>
+              <a:buFont typeface="Arial" panose="020B0604020202020204" pitchFamily="34" charset="0"/>
+              <a:buChar char="•"/>
+              <a:defRPr sz="1800" kern="1200">
+                <a:solidFill>
+                  <a:schemeClr val="tx1"/>
+                </a:solidFill>
+                <a:latin typeface="+mn-lt"/>
+                <a:ea typeface="+mn-ea"/>
+                <a:cs typeface="+mn-cs"/>
+              </a:defRPr>
+            </a:lvl6pPr>
+            <a:lvl7pPr marL="2971800" indent="-228600" algn="l" defTabSz="914400" rtl="0" eaLnBrk="1" latinLnBrk="1" hangingPunct="1">
+              <a:lnSpc>
+                <a:spcPct val="90000"/>
+              </a:lnSpc>
+              <a:spcBef>
+                <a:spcPts val="500"/>
+              </a:spcBef>
+              <a:buFont typeface="Arial" panose="020B0604020202020204" pitchFamily="34" charset="0"/>
+              <a:buChar char="•"/>
+              <a:defRPr sz="1800" kern="1200">
+                <a:solidFill>
+                  <a:schemeClr val="tx1"/>
+                </a:solidFill>
+                <a:latin typeface="+mn-lt"/>
+                <a:ea typeface="+mn-ea"/>
+                <a:cs typeface="+mn-cs"/>
+              </a:defRPr>
+            </a:lvl7pPr>
+            <a:lvl8pPr marL="3429000" indent="-228600" algn="l" defTabSz="914400" rtl="0" eaLnBrk="1" latinLnBrk="1" hangingPunct="1">
+              <a:lnSpc>
+                <a:spcPct val="90000"/>
+              </a:lnSpc>
+              <a:spcBef>
+                <a:spcPts val="500"/>
+              </a:spcBef>
+              <a:buFont typeface="Arial" panose="020B0604020202020204" pitchFamily="34" charset="0"/>
+              <a:buChar char="•"/>
+              <a:defRPr sz="1800" kern="1200">
+                <a:solidFill>
+                  <a:schemeClr val="tx1"/>
+                </a:solidFill>
+                <a:latin typeface="+mn-lt"/>
+                <a:ea typeface="+mn-ea"/>
+                <a:cs typeface="+mn-cs"/>
+              </a:defRPr>
+            </a:lvl8pPr>
+            <a:lvl9pPr marL="3886200" indent="-228600" algn="l" defTabSz="914400" rtl="0" eaLnBrk="1" latinLnBrk="1" hangingPunct="1">
+              <a:lnSpc>
+                <a:spcPct val="90000"/>
+              </a:lnSpc>
+              <a:spcBef>
+                <a:spcPts val="500"/>
+              </a:spcBef>
+              <a:buFont typeface="Arial" panose="020B0604020202020204" pitchFamily="34" charset="0"/>
+              <a:buChar char="•"/>
+              <a:defRPr sz="1800" kern="1200">
+                <a:solidFill>
+                  <a:schemeClr val="tx1"/>
+                </a:solidFill>
+                <a:latin typeface="+mn-lt"/>
+                <a:ea typeface="+mn-ea"/>
+                <a:cs typeface="+mn-cs"/>
+              </a:defRPr>
+            </a:lvl9pPr>
+          </a:lstStyle>
+          <a:p>
+            <a:pPr marL="0" indent="0">
+              <a:buNone/>
+            </a:pPr>
+            <a:r>
+              <a:rPr lang="ko-KR" altLang="en-US" sz="2000" b="1" dirty="0">
+                <a:solidFill>
+                  <a:schemeClr val="tx1">
+                    <a:lumMod val="85000"/>
+                    <a:lumOff val="15000"/>
+                  </a:schemeClr>
+                </a:solidFill>
+              </a:rPr>
+              <a:t>게임 소개 및 특징</a:t>
+            </a:r>
+          </a:p>
+        </p:txBody>
+      </p:sp>
+      <p:sp>
+        <p:nvSpPr>
+          <p:cNvPr id="8" name="텍스트 개체 틀 2">
+            <a:extLst>
+              <a:ext uri="{FF2B5EF4-FFF2-40B4-BE49-F238E27FC236}">
+                <a16:creationId xmlns:a16="http://schemas.microsoft.com/office/drawing/2014/main" id="{85A8B7D1-EA0A-4C2E-AC09-D61EF398EE59}"/>
+              </a:ext>
+            </a:extLst>
+          </p:cNvPr>
+          <p:cNvSpPr txBox="1">
+            <a:spLocks/>
+          </p:cNvSpPr>
+          <p:nvPr/>
+        </p:nvSpPr>
+        <p:spPr>
+          <a:xfrm>
+            <a:off x="2493092" y="3880836"/>
+            <a:ext cx="4196376" cy="375615"/>
+          </a:xfrm>
+          <a:prstGeom prst="rect">
+            <a:avLst/>
+          </a:prstGeom>
+        </p:spPr>
+        <p:txBody>
+          <a:bodyPr/>
+          <a:lstStyle>
+            <a:lvl1pPr marL="228600" indent="-228600" algn="l" defTabSz="914400" rtl="0" eaLnBrk="1" latinLnBrk="1" hangingPunct="1">
+              <a:lnSpc>
+                <a:spcPct val="90000"/>
+              </a:lnSpc>
+              <a:spcBef>
+                <a:spcPts val="1000"/>
+              </a:spcBef>
+              <a:buFont typeface="Arial" panose="020B0604020202020204" pitchFamily="34" charset="0"/>
+              <a:buChar char="•"/>
+              <a:defRPr sz="2800" kern="1200">
+                <a:solidFill>
+                  <a:schemeClr val="tx1"/>
+                </a:solidFill>
+                <a:latin typeface="+mn-lt"/>
+                <a:ea typeface="+mn-ea"/>
+                <a:cs typeface="+mn-cs"/>
+              </a:defRPr>
+            </a:lvl1pPr>
+            <a:lvl2pPr marL="685800" indent="-228600" algn="l" defTabSz="914400" rtl="0" eaLnBrk="1" latinLnBrk="1" hangingPunct="1">
+              <a:lnSpc>
+                <a:spcPct val="90000"/>
+              </a:lnSpc>
+              <a:spcBef>
+                <a:spcPts val="500"/>
+              </a:spcBef>
+              <a:buFont typeface="Arial" panose="020B0604020202020204" pitchFamily="34" charset="0"/>
+              <a:buChar char="•"/>
+              <a:defRPr sz="2400" kern="1200">
+                <a:solidFill>
+                  <a:schemeClr val="tx1"/>
+                </a:solidFill>
+                <a:latin typeface="+mn-lt"/>
+                <a:ea typeface="+mn-ea"/>
+                <a:cs typeface="+mn-cs"/>
+              </a:defRPr>
+            </a:lvl2pPr>
+            <a:lvl3pPr marL="1143000" indent="-228600" algn="l" defTabSz="914400" rtl="0" eaLnBrk="1" latinLnBrk="1" hangingPunct="1">
+              <a:lnSpc>
+                <a:spcPct val="90000"/>
+              </a:lnSpc>
+              <a:spcBef>
+                <a:spcPts val="500"/>
+              </a:spcBef>
+              <a:buFont typeface="Arial" panose="020B0604020202020204" pitchFamily="34" charset="0"/>
+              <a:buChar char="•"/>
+              <a:defRPr sz="2000" kern="1200">
+                <a:solidFill>
+                  <a:schemeClr val="tx1"/>
+                </a:solidFill>
+                <a:latin typeface="+mn-lt"/>
+                <a:ea typeface="+mn-ea"/>
+                <a:cs typeface="+mn-cs"/>
+              </a:defRPr>
+            </a:lvl3pPr>
+            <a:lvl4pPr marL="1600200" indent="-228600" algn="l" defTabSz="914400" rtl="0" eaLnBrk="1" latinLnBrk="1" hangingPunct="1">
+              <a:lnSpc>
+                <a:spcPct val="90000"/>
+              </a:lnSpc>
+              <a:spcBef>
+                <a:spcPts val="500"/>
+              </a:spcBef>
+              <a:buFont typeface="Arial" panose="020B0604020202020204" pitchFamily="34" charset="0"/>
+              <a:buChar char="•"/>
+              <a:defRPr sz="1800" kern="1200">
+                <a:solidFill>
+                  <a:schemeClr val="tx1"/>
+                </a:solidFill>
+                <a:latin typeface="+mn-lt"/>
+                <a:ea typeface="+mn-ea"/>
+                <a:cs typeface="+mn-cs"/>
+              </a:defRPr>
+            </a:lvl4pPr>
+            <a:lvl5pPr marL="2057400" indent="-228600" algn="l" defTabSz="914400" rtl="0" eaLnBrk="1" latinLnBrk="1" hangingPunct="1">
+              <a:lnSpc>
+                <a:spcPct val="90000"/>
+              </a:lnSpc>
+              <a:spcBef>
+                <a:spcPts val="500"/>
+              </a:spcBef>
+              <a:buFont typeface="Arial" panose="020B0604020202020204" pitchFamily="34" charset="0"/>
+              <a:buChar char="•"/>
+              <a:defRPr sz="1800" kern="1200">
+                <a:solidFill>
+                  <a:schemeClr val="tx1"/>
+                </a:solidFill>
+                <a:latin typeface="+mn-lt"/>
+                <a:ea typeface="+mn-ea"/>
+                <a:cs typeface="+mn-cs"/>
+              </a:defRPr>
+            </a:lvl5pPr>
+            <a:lvl6pPr marL="2514600" indent="-228600" algn="l" defTabSz="914400" rtl="0" eaLnBrk="1" latinLnBrk="1" hangingPunct="1">
+              <a:lnSpc>
+                <a:spcPct val="90000"/>
+              </a:lnSpc>
+              <a:spcBef>
+                <a:spcPts val="500"/>
+              </a:spcBef>
+              <a:buFont typeface="Arial" panose="020B0604020202020204" pitchFamily="34" charset="0"/>
+              <a:buChar char="•"/>
+              <a:defRPr sz="1800" kern="1200">
+                <a:solidFill>
+                  <a:schemeClr val="tx1"/>
+                </a:solidFill>
+                <a:latin typeface="+mn-lt"/>
+                <a:ea typeface="+mn-ea"/>
+                <a:cs typeface="+mn-cs"/>
+              </a:defRPr>
+            </a:lvl6pPr>
+            <a:lvl7pPr marL="2971800" indent="-228600" algn="l" defTabSz="914400" rtl="0" eaLnBrk="1" latinLnBrk="1" hangingPunct="1">
+              <a:lnSpc>
+                <a:spcPct val="90000"/>
+              </a:lnSpc>
+              <a:spcBef>
+                <a:spcPts val="500"/>
+              </a:spcBef>
+              <a:buFont typeface="Arial" panose="020B0604020202020204" pitchFamily="34" charset="0"/>
+              <a:buChar char="•"/>
+              <a:defRPr sz="1800" kern="1200">
+                <a:solidFill>
+                  <a:schemeClr val="tx1"/>
+                </a:solidFill>
+                <a:latin typeface="+mn-lt"/>
+                <a:ea typeface="+mn-ea"/>
+                <a:cs typeface="+mn-cs"/>
+              </a:defRPr>
+            </a:lvl7pPr>
+            <a:lvl8pPr marL="3429000" indent="-228600" algn="l" defTabSz="914400" rtl="0" eaLnBrk="1" latinLnBrk="1" hangingPunct="1">
+              <a:lnSpc>
+                <a:spcPct val="90000"/>
+              </a:lnSpc>
+              <a:spcBef>
+                <a:spcPts val="500"/>
+              </a:spcBef>
+              <a:buFont typeface="Arial" panose="020B0604020202020204" pitchFamily="34" charset="0"/>
+              <a:buChar char="•"/>
+              <a:defRPr sz="1800" kern="1200">
+                <a:solidFill>
+                  <a:schemeClr val="tx1"/>
+                </a:solidFill>
+                <a:latin typeface="+mn-lt"/>
+                <a:ea typeface="+mn-ea"/>
+                <a:cs typeface="+mn-cs"/>
+              </a:defRPr>
+            </a:lvl8pPr>
+            <a:lvl9pPr marL="3886200" indent="-228600" algn="l" defTabSz="914400" rtl="0" eaLnBrk="1" latinLnBrk="1" hangingPunct="1">
+              <a:lnSpc>
+                <a:spcPct val="90000"/>
+              </a:lnSpc>
+              <a:spcBef>
+                <a:spcPts val="500"/>
+              </a:spcBef>
+              <a:buFont typeface="Arial" panose="020B0604020202020204" pitchFamily="34" charset="0"/>
+              <a:buChar char="•"/>
+              <a:defRPr sz="1800" kern="1200">
+                <a:solidFill>
+                  <a:schemeClr val="tx1"/>
+                </a:solidFill>
+                <a:latin typeface="+mn-lt"/>
+                <a:ea typeface="+mn-ea"/>
+                <a:cs typeface="+mn-cs"/>
+              </a:defRPr>
+            </a:lvl9pPr>
+          </a:lstStyle>
+          <a:p>
+            <a:pPr marL="0" indent="0">
+              <a:buNone/>
+            </a:pPr>
+            <a:r>
+              <a:rPr lang="ko-KR" altLang="en-US" sz="2000" b="1" dirty="0">
+                <a:solidFill>
+                  <a:schemeClr val="tx1">
+                    <a:lumMod val="85000"/>
+                    <a:lumOff val="15000"/>
+                  </a:schemeClr>
+                </a:solidFill>
+              </a:rPr>
+              <a:t>게임 방법</a:t>
+            </a:r>
+          </a:p>
+        </p:txBody>
+      </p:sp>
+      <p:sp>
+        <p:nvSpPr>
+          <p:cNvPr id="9" name="텍스트 개체 틀 2">
+            <a:extLst>
+              <a:ext uri="{FF2B5EF4-FFF2-40B4-BE49-F238E27FC236}">
+                <a16:creationId xmlns:a16="http://schemas.microsoft.com/office/drawing/2014/main" id="{519BE831-0705-466E-8B72-FCB249028FDF}"/>
+              </a:ext>
+            </a:extLst>
+          </p:cNvPr>
+          <p:cNvSpPr txBox="1">
+            <a:spLocks/>
+          </p:cNvSpPr>
+          <p:nvPr/>
+        </p:nvSpPr>
+        <p:spPr>
+          <a:xfrm>
+            <a:off x="2493092" y="4651004"/>
+            <a:ext cx="4468726" cy="320952"/>
+          </a:xfrm>
+          <a:prstGeom prst="rect">
+            <a:avLst/>
+          </a:prstGeom>
+        </p:spPr>
+        <p:txBody>
+          <a:bodyPr/>
+          <a:lstStyle>
+            <a:lvl1pPr marL="228600" indent="-228600" algn="l" defTabSz="914400" rtl="0" eaLnBrk="1" latinLnBrk="1" hangingPunct="1">
+              <a:lnSpc>
+                <a:spcPct val="90000"/>
+              </a:lnSpc>
+              <a:spcBef>
+                <a:spcPts val="1000"/>
+              </a:spcBef>
+              <a:buFont typeface="Arial" panose="020B0604020202020204" pitchFamily="34" charset="0"/>
+              <a:buChar char="•"/>
+              <a:defRPr sz="2800" kern="1200">
+                <a:solidFill>
+                  <a:schemeClr val="tx1"/>
+                </a:solidFill>
+                <a:latin typeface="+mn-lt"/>
+                <a:ea typeface="+mn-ea"/>
+                <a:cs typeface="+mn-cs"/>
+              </a:defRPr>
+            </a:lvl1pPr>
+            <a:lvl2pPr marL="685800" indent="-228600" algn="l" defTabSz="914400" rtl="0" eaLnBrk="1" latinLnBrk="1" hangingPunct="1">
+              <a:lnSpc>
+                <a:spcPct val="90000"/>
+              </a:lnSpc>
+              <a:spcBef>
+                <a:spcPts val="500"/>
+              </a:spcBef>
+              <a:buFont typeface="Arial" panose="020B0604020202020204" pitchFamily="34" charset="0"/>
+              <a:buChar char="•"/>
+              <a:defRPr sz="2400" kern="1200">
+                <a:solidFill>
+                  <a:schemeClr val="tx1"/>
+                </a:solidFill>
+                <a:latin typeface="+mn-lt"/>
+                <a:ea typeface="+mn-ea"/>
+                <a:cs typeface="+mn-cs"/>
+              </a:defRPr>
+            </a:lvl2pPr>
+            <a:lvl3pPr marL="1143000" indent="-228600" algn="l" defTabSz="914400" rtl="0" eaLnBrk="1" latinLnBrk="1" hangingPunct="1">
+              <a:lnSpc>
+                <a:spcPct val="90000"/>
+              </a:lnSpc>
+              <a:spcBef>
+                <a:spcPts val="500"/>
+              </a:spcBef>
+              <a:buFont typeface="Arial" panose="020B0604020202020204" pitchFamily="34" charset="0"/>
+              <a:buChar char="•"/>
+              <a:defRPr sz="2000" kern="1200">
+                <a:solidFill>
+                  <a:schemeClr val="tx1"/>
+                </a:solidFill>
+                <a:latin typeface="+mn-lt"/>
+                <a:ea typeface="+mn-ea"/>
+                <a:cs typeface="+mn-cs"/>
+              </a:defRPr>
+            </a:lvl3pPr>
+            <a:lvl4pPr marL="1600200" indent="-228600" algn="l" defTabSz="914400" rtl="0" eaLnBrk="1" latinLnBrk="1" hangingPunct="1">
+              <a:lnSpc>
+                <a:spcPct val="90000"/>
+              </a:lnSpc>
+              <a:spcBef>
+                <a:spcPts val="500"/>
+              </a:spcBef>
+              <a:buFont typeface="Arial" panose="020B0604020202020204" pitchFamily="34" charset="0"/>
+              <a:buChar char="•"/>
+              <a:defRPr sz="1800" kern="1200">
+                <a:solidFill>
+                  <a:schemeClr val="tx1"/>
+                </a:solidFill>
+                <a:latin typeface="+mn-lt"/>
+                <a:ea typeface="+mn-ea"/>
+                <a:cs typeface="+mn-cs"/>
+              </a:defRPr>
+            </a:lvl4pPr>
+            <a:lvl5pPr marL="2057400" indent="-228600" algn="l" defTabSz="914400" rtl="0" eaLnBrk="1" latinLnBrk="1" hangingPunct="1">
+              <a:lnSpc>
+                <a:spcPct val="90000"/>
+              </a:lnSpc>
+              <a:spcBef>
+                <a:spcPts val="500"/>
+              </a:spcBef>
+              <a:buFont typeface="Arial" panose="020B0604020202020204" pitchFamily="34" charset="0"/>
+              <a:buChar char="•"/>
+              <a:defRPr sz="1800" kern="1200">
+                <a:solidFill>
+                  <a:schemeClr val="tx1"/>
+                </a:solidFill>
+                <a:latin typeface="+mn-lt"/>
+                <a:ea typeface="+mn-ea"/>
+                <a:cs typeface="+mn-cs"/>
+              </a:defRPr>
+            </a:lvl5pPr>
+            <a:lvl6pPr marL="2514600" indent="-228600" algn="l" defTabSz="914400" rtl="0" eaLnBrk="1" latinLnBrk="1" hangingPunct="1">
+              <a:lnSpc>
+                <a:spcPct val="90000"/>
+              </a:lnSpc>
+              <a:spcBef>
+                <a:spcPts val="500"/>
+              </a:spcBef>
+              <a:buFont typeface="Arial" panose="020B0604020202020204" pitchFamily="34" charset="0"/>
+              <a:buChar char="•"/>
+              <a:defRPr sz="1800" kern="1200">
+                <a:solidFill>
+                  <a:schemeClr val="tx1"/>
+                </a:solidFill>
+                <a:latin typeface="+mn-lt"/>
+                <a:ea typeface="+mn-ea"/>
+                <a:cs typeface="+mn-cs"/>
+              </a:defRPr>
+            </a:lvl6pPr>
+            <a:lvl7pPr marL="2971800" indent="-228600" algn="l" defTabSz="914400" rtl="0" eaLnBrk="1" latinLnBrk="1" hangingPunct="1">
+              <a:lnSpc>
+                <a:spcPct val="90000"/>
+              </a:lnSpc>
+              <a:spcBef>
+                <a:spcPts val="500"/>
+              </a:spcBef>
+              <a:buFont typeface="Arial" panose="020B0604020202020204" pitchFamily="34" charset="0"/>
+              <a:buChar char="•"/>
+              <a:defRPr sz="1800" kern="1200">
+                <a:solidFill>
+                  <a:schemeClr val="tx1"/>
+                </a:solidFill>
+                <a:latin typeface="+mn-lt"/>
+                <a:ea typeface="+mn-ea"/>
+                <a:cs typeface="+mn-cs"/>
+              </a:defRPr>
+            </a:lvl7pPr>
+            <a:lvl8pPr marL="3429000" indent="-228600" algn="l" defTabSz="914400" rtl="0" eaLnBrk="1" latinLnBrk="1" hangingPunct="1">
+              <a:lnSpc>
+                <a:spcPct val="90000"/>
+              </a:lnSpc>
+              <a:spcBef>
+                <a:spcPts val="500"/>
+              </a:spcBef>
+              <a:buFont typeface="Arial" panose="020B0604020202020204" pitchFamily="34" charset="0"/>
+              <a:buChar char="•"/>
+              <a:defRPr sz="1800" kern="1200">
+                <a:solidFill>
+                  <a:schemeClr val="tx1"/>
+                </a:solidFill>
+                <a:latin typeface="+mn-lt"/>
+                <a:ea typeface="+mn-ea"/>
+                <a:cs typeface="+mn-cs"/>
+              </a:defRPr>
+            </a:lvl8pPr>
+            <a:lvl9pPr marL="3886200" indent="-228600" algn="l" defTabSz="914400" rtl="0" eaLnBrk="1" latinLnBrk="1" hangingPunct="1">
+              <a:lnSpc>
+                <a:spcPct val="90000"/>
+              </a:lnSpc>
+              <a:spcBef>
+                <a:spcPts val="500"/>
+              </a:spcBef>
+              <a:buFont typeface="Arial" panose="020B0604020202020204" pitchFamily="34" charset="0"/>
+              <a:buChar char="•"/>
+              <a:defRPr sz="1800" kern="1200">
+                <a:solidFill>
+                  <a:schemeClr val="tx1"/>
+                </a:solidFill>
+                <a:latin typeface="+mn-lt"/>
+                <a:ea typeface="+mn-ea"/>
+                <a:cs typeface="+mn-cs"/>
+              </a:defRPr>
+            </a:lvl9pPr>
+          </a:lstStyle>
+          <a:p>
+            <a:pPr marL="0" indent="0">
+              <a:buNone/>
+            </a:pPr>
+            <a:r>
+              <a:rPr lang="ko-KR" altLang="en-US" sz="2000" b="1" dirty="0">
+                <a:solidFill>
+                  <a:schemeClr val="tx1">
+                    <a:lumMod val="85000"/>
+                    <a:lumOff val="15000"/>
+                  </a:schemeClr>
+                </a:solidFill>
+              </a:rPr>
+              <a:t>개발 환경</a:t>
+            </a:r>
+          </a:p>
+        </p:txBody>
+      </p:sp>
+      <p:sp>
+        <p:nvSpPr>
+          <p:cNvPr id="10" name="텍스트 개체 틀 2">
+            <a:extLst>
+              <a:ext uri="{FF2B5EF4-FFF2-40B4-BE49-F238E27FC236}">
+                <a16:creationId xmlns:a16="http://schemas.microsoft.com/office/drawing/2014/main" id="{557EB98D-3A4C-41B0-84FB-6FE85AB28AEC}"/>
+              </a:ext>
+            </a:extLst>
+          </p:cNvPr>
+          <p:cNvSpPr txBox="1">
+            <a:spLocks/>
+          </p:cNvSpPr>
+          <p:nvPr/>
+        </p:nvSpPr>
+        <p:spPr>
+          <a:xfrm>
+            <a:off x="2493092" y="5390825"/>
+            <a:ext cx="4196376" cy="375615"/>
+          </a:xfrm>
+          <a:prstGeom prst="rect">
+            <a:avLst/>
+          </a:prstGeom>
+        </p:spPr>
+        <p:txBody>
+          <a:bodyPr/>
+          <a:lstStyle>
+            <a:lvl1pPr marL="228600" indent="-228600" algn="l" defTabSz="914400" rtl="0" eaLnBrk="1" latinLnBrk="1" hangingPunct="1">
+              <a:lnSpc>
+                <a:spcPct val="90000"/>
+              </a:lnSpc>
+              <a:spcBef>
+                <a:spcPts val="1000"/>
+              </a:spcBef>
+              <a:buFont typeface="Arial" panose="020B0604020202020204" pitchFamily="34" charset="0"/>
+              <a:buChar char="•"/>
+              <a:defRPr sz="2800" kern="1200">
+                <a:solidFill>
+                  <a:schemeClr val="tx1"/>
+                </a:solidFill>
+                <a:latin typeface="+mn-lt"/>
+                <a:ea typeface="+mn-ea"/>
+                <a:cs typeface="+mn-cs"/>
+              </a:defRPr>
+            </a:lvl1pPr>
+            <a:lvl2pPr marL="685800" indent="-228600" algn="l" defTabSz="914400" rtl="0" eaLnBrk="1" latinLnBrk="1" hangingPunct="1">
+              <a:lnSpc>
+                <a:spcPct val="90000"/>
+              </a:lnSpc>
+              <a:spcBef>
+                <a:spcPts val="500"/>
+              </a:spcBef>
+              <a:buFont typeface="Arial" panose="020B0604020202020204" pitchFamily="34" charset="0"/>
+              <a:buChar char="•"/>
+              <a:defRPr sz="2400" kern="1200">
+                <a:solidFill>
+                  <a:schemeClr val="tx1"/>
+                </a:solidFill>
+                <a:latin typeface="+mn-lt"/>
+                <a:ea typeface="+mn-ea"/>
+                <a:cs typeface="+mn-cs"/>
+              </a:defRPr>
+            </a:lvl2pPr>
+            <a:lvl3pPr marL="1143000" indent="-228600" algn="l" defTabSz="914400" rtl="0" eaLnBrk="1" latinLnBrk="1" hangingPunct="1">
+              <a:lnSpc>
+                <a:spcPct val="90000"/>
+              </a:lnSpc>
+              <a:spcBef>
+                <a:spcPts val="500"/>
+              </a:spcBef>
+              <a:buFont typeface="Arial" panose="020B0604020202020204" pitchFamily="34" charset="0"/>
+              <a:buChar char="•"/>
+              <a:defRPr sz="2000" kern="1200">
+                <a:solidFill>
+                  <a:schemeClr val="tx1"/>
+                </a:solidFill>
+                <a:latin typeface="+mn-lt"/>
+                <a:ea typeface="+mn-ea"/>
+                <a:cs typeface="+mn-cs"/>
+              </a:defRPr>
+            </a:lvl3pPr>
+            <a:lvl4pPr marL="1600200" indent="-228600" algn="l" defTabSz="914400" rtl="0" eaLnBrk="1" latinLnBrk="1" hangingPunct="1">
+              <a:lnSpc>
+                <a:spcPct val="90000"/>
+              </a:lnSpc>
+              <a:spcBef>
+                <a:spcPts val="500"/>
+              </a:spcBef>
+              <a:buFont typeface="Arial" panose="020B0604020202020204" pitchFamily="34" charset="0"/>
+              <a:buChar char="•"/>
+              <a:defRPr sz="1800" kern="1200">
+                <a:solidFill>
+                  <a:schemeClr val="tx1"/>
+                </a:solidFill>
+                <a:latin typeface="+mn-lt"/>
+                <a:ea typeface="+mn-ea"/>
+                <a:cs typeface="+mn-cs"/>
+              </a:defRPr>
+            </a:lvl4pPr>
+            <a:lvl5pPr marL="2057400" indent="-228600" algn="l" defTabSz="914400" rtl="0" eaLnBrk="1" latinLnBrk="1" hangingPunct="1">
+              <a:lnSpc>
+                <a:spcPct val="90000"/>
+              </a:lnSpc>
+              <a:spcBef>
+                <a:spcPts val="500"/>
+              </a:spcBef>
+              <a:buFont typeface="Arial" panose="020B0604020202020204" pitchFamily="34" charset="0"/>
+              <a:buChar char="•"/>
+              <a:defRPr sz="1800" kern="1200">
+                <a:solidFill>
+                  <a:schemeClr val="tx1"/>
+                </a:solidFill>
+                <a:latin typeface="+mn-lt"/>
+                <a:ea typeface="+mn-ea"/>
+                <a:cs typeface="+mn-cs"/>
+              </a:defRPr>
+            </a:lvl5pPr>
+            <a:lvl6pPr marL="2514600" indent="-228600" algn="l" defTabSz="914400" rtl="0" eaLnBrk="1" latinLnBrk="1" hangingPunct="1">
+              <a:lnSpc>
+                <a:spcPct val="90000"/>
+              </a:lnSpc>
+              <a:spcBef>
+                <a:spcPts val="500"/>
+              </a:spcBef>
+              <a:buFont typeface="Arial" panose="020B0604020202020204" pitchFamily="34" charset="0"/>
+              <a:buChar char="•"/>
+              <a:defRPr sz="1800" kern="1200">
+                <a:solidFill>
+                  <a:schemeClr val="tx1"/>
+                </a:solidFill>
+                <a:latin typeface="+mn-lt"/>
+                <a:ea typeface="+mn-ea"/>
+                <a:cs typeface="+mn-cs"/>
+              </a:defRPr>
+            </a:lvl6pPr>
+            <a:lvl7pPr marL="2971800" indent="-228600" algn="l" defTabSz="914400" rtl="0" eaLnBrk="1" latinLnBrk="1" hangingPunct="1">
+              <a:lnSpc>
+                <a:spcPct val="90000"/>
+              </a:lnSpc>
+              <a:spcBef>
+                <a:spcPts val="500"/>
+              </a:spcBef>
+              <a:buFont typeface="Arial" panose="020B0604020202020204" pitchFamily="34" charset="0"/>
+              <a:buChar char="•"/>
+              <a:defRPr sz="1800" kern="1200">
+                <a:solidFill>
+                  <a:schemeClr val="tx1"/>
+                </a:solidFill>
+                <a:latin typeface="+mn-lt"/>
+                <a:ea typeface="+mn-ea"/>
+                <a:cs typeface="+mn-cs"/>
+              </a:defRPr>
+            </a:lvl7pPr>
+            <a:lvl8pPr marL="3429000" indent="-228600" algn="l" defTabSz="914400" rtl="0" eaLnBrk="1" latinLnBrk="1" hangingPunct="1">
+              <a:lnSpc>
+                <a:spcPct val="90000"/>
+              </a:lnSpc>
+              <a:spcBef>
+                <a:spcPts val="500"/>
+              </a:spcBef>
+              <a:buFont typeface="Arial" panose="020B0604020202020204" pitchFamily="34" charset="0"/>
+              <a:buChar char="•"/>
+              <a:defRPr sz="1800" kern="1200">
+                <a:solidFill>
+                  <a:schemeClr val="tx1"/>
+                </a:solidFill>
+                <a:latin typeface="+mn-lt"/>
+                <a:ea typeface="+mn-ea"/>
+                <a:cs typeface="+mn-cs"/>
+              </a:defRPr>
+            </a:lvl8pPr>
+            <a:lvl9pPr marL="3886200" indent="-228600" algn="l" defTabSz="914400" rtl="0" eaLnBrk="1" latinLnBrk="1" hangingPunct="1">
+              <a:lnSpc>
+                <a:spcPct val="90000"/>
+              </a:lnSpc>
+              <a:spcBef>
+                <a:spcPts val="500"/>
+              </a:spcBef>
+              <a:buFont typeface="Arial" panose="020B0604020202020204" pitchFamily="34" charset="0"/>
+              <a:buChar char="•"/>
+              <a:defRPr sz="1800" kern="1200">
+                <a:solidFill>
+                  <a:schemeClr val="tx1"/>
+                </a:solidFill>
+                <a:latin typeface="+mn-lt"/>
+                <a:ea typeface="+mn-ea"/>
+                <a:cs typeface="+mn-cs"/>
+              </a:defRPr>
+            </a:lvl9pPr>
+          </a:lstStyle>
+          <a:p>
+            <a:pPr marL="0" indent="0">
+              <a:buNone/>
+            </a:pPr>
+            <a:r>
+              <a:rPr lang="ko-KR" altLang="en-US" sz="2000" b="1" dirty="0">
+                <a:solidFill>
+                  <a:schemeClr val="tx1">
+                    <a:lumMod val="85000"/>
+                    <a:lumOff val="15000"/>
+                  </a:schemeClr>
+                </a:solidFill>
+              </a:rPr>
+              <a:t>기술적 요소</a:t>
+            </a:r>
+          </a:p>
+        </p:txBody>
+      </p:sp>
+      <p:sp>
+        <p:nvSpPr>
+          <p:cNvPr id="11" name="텍스트 개체 틀 2">
+            <a:extLst>
+              <a:ext uri="{FF2B5EF4-FFF2-40B4-BE49-F238E27FC236}">
+                <a16:creationId xmlns:a16="http://schemas.microsoft.com/office/drawing/2014/main" id="{D793DDE2-B29F-4E04-AF99-D454C5347BBA}"/>
+              </a:ext>
+            </a:extLst>
+          </p:cNvPr>
+          <p:cNvSpPr txBox="1">
+            <a:spLocks/>
+          </p:cNvSpPr>
+          <p:nvPr/>
+        </p:nvSpPr>
+        <p:spPr>
+          <a:xfrm>
+            <a:off x="2493092" y="6090707"/>
+            <a:ext cx="5660310" cy="375615"/>
+          </a:xfrm>
+          <a:prstGeom prst="rect">
+            <a:avLst/>
+          </a:prstGeom>
+        </p:spPr>
+        <p:txBody>
+          <a:bodyPr/>
+          <a:lstStyle>
+            <a:lvl1pPr marL="228600" indent="-228600" algn="l" defTabSz="914400" rtl="0" eaLnBrk="1" latinLnBrk="1" hangingPunct="1">
+              <a:lnSpc>
+                <a:spcPct val="90000"/>
+              </a:lnSpc>
+              <a:spcBef>
+                <a:spcPts val="1000"/>
+              </a:spcBef>
+              <a:buFont typeface="Arial" panose="020B0604020202020204" pitchFamily="34" charset="0"/>
+              <a:buChar char="•"/>
+              <a:defRPr sz="2800" kern="1200">
+                <a:solidFill>
+                  <a:schemeClr val="tx1"/>
+                </a:solidFill>
+                <a:latin typeface="+mn-lt"/>
+                <a:ea typeface="+mn-ea"/>
+                <a:cs typeface="+mn-cs"/>
+              </a:defRPr>
+            </a:lvl1pPr>
+            <a:lvl2pPr marL="685800" indent="-228600" algn="l" defTabSz="914400" rtl="0" eaLnBrk="1" latinLnBrk="1" hangingPunct="1">
+              <a:lnSpc>
+                <a:spcPct val="90000"/>
+              </a:lnSpc>
+              <a:spcBef>
+                <a:spcPts val="500"/>
+              </a:spcBef>
+              <a:buFont typeface="Arial" panose="020B0604020202020204" pitchFamily="34" charset="0"/>
+              <a:buChar char="•"/>
+              <a:defRPr sz="2400" kern="1200">
+                <a:solidFill>
+                  <a:schemeClr val="tx1"/>
+                </a:solidFill>
+                <a:latin typeface="+mn-lt"/>
+                <a:ea typeface="+mn-ea"/>
+                <a:cs typeface="+mn-cs"/>
+              </a:defRPr>
+            </a:lvl2pPr>
+            <a:lvl3pPr marL="1143000" indent="-228600" algn="l" defTabSz="914400" rtl="0" eaLnBrk="1" latinLnBrk="1" hangingPunct="1">
+              <a:lnSpc>
+                <a:spcPct val="90000"/>
+              </a:lnSpc>
+              <a:spcBef>
+                <a:spcPts val="500"/>
+              </a:spcBef>
+              <a:buFont typeface="Arial" panose="020B0604020202020204" pitchFamily="34" charset="0"/>
+              <a:buChar char="•"/>
+              <a:defRPr sz="2000" kern="1200">
+                <a:solidFill>
+                  <a:schemeClr val="tx1"/>
+                </a:solidFill>
+                <a:latin typeface="+mn-lt"/>
+                <a:ea typeface="+mn-ea"/>
+                <a:cs typeface="+mn-cs"/>
+              </a:defRPr>
+            </a:lvl3pPr>
+            <a:lvl4pPr marL="1600200" indent="-228600" algn="l" defTabSz="914400" rtl="0" eaLnBrk="1" latinLnBrk="1" hangingPunct="1">
+              <a:lnSpc>
+                <a:spcPct val="90000"/>
+              </a:lnSpc>
+              <a:spcBef>
+                <a:spcPts val="500"/>
+              </a:spcBef>
+              <a:buFont typeface="Arial" panose="020B0604020202020204" pitchFamily="34" charset="0"/>
+              <a:buChar char="•"/>
+              <a:defRPr sz="1800" kern="1200">
+                <a:solidFill>
+                  <a:schemeClr val="tx1"/>
+                </a:solidFill>
+                <a:latin typeface="+mn-lt"/>
+                <a:ea typeface="+mn-ea"/>
+                <a:cs typeface="+mn-cs"/>
+              </a:defRPr>
+            </a:lvl4pPr>
+            <a:lvl5pPr marL="2057400" indent="-228600" algn="l" defTabSz="914400" rtl="0" eaLnBrk="1" latinLnBrk="1" hangingPunct="1">
+              <a:lnSpc>
+                <a:spcPct val="90000"/>
+              </a:lnSpc>
+              <a:spcBef>
+                <a:spcPts val="500"/>
+              </a:spcBef>
+              <a:buFont typeface="Arial" panose="020B0604020202020204" pitchFamily="34" charset="0"/>
+              <a:buChar char="•"/>
+              <a:defRPr sz="1800" kern="1200">
+                <a:solidFill>
+                  <a:schemeClr val="tx1"/>
+                </a:solidFill>
+                <a:latin typeface="+mn-lt"/>
+                <a:ea typeface="+mn-ea"/>
+                <a:cs typeface="+mn-cs"/>
+              </a:defRPr>
+            </a:lvl5pPr>
+            <a:lvl6pPr marL="2514600" indent="-228600" algn="l" defTabSz="914400" rtl="0" eaLnBrk="1" latinLnBrk="1" hangingPunct="1">
+              <a:lnSpc>
+                <a:spcPct val="90000"/>
+              </a:lnSpc>
+              <a:spcBef>
+                <a:spcPts val="500"/>
+              </a:spcBef>
+              <a:buFont typeface="Arial" panose="020B0604020202020204" pitchFamily="34" charset="0"/>
+              <a:buChar char="•"/>
+              <a:defRPr sz="1800" kern="1200">
+                <a:solidFill>
+                  <a:schemeClr val="tx1"/>
+                </a:solidFill>
+                <a:latin typeface="+mn-lt"/>
+                <a:ea typeface="+mn-ea"/>
+                <a:cs typeface="+mn-cs"/>
+              </a:defRPr>
+            </a:lvl6pPr>
+            <a:lvl7pPr marL="2971800" indent="-228600" algn="l" defTabSz="914400" rtl="0" eaLnBrk="1" latinLnBrk="1" hangingPunct="1">
+              <a:lnSpc>
+                <a:spcPct val="90000"/>
+              </a:lnSpc>
+              <a:spcBef>
+                <a:spcPts val="500"/>
+              </a:spcBef>
+              <a:buFont typeface="Arial" panose="020B0604020202020204" pitchFamily="34" charset="0"/>
+              <a:buChar char="•"/>
+              <a:defRPr sz="1800" kern="1200">
+                <a:solidFill>
+                  <a:schemeClr val="tx1"/>
+                </a:solidFill>
+                <a:latin typeface="+mn-lt"/>
+                <a:ea typeface="+mn-ea"/>
+                <a:cs typeface="+mn-cs"/>
+              </a:defRPr>
+            </a:lvl7pPr>
+            <a:lvl8pPr marL="3429000" indent="-228600" algn="l" defTabSz="914400" rtl="0" eaLnBrk="1" latinLnBrk="1" hangingPunct="1">
+              <a:lnSpc>
+                <a:spcPct val="90000"/>
+              </a:lnSpc>
+              <a:spcBef>
+                <a:spcPts val="500"/>
+              </a:spcBef>
+              <a:buFont typeface="Arial" panose="020B0604020202020204" pitchFamily="34" charset="0"/>
+              <a:buChar char="•"/>
+              <a:defRPr sz="1800" kern="1200">
+                <a:solidFill>
+                  <a:schemeClr val="tx1"/>
+                </a:solidFill>
+                <a:latin typeface="+mn-lt"/>
+                <a:ea typeface="+mn-ea"/>
+                <a:cs typeface="+mn-cs"/>
+              </a:defRPr>
+            </a:lvl8pPr>
+            <a:lvl9pPr marL="3886200" indent="-228600" algn="l" defTabSz="914400" rtl="0" eaLnBrk="1" latinLnBrk="1" hangingPunct="1">
+              <a:lnSpc>
+                <a:spcPct val="90000"/>
+              </a:lnSpc>
+              <a:spcBef>
+                <a:spcPts val="500"/>
+              </a:spcBef>
+              <a:buFont typeface="Arial" panose="020B0604020202020204" pitchFamily="34" charset="0"/>
+              <a:buChar char="•"/>
+              <a:defRPr sz="1800" kern="1200">
+                <a:solidFill>
+                  <a:schemeClr val="tx1"/>
+                </a:solidFill>
+                <a:latin typeface="+mn-lt"/>
+                <a:ea typeface="+mn-ea"/>
+                <a:cs typeface="+mn-cs"/>
+              </a:defRPr>
+            </a:lvl9pPr>
+          </a:lstStyle>
+          <a:p>
+            <a:pPr marL="0" indent="0">
+              <a:buNone/>
+            </a:pPr>
+            <a:r>
+              <a:rPr lang="ko-KR" altLang="en-US" sz="2000" b="1" dirty="0">
+                <a:solidFill>
+                  <a:schemeClr val="tx1">
+                    <a:lumMod val="85000"/>
+                    <a:lumOff val="15000"/>
+                  </a:schemeClr>
+                </a:solidFill>
+              </a:rPr>
+              <a:t>개발 일정 및 구성원 역할 분담</a:t>
+            </a:r>
+          </a:p>
+        </p:txBody>
+      </p:sp>
+      <p:sp>
+        <p:nvSpPr>
+          <p:cNvPr id="12" name="텍스트 개체 틀 2">
+            <a:extLst>
+              <a:ext uri="{FF2B5EF4-FFF2-40B4-BE49-F238E27FC236}">
+                <a16:creationId xmlns:a16="http://schemas.microsoft.com/office/drawing/2014/main" id="{18117620-4964-4647-B47B-BF7B2D3069A4}"/>
+              </a:ext>
+            </a:extLst>
+          </p:cNvPr>
+          <p:cNvSpPr txBox="1">
+            <a:spLocks/>
+          </p:cNvSpPr>
+          <p:nvPr/>
+        </p:nvSpPr>
+        <p:spPr>
+          <a:xfrm>
+            <a:off x="2493092" y="3143550"/>
+            <a:ext cx="4196376" cy="375615"/>
+          </a:xfrm>
+          <a:prstGeom prst="rect">
+            <a:avLst/>
+          </a:prstGeom>
+        </p:spPr>
+        <p:txBody>
+          <a:bodyPr/>
+          <a:lstStyle>
+            <a:lvl1pPr marL="228600" indent="-228600" algn="l" defTabSz="914400" rtl="0" eaLnBrk="1" latinLnBrk="1" hangingPunct="1">
+              <a:lnSpc>
+                <a:spcPct val="90000"/>
+              </a:lnSpc>
+              <a:spcBef>
+                <a:spcPts val="1000"/>
+              </a:spcBef>
+              <a:buFont typeface="Arial" panose="020B0604020202020204" pitchFamily="34" charset="0"/>
+              <a:buChar char="•"/>
+              <a:defRPr sz="2800" kern="1200">
+                <a:solidFill>
+                  <a:schemeClr val="tx1"/>
+                </a:solidFill>
+                <a:latin typeface="+mn-lt"/>
+                <a:ea typeface="+mn-ea"/>
+                <a:cs typeface="+mn-cs"/>
+              </a:defRPr>
+            </a:lvl1pPr>
+            <a:lvl2pPr marL="685800" indent="-228600" algn="l" defTabSz="914400" rtl="0" eaLnBrk="1" latinLnBrk="1" hangingPunct="1">
+              <a:lnSpc>
+                <a:spcPct val="90000"/>
+              </a:lnSpc>
+              <a:spcBef>
+                <a:spcPts val="500"/>
+              </a:spcBef>
+              <a:buFont typeface="Arial" panose="020B0604020202020204" pitchFamily="34" charset="0"/>
+              <a:buChar char="•"/>
+              <a:defRPr sz="2400" kern="1200">
+                <a:solidFill>
+                  <a:schemeClr val="tx1"/>
+                </a:solidFill>
+                <a:latin typeface="+mn-lt"/>
+                <a:ea typeface="+mn-ea"/>
+                <a:cs typeface="+mn-cs"/>
+              </a:defRPr>
+            </a:lvl2pPr>
+            <a:lvl3pPr marL="1143000" indent="-228600" algn="l" defTabSz="914400" rtl="0" eaLnBrk="1" latinLnBrk="1" hangingPunct="1">
+              <a:lnSpc>
+                <a:spcPct val="90000"/>
+              </a:lnSpc>
+              <a:spcBef>
+                <a:spcPts val="500"/>
+              </a:spcBef>
+              <a:buFont typeface="Arial" panose="020B0604020202020204" pitchFamily="34" charset="0"/>
+              <a:buChar char="•"/>
+              <a:defRPr sz="2000" kern="1200">
+                <a:solidFill>
+                  <a:schemeClr val="tx1"/>
+                </a:solidFill>
+                <a:latin typeface="+mn-lt"/>
+                <a:ea typeface="+mn-ea"/>
+                <a:cs typeface="+mn-cs"/>
+              </a:defRPr>
+            </a:lvl3pPr>
+            <a:lvl4pPr marL="1600200" indent="-228600" algn="l" defTabSz="914400" rtl="0" eaLnBrk="1" latinLnBrk="1" hangingPunct="1">
+              <a:lnSpc>
+                <a:spcPct val="90000"/>
+              </a:lnSpc>
+              <a:spcBef>
+                <a:spcPts val="500"/>
+              </a:spcBef>
+              <a:buFont typeface="Arial" panose="020B0604020202020204" pitchFamily="34" charset="0"/>
+              <a:buChar char="•"/>
+              <a:defRPr sz="1800" kern="1200">
+                <a:solidFill>
+                  <a:schemeClr val="tx1"/>
+                </a:solidFill>
+                <a:latin typeface="+mn-lt"/>
+                <a:ea typeface="+mn-ea"/>
+                <a:cs typeface="+mn-cs"/>
+              </a:defRPr>
+            </a:lvl4pPr>
+            <a:lvl5pPr marL="2057400" indent="-228600" algn="l" defTabSz="914400" rtl="0" eaLnBrk="1" latinLnBrk="1" hangingPunct="1">
+              <a:lnSpc>
+                <a:spcPct val="90000"/>
+              </a:lnSpc>
+              <a:spcBef>
+                <a:spcPts val="500"/>
+              </a:spcBef>
+              <a:buFont typeface="Arial" panose="020B0604020202020204" pitchFamily="34" charset="0"/>
+              <a:buChar char="•"/>
+              <a:defRPr sz="1800" kern="1200">
+                <a:solidFill>
+                  <a:schemeClr val="tx1"/>
+                </a:solidFill>
+                <a:latin typeface="+mn-lt"/>
+                <a:ea typeface="+mn-ea"/>
+                <a:cs typeface="+mn-cs"/>
+              </a:defRPr>
+            </a:lvl5pPr>
+            <a:lvl6pPr marL="2514600" indent="-228600" algn="l" defTabSz="914400" rtl="0" eaLnBrk="1" latinLnBrk="1" hangingPunct="1">
+              <a:lnSpc>
+                <a:spcPct val="90000"/>
+              </a:lnSpc>
+              <a:spcBef>
+                <a:spcPts val="500"/>
+              </a:spcBef>
+              <a:buFont typeface="Arial" panose="020B0604020202020204" pitchFamily="34" charset="0"/>
+              <a:buChar char="•"/>
+              <a:defRPr sz="1800" kern="1200">
+                <a:solidFill>
+                  <a:schemeClr val="tx1"/>
+                </a:solidFill>
+                <a:latin typeface="+mn-lt"/>
+                <a:ea typeface="+mn-ea"/>
+                <a:cs typeface="+mn-cs"/>
+              </a:defRPr>
+            </a:lvl6pPr>
+            <a:lvl7pPr marL="2971800" indent="-228600" algn="l" defTabSz="914400" rtl="0" eaLnBrk="1" latinLnBrk="1" hangingPunct="1">
+              <a:lnSpc>
+                <a:spcPct val="90000"/>
+              </a:lnSpc>
+              <a:spcBef>
+                <a:spcPts val="500"/>
+              </a:spcBef>
+              <a:buFont typeface="Arial" panose="020B0604020202020204" pitchFamily="34" charset="0"/>
+              <a:buChar char="•"/>
+              <a:defRPr sz="1800" kern="1200">
+                <a:solidFill>
+                  <a:schemeClr val="tx1"/>
+                </a:solidFill>
+                <a:latin typeface="+mn-lt"/>
+                <a:ea typeface="+mn-ea"/>
+                <a:cs typeface="+mn-cs"/>
+              </a:defRPr>
+            </a:lvl7pPr>
+            <a:lvl8pPr marL="3429000" indent="-228600" algn="l" defTabSz="914400" rtl="0" eaLnBrk="1" latinLnBrk="1" hangingPunct="1">
+              <a:lnSpc>
+                <a:spcPct val="90000"/>
+              </a:lnSpc>
+              <a:spcBef>
+                <a:spcPts val="500"/>
+              </a:spcBef>
+              <a:buFont typeface="Arial" panose="020B0604020202020204" pitchFamily="34" charset="0"/>
+              <a:buChar char="•"/>
+              <a:defRPr sz="1800" kern="1200">
+                <a:solidFill>
+                  <a:schemeClr val="tx1"/>
+                </a:solidFill>
+                <a:latin typeface="+mn-lt"/>
+                <a:ea typeface="+mn-ea"/>
+                <a:cs typeface="+mn-cs"/>
+              </a:defRPr>
+            </a:lvl8pPr>
+            <a:lvl9pPr marL="3886200" indent="-228600" algn="l" defTabSz="914400" rtl="0" eaLnBrk="1" latinLnBrk="1" hangingPunct="1">
+              <a:lnSpc>
+                <a:spcPct val="90000"/>
+              </a:lnSpc>
+              <a:spcBef>
+                <a:spcPts val="500"/>
+              </a:spcBef>
+              <a:buFont typeface="Arial" panose="020B0604020202020204" pitchFamily="34" charset="0"/>
+              <a:buChar char="•"/>
+              <a:defRPr sz="1800" kern="1200">
+                <a:solidFill>
+                  <a:schemeClr val="tx1"/>
+                </a:solidFill>
+                <a:latin typeface="+mn-lt"/>
+                <a:ea typeface="+mn-ea"/>
+                <a:cs typeface="+mn-cs"/>
+              </a:defRPr>
+            </a:lvl9pPr>
+          </a:lstStyle>
+          <a:p>
+            <a:pPr marL="0" indent="0">
+              <a:buNone/>
+            </a:pPr>
+            <a:r>
+              <a:rPr lang="ko-KR" altLang="en-US" sz="2000" b="1" dirty="0">
+                <a:solidFill>
+                  <a:schemeClr val="tx1">
+                    <a:lumMod val="85000"/>
+                    <a:lumOff val="15000"/>
+                  </a:schemeClr>
+                </a:solidFill>
+              </a:rPr>
+              <a:t>기존 게임과의 차이점</a:t>
+            </a:r>
+          </a:p>
+          <a:p>
+            <a:pPr marL="0" indent="0">
+              <a:buNone/>
+            </a:pPr>
+            <a:endParaRPr lang="ko-KR" altLang="en-US" sz="2000" b="1" dirty="0">
+              <a:solidFill>
+                <a:schemeClr val="tx1">
+                  <a:lumMod val="85000"/>
+                  <a:lumOff val="15000"/>
+                </a:schemeClr>
+              </a:solidFill>
+            </a:endParaRPr>
+          </a:p>
+        </p:txBody>
+      </p:sp>
     </p:spTree>
     <p:extLst>
       <p:ext uri="{BB962C8B-B14F-4D97-AF65-F5344CB8AC3E}">
-        <p14:creationId xmlns:p14="http://schemas.microsoft.com/office/powerpoint/2010/main" val="4230179416"/>
+        <p14:creationId xmlns:p14="http://schemas.microsoft.com/office/powerpoint/2010/main" val="1806678620"/>
       </p:ext>
     </p:extLst>
   </p:cSld>
@@ -3729,10 +4991,217 @@
       </p:grpSpPr>
       <p:sp>
         <p:nvSpPr>
-          <p:cNvPr id="5" name="TextBox 4">
-            <a:extLst>
-              <a:ext uri="{FF2B5EF4-FFF2-40B4-BE49-F238E27FC236}">
-                <a16:creationId xmlns:a16="http://schemas.microsoft.com/office/drawing/2014/main" id="{8D548C6D-FA41-4DFC-9A7D-AF57B6DF1031}"/>
+          <p:cNvPr id="6" name="텍스트 개체 틀 2">
+            <a:extLst>
+              <a:ext uri="{FF2B5EF4-FFF2-40B4-BE49-F238E27FC236}">
+                <a16:creationId xmlns:a16="http://schemas.microsoft.com/office/drawing/2014/main" id="{C4A5C19D-66F2-4BB0-AB4B-3311175ECED7}"/>
+              </a:ext>
+            </a:extLst>
+          </p:cNvPr>
+          <p:cNvSpPr txBox="1">
+            <a:spLocks/>
+          </p:cNvSpPr>
+          <p:nvPr/>
+        </p:nvSpPr>
+        <p:spPr>
+          <a:xfrm>
+            <a:off x="1180406" y="1206871"/>
+            <a:ext cx="4196376" cy="375615"/>
+          </a:xfrm>
+          <a:prstGeom prst="rect">
+            <a:avLst/>
+          </a:prstGeom>
+        </p:spPr>
+        <p:txBody>
+          <a:bodyPr/>
+          <a:lstStyle>
+            <a:lvl1pPr marL="228600" indent="-228600" algn="l" defTabSz="914400" rtl="0" eaLnBrk="1" latinLnBrk="1" hangingPunct="1">
+              <a:lnSpc>
+                <a:spcPct val="90000"/>
+              </a:lnSpc>
+              <a:spcBef>
+                <a:spcPts val="1000"/>
+              </a:spcBef>
+              <a:buFont typeface="Arial" panose="020B0604020202020204" pitchFamily="34" charset="0"/>
+              <a:buChar char="•"/>
+              <a:defRPr sz="2800" kern="1200">
+                <a:solidFill>
+                  <a:schemeClr val="tx1"/>
+                </a:solidFill>
+                <a:latin typeface="+mn-lt"/>
+                <a:ea typeface="+mn-ea"/>
+                <a:cs typeface="+mn-cs"/>
+              </a:defRPr>
+            </a:lvl1pPr>
+            <a:lvl2pPr marL="685800" indent="-228600" algn="l" defTabSz="914400" rtl="0" eaLnBrk="1" latinLnBrk="1" hangingPunct="1">
+              <a:lnSpc>
+                <a:spcPct val="90000"/>
+              </a:lnSpc>
+              <a:spcBef>
+                <a:spcPts val="500"/>
+              </a:spcBef>
+              <a:buFont typeface="Arial" panose="020B0604020202020204" pitchFamily="34" charset="0"/>
+              <a:buChar char="•"/>
+              <a:defRPr sz="2400" kern="1200">
+                <a:solidFill>
+                  <a:schemeClr val="tx1"/>
+                </a:solidFill>
+                <a:latin typeface="+mn-lt"/>
+                <a:ea typeface="+mn-ea"/>
+                <a:cs typeface="+mn-cs"/>
+              </a:defRPr>
+            </a:lvl2pPr>
+            <a:lvl3pPr marL="1143000" indent="-228600" algn="l" defTabSz="914400" rtl="0" eaLnBrk="1" latinLnBrk="1" hangingPunct="1">
+              <a:lnSpc>
+                <a:spcPct val="90000"/>
+              </a:lnSpc>
+              <a:spcBef>
+                <a:spcPts val="500"/>
+              </a:spcBef>
+              <a:buFont typeface="Arial" panose="020B0604020202020204" pitchFamily="34" charset="0"/>
+              <a:buChar char="•"/>
+              <a:defRPr sz="2000" kern="1200">
+                <a:solidFill>
+                  <a:schemeClr val="tx1"/>
+                </a:solidFill>
+                <a:latin typeface="+mn-lt"/>
+                <a:ea typeface="+mn-ea"/>
+                <a:cs typeface="+mn-cs"/>
+              </a:defRPr>
+            </a:lvl3pPr>
+            <a:lvl4pPr marL="1600200" indent="-228600" algn="l" defTabSz="914400" rtl="0" eaLnBrk="1" latinLnBrk="1" hangingPunct="1">
+              <a:lnSpc>
+                <a:spcPct val="90000"/>
+              </a:lnSpc>
+              <a:spcBef>
+                <a:spcPts val="500"/>
+              </a:spcBef>
+              <a:buFont typeface="Arial" panose="020B0604020202020204" pitchFamily="34" charset="0"/>
+              <a:buChar char="•"/>
+              <a:defRPr sz="1800" kern="1200">
+                <a:solidFill>
+                  <a:schemeClr val="tx1"/>
+                </a:solidFill>
+                <a:latin typeface="+mn-lt"/>
+                <a:ea typeface="+mn-ea"/>
+                <a:cs typeface="+mn-cs"/>
+              </a:defRPr>
+            </a:lvl4pPr>
+            <a:lvl5pPr marL="2057400" indent="-228600" algn="l" defTabSz="914400" rtl="0" eaLnBrk="1" latinLnBrk="1" hangingPunct="1">
+              <a:lnSpc>
+                <a:spcPct val="90000"/>
+              </a:lnSpc>
+              <a:spcBef>
+                <a:spcPts val="500"/>
+              </a:spcBef>
+              <a:buFont typeface="Arial" panose="020B0604020202020204" pitchFamily="34" charset="0"/>
+              <a:buChar char="•"/>
+              <a:defRPr sz="1800" kern="1200">
+                <a:solidFill>
+                  <a:schemeClr val="tx1"/>
+                </a:solidFill>
+                <a:latin typeface="+mn-lt"/>
+                <a:ea typeface="+mn-ea"/>
+                <a:cs typeface="+mn-cs"/>
+              </a:defRPr>
+            </a:lvl5pPr>
+            <a:lvl6pPr marL="2514600" indent="-228600" algn="l" defTabSz="914400" rtl="0" eaLnBrk="1" latinLnBrk="1" hangingPunct="1">
+              <a:lnSpc>
+                <a:spcPct val="90000"/>
+              </a:lnSpc>
+              <a:spcBef>
+                <a:spcPts val="500"/>
+              </a:spcBef>
+              <a:buFont typeface="Arial" panose="020B0604020202020204" pitchFamily="34" charset="0"/>
+              <a:buChar char="•"/>
+              <a:defRPr sz="1800" kern="1200">
+                <a:solidFill>
+                  <a:schemeClr val="tx1"/>
+                </a:solidFill>
+                <a:latin typeface="+mn-lt"/>
+                <a:ea typeface="+mn-ea"/>
+                <a:cs typeface="+mn-cs"/>
+              </a:defRPr>
+            </a:lvl6pPr>
+            <a:lvl7pPr marL="2971800" indent="-228600" algn="l" defTabSz="914400" rtl="0" eaLnBrk="1" latinLnBrk="1" hangingPunct="1">
+              <a:lnSpc>
+                <a:spcPct val="90000"/>
+              </a:lnSpc>
+              <a:spcBef>
+                <a:spcPts val="500"/>
+              </a:spcBef>
+              <a:buFont typeface="Arial" panose="020B0604020202020204" pitchFamily="34" charset="0"/>
+              <a:buChar char="•"/>
+              <a:defRPr sz="1800" kern="1200">
+                <a:solidFill>
+                  <a:schemeClr val="tx1"/>
+                </a:solidFill>
+                <a:latin typeface="+mn-lt"/>
+                <a:ea typeface="+mn-ea"/>
+                <a:cs typeface="+mn-cs"/>
+              </a:defRPr>
+            </a:lvl7pPr>
+            <a:lvl8pPr marL="3429000" indent="-228600" algn="l" defTabSz="914400" rtl="0" eaLnBrk="1" latinLnBrk="1" hangingPunct="1">
+              <a:lnSpc>
+                <a:spcPct val="90000"/>
+              </a:lnSpc>
+              <a:spcBef>
+                <a:spcPts val="500"/>
+              </a:spcBef>
+              <a:buFont typeface="Arial" panose="020B0604020202020204" pitchFamily="34" charset="0"/>
+              <a:buChar char="•"/>
+              <a:defRPr sz="1800" kern="1200">
+                <a:solidFill>
+                  <a:schemeClr val="tx1"/>
+                </a:solidFill>
+                <a:latin typeface="+mn-lt"/>
+                <a:ea typeface="+mn-ea"/>
+                <a:cs typeface="+mn-cs"/>
+              </a:defRPr>
+            </a:lvl8pPr>
+            <a:lvl9pPr marL="3886200" indent="-228600" algn="l" defTabSz="914400" rtl="0" eaLnBrk="1" latinLnBrk="1" hangingPunct="1">
+              <a:lnSpc>
+                <a:spcPct val="90000"/>
+              </a:lnSpc>
+              <a:spcBef>
+                <a:spcPts val="500"/>
+              </a:spcBef>
+              <a:buFont typeface="Arial" panose="020B0604020202020204" pitchFamily="34" charset="0"/>
+              <a:buChar char="•"/>
+              <a:defRPr sz="1800" kern="1200">
+                <a:solidFill>
+                  <a:schemeClr val="tx1"/>
+                </a:solidFill>
+                <a:latin typeface="+mn-lt"/>
+                <a:ea typeface="+mn-ea"/>
+                <a:cs typeface="+mn-cs"/>
+              </a:defRPr>
+            </a:lvl9pPr>
+          </a:lstStyle>
+          <a:p>
+            <a:pPr marL="0" indent="0">
+              <a:buNone/>
+            </a:pPr>
+            <a:r>
+              <a:rPr lang="ko-KR" altLang="en-US" sz="2400" b="1" dirty="0">
+                <a:solidFill>
+                  <a:schemeClr val="tx1">
+                    <a:lumMod val="85000"/>
+                    <a:lumOff val="15000"/>
+                  </a:schemeClr>
+                </a:solidFill>
+              </a:rPr>
+              <a:t>게임 소개 및 특징</a:t>
+            </a:r>
+          </a:p>
+        </p:txBody>
+      </p:sp>
+      <p:sp>
+        <p:nvSpPr>
+          <p:cNvPr id="2" name="TextBox 1">
+            <a:extLst>
+              <a:ext uri="{FF2B5EF4-FFF2-40B4-BE49-F238E27FC236}">
+                <a16:creationId xmlns:a16="http://schemas.microsoft.com/office/drawing/2014/main" id="{54067028-7029-4E3A-84F4-05E232532536}"/>
               </a:ext>
             </a:extLst>
           </p:cNvPr>
@@ -3741,8 +5210,8 @@
         </p:nvSpPr>
         <p:spPr>
           <a:xfrm>
-            <a:off x="426162" y="428178"/>
-            <a:ext cx="11339676" cy="6494085"/>
+            <a:off x="1180406" y="2007183"/>
+            <a:ext cx="2866490" cy="1754326"/>
           </a:xfrm>
           <a:prstGeom prst="rect">
             <a:avLst/>
@@ -3750,386 +5219,383 @@
           <a:noFill/>
         </p:spPr>
         <p:txBody>
-          <a:bodyPr wrap="square" rtlCol="0">
+          <a:bodyPr wrap="none" rtlCol="0">
             <a:spAutoFit/>
           </a:bodyPr>
           <a:lstStyle/>
           <a:p>
             <a:r>
-              <a:rPr lang="ko-KR" altLang="en-US" sz="1600" dirty="0"/>
-              <a:t>게임 </a:t>
-            </a:r>
-            <a:r>
-              <a:rPr lang="en-US" altLang="ko-KR" sz="1600" dirty="0"/>
-              <a:t>info</a:t>
-            </a:r>
-          </a:p>
-          <a:p>
-            <a:endParaRPr lang="en-US" altLang="ko-KR" sz="1600" dirty="0"/>
-          </a:p>
-          <a:p>
-            <a:r>
-              <a:rPr lang="en-US" altLang="ko-KR" sz="1600" dirty="0"/>
-              <a:t>(1</a:t>
-            </a:r>
-            <a:r>
-              <a:rPr lang="ko-KR" altLang="en-US" sz="1600" dirty="0"/>
+              <a:rPr lang="en-US" altLang="ko-KR" dirty="0"/>
+              <a:t>1</a:t>
+            </a:r>
+            <a:r>
+              <a:rPr lang="ko-KR" altLang="en-US" dirty="0"/>
               <a:t>인칭 </a:t>
             </a:r>
             <a:r>
-              <a:rPr lang="en-US" altLang="ko-KR" sz="1600" dirty="0"/>
-              <a:t>/ </a:t>
-            </a:r>
-            <a:r>
-              <a:rPr lang="ko-KR" altLang="en-US" sz="1600" dirty="0"/>
-              <a:t>전지적</a:t>
-            </a:r>
-            <a:r>
-              <a:rPr lang="en-US" altLang="ko-KR" sz="1600" dirty="0"/>
+              <a:rPr lang="en-US" altLang="ko-KR" dirty="0"/>
+              <a:t>( </a:t>
+            </a:r>
+            <a:r>
+              <a:rPr lang="ko-KR" altLang="en-US" dirty="0"/>
+              <a:t>협동</a:t>
+            </a:r>
+            <a:r>
+              <a:rPr lang="en-US" altLang="ko-KR" dirty="0"/>
+              <a:t> ) </a:t>
+            </a:r>
+            <a:r>
+              <a:rPr lang="ko-KR" altLang="en-US" dirty="0"/>
+              <a:t>생존 게임</a:t>
+            </a:r>
+            <a:endParaRPr lang="en-US" altLang="ko-KR" dirty="0"/>
+          </a:p>
+          <a:p>
+            <a:endParaRPr lang="en-US" altLang="ko-KR" dirty="0"/>
+          </a:p>
+          <a:p>
+            <a:r>
+              <a:rPr lang="ko-KR" altLang="en-US" dirty="0"/>
+              <a:t>플랫폼 </a:t>
+            </a:r>
+            <a:r>
+              <a:rPr lang="en-US" altLang="ko-KR" dirty="0"/>
+              <a:t>: PC</a:t>
+            </a:r>
+          </a:p>
+          <a:p>
+            <a:r>
+              <a:rPr lang="en-US" altLang="ko-KR" dirty="0"/>
+              <a:t>-&gt;</a:t>
+            </a:r>
+            <a:r>
+              <a:rPr lang="ko-KR" altLang="en-US" dirty="0"/>
+              <a:t> 더 나아간다면 모바일</a:t>
+            </a:r>
+            <a:r>
+              <a:rPr lang="en-US" altLang="ko-KR" dirty="0"/>
+              <a:t>..</a:t>
+            </a:r>
+          </a:p>
+          <a:p>
+            <a:endParaRPr lang="en-US" altLang="ko-KR" dirty="0"/>
+          </a:p>
+          <a:p>
+            <a:endParaRPr lang="en-US" altLang="ko-KR" dirty="0"/>
+          </a:p>
+        </p:txBody>
+      </p:sp>
+      <p:sp>
+        <p:nvSpPr>
+          <p:cNvPr id="4" name="TextBox 3">
+            <a:extLst>
+              <a:ext uri="{FF2B5EF4-FFF2-40B4-BE49-F238E27FC236}">
+                <a16:creationId xmlns:a16="http://schemas.microsoft.com/office/drawing/2014/main" id="{0A0897EC-F054-4D97-9E74-83BB26BCF96E}"/>
+              </a:ext>
+            </a:extLst>
+          </p:cNvPr>
+          <p:cNvSpPr txBox="1"/>
+          <p:nvPr/>
+        </p:nvSpPr>
+        <p:spPr>
+          <a:xfrm>
+            <a:off x="4580346" y="1206871"/>
+            <a:ext cx="7008650" cy="4801314"/>
+          </a:xfrm>
+          <a:prstGeom prst="rect">
+            <a:avLst/>
+          </a:prstGeom>
+          <a:noFill/>
+        </p:spPr>
+        <p:txBody>
+          <a:bodyPr wrap="none" rtlCol="0">
+            <a:spAutoFit/>
+          </a:bodyPr>
+          <a:lstStyle/>
+          <a:p>
+            <a:r>
+              <a:rPr lang="ko-KR" altLang="en-US" dirty="0"/>
+              <a:t>게임 진행</a:t>
+            </a:r>
+            <a:endParaRPr lang="en-US" altLang="ko-KR" dirty="0"/>
+          </a:p>
+          <a:p>
+            <a:endParaRPr lang="en-US" altLang="ko-KR" dirty="0"/>
+          </a:p>
+          <a:p>
+            <a:pPr marL="285750" indent="-285750">
+              <a:buFontTx/>
+              <a:buChar char="-"/>
+            </a:pPr>
+            <a:r>
+              <a:rPr lang="ko-KR" altLang="en-US" dirty="0"/>
+              <a:t>싱글 플레이와 멀티 플레이 모두 가능</a:t>
+            </a:r>
+            <a:endParaRPr lang="en-US" altLang="ko-KR" dirty="0"/>
+          </a:p>
+          <a:p>
+            <a:pPr marL="285750" indent="-285750">
+              <a:buFontTx/>
+              <a:buChar char="-"/>
+            </a:pPr>
+            <a:r>
+              <a:rPr lang="ko-KR" altLang="en-US" dirty="0"/>
+              <a:t>게임의 목표는 기술 발전도를 올려서 해결</a:t>
+            </a:r>
+            <a:r>
+              <a:rPr lang="en-US" altLang="ko-KR" dirty="0"/>
+              <a:t>,</a:t>
+            </a:r>
+          </a:p>
+          <a:p>
+            <a:pPr marL="742950" lvl="1" indent="-285750">
+              <a:buFontTx/>
+              <a:buChar char="-"/>
+            </a:pPr>
+            <a:r>
+              <a:rPr lang="en-US" altLang="ko-KR" dirty="0">
+                <a:sym typeface="Wingdings" panose="05000000000000000000" pitchFamily="2" charset="2"/>
+              </a:rPr>
+              <a:t> 1. </a:t>
+            </a:r>
+            <a:r>
+              <a:rPr lang="ko-KR" altLang="en-US" dirty="0">
+                <a:sym typeface="Wingdings" panose="05000000000000000000" pitchFamily="2" charset="2"/>
+              </a:rPr>
+              <a:t>미세먼지를 몸에서 배출 시킬 수 있는 기술</a:t>
+            </a:r>
+            <a:endParaRPr lang="en-US" altLang="ko-KR" dirty="0"/>
+          </a:p>
+          <a:p>
+            <a:pPr marL="285750" indent="-285750">
+              <a:buFontTx/>
+              <a:buChar char="-"/>
+            </a:pPr>
+            <a:r>
+              <a:rPr lang="ko-KR" altLang="en-US" dirty="0"/>
+              <a:t>또는 자연완화 </a:t>
+            </a:r>
+            <a:r>
+              <a:rPr lang="ko-KR" altLang="en-US" dirty="0" err="1"/>
+              <a:t>될때까지</a:t>
+            </a:r>
+            <a:r>
+              <a:rPr lang="ko-KR" altLang="en-US" dirty="0"/>
+              <a:t> 생존</a:t>
+            </a:r>
+            <a:endParaRPr lang="en-US" altLang="ko-KR" dirty="0"/>
+          </a:p>
+          <a:p>
+            <a:pPr marL="742950" lvl="1" indent="-285750">
+              <a:buFontTx/>
+              <a:buChar char="-"/>
+            </a:pPr>
+            <a:r>
+              <a:rPr lang="en-US" altLang="ko-KR" dirty="0">
+                <a:sym typeface="Wingdings" panose="05000000000000000000" pitchFamily="2" charset="2"/>
+              </a:rPr>
+              <a:t> 1. </a:t>
+            </a:r>
+            <a:r>
+              <a:rPr lang="ko-KR" altLang="en-US" dirty="0">
+                <a:sym typeface="Wingdings" panose="05000000000000000000" pitchFamily="2" charset="2"/>
+              </a:rPr>
+              <a:t>나무를 특정 개수 심기</a:t>
+            </a:r>
+            <a:endParaRPr lang="en-US" altLang="ko-KR" dirty="0">
+              <a:sym typeface="Wingdings" panose="05000000000000000000" pitchFamily="2" charset="2"/>
+            </a:endParaRPr>
+          </a:p>
+          <a:p>
+            <a:pPr marL="742950" lvl="1" indent="-285750">
+              <a:buFontTx/>
+              <a:buChar char="-"/>
+            </a:pPr>
+            <a:r>
+              <a:rPr lang="en-US" altLang="ko-KR" dirty="0">
+                <a:sym typeface="Wingdings" panose="05000000000000000000" pitchFamily="2" charset="2"/>
+              </a:rPr>
+              <a:t> 2. </a:t>
+            </a:r>
+            <a:r>
+              <a:rPr lang="ko-KR" altLang="en-US" dirty="0">
+                <a:sym typeface="Wingdings" panose="05000000000000000000" pitchFamily="2" charset="2"/>
+              </a:rPr>
+              <a:t>그냥 오래 생존</a:t>
+            </a:r>
+            <a:endParaRPr lang="en-US" altLang="ko-KR" dirty="0">
+              <a:sym typeface="Wingdings" panose="05000000000000000000" pitchFamily="2" charset="2"/>
+            </a:endParaRPr>
+          </a:p>
+          <a:p>
+            <a:pPr marL="742950" lvl="1" indent="-285750">
+              <a:buFont typeface="Wingdings" panose="05000000000000000000" pitchFamily="2" charset="2"/>
+              <a:buChar char="à"/>
+            </a:pPr>
+            <a:r>
+              <a:rPr lang="ko-KR" altLang="en-US" dirty="0">
+                <a:sym typeface="Wingdings" panose="05000000000000000000" pitchFamily="2" charset="2"/>
+              </a:rPr>
+              <a:t>특수 엔딩 </a:t>
+            </a:r>
+            <a:r>
+              <a:rPr lang="en-US" altLang="ko-KR" dirty="0">
+                <a:sym typeface="Wingdings" panose="05000000000000000000" pitchFamily="2" charset="2"/>
+              </a:rPr>
+              <a:t>: </a:t>
+            </a:r>
+            <a:r>
+              <a:rPr lang="ko-KR" altLang="en-US" dirty="0">
+                <a:sym typeface="Wingdings" panose="05000000000000000000" pitchFamily="2" charset="2"/>
+              </a:rPr>
+              <a:t>사람들의 폐로 미세먼지 정화</a:t>
+            </a:r>
+            <a:r>
+              <a:rPr lang="en-US" altLang="ko-KR" dirty="0">
+                <a:sym typeface="Wingdings" panose="05000000000000000000" pitchFamily="2" charset="2"/>
+              </a:rPr>
+              <a:t>(</a:t>
+            </a:r>
+            <a:r>
+              <a:rPr lang="ko-KR" altLang="en-US" dirty="0">
+                <a:sym typeface="Wingdings" panose="05000000000000000000" pitchFamily="2" charset="2"/>
+              </a:rPr>
+              <a:t>인체 공기청정기</a:t>
+            </a:r>
+            <a:r>
+              <a:rPr lang="en-US" altLang="ko-KR" dirty="0">
+                <a:sym typeface="Wingdings" panose="05000000000000000000" pitchFamily="2" charset="2"/>
+              </a:rPr>
               <a:t>)</a:t>
             </a:r>
-            <a:r>
-              <a:rPr lang="ko-KR" altLang="en-US" sz="1600" dirty="0"/>
-              <a:t> 시점</a:t>
-            </a:r>
-            <a:endParaRPr lang="en-US" altLang="ko-KR" sz="1600" dirty="0"/>
-          </a:p>
-          <a:p>
-            <a:r>
-              <a:rPr lang="ko-KR" altLang="en-US" sz="1600" dirty="0"/>
-              <a:t>플레이어 하나로 게임</a:t>
-            </a:r>
-            <a:endParaRPr lang="en-US" altLang="ko-KR" sz="1600" dirty="0"/>
-          </a:p>
-          <a:p>
-            <a:endParaRPr lang="en-US" altLang="ko-KR" sz="1600" dirty="0"/>
-          </a:p>
-          <a:p>
-            <a:r>
-              <a:rPr lang="ko-KR" altLang="en-US" sz="1600" dirty="0"/>
-              <a:t>돔 안으로 들어가기  </a:t>
-            </a:r>
-            <a:r>
-              <a:rPr lang="en-US" altLang="ko-KR" sz="1600" dirty="0"/>
-              <a:t>– //</a:t>
-            </a:r>
-            <a:r>
-              <a:rPr lang="ko-KR" altLang="en-US" sz="1600" dirty="0"/>
-              <a:t>기술 개발이 될 때까지 살아남기</a:t>
-            </a:r>
-            <a:r>
-              <a:rPr lang="en-US" altLang="ko-KR" sz="1600" dirty="0"/>
+            <a:endParaRPr lang="en-US" altLang="ko-KR" dirty="0"/>
+          </a:p>
+          <a:p>
+            <a:pPr marL="285750" indent="-285750">
+              <a:buFontTx/>
+              <a:buChar char="-"/>
+            </a:pPr>
+            <a:r>
+              <a:rPr lang="ko-KR" altLang="en-US" dirty="0"/>
+              <a:t>생존을 위해 여러 아이템을 얻거나 </a:t>
+            </a:r>
+            <a:endParaRPr lang="en-US" altLang="ko-KR" dirty="0"/>
+          </a:p>
+          <a:p>
+            <a:pPr marL="285750" indent="-285750">
+              <a:buFontTx/>
+              <a:buChar char="-"/>
+            </a:pPr>
+            <a:r>
+              <a:rPr lang="ko-KR" altLang="en-US" dirty="0"/>
+              <a:t>기술 발전을 위한 조건을 수행</a:t>
+            </a:r>
+            <a:endParaRPr lang="en-US" altLang="ko-KR" dirty="0"/>
+          </a:p>
+          <a:p>
+            <a:pPr marL="285750" indent="-285750">
+              <a:buFontTx/>
+              <a:buChar char="-"/>
+            </a:pPr>
+            <a:r>
+              <a:rPr lang="ko-KR" altLang="en-US" dirty="0"/>
+              <a:t>돔 외부에서는 이동할 때</a:t>
+            </a:r>
+            <a:r>
+              <a:rPr lang="en-US" altLang="ko-KR" dirty="0"/>
+              <a:t>, </a:t>
+            </a:r>
+            <a:r>
+              <a:rPr lang="ko-KR" altLang="en-US" dirty="0"/>
+              <a:t>미세먼지 지수가 쌓인다</a:t>
+            </a:r>
+            <a:r>
+              <a:rPr lang="en-US" altLang="ko-KR" dirty="0"/>
               <a:t>.</a:t>
             </a:r>
           </a:p>
           <a:p>
-            <a:r>
-              <a:rPr lang="en-US" altLang="ko-KR" sz="1600" dirty="0"/>
-              <a:t>		</a:t>
-            </a:r>
-            <a:r>
-              <a:rPr lang="ko-KR" altLang="en-US" sz="1600" dirty="0"/>
-              <a:t>돔 바깥에서 사람들 곁으로 가고 싶어</a:t>
-            </a:r>
-            <a:endParaRPr lang="en-US" altLang="ko-KR" sz="1600" dirty="0"/>
-          </a:p>
-          <a:p>
-            <a:r>
-              <a:rPr lang="en-US" altLang="ko-KR" sz="1600" dirty="0"/>
-              <a:t>		</a:t>
-            </a:r>
-            <a:r>
-              <a:rPr lang="ko-KR" altLang="en-US" sz="1600" dirty="0"/>
-              <a:t>안전장치</a:t>
-            </a:r>
-            <a:r>
-              <a:rPr lang="en-US" altLang="ko-KR" sz="1600" dirty="0"/>
-              <a:t>…</a:t>
-            </a:r>
-            <a:r>
-              <a:rPr lang="ko-KR" altLang="en-US" sz="1600" dirty="0"/>
-              <a:t> </a:t>
-            </a:r>
-            <a:r>
-              <a:rPr lang="en-US" altLang="ko-KR" sz="1600" dirty="0"/>
-              <a:t>: </a:t>
-            </a:r>
-            <a:r>
-              <a:rPr lang="ko-KR" altLang="en-US" sz="1600" dirty="0"/>
-              <a:t>마스크</a:t>
-            </a:r>
-            <a:r>
-              <a:rPr lang="en-US" altLang="ko-KR" sz="1600" dirty="0"/>
-              <a:t>(</a:t>
-            </a:r>
-            <a:r>
-              <a:rPr lang="ko-KR" altLang="en-US" sz="1600" dirty="0"/>
-              <a:t>구하기 </a:t>
-            </a:r>
-            <a:r>
-              <a:rPr lang="ko-KR" altLang="en-US" sz="1600" dirty="0" err="1"/>
-              <a:t>쉬운대신</a:t>
-            </a:r>
-            <a:r>
-              <a:rPr lang="en-US" altLang="ko-KR" sz="1600" dirty="0"/>
+            <a:pPr marL="285750" indent="-285750">
+              <a:buFontTx/>
+              <a:buChar char="-"/>
+            </a:pPr>
+            <a:r>
+              <a:rPr lang="ko-KR" altLang="en-US" dirty="0"/>
+              <a:t>사용 아이템에 따라 미세먼지가 덜 쌓이게 할 수 있다</a:t>
+            </a:r>
+            <a:r>
+              <a:rPr lang="en-US" altLang="ko-KR" dirty="0"/>
+              <a:t>.</a:t>
+            </a:r>
+          </a:p>
+          <a:p>
+            <a:pPr marL="285750" indent="-285750">
+              <a:buFontTx/>
+              <a:buChar char="-"/>
+            </a:pPr>
+            <a:r>
+              <a:rPr lang="ko-KR" altLang="en-US" dirty="0"/>
+              <a:t>미세먼지 지수가 </a:t>
+            </a:r>
+            <a:r>
+              <a:rPr lang="en-US" altLang="ko-KR" dirty="0"/>
+              <a:t>MAX </a:t>
+            </a:r>
+            <a:r>
+              <a:rPr lang="ko-KR" altLang="en-US" dirty="0"/>
+              <a:t>되면 사망</a:t>
+            </a:r>
+            <a:endParaRPr lang="en-US" altLang="ko-KR" dirty="0"/>
+          </a:p>
+          <a:p>
+            <a:pPr marL="285750" indent="-285750">
+              <a:buFontTx/>
+              <a:buChar char="-"/>
+            </a:pPr>
+            <a:r>
+              <a:rPr lang="ko-KR" altLang="en-US" dirty="0"/>
+              <a:t>상태창을 통해 미세먼지가 인체에 쌓인 수준을 볼 수 있고</a:t>
+            </a:r>
+            <a:r>
+              <a:rPr lang="en-US" altLang="ko-KR" dirty="0"/>
+              <a:t>,</a:t>
+            </a:r>
+          </a:p>
+          <a:p>
+            <a:pPr marL="285750" indent="-285750">
+              <a:buFontTx/>
+              <a:buChar char="-"/>
+            </a:pPr>
+            <a:r>
+              <a:rPr lang="ko-KR" altLang="en-US" dirty="0"/>
+              <a:t>특정 위치에 많이 쌓이게 되면</a:t>
+            </a:r>
+            <a:r>
+              <a:rPr lang="en-US" altLang="ko-KR" dirty="0"/>
               <a:t>, </a:t>
             </a:r>
             <a:r>
-              <a:rPr lang="ko-KR" altLang="en-US" sz="1600" dirty="0"/>
-              <a:t>오래 못쓰고</a:t>
-            </a:r>
-            <a:r>
-              <a:rPr lang="en-US" altLang="ko-KR" sz="1600" dirty="0"/>
-              <a:t>, </a:t>
-            </a:r>
-            <a:r>
-              <a:rPr lang="ko-KR" altLang="en-US" sz="1600" dirty="0"/>
-              <a:t>정화효과가 낮다</a:t>
-            </a:r>
-            <a:r>
-              <a:rPr lang="en-US" altLang="ko-KR" sz="1600" dirty="0"/>
-              <a:t>), </a:t>
-            </a:r>
-          </a:p>
-          <a:p>
-            <a:r>
-              <a:rPr lang="en-US" altLang="ko-KR" sz="1600" dirty="0"/>
-              <a:t>			</a:t>
-            </a:r>
-            <a:r>
-              <a:rPr lang="ko-KR" altLang="en-US" sz="1600" dirty="0"/>
-              <a:t>방독면</a:t>
-            </a:r>
-            <a:r>
-              <a:rPr lang="en-US" altLang="ko-KR" sz="1600" dirty="0"/>
-              <a:t>(</a:t>
-            </a:r>
-            <a:r>
-              <a:rPr lang="ko-KR" altLang="en-US" sz="1600" dirty="0"/>
-              <a:t>무거워서 이동 제약</a:t>
-            </a:r>
-            <a:r>
-              <a:rPr lang="en-US" altLang="ko-KR" sz="1600" dirty="0"/>
-              <a:t>)</a:t>
-            </a:r>
-          </a:p>
-          <a:p>
-            <a:endParaRPr lang="en-US" altLang="ko-KR" sz="1600" dirty="0"/>
-          </a:p>
-          <a:p>
-            <a:r>
-              <a:rPr lang="ko-KR" altLang="en-US" sz="1600" dirty="0"/>
-              <a:t>돔 밖으로 나가기 </a:t>
-            </a:r>
-            <a:r>
-              <a:rPr lang="en-US" altLang="ko-KR" sz="1600" dirty="0"/>
-              <a:t>- </a:t>
-            </a:r>
-            <a:r>
-              <a:rPr lang="ko-KR" altLang="en-US" sz="1600" dirty="0"/>
-              <a:t>사람들 구조하고</a:t>
-            </a:r>
-            <a:r>
-              <a:rPr lang="en-US" altLang="ko-KR" sz="1600" dirty="0"/>
-              <a:t>, </a:t>
-            </a:r>
-            <a:r>
-              <a:rPr lang="ko-KR" altLang="en-US" sz="1600" dirty="0"/>
-              <a:t>음식 같은 것을 </a:t>
-            </a:r>
-            <a:r>
-              <a:rPr lang="ko-KR" altLang="en-US" sz="1600" dirty="0" err="1"/>
-              <a:t>구할려고</a:t>
-            </a:r>
-            <a:endParaRPr lang="en-US" altLang="ko-KR" sz="1600" dirty="0"/>
-          </a:p>
-          <a:p>
-            <a:r>
-              <a:rPr lang="en-US" altLang="ko-KR" sz="1600" dirty="0"/>
-              <a:t>		</a:t>
-            </a:r>
-            <a:r>
-              <a:rPr lang="ko-KR" altLang="en-US" sz="1600" dirty="0"/>
-              <a:t>사람들이 많아질 수록 음식을 더 많이 </a:t>
-            </a:r>
-            <a:r>
-              <a:rPr lang="ko-KR" altLang="en-US" sz="1600" dirty="0" err="1"/>
-              <a:t>구해와야하고</a:t>
-            </a:r>
-            <a:endParaRPr lang="en-US" altLang="ko-KR" sz="1600" dirty="0"/>
-          </a:p>
-          <a:p>
-            <a:r>
-              <a:rPr lang="en-US" altLang="ko-KR" sz="1600" dirty="0"/>
-              <a:t>		</a:t>
-            </a:r>
-            <a:r>
-              <a:rPr lang="ko-KR" altLang="en-US" sz="1600" dirty="0"/>
-              <a:t>사람이 많아야 기술 개발이 빨라진다</a:t>
-            </a:r>
-            <a:r>
-              <a:rPr lang="en-US" altLang="ko-KR" sz="1600" dirty="0"/>
+              <a:rPr lang="ko-KR" altLang="en-US" dirty="0"/>
+              <a:t>그 부위 사용에 제약이 생긴다</a:t>
+            </a:r>
+            <a:r>
+              <a:rPr lang="en-US" altLang="ko-KR" dirty="0"/>
               <a:t>.</a:t>
             </a:r>
           </a:p>
           <a:p>
-            <a:r>
-              <a:rPr lang="en-US" altLang="ko-KR" sz="1600" dirty="0"/>
-              <a:t>		</a:t>
-            </a:r>
-            <a:r>
-              <a:rPr lang="ko-KR" altLang="en-US" sz="1600" dirty="0"/>
-              <a:t>인구 적어지면 기술 개발이 멈춤</a:t>
-            </a:r>
-            <a:endParaRPr lang="en-US" altLang="ko-KR" sz="1600" dirty="0"/>
-          </a:p>
-          <a:p>
-            <a:r>
-              <a:rPr lang="en-US" altLang="ko-KR" sz="1600" dirty="0"/>
-              <a:t>		</a:t>
-            </a:r>
-            <a:r>
-              <a:rPr lang="ko-KR" altLang="en-US" sz="1600" dirty="0"/>
-              <a:t>구조된 사람들 중에 연구원이 있으면 개발이 빨라진다</a:t>
-            </a:r>
-            <a:r>
-              <a:rPr lang="en-US" altLang="ko-KR" sz="1600" dirty="0"/>
-              <a:t>.</a:t>
-            </a:r>
-          </a:p>
-          <a:p>
-            <a:r>
-              <a:rPr lang="en-US" altLang="ko-KR" sz="1600" dirty="0"/>
-              <a:t>		</a:t>
-            </a:r>
-            <a:r>
-              <a:rPr lang="ko-KR" altLang="en-US" sz="1600" dirty="0"/>
-              <a:t>시간이 갈 수록 먹을 것 구하기 </a:t>
-            </a:r>
-            <a:r>
-              <a:rPr lang="ko-KR" altLang="en-US" sz="1600" dirty="0" err="1"/>
-              <a:t>힘들어짐</a:t>
-            </a:r>
-            <a:r>
-              <a:rPr lang="en-US" altLang="ko-KR" sz="1600" dirty="0"/>
-              <a:t>.</a:t>
-            </a:r>
-          </a:p>
-          <a:p>
-            <a:r>
-              <a:rPr lang="en-US" altLang="ko-KR" sz="1600" dirty="0"/>
-              <a:t>		</a:t>
-            </a:r>
-            <a:r>
-              <a:rPr lang="ko-KR" altLang="en-US" sz="1600" dirty="0"/>
-              <a:t>기술 개발 심화 </a:t>
-            </a:r>
-            <a:r>
-              <a:rPr lang="en-US" altLang="ko-KR" sz="1600" dirty="0"/>
-              <a:t>– </a:t>
-            </a:r>
-            <a:r>
-              <a:rPr lang="ko-KR" altLang="en-US" sz="1600" dirty="0"/>
-              <a:t>다른 돔 세울 수 있다</a:t>
-            </a:r>
-            <a:r>
-              <a:rPr lang="en-US" altLang="ko-KR" sz="1600" dirty="0"/>
-              <a:t>.</a:t>
-            </a:r>
-          </a:p>
-          <a:p>
-            <a:r>
-              <a:rPr lang="en-US" altLang="ko-KR" sz="1600" dirty="0"/>
-              <a:t>			</a:t>
-            </a:r>
-            <a:r>
-              <a:rPr lang="ko-KR" altLang="en-US" sz="1600" dirty="0"/>
-              <a:t>더 심화 </a:t>
-            </a:r>
-            <a:r>
-              <a:rPr lang="en-US" altLang="ko-KR" sz="1600" dirty="0"/>
-              <a:t>– </a:t>
-            </a:r>
-            <a:r>
-              <a:rPr lang="ko-KR" altLang="en-US" sz="1600" dirty="0"/>
-              <a:t>인공 구름</a:t>
-            </a:r>
-            <a:r>
-              <a:rPr lang="en-US" altLang="ko-KR" sz="1600" dirty="0"/>
-              <a:t>(ending)</a:t>
-            </a:r>
-          </a:p>
-          <a:p>
-            <a:r>
-              <a:rPr lang="en-US" altLang="ko-KR" sz="1600" dirty="0"/>
-              <a:t>		</a:t>
-            </a:r>
-            <a:r>
-              <a:rPr lang="ko-KR" altLang="en-US" sz="1600" dirty="0"/>
-              <a:t>들어오려는 사람들을 방해할 수도 있다</a:t>
-            </a:r>
-            <a:r>
-              <a:rPr lang="en-US" altLang="ko-KR" sz="1600" dirty="0"/>
-              <a:t>.</a:t>
-            </a:r>
-          </a:p>
-          <a:p>
-            <a:endParaRPr lang="en-US" altLang="ko-KR" sz="1600" dirty="0"/>
-          </a:p>
-          <a:p>
-            <a:r>
-              <a:rPr lang="en-US" altLang="ko-KR" sz="1600" dirty="0"/>
-              <a:t>// </a:t>
-            </a:r>
-            <a:r>
-              <a:rPr lang="ko-KR" altLang="en-US" sz="1600" dirty="0"/>
-              <a:t>안과 밖의 대치구조</a:t>
-            </a:r>
-            <a:r>
-              <a:rPr lang="en-US" altLang="ko-KR" sz="1600" dirty="0"/>
-              <a:t>(</a:t>
-            </a:r>
-            <a:r>
-              <a:rPr lang="ko-KR" altLang="en-US" sz="1600" dirty="0"/>
-              <a:t>나중에 생각해보자</a:t>
-            </a:r>
-            <a:r>
-              <a:rPr lang="en-US" altLang="ko-KR" sz="1600" dirty="0"/>
-              <a:t>)</a:t>
-            </a:r>
-          </a:p>
-          <a:p>
-            <a:r>
-              <a:rPr lang="ko-KR" altLang="en-US" sz="1600" dirty="0"/>
-              <a:t>돔 내부인과 외부인의 능력치가 다르다</a:t>
-            </a:r>
-            <a:r>
-              <a:rPr lang="en-US" altLang="ko-KR" sz="1600" dirty="0"/>
-              <a:t>.</a:t>
-            </a:r>
-          </a:p>
-          <a:p>
-            <a:endParaRPr lang="en-US" altLang="ko-KR" sz="1600" dirty="0"/>
-          </a:p>
-          <a:p>
-            <a:r>
-              <a:rPr lang="ko-KR" altLang="en-US" sz="1600" dirty="0"/>
-              <a:t>서바이벌 대치 게임</a:t>
-            </a:r>
-            <a:endParaRPr lang="en-US" altLang="ko-KR" sz="1600" dirty="0"/>
-          </a:p>
-          <a:p>
-            <a:endParaRPr lang="en-US" altLang="ko-KR" sz="1600" dirty="0"/>
-          </a:p>
-          <a:p>
-            <a:endParaRPr lang="en-US" altLang="ko-KR" sz="1600" dirty="0"/>
+            <a:pPr marL="285750" indent="-285750">
+              <a:buFontTx/>
+              <a:buChar char="-"/>
+            </a:pPr>
+            <a:endParaRPr lang="en-US" altLang="ko-KR" dirty="0"/>
           </a:p>
         </p:txBody>
       </p:sp>
     </p:spTree>
     <p:extLst>
       <p:ext uri="{BB962C8B-B14F-4D97-AF65-F5344CB8AC3E}">
-        <p14:creationId xmlns:p14="http://schemas.microsoft.com/office/powerpoint/2010/main" val="3599806928"/>
+        <p14:creationId xmlns:p14="http://schemas.microsoft.com/office/powerpoint/2010/main" val="1040865311"/>
       </p:ext>
     </p:extLst>
   </p:cSld>
@@ -4158,10 +5624,217 @@
       </p:grpSpPr>
       <p:sp>
         <p:nvSpPr>
+          <p:cNvPr id="6" name="텍스트 개체 틀 2">
+            <a:extLst>
+              <a:ext uri="{FF2B5EF4-FFF2-40B4-BE49-F238E27FC236}">
+                <a16:creationId xmlns:a16="http://schemas.microsoft.com/office/drawing/2014/main" id="{C4A5C19D-66F2-4BB0-AB4B-3311175ECED7}"/>
+              </a:ext>
+            </a:extLst>
+          </p:cNvPr>
+          <p:cNvSpPr txBox="1">
+            <a:spLocks/>
+          </p:cNvSpPr>
+          <p:nvPr/>
+        </p:nvSpPr>
+        <p:spPr>
+          <a:xfrm>
+            <a:off x="1113905" y="1285070"/>
+            <a:ext cx="4196376" cy="375615"/>
+          </a:xfrm>
+          <a:prstGeom prst="rect">
+            <a:avLst/>
+          </a:prstGeom>
+        </p:spPr>
+        <p:txBody>
+          <a:bodyPr/>
+          <a:lstStyle>
+            <a:lvl1pPr marL="228600" indent="-228600" algn="l" defTabSz="914400" rtl="0" eaLnBrk="1" latinLnBrk="1" hangingPunct="1">
+              <a:lnSpc>
+                <a:spcPct val="90000"/>
+              </a:lnSpc>
+              <a:spcBef>
+                <a:spcPts val="1000"/>
+              </a:spcBef>
+              <a:buFont typeface="Arial" panose="020B0604020202020204" pitchFamily="34" charset="0"/>
+              <a:buChar char="•"/>
+              <a:defRPr sz="2800" kern="1200">
+                <a:solidFill>
+                  <a:schemeClr val="tx1"/>
+                </a:solidFill>
+                <a:latin typeface="+mn-lt"/>
+                <a:ea typeface="+mn-ea"/>
+                <a:cs typeface="+mn-cs"/>
+              </a:defRPr>
+            </a:lvl1pPr>
+            <a:lvl2pPr marL="685800" indent="-228600" algn="l" defTabSz="914400" rtl="0" eaLnBrk="1" latinLnBrk="1" hangingPunct="1">
+              <a:lnSpc>
+                <a:spcPct val="90000"/>
+              </a:lnSpc>
+              <a:spcBef>
+                <a:spcPts val="500"/>
+              </a:spcBef>
+              <a:buFont typeface="Arial" panose="020B0604020202020204" pitchFamily="34" charset="0"/>
+              <a:buChar char="•"/>
+              <a:defRPr sz="2400" kern="1200">
+                <a:solidFill>
+                  <a:schemeClr val="tx1"/>
+                </a:solidFill>
+                <a:latin typeface="+mn-lt"/>
+                <a:ea typeface="+mn-ea"/>
+                <a:cs typeface="+mn-cs"/>
+              </a:defRPr>
+            </a:lvl2pPr>
+            <a:lvl3pPr marL="1143000" indent="-228600" algn="l" defTabSz="914400" rtl="0" eaLnBrk="1" latinLnBrk="1" hangingPunct="1">
+              <a:lnSpc>
+                <a:spcPct val="90000"/>
+              </a:lnSpc>
+              <a:spcBef>
+                <a:spcPts val="500"/>
+              </a:spcBef>
+              <a:buFont typeface="Arial" panose="020B0604020202020204" pitchFamily="34" charset="0"/>
+              <a:buChar char="•"/>
+              <a:defRPr sz="2000" kern="1200">
+                <a:solidFill>
+                  <a:schemeClr val="tx1"/>
+                </a:solidFill>
+                <a:latin typeface="+mn-lt"/>
+                <a:ea typeface="+mn-ea"/>
+                <a:cs typeface="+mn-cs"/>
+              </a:defRPr>
+            </a:lvl3pPr>
+            <a:lvl4pPr marL="1600200" indent="-228600" algn="l" defTabSz="914400" rtl="0" eaLnBrk="1" latinLnBrk="1" hangingPunct="1">
+              <a:lnSpc>
+                <a:spcPct val="90000"/>
+              </a:lnSpc>
+              <a:spcBef>
+                <a:spcPts val="500"/>
+              </a:spcBef>
+              <a:buFont typeface="Arial" panose="020B0604020202020204" pitchFamily="34" charset="0"/>
+              <a:buChar char="•"/>
+              <a:defRPr sz="1800" kern="1200">
+                <a:solidFill>
+                  <a:schemeClr val="tx1"/>
+                </a:solidFill>
+                <a:latin typeface="+mn-lt"/>
+                <a:ea typeface="+mn-ea"/>
+                <a:cs typeface="+mn-cs"/>
+              </a:defRPr>
+            </a:lvl4pPr>
+            <a:lvl5pPr marL="2057400" indent="-228600" algn="l" defTabSz="914400" rtl="0" eaLnBrk="1" latinLnBrk="1" hangingPunct="1">
+              <a:lnSpc>
+                <a:spcPct val="90000"/>
+              </a:lnSpc>
+              <a:spcBef>
+                <a:spcPts val="500"/>
+              </a:spcBef>
+              <a:buFont typeface="Arial" panose="020B0604020202020204" pitchFamily="34" charset="0"/>
+              <a:buChar char="•"/>
+              <a:defRPr sz="1800" kern="1200">
+                <a:solidFill>
+                  <a:schemeClr val="tx1"/>
+                </a:solidFill>
+                <a:latin typeface="+mn-lt"/>
+                <a:ea typeface="+mn-ea"/>
+                <a:cs typeface="+mn-cs"/>
+              </a:defRPr>
+            </a:lvl5pPr>
+            <a:lvl6pPr marL="2514600" indent="-228600" algn="l" defTabSz="914400" rtl="0" eaLnBrk="1" latinLnBrk="1" hangingPunct="1">
+              <a:lnSpc>
+                <a:spcPct val="90000"/>
+              </a:lnSpc>
+              <a:spcBef>
+                <a:spcPts val="500"/>
+              </a:spcBef>
+              <a:buFont typeface="Arial" panose="020B0604020202020204" pitchFamily="34" charset="0"/>
+              <a:buChar char="•"/>
+              <a:defRPr sz="1800" kern="1200">
+                <a:solidFill>
+                  <a:schemeClr val="tx1"/>
+                </a:solidFill>
+                <a:latin typeface="+mn-lt"/>
+                <a:ea typeface="+mn-ea"/>
+                <a:cs typeface="+mn-cs"/>
+              </a:defRPr>
+            </a:lvl6pPr>
+            <a:lvl7pPr marL="2971800" indent="-228600" algn="l" defTabSz="914400" rtl="0" eaLnBrk="1" latinLnBrk="1" hangingPunct="1">
+              <a:lnSpc>
+                <a:spcPct val="90000"/>
+              </a:lnSpc>
+              <a:spcBef>
+                <a:spcPts val="500"/>
+              </a:spcBef>
+              <a:buFont typeface="Arial" panose="020B0604020202020204" pitchFamily="34" charset="0"/>
+              <a:buChar char="•"/>
+              <a:defRPr sz="1800" kern="1200">
+                <a:solidFill>
+                  <a:schemeClr val="tx1"/>
+                </a:solidFill>
+                <a:latin typeface="+mn-lt"/>
+                <a:ea typeface="+mn-ea"/>
+                <a:cs typeface="+mn-cs"/>
+              </a:defRPr>
+            </a:lvl7pPr>
+            <a:lvl8pPr marL="3429000" indent="-228600" algn="l" defTabSz="914400" rtl="0" eaLnBrk="1" latinLnBrk="1" hangingPunct="1">
+              <a:lnSpc>
+                <a:spcPct val="90000"/>
+              </a:lnSpc>
+              <a:spcBef>
+                <a:spcPts val="500"/>
+              </a:spcBef>
+              <a:buFont typeface="Arial" panose="020B0604020202020204" pitchFamily="34" charset="0"/>
+              <a:buChar char="•"/>
+              <a:defRPr sz="1800" kern="1200">
+                <a:solidFill>
+                  <a:schemeClr val="tx1"/>
+                </a:solidFill>
+                <a:latin typeface="+mn-lt"/>
+                <a:ea typeface="+mn-ea"/>
+                <a:cs typeface="+mn-cs"/>
+              </a:defRPr>
+            </a:lvl8pPr>
+            <a:lvl9pPr marL="3886200" indent="-228600" algn="l" defTabSz="914400" rtl="0" eaLnBrk="1" latinLnBrk="1" hangingPunct="1">
+              <a:lnSpc>
+                <a:spcPct val="90000"/>
+              </a:lnSpc>
+              <a:spcBef>
+                <a:spcPts val="500"/>
+              </a:spcBef>
+              <a:buFont typeface="Arial" panose="020B0604020202020204" pitchFamily="34" charset="0"/>
+              <a:buChar char="•"/>
+              <a:defRPr sz="1800" kern="1200">
+                <a:solidFill>
+                  <a:schemeClr val="tx1"/>
+                </a:solidFill>
+                <a:latin typeface="+mn-lt"/>
+                <a:ea typeface="+mn-ea"/>
+                <a:cs typeface="+mn-cs"/>
+              </a:defRPr>
+            </a:lvl9pPr>
+          </a:lstStyle>
+          <a:p>
+            <a:pPr marL="0" indent="0">
+              <a:buNone/>
+            </a:pPr>
+            <a:r>
+              <a:rPr lang="ko-KR" altLang="en-US" sz="2400" b="1" dirty="0">
+                <a:solidFill>
+                  <a:schemeClr val="tx1">
+                    <a:lumMod val="85000"/>
+                    <a:lumOff val="15000"/>
+                  </a:schemeClr>
+                </a:solidFill>
+              </a:rPr>
+              <a:t>기존 게임과의 차이점</a:t>
+            </a:r>
+          </a:p>
+        </p:txBody>
+      </p:sp>
+      <p:sp>
+        <p:nvSpPr>
           <p:cNvPr id="2" name="TextBox 1">
             <a:extLst>
               <a:ext uri="{FF2B5EF4-FFF2-40B4-BE49-F238E27FC236}">
-                <a16:creationId xmlns:a16="http://schemas.microsoft.com/office/drawing/2014/main" id="{2C217F55-AA37-4930-BB03-4D6E18C0A520}"/>
+                <a16:creationId xmlns:a16="http://schemas.microsoft.com/office/drawing/2014/main" id="{54067028-7029-4E3A-84F4-05E232532536}"/>
               </a:ext>
             </a:extLst>
           </p:cNvPr>
@@ -4170,8 +5843,8 @@
         </p:nvSpPr>
         <p:spPr>
           <a:xfrm>
-            <a:off x="569827" y="401443"/>
-            <a:ext cx="5005783" cy="5755422"/>
+            <a:off x="1113905" y="2273190"/>
+            <a:ext cx="9272090" cy="2585323"/>
           </a:xfrm>
           <a:prstGeom prst="rect">
             <a:avLst/>
@@ -4179,24 +5852,240 @@
           <a:noFill/>
         </p:spPr>
         <p:txBody>
+          <a:bodyPr wrap="none" rtlCol="0">
+            <a:spAutoFit/>
+          </a:bodyPr>
+          <a:lstStyle/>
+          <a:p>
+            <a:r>
+              <a:rPr lang="ko-KR" altLang="en-US" dirty="0"/>
+              <a:t>배경 스토리를 이렇게 설정한 이유</a:t>
+            </a:r>
+            <a:endParaRPr lang="en-US" altLang="ko-KR" dirty="0"/>
+          </a:p>
+          <a:p>
+            <a:pPr marL="285750" indent="-285750">
+              <a:buFontTx/>
+              <a:buChar char="-"/>
+            </a:pPr>
+            <a:r>
+              <a:rPr lang="ko-KR" altLang="en-US" dirty="0"/>
+              <a:t>현실에 가까이 있는 문제점이고 내년에도 충분히 대두 될 수 있는 문제이기 때문이다</a:t>
+            </a:r>
+            <a:r>
+              <a:rPr lang="en-US" altLang="ko-KR" dirty="0"/>
+              <a:t>.</a:t>
+            </a:r>
+          </a:p>
+          <a:p>
+            <a:pPr marL="285750" indent="-285750">
+              <a:buFontTx/>
+              <a:buChar char="-"/>
+            </a:pPr>
+            <a:r>
+              <a:rPr lang="ko-KR" altLang="en-US" dirty="0"/>
+              <a:t>미세먼지의 위험성을 알리기 위함</a:t>
+            </a:r>
+            <a:r>
+              <a:rPr lang="en-US" altLang="ko-KR" dirty="0"/>
+              <a:t>. </a:t>
+            </a:r>
+          </a:p>
+          <a:p>
+            <a:r>
+              <a:rPr lang="en-US" altLang="ko-KR" dirty="0"/>
+              <a:t>( </a:t>
+            </a:r>
+            <a:r>
+              <a:rPr lang="ko-KR" altLang="en-US" dirty="0"/>
+              <a:t>사람들이 위험하다는 것은 알지만</a:t>
+            </a:r>
+            <a:r>
+              <a:rPr lang="en-US" altLang="ko-KR" dirty="0"/>
+              <a:t>,</a:t>
+            </a:r>
+            <a:r>
+              <a:rPr lang="ko-KR" altLang="en-US" dirty="0"/>
+              <a:t> 미세먼지에 대해 크게 와 닿지는 않음 </a:t>
+            </a:r>
+            <a:r>
+              <a:rPr lang="en-US" altLang="ko-KR" dirty="0"/>
+              <a:t>)</a:t>
+            </a:r>
+          </a:p>
+          <a:p>
+            <a:pPr marL="285750" indent="-285750">
+              <a:buFontTx/>
+              <a:buChar char="-"/>
+            </a:pPr>
+            <a:endParaRPr lang="en-US" altLang="ko-KR" dirty="0"/>
+          </a:p>
+          <a:p>
+            <a:r>
+              <a:rPr lang="ko-KR" altLang="en-US" dirty="0"/>
+              <a:t>협동</a:t>
+            </a:r>
+            <a:r>
+              <a:rPr lang="en-US" altLang="ko-KR" dirty="0"/>
+              <a:t>/</a:t>
+            </a:r>
+            <a:r>
+              <a:rPr lang="ko-KR" altLang="en-US" dirty="0"/>
+              <a:t>생존 게임을 선정한 이유</a:t>
+            </a:r>
+            <a:endParaRPr lang="en-US" altLang="ko-KR" dirty="0"/>
+          </a:p>
+          <a:p>
+            <a:pPr marL="285750" indent="-285750">
+              <a:buFontTx/>
+              <a:buChar char="-"/>
+            </a:pPr>
+            <a:r>
+              <a:rPr lang="ko-KR" altLang="en-US" dirty="0"/>
+              <a:t>생존 게임이 게임 배경에 적합하다고 생각했기 때문이다</a:t>
+            </a:r>
+            <a:r>
+              <a:rPr lang="en-US" altLang="ko-KR" dirty="0"/>
+              <a:t>.</a:t>
+            </a:r>
+          </a:p>
+          <a:p>
+            <a:pPr marL="285750" indent="-285750">
+              <a:buFontTx/>
+              <a:buChar char="-"/>
+            </a:pPr>
+            <a:endParaRPr lang="en-US" altLang="ko-KR" dirty="0"/>
+          </a:p>
+          <a:p>
+            <a:pPr marL="285750" indent="-285750">
+              <a:buFontTx/>
+              <a:buChar char="-"/>
+            </a:pPr>
+            <a:endParaRPr lang="en-US" altLang="ko-KR" dirty="0"/>
+          </a:p>
+        </p:txBody>
+      </p:sp>
+    </p:spTree>
+    <p:extLst>
+      <p:ext uri="{BB962C8B-B14F-4D97-AF65-F5344CB8AC3E}">
+        <p14:creationId xmlns:p14="http://schemas.microsoft.com/office/powerpoint/2010/main" val="1291013343"/>
+      </p:ext>
+    </p:extLst>
+  </p:cSld>
+  <p:clrMapOvr>
+    <a:masterClrMapping/>
+  </p:clrMapOvr>
+</p:sld>
+</file>
+
+<file path=ppt/slides/slide5.xml><?xml version="1.0" encoding="utf-8"?>
+<p:sld xmlns:a="http://schemas.openxmlformats.org/drawingml/2006/main" xmlns:r="http://schemas.openxmlformats.org/officeDocument/2006/relationships" xmlns:p="http://schemas.openxmlformats.org/presentationml/2006/main">
+  <p:cSld>
+    <p:spTree>
+      <p:nvGrpSpPr>
+        <p:cNvPr id="1" name=""/>
+        <p:cNvGrpSpPr/>
+        <p:nvPr/>
+      </p:nvGrpSpPr>
+      <p:grpSpPr>
+        <a:xfrm>
+          <a:off x="0" y="0"/>
+          <a:ext cx="0" cy="0"/>
+          <a:chOff x="0" y="0"/>
+          <a:chExt cx="0" cy="0"/>
+        </a:xfrm>
+      </p:grpSpPr>
+      <p:pic>
+        <p:nvPicPr>
+          <p:cNvPr id="1026" name="Picture 2" descr="ì¤í°ì§ë°¥ ë¤ëì´ ì§ì ëí ì´ë¯¸ì§ ê²ìê²°ê³¼">
+            <a:extLst>
+              <a:ext uri="{FF2B5EF4-FFF2-40B4-BE49-F238E27FC236}">
+                <a16:creationId xmlns:a16="http://schemas.microsoft.com/office/drawing/2014/main" id="{1242FE83-60C1-4D88-8665-FDDAE6A00E5E}"/>
+              </a:ext>
+            </a:extLst>
+          </p:cNvPr>
+          <p:cNvPicPr>
+            <a:picLocks noChangeAspect="1" noChangeArrowheads="1"/>
+          </p:cNvPicPr>
+          <p:nvPr/>
+        </p:nvPicPr>
+        <p:blipFill>
+          <a:blip r:embed="rId2">
+            <a:extLst>
+              <a:ext uri="{28A0092B-C50C-407E-A947-70E740481C1C}">
+                <a14:useLocalDpi xmlns:a14="http://schemas.microsoft.com/office/drawing/2010/main" val="0"/>
+              </a:ext>
+            </a:extLst>
+          </a:blip>
+          <a:srcRect/>
+          <a:stretch>
+            <a:fillRect/>
+          </a:stretch>
+        </p:blipFill>
+        <p:spPr bwMode="auto">
+          <a:xfrm>
+            <a:off x="6910039" y="3537735"/>
+            <a:ext cx="4572000" cy="2571750"/>
+          </a:xfrm>
+          <a:prstGeom prst="rect">
+            <a:avLst/>
+          </a:prstGeom>
+          <a:noFill/>
+          <a:extLst>
+            <a:ext uri="{909E8E84-426E-40DD-AFC4-6F175D3DCCD1}">
+              <a14:hiddenFill xmlns:a14="http://schemas.microsoft.com/office/drawing/2010/main">
+                <a:solidFill>
+                  <a:srgbClr val="FFFFFF"/>
+                </a:solidFill>
+              </a14:hiddenFill>
+            </a:ext>
+          </a:extLst>
+        </p:spPr>
+      </p:pic>
+      <p:sp>
+        <p:nvSpPr>
+          <p:cNvPr id="5" name="TextBox 4">
+            <a:extLst>
+              <a:ext uri="{FF2B5EF4-FFF2-40B4-BE49-F238E27FC236}">
+                <a16:creationId xmlns:a16="http://schemas.microsoft.com/office/drawing/2014/main" id="{8F3E1CD3-FD42-4AAB-AE6E-4FCAB3327E85}"/>
+              </a:ext>
+            </a:extLst>
+          </p:cNvPr>
+          <p:cNvSpPr txBox="1"/>
+          <p:nvPr/>
+        </p:nvSpPr>
+        <p:spPr>
+          <a:xfrm>
+            <a:off x="1325103" y="1014522"/>
+            <a:ext cx="7514807" cy="3170099"/>
+          </a:xfrm>
+          <a:prstGeom prst="rect">
+            <a:avLst/>
+          </a:prstGeom>
+          <a:noFill/>
+        </p:spPr>
+        <p:txBody>
           <a:bodyPr wrap="square" rtlCol="0">
             <a:spAutoFit/>
           </a:bodyPr>
           <a:lstStyle/>
           <a:p>
             <a:r>
+              <a:rPr lang="ko-KR" altLang="en-US" sz="2400" b="1" dirty="0"/>
+              <a:t>배경 </a:t>
+            </a:r>
+            <a:r>
+              <a:rPr lang="en-US" altLang="ko-KR" sz="2400" b="1" dirty="0"/>
+              <a:t>info</a:t>
+            </a:r>
+          </a:p>
+          <a:p>
+            <a:endParaRPr lang="en-US" altLang="ko-KR" sz="1600" dirty="0"/>
+          </a:p>
+          <a:p>
+            <a:r>
               <a:rPr lang="ko-KR" altLang="en-US" sz="1600" dirty="0"/>
-              <a:t>게임 디테일</a:t>
-            </a:r>
-            <a:endParaRPr lang="en-US" altLang="ko-KR" sz="1600" dirty="0"/>
-          </a:p>
-          <a:p>
-            <a:endParaRPr lang="en-US" altLang="ko-KR" sz="1600" dirty="0"/>
-          </a:p>
-          <a:p>
-            <a:r>
-              <a:rPr lang="ko-KR" altLang="en-US" sz="1600" dirty="0"/>
-              <a:t>서바이벌 대치 게임 </a:t>
+              <a:t>선정 이유 </a:t>
             </a:r>
             <a:r>
               <a:rPr lang="en-US" altLang="ko-KR" sz="1600" dirty="0"/>
@@ -4204,7 +6093,30 @@
             </a:r>
             <a:r>
               <a:rPr lang="ko-KR" altLang="en-US" sz="1600" dirty="0"/>
-              <a:t>게임 시간 짧을 수도 길 수도</a:t>
+              <a:t>지금 현실에 미세먼지가 너무 심각함</a:t>
+            </a:r>
+            <a:r>
+              <a:rPr lang="en-US" altLang="ko-KR" sz="1600" dirty="0"/>
+              <a:t>. </a:t>
+            </a:r>
+          </a:p>
+          <a:p>
+            <a:r>
+              <a:rPr lang="ko-KR" altLang="en-US" sz="1600" dirty="0"/>
+              <a:t>내년에도 심각한 상태이지 않을까</a:t>
+            </a:r>
+            <a:r>
+              <a:rPr lang="en-US" altLang="ko-KR" sz="1600" dirty="0"/>
+              <a:t>?</a:t>
+            </a:r>
+          </a:p>
+          <a:p>
+            <a:endParaRPr lang="en-US" altLang="ko-KR" sz="1600" dirty="0"/>
+          </a:p>
+          <a:p>
+            <a:r>
+              <a:rPr lang="ko-KR" altLang="en-US" sz="1600" dirty="0"/>
+              <a:t>미세먼지가 너무 심각한 정도가 되어서 밖에 다니기 힘든 시대가 되어 버림</a:t>
             </a:r>
             <a:r>
               <a:rPr lang="en-US" altLang="ko-KR" sz="1600" dirty="0"/>
@@ -4213,12 +6125,12 @@
           </a:p>
           <a:p>
             <a:r>
+              <a:rPr lang="ko-KR" altLang="en-US" sz="1600" dirty="0"/>
+              <a:t>국가적으로 특정 도시 외곽에 돔을 설치하여 사람들이 생존 가능한 지대를 </a:t>
+            </a:r>
+            <a:r>
               <a:rPr lang="ko-KR" altLang="en-US" sz="1600" dirty="0" err="1"/>
-              <a:t>맵이</a:t>
-            </a:r>
-            <a:r>
-              <a:rPr lang="ko-KR" altLang="en-US" sz="1600" dirty="0"/>
-              <a:t> 너무 크면 안됨</a:t>
+              <a:t>만듬</a:t>
             </a:r>
             <a:r>
               <a:rPr lang="en-US" altLang="ko-KR" sz="1600" dirty="0"/>
@@ -4226,12 +6138,167 @@
             </a:r>
           </a:p>
           <a:p>
+            <a:r>
+              <a:rPr lang="ko-KR" altLang="en-US" sz="1600" dirty="0"/>
+              <a:t>돔 내부는 특수기술로 공기 청정이 이루어지고 있다</a:t>
+            </a:r>
+            <a:r>
+              <a:rPr lang="en-US" altLang="ko-KR" sz="1600" dirty="0"/>
+              <a:t>.</a:t>
+            </a:r>
+          </a:p>
+          <a:p>
             <a:endParaRPr lang="en-US" altLang="ko-KR" sz="1600" dirty="0"/>
           </a:p>
           <a:p>
             <a:r>
               <a:rPr lang="ko-KR" altLang="en-US" sz="1600" dirty="0"/>
-              <a:t>공동목표 이루는 게임 </a:t>
+              <a:t>돔 </a:t>
+            </a:r>
+            <a:r>
+              <a:rPr lang="en-US" altLang="ko-KR" sz="1600" dirty="0"/>
+              <a:t>:: </a:t>
+            </a:r>
+            <a:r>
+              <a:rPr lang="ko-KR" altLang="en-US" sz="1600" dirty="0"/>
+              <a:t>스폰지밥에 </a:t>
+            </a:r>
+            <a:r>
+              <a:rPr lang="ko-KR" altLang="en-US" sz="1600" dirty="0" err="1"/>
+              <a:t>다람이</a:t>
+            </a:r>
+            <a:r>
+              <a:rPr lang="ko-KR" altLang="en-US" sz="1600" dirty="0"/>
+              <a:t> 집처럼 되어있음</a:t>
+            </a:r>
+            <a:r>
+              <a:rPr lang="en-US" altLang="ko-KR" sz="1600" dirty="0"/>
+              <a:t>.</a:t>
+            </a:r>
+          </a:p>
+          <a:p>
+            <a:r>
+              <a:rPr lang="ko-KR" altLang="en-US" sz="1600" dirty="0"/>
+              <a:t>돔은 부서지지 않는다</a:t>
+            </a:r>
+            <a:endParaRPr lang="en-US" altLang="ko-KR" sz="1600" dirty="0"/>
+          </a:p>
+          <a:p>
+            <a:endParaRPr lang="en-US" altLang="ko-KR" sz="1600" dirty="0"/>
+          </a:p>
+        </p:txBody>
+      </p:sp>
+    </p:spTree>
+    <p:extLst>
+      <p:ext uri="{BB962C8B-B14F-4D97-AF65-F5344CB8AC3E}">
+        <p14:creationId xmlns:p14="http://schemas.microsoft.com/office/powerpoint/2010/main" val="4230179416"/>
+      </p:ext>
+    </p:extLst>
+  </p:cSld>
+  <p:clrMapOvr>
+    <a:masterClrMapping/>
+  </p:clrMapOvr>
+</p:sld>
+</file>
+
+<file path=ppt/slides/slide6.xml><?xml version="1.0" encoding="utf-8"?>
+<p:sld xmlns:a="http://schemas.openxmlformats.org/drawingml/2006/main" xmlns:r="http://schemas.openxmlformats.org/officeDocument/2006/relationships" xmlns:p="http://schemas.openxmlformats.org/presentationml/2006/main">
+  <p:cSld>
+    <p:spTree>
+      <p:nvGrpSpPr>
+        <p:cNvPr id="1" name=""/>
+        <p:cNvGrpSpPr/>
+        <p:nvPr/>
+      </p:nvGrpSpPr>
+      <p:grpSpPr>
+        <a:xfrm>
+          <a:off x="0" y="0"/>
+          <a:ext cx="0" cy="0"/>
+          <a:chOff x="0" y="0"/>
+          <a:chExt cx="0" cy="0"/>
+        </a:xfrm>
+      </p:grpSpPr>
+      <p:sp>
+        <p:nvSpPr>
+          <p:cNvPr id="5" name="TextBox 4">
+            <a:extLst>
+              <a:ext uri="{FF2B5EF4-FFF2-40B4-BE49-F238E27FC236}">
+                <a16:creationId xmlns:a16="http://schemas.microsoft.com/office/drawing/2014/main" id="{8D548C6D-FA41-4DFC-9A7D-AF57B6DF1031}"/>
+              </a:ext>
+            </a:extLst>
+          </p:cNvPr>
+          <p:cNvSpPr txBox="1"/>
+          <p:nvPr/>
+        </p:nvSpPr>
+        <p:spPr>
+          <a:xfrm>
+            <a:off x="1008052" y="1153789"/>
+            <a:ext cx="11339676" cy="3908762"/>
+          </a:xfrm>
+          <a:prstGeom prst="rect">
+            <a:avLst/>
+          </a:prstGeom>
+          <a:noFill/>
+        </p:spPr>
+        <p:txBody>
+          <a:bodyPr wrap="square" rtlCol="0">
+            <a:spAutoFit/>
+          </a:bodyPr>
+          <a:lstStyle/>
+          <a:p>
+            <a:r>
+              <a:rPr lang="ko-KR" altLang="en-US" sz="2400" b="1" dirty="0"/>
+              <a:t>게임 </a:t>
+            </a:r>
+            <a:r>
+              <a:rPr lang="en-US" altLang="ko-KR" sz="2400" b="1" dirty="0"/>
+              <a:t>info</a:t>
+            </a:r>
+          </a:p>
+          <a:p>
+            <a:endParaRPr lang="en-US" altLang="ko-KR" sz="1600" dirty="0"/>
+          </a:p>
+          <a:p>
+            <a:r>
+              <a:rPr lang="en-US" altLang="ko-KR" sz="1600" dirty="0"/>
+              <a:t>(1</a:t>
+            </a:r>
+            <a:r>
+              <a:rPr lang="ko-KR" altLang="en-US" sz="1600" dirty="0"/>
+              <a:t>인칭 </a:t>
+            </a:r>
+            <a:r>
+              <a:rPr lang="en-US" altLang="ko-KR" sz="1600" dirty="0"/>
+              <a:t>/ </a:t>
+            </a:r>
+            <a:r>
+              <a:rPr lang="ko-KR" altLang="en-US" sz="1600" dirty="0"/>
+              <a:t>전지적</a:t>
+            </a:r>
+            <a:r>
+              <a:rPr lang="en-US" altLang="ko-KR" sz="1600" dirty="0"/>
+              <a:t>)</a:t>
+            </a:r>
+            <a:r>
+              <a:rPr lang="ko-KR" altLang="en-US" sz="1600" dirty="0"/>
+              <a:t> 시점</a:t>
+            </a:r>
+            <a:endParaRPr lang="en-US" altLang="ko-KR" sz="1600" dirty="0"/>
+          </a:p>
+          <a:p>
+            <a:r>
+              <a:rPr lang="ko-KR" altLang="en-US" sz="1600" dirty="0"/>
+              <a:t>플레이어 하나로 게임</a:t>
+            </a:r>
+            <a:endParaRPr lang="en-US" altLang="ko-KR" sz="1600" dirty="0"/>
+          </a:p>
+          <a:p>
+            <a:endParaRPr lang="en-US" altLang="ko-KR" sz="1600" dirty="0"/>
+          </a:p>
+          <a:p>
+            <a:r>
+              <a:rPr lang="ko-KR" altLang="en-US" sz="1600" dirty="0"/>
+              <a:t>안전장치 </a:t>
             </a:r>
             <a:r>
               <a:rPr lang="en-US" altLang="ko-KR" sz="1600" dirty="0"/>
@@ -4239,7 +6306,94 @@
             </a:r>
             <a:r>
               <a:rPr lang="ko-KR" altLang="en-US" sz="1600" dirty="0"/>
-              <a:t>대체로 좀 길다</a:t>
+              <a:t>마스크</a:t>
+            </a:r>
+            <a:r>
+              <a:rPr lang="en-US" altLang="ko-KR" sz="1600" dirty="0"/>
+              <a:t>(</a:t>
+            </a:r>
+            <a:r>
+              <a:rPr lang="ko-KR" altLang="en-US" sz="1600" dirty="0"/>
+              <a:t>구하기 </a:t>
+            </a:r>
+            <a:r>
+              <a:rPr lang="ko-KR" altLang="en-US" sz="1600" dirty="0" err="1"/>
+              <a:t>쉬운대신</a:t>
+            </a:r>
+            <a:r>
+              <a:rPr lang="en-US" altLang="ko-KR" sz="1600" dirty="0"/>
+              <a:t>, </a:t>
+            </a:r>
+            <a:r>
+              <a:rPr lang="ko-KR" altLang="en-US" sz="1600" dirty="0"/>
+              <a:t>오래 못쓰고</a:t>
+            </a:r>
+            <a:r>
+              <a:rPr lang="en-US" altLang="ko-KR" sz="1600" dirty="0"/>
+              <a:t>, </a:t>
+            </a:r>
+            <a:r>
+              <a:rPr lang="ko-KR" altLang="en-US" sz="1600" dirty="0"/>
+              <a:t>정화효과가 낮다</a:t>
+            </a:r>
+            <a:r>
+              <a:rPr lang="en-US" altLang="ko-KR" sz="1600" dirty="0"/>
+              <a:t>), </a:t>
+            </a:r>
+          </a:p>
+          <a:p>
+            <a:r>
+              <a:rPr lang="en-US" altLang="ko-KR" sz="1600" dirty="0"/>
+              <a:t>	</a:t>
+            </a:r>
+            <a:r>
+              <a:rPr lang="ko-KR" altLang="en-US" sz="1600" dirty="0"/>
+              <a:t>방독면</a:t>
+            </a:r>
+            <a:r>
+              <a:rPr lang="en-US" altLang="ko-KR" sz="1600" dirty="0"/>
+              <a:t>(</a:t>
+            </a:r>
+            <a:r>
+              <a:rPr lang="ko-KR" altLang="en-US" sz="1600" dirty="0"/>
+              <a:t>무거워서 이동 제약</a:t>
+            </a:r>
+            <a:r>
+              <a:rPr lang="en-US" altLang="ko-KR" sz="1600" dirty="0"/>
+              <a:t>)</a:t>
+            </a:r>
+          </a:p>
+          <a:p>
+            <a:endParaRPr lang="en-US" altLang="ko-KR" sz="1600" dirty="0"/>
+          </a:p>
+          <a:p>
+            <a:r>
+              <a:rPr lang="ko-KR" altLang="en-US" sz="1600" dirty="0"/>
+              <a:t>돔 밖으로 나가는 이유 </a:t>
+            </a:r>
+            <a:r>
+              <a:rPr lang="en-US" altLang="ko-KR" sz="1600" dirty="0"/>
+              <a:t>- </a:t>
+            </a:r>
+            <a:r>
+              <a:rPr lang="ko-KR" altLang="en-US" sz="1600" dirty="0"/>
+              <a:t>사람들 구조하고</a:t>
+            </a:r>
+            <a:r>
+              <a:rPr lang="en-US" altLang="ko-KR" sz="1600" dirty="0"/>
+              <a:t>, </a:t>
+            </a:r>
+            <a:r>
+              <a:rPr lang="ko-KR" altLang="en-US" sz="1600" dirty="0"/>
+              <a:t>음식</a:t>
+            </a:r>
+            <a:r>
+              <a:rPr lang="en-US" altLang="ko-KR" sz="1600" dirty="0"/>
+              <a:t>, </a:t>
+            </a:r>
+            <a:r>
+              <a:rPr lang="ko-KR" altLang="en-US" sz="1600" dirty="0"/>
+              <a:t>물품 같은 것을 구하기 위해서</a:t>
             </a:r>
             <a:r>
               <a:rPr lang="en-US" altLang="ko-KR" sz="1600" dirty="0"/>
@@ -4248,12 +6402,20 @@
           </a:p>
           <a:p>
             <a:r>
-              <a:rPr lang="ko-KR" altLang="en-US" sz="1600" dirty="0" err="1"/>
-              <a:t>맵이</a:t>
+              <a:rPr lang="en-US" altLang="ko-KR" sz="1600" dirty="0"/>
+              <a:t>		</a:t>
             </a:r>
             <a:r>
               <a:rPr lang="ko-KR" altLang="en-US" sz="1600" dirty="0"/>
-              <a:t> 좀 커도 돼</a:t>
+              <a:t>사람들이 많아질 수록 음식을 더 많이 구해와야 하고</a:t>
+            </a:r>
+            <a:r>
+              <a:rPr lang="en-US" altLang="ko-KR" sz="1600" dirty="0"/>
+              <a:t> </a:t>
+            </a:r>
+            <a:r>
+              <a:rPr lang="ko-KR" altLang="en-US" sz="1600" dirty="0"/>
+              <a:t>사람이 많아야 기술 개발이 빨라진다</a:t>
             </a:r>
             <a:r>
               <a:rPr lang="en-US" altLang="ko-KR" sz="1600" dirty="0"/>
@@ -4261,12 +6423,166 @@
             </a:r>
           </a:p>
           <a:p>
+            <a:r>
+              <a:rPr lang="en-US" altLang="ko-KR" sz="1600" dirty="0"/>
+              <a:t>		</a:t>
+            </a:r>
+            <a:r>
+              <a:rPr lang="ko-KR" altLang="en-US" sz="1600" dirty="0"/>
+              <a:t>인구 적어지면 기술 개발이 멈춤</a:t>
+            </a:r>
+            <a:r>
+              <a:rPr lang="en-US" altLang="ko-KR" sz="1600" dirty="0"/>
+              <a:t> </a:t>
+            </a:r>
+            <a:r>
+              <a:rPr lang="ko-KR" altLang="en-US" sz="1600" dirty="0"/>
+              <a:t>구조된 사람들 중에 연구원이 있으면 개발이 빨라진다</a:t>
+            </a:r>
+            <a:r>
+              <a:rPr lang="en-US" altLang="ko-KR" sz="1600" dirty="0"/>
+              <a:t>.</a:t>
+            </a:r>
+          </a:p>
+          <a:p>
+            <a:r>
+              <a:rPr lang="en-US" altLang="ko-KR" sz="1600" dirty="0"/>
+              <a:t>		</a:t>
+            </a:r>
+            <a:r>
+              <a:rPr lang="ko-KR" altLang="en-US" sz="1600" dirty="0"/>
+              <a:t>시간이 갈 수록 먹을 것 구하기 </a:t>
+            </a:r>
+            <a:r>
+              <a:rPr lang="ko-KR" altLang="en-US" sz="1600" dirty="0" err="1"/>
+              <a:t>힘들어짐</a:t>
+            </a:r>
+            <a:r>
+              <a:rPr lang="en-US" altLang="ko-KR" sz="1600" dirty="0"/>
+              <a:t>.</a:t>
+            </a:r>
+          </a:p>
+          <a:p>
+            <a:r>
+              <a:rPr lang="en-US" altLang="ko-KR" sz="1600" dirty="0"/>
+              <a:t>		</a:t>
+            </a:r>
+            <a:r>
+              <a:rPr lang="ko-KR" altLang="en-US" sz="1600" dirty="0"/>
+              <a:t>기술 개발 목적 </a:t>
+            </a:r>
+            <a:r>
+              <a:rPr lang="en-US" altLang="ko-KR" sz="1600" dirty="0"/>
+              <a:t>: </a:t>
+            </a:r>
+            <a:r>
+              <a:rPr lang="ko-KR" altLang="en-US" sz="1600" dirty="0"/>
+              <a:t>인공 구름</a:t>
+            </a:r>
+            <a:r>
+              <a:rPr lang="en-US" altLang="ko-KR" sz="1600" dirty="0"/>
+              <a:t>(ending)</a:t>
+            </a:r>
+          </a:p>
+          <a:p>
             <a:endParaRPr lang="en-US" altLang="ko-KR" sz="1600" dirty="0"/>
           </a:p>
           <a:p>
+            <a:endParaRPr lang="en-US" altLang="ko-KR" sz="1600" dirty="0"/>
+          </a:p>
+        </p:txBody>
+      </p:sp>
+    </p:spTree>
+    <p:extLst>
+      <p:ext uri="{BB962C8B-B14F-4D97-AF65-F5344CB8AC3E}">
+        <p14:creationId xmlns:p14="http://schemas.microsoft.com/office/powerpoint/2010/main" val="3599806928"/>
+      </p:ext>
+    </p:extLst>
+  </p:cSld>
+  <p:clrMapOvr>
+    <a:masterClrMapping/>
+  </p:clrMapOvr>
+</p:sld>
+</file>
+
+<file path=ppt/slides/slide7.xml><?xml version="1.0" encoding="utf-8"?>
+<p:sld xmlns:a="http://schemas.openxmlformats.org/drawingml/2006/main" xmlns:r="http://schemas.openxmlformats.org/officeDocument/2006/relationships" xmlns:p="http://schemas.openxmlformats.org/presentationml/2006/main">
+  <p:cSld>
+    <p:spTree>
+      <p:nvGrpSpPr>
+        <p:cNvPr id="1" name=""/>
+        <p:cNvGrpSpPr/>
+        <p:nvPr/>
+      </p:nvGrpSpPr>
+      <p:grpSpPr>
+        <a:xfrm>
+          <a:off x="0" y="0"/>
+          <a:ext cx="0" cy="0"/>
+          <a:chOff x="0" y="0"/>
+          <a:chExt cx="0" cy="0"/>
+        </a:xfrm>
+      </p:grpSpPr>
+      <p:sp>
+        <p:nvSpPr>
+          <p:cNvPr id="2" name="TextBox 1">
+            <a:extLst>
+              <a:ext uri="{FF2B5EF4-FFF2-40B4-BE49-F238E27FC236}">
+                <a16:creationId xmlns:a16="http://schemas.microsoft.com/office/drawing/2014/main" id="{2C217F55-AA37-4930-BB03-4D6E18C0A520}"/>
+              </a:ext>
+            </a:extLst>
+          </p:cNvPr>
+          <p:cNvSpPr txBox="1"/>
+          <p:nvPr/>
+        </p:nvSpPr>
+        <p:spPr>
+          <a:xfrm>
+            <a:off x="1101842" y="1228397"/>
+            <a:ext cx="8175162" cy="4401205"/>
+          </a:xfrm>
+          <a:prstGeom prst="rect">
+            <a:avLst/>
+          </a:prstGeom>
+          <a:noFill/>
+        </p:spPr>
+        <p:txBody>
+          <a:bodyPr wrap="square" rtlCol="0">
+            <a:spAutoFit/>
+          </a:bodyPr>
+          <a:lstStyle/>
+          <a:p>
+            <a:r>
+              <a:rPr lang="ko-KR" altLang="en-US" sz="2400" b="1" dirty="0"/>
+              <a:t>게임 디테일</a:t>
+            </a:r>
+            <a:endParaRPr lang="en-US" altLang="ko-KR" sz="2400" b="1" dirty="0"/>
+          </a:p>
+          <a:p>
+            <a:endParaRPr lang="en-US" altLang="ko-KR" sz="1600" dirty="0"/>
+          </a:p>
+          <a:p>
+            <a:r>
+              <a:rPr lang="ko-KR" altLang="en-US" sz="1600" b="1" dirty="0"/>
+              <a:t>공동목표 이루는 게임</a:t>
+            </a:r>
             <a:r>
               <a:rPr lang="ko-KR" altLang="en-US" sz="1600" dirty="0"/>
-              <a:t>시작은 랜덤</a:t>
+              <a:t> </a:t>
+            </a:r>
+            <a:r>
+              <a:rPr lang="en-US" altLang="ko-KR" sz="1600" dirty="0"/>
+              <a:t>: </a:t>
+            </a:r>
+            <a:r>
+              <a:rPr lang="ko-KR" altLang="en-US" sz="1600" dirty="0"/>
+              <a:t>대체로 좀 길다</a:t>
+            </a:r>
+            <a:r>
+              <a:rPr lang="en-US" altLang="ko-KR" sz="1600" dirty="0"/>
+              <a:t>. 10</a:t>
+            </a:r>
+            <a:r>
+              <a:rPr lang="ko-KR" altLang="en-US" sz="1600" dirty="0"/>
+              <a:t>시간</a:t>
             </a:r>
             <a:endParaRPr lang="en-US" altLang="ko-KR" sz="1600" dirty="0"/>
           </a:p>
@@ -4304,16 +6620,22 @@
             </a:r>
             <a:r>
               <a:rPr lang="ko-KR" altLang="en-US" sz="1600" dirty="0"/>
-              <a:t>의 크기</a:t>
-            </a:r>
-            <a:endParaRPr lang="en-US" altLang="ko-KR" sz="1600" dirty="0"/>
+              <a:t>의 크기 </a:t>
+            </a:r>
+            <a:r>
+              <a:rPr lang="en-US" altLang="ko-KR" sz="1600" dirty="0"/>
+              <a:t>: 8000m * 8000m</a:t>
+            </a:r>
           </a:p>
           <a:p>
             <a:r>
               <a:rPr lang="ko-KR" altLang="en-US" sz="1600" dirty="0"/>
-              <a:t>돔의 크기</a:t>
-            </a:r>
-            <a:endParaRPr lang="en-US" altLang="ko-KR" sz="1600" dirty="0"/>
+              <a:t>돔의 크기 </a:t>
+            </a:r>
+            <a:r>
+              <a:rPr lang="en-US" altLang="ko-KR" sz="1600" dirty="0"/>
+              <a:t>: 3000m * 2000m</a:t>
+            </a:r>
           </a:p>
           <a:p>
             <a:r>
@@ -4390,7 +6712,7 @@
             </a:r>
             <a:r>
               <a:rPr lang="ko-KR" altLang="en-US" sz="1600" dirty="0"/>
-              <a:t>동물</a:t>
+              <a:t>먼지에 내성이 생긴 진화된 동</a:t>
             </a:r>
             <a:r>
               <a:rPr lang="en-US" altLang="ko-KR" sz="1600" dirty="0"/>
@@ -4398,47 +6720,34 @@
             </a:r>
             <a:r>
               <a:rPr lang="ko-KR" altLang="en-US" sz="1600" dirty="0"/>
-              <a:t> 먼지에 </a:t>
-            </a:r>
-            <a:r>
-              <a:rPr lang="ko-KR" altLang="en-US" sz="1600" dirty="0" err="1"/>
-              <a:t>짱짱</a:t>
+              <a:t>식물</a:t>
+            </a:r>
+            <a:r>
+              <a:rPr lang="en-US" altLang="ko-KR" sz="1600" dirty="0"/>
+              <a:t>) </a:t>
+            </a:r>
+          </a:p>
+          <a:p>
+            <a:r>
+              <a:rPr lang="en-US" altLang="ko-KR" sz="1600" dirty="0"/>
+              <a:t>3. </a:t>
             </a:r>
             <a:r>
               <a:rPr lang="ko-KR" altLang="en-US" sz="1600" dirty="0"/>
-              <a:t> </a:t>
-            </a:r>
-            <a:r>
-              <a:rPr lang="ko-KR" altLang="en-US" sz="1600" dirty="0" err="1"/>
-              <a:t>쎄진</a:t>
-            </a:r>
-            <a:r>
-              <a:rPr lang="ko-KR" altLang="en-US" sz="1600" dirty="0"/>
-              <a:t> 식물</a:t>
+              <a:t>물</a:t>
             </a:r>
             <a:r>
               <a:rPr lang="en-US" altLang="ko-KR" sz="1600" dirty="0"/>
               <a:t>(</a:t>
             </a:r>
             <a:r>
-              <a:rPr lang="ko-KR" altLang="en-US" sz="1600" dirty="0" err="1"/>
-              <a:t>과실류</a:t>
+              <a:rPr lang="ko-KR" altLang="en-US" sz="1600" dirty="0"/>
+              <a:t>물도 기술 개발에 따라 먼지가 덜 쌓임</a:t>
             </a:r>
             <a:r>
               <a:rPr lang="en-US" altLang="ko-KR" sz="1600" dirty="0"/>
-              <a:t>), </a:t>
-            </a:r>
-          </a:p>
-          <a:p>
-            <a:r>
-              <a:rPr lang="en-US" altLang="ko-KR" sz="1600" dirty="0"/>
-              <a:t>3. </a:t>
-            </a:r>
-            <a:r>
-              <a:rPr lang="ko-KR" altLang="en-US" sz="1600" dirty="0"/>
-              <a:t>물</a:t>
-            </a:r>
-            <a:endParaRPr lang="en-US" altLang="ko-KR" sz="1600" dirty="0"/>
+              <a:t>)</a:t>
+            </a:r>
           </a:p>
           <a:p>
             <a:r>
@@ -4479,24 +6788,17 @@
             </a:r>
           </a:p>
           <a:p>
+            <a:endParaRPr lang="en-US" altLang="ko-KR" sz="1600" dirty="0"/>
+          </a:p>
+          <a:p>
             <a:r>
               <a:rPr lang="ko-KR" altLang="en-US" sz="1600" dirty="0"/>
-              <a:t>자원의 량 </a:t>
+              <a:t>플레이어 행동 종류 </a:t>
             </a:r>
             <a:r>
               <a:rPr lang="en-US" altLang="ko-KR" sz="1600" dirty="0"/>
               <a:t>: </a:t>
             </a:r>
-          </a:p>
-          <a:p>
-            <a:r>
-              <a:rPr lang="ko-KR" altLang="en-US" sz="1600" dirty="0"/>
-              <a:t>플레이어 행동 종류 </a:t>
-            </a:r>
-            <a:r>
-              <a:rPr lang="en-US" altLang="ko-KR" sz="1600" dirty="0"/>
-              <a:t>: </a:t>
-            </a:r>
             <a:r>
               <a:rPr lang="ko-KR" altLang="en-US" sz="1600" dirty="0"/>
               <a:t>공격</a:t>
@@ -4513,8 +6815,28 @@
               <a:rPr lang="en-US" altLang="ko-KR" sz="1600" dirty="0"/>
               <a:t>, </a:t>
             </a:r>
-          </a:p>
-          <a:p>
+            <a:r>
+              <a:rPr lang="ko-KR" altLang="en-US" sz="1600" dirty="0"/>
+              <a:t>간단한 제작</a:t>
+            </a:r>
+            <a:r>
+              <a:rPr lang="en-US" altLang="ko-KR" sz="1600" dirty="0"/>
+              <a:t>,</a:t>
+            </a:r>
+          </a:p>
+          <a:p>
+            <a:r>
+              <a:rPr lang="ko-KR" altLang="en-US" sz="1600" dirty="0"/>
+              <a:t>걷기</a:t>
+            </a:r>
+            <a:r>
+              <a:rPr lang="en-US" altLang="ko-KR" sz="1600" dirty="0"/>
+              <a:t>, </a:t>
+            </a:r>
+            <a:r>
+              <a:rPr lang="ko-KR" altLang="en-US" sz="1600" dirty="0"/>
+              <a:t>뛰기</a:t>
+            </a:r>
             <a:endParaRPr lang="en-US" altLang="ko-KR" sz="1600" dirty="0"/>
           </a:p>
           <a:p>
@@ -4523,265 +6845,11 @@
           <a:p>
             <a:endParaRPr lang="en-US" altLang="ko-KR" sz="1600" dirty="0"/>
           </a:p>
-        </p:txBody>
-      </p:sp>
-      <p:graphicFrame>
-        <p:nvGraphicFramePr>
-          <p:cNvPr id="3" name="표 2">
-            <a:extLst>
-              <a:ext uri="{FF2B5EF4-FFF2-40B4-BE49-F238E27FC236}">
-                <a16:creationId xmlns:a16="http://schemas.microsoft.com/office/drawing/2014/main" id="{489E7C98-02AB-4D8F-8454-6B8193AE83B0}"/>
-              </a:ext>
-            </a:extLst>
-          </p:cNvPr>
-          <p:cNvGraphicFramePr>
-            <a:graphicFrameLocks noGrp="1"/>
-          </p:cNvGraphicFramePr>
-          <p:nvPr>
-            <p:extLst>
-              <p:ext uri="{D42A27DB-BD31-4B8C-83A1-F6EECF244321}">
-                <p14:modId xmlns:p14="http://schemas.microsoft.com/office/powerpoint/2010/main" val="3884533621"/>
-              </p:ext>
-            </p:extLst>
-          </p:nvPr>
-        </p:nvGraphicFramePr>
-        <p:xfrm>
-          <a:off x="6177776" y="401441"/>
-          <a:ext cx="5554545" cy="2062104"/>
-        </p:xfrm>
-        <a:graphic>
-          <a:graphicData uri="http://schemas.openxmlformats.org/drawingml/2006/table">
-            <a:tbl>
-              <a:tblPr firstRow="1" bandRow="1">
-                <a:tableStyleId>{5C22544A-7EE6-4342-B048-85BDC9FD1C3A}</a:tableStyleId>
-              </a:tblPr>
-              <a:tblGrid>
-                <a:gridCol w="1851515">
-                  <a:extLst>
-                    <a:ext uri="{9D8B030D-6E8A-4147-A177-3AD203B41FA5}">
-                      <a16:colId xmlns:a16="http://schemas.microsoft.com/office/drawing/2014/main" val="2192041875"/>
-                    </a:ext>
-                  </a:extLst>
-                </a:gridCol>
-                <a:gridCol w="1851515">
-                  <a:extLst>
-                    <a:ext uri="{9D8B030D-6E8A-4147-A177-3AD203B41FA5}">
-                      <a16:colId xmlns:a16="http://schemas.microsoft.com/office/drawing/2014/main" val="2783875420"/>
-                    </a:ext>
-                  </a:extLst>
-                </a:gridCol>
-                <a:gridCol w="1851515">
-                  <a:extLst>
-                    <a:ext uri="{9D8B030D-6E8A-4147-A177-3AD203B41FA5}">
-                      <a16:colId xmlns:a16="http://schemas.microsoft.com/office/drawing/2014/main" val="2446895439"/>
-                    </a:ext>
-                  </a:extLst>
-                </a:gridCol>
-              </a:tblGrid>
-              <a:tr h="515526">
-                <a:tc>
-                  <a:txBody>
-                    <a:bodyPr/>
-                    <a:lstStyle/>
-                    <a:p>
-                      <a:pPr algn="ctr" latinLnBrk="1"/>
-                      <a:endParaRPr lang="ko-KR" altLang="en-US" sz="1400" dirty="0"/>
-                    </a:p>
-                  </a:txBody>
-                  <a:tcPr/>
-                </a:tc>
-                <a:tc>
-                  <a:txBody>
-                    <a:bodyPr/>
-                    <a:lstStyle/>
-                    <a:p>
-                      <a:pPr algn="ctr" latinLnBrk="1"/>
-                      <a:r>
-                        <a:rPr lang="ko-KR" altLang="en-US" sz="1400" dirty="0"/>
-                        <a:t>안에서 </a:t>
-                      </a:r>
-                      <a:r>
-                        <a:rPr lang="en-US" altLang="ko-KR" sz="1400" dirty="0"/>
-                        <a:t>Start</a:t>
-                      </a:r>
-                      <a:endParaRPr lang="ko-KR" altLang="en-US" sz="1400" dirty="0"/>
-                    </a:p>
-                  </a:txBody>
-                  <a:tcPr/>
-                </a:tc>
-                <a:tc>
-                  <a:txBody>
-                    <a:bodyPr/>
-                    <a:lstStyle/>
-                    <a:p>
-                      <a:pPr algn="ctr" latinLnBrk="1"/>
-                      <a:r>
-                        <a:rPr lang="ko-KR" altLang="en-US" sz="1400" dirty="0"/>
-                        <a:t>밖에서 </a:t>
-                      </a:r>
-                      <a:r>
-                        <a:rPr lang="en-US" altLang="ko-KR" sz="1400" dirty="0"/>
-                        <a:t>Start</a:t>
-                      </a:r>
-                      <a:endParaRPr lang="ko-KR" altLang="en-US" sz="1400" dirty="0"/>
-                    </a:p>
-                  </a:txBody>
-                  <a:tcPr/>
-                </a:tc>
-                <a:extLst>
-                  <a:ext uri="{0D108BD9-81ED-4DB2-BD59-A6C34878D82A}">
-                    <a16:rowId xmlns:a16="http://schemas.microsoft.com/office/drawing/2014/main" val="4103643834"/>
-                  </a:ext>
-                </a:extLst>
-              </a:tr>
-              <a:tr h="515526">
-                <a:tc>
-                  <a:txBody>
-                    <a:bodyPr/>
-                    <a:lstStyle/>
-                    <a:p>
-                      <a:pPr algn="ctr" latinLnBrk="1"/>
-                      <a:r>
-                        <a:rPr lang="ko-KR" altLang="en-US" sz="1400" dirty="0"/>
-                        <a:t>기본 </a:t>
-                      </a:r>
-                      <a:r>
-                        <a:rPr lang="ko-KR" altLang="en-US" sz="1400" dirty="0" err="1"/>
-                        <a:t>스테이터스</a:t>
-                      </a:r>
-                      <a:endParaRPr lang="ko-KR" altLang="en-US" sz="1400" dirty="0"/>
-                    </a:p>
-                  </a:txBody>
-                  <a:tcPr/>
-                </a:tc>
-                <a:tc>
-                  <a:txBody>
-                    <a:bodyPr/>
-                    <a:lstStyle/>
-                    <a:p>
-                      <a:pPr algn="ctr" latinLnBrk="1"/>
-                      <a:r>
-                        <a:rPr lang="ko-KR" altLang="en-US" sz="1400" dirty="0"/>
-                        <a:t>낮다</a:t>
-                      </a:r>
-                    </a:p>
-                  </a:txBody>
-                  <a:tcPr/>
-                </a:tc>
-                <a:tc>
-                  <a:txBody>
-                    <a:bodyPr/>
-                    <a:lstStyle/>
-                    <a:p>
-                      <a:pPr algn="ctr" latinLnBrk="1"/>
-                      <a:r>
-                        <a:rPr lang="ko-KR" altLang="en-US" sz="1400" dirty="0"/>
-                        <a:t>높다</a:t>
-                      </a:r>
-                    </a:p>
-                  </a:txBody>
-                  <a:tcPr/>
-                </a:tc>
-                <a:extLst>
-                  <a:ext uri="{0D108BD9-81ED-4DB2-BD59-A6C34878D82A}">
-                    <a16:rowId xmlns:a16="http://schemas.microsoft.com/office/drawing/2014/main" val="1679040743"/>
-                  </a:ext>
-                </a:extLst>
-              </a:tr>
-              <a:tr h="515526">
-                <a:tc>
-                  <a:txBody>
-                    <a:bodyPr/>
-                    <a:lstStyle/>
-                    <a:p>
-                      <a:pPr algn="ctr" latinLnBrk="1"/>
-                      <a:r>
-                        <a:rPr lang="ko-KR" altLang="en-US" sz="1400" dirty="0"/>
-                        <a:t>정보 획득</a:t>
-                      </a:r>
-                    </a:p>
-                  </a:txBody>
-                  <a:tcPr/>
-                </a:tc>
-                <a:tc>
-                  <a:txBody>
-                    <a:bodyPr/>
-                    <a:lstStyle/>
-                    <a:p>
-                      <a:pPr algn="ctr" latinLnBrk="1"/>
-                      <a:r>
-                        <a:rPr lang="ko-KR" altLang="en-US" sz="1400" dirty="0" err="1"/>
-                        <a:t>경험해야함</a:t>
-                      </a:r>
-                      <a:endParaRPr lang="ko-KR" altLang="en-US" sz="1400" dirty="0"/>
-                    </a:p>
-                  </a:txBody>
-                  <a:tcPr/>
-                </a:tc>
-                <a:tc>
-                  <a:txBody>
-                    <a:bodyPr/>
-                    <a:lstStyle/>
-                    <a:p>
-                      <a:pPr algn="ctr" latinLnBrk="1"/>
-                      <a:r>
-                        <a:rPr lang="ko-KR" altLang="en-US" sz="1400" dirty="0"/>
-                        <a:t>기본 능력</a:t>
-                      </a:r>
-                    </a:p>
-                  </a:txBody>
-                  <a:tcPr/>
-                </a:tc>
-                <a:extLst>
-                  <a:ext uri="{0D108BD9-81ED-4DB2-BD59-A6C34878D82A}">
-                    <a16:rowId xmlns:a16="http://schemas.microsoft.com/office/drawing/2014/main" val="2373618591"/>
-                  </a:ext>
-                </a:extLst>
-              </a:tr>
-              <a:tr h="515526">
-                <a:tc>
-                  <a:txBody>
-                    <a:bodyPr/>
-                    <a:lstStyle/>
-                    <a:p>
-                      <a:pPr algn="ctr" latinLnBrk="1"/>
-                      <a:endParaRPr lang="ko-KR" altLang="en-US" sz="1400" dirty="0"/>
-                    </a:p>
-                  </a:txBody>
-                  <a:tcPr/>
-                </a:tc>
-                <a:tc>
-                  <a:txBody>
-                    <a:bodyPr/>
-                    <a:lstStyle/>
-                    <a:p>
-                      <a:pPr algn="ctr" latinLnBrk="1"/>
-                      <a:endParaRPr lang="ko-KR" altLang="en-US" sz="1400" dirty="0"/>
-                    </a:p>
-                  </a:txBody>
-                  <a:tcPr/>
-                </a:tc>
-                <a:tc>
-                  <a:txBody>
-                    <a:bodyPr/>
-                    <a:lstStyle/>
-                    <a:p>
-                      <a:pPr algn="ctr" latinLnBrk="1"/>
-                      <a:endParaRPr lang="ko-KR" altLang="en-US" sz="1400" dirty="0"/>
-                    </a:p>
-                  </a:txBody>
-                  <a:tcPr/>
-                </a:tc>
-                <a:extLst>
-                  <a:ext uri="{0D108BD9-81ED-4DB2-BD59-A6C34878D82A}">
-                    <a16:rowId xmlns:a16="http://schemas.microsoft.com/office/drawing/2014/main" val="526581361"/>
-                  </a:ext>
-                </a:extLst>
-              </a:tr>
-            </a:tbl>
-          </a:graphicData>
-        </a:graphic>
-      </p:graphicFrame>
+          <a:p>
+            <a:endParaRPr lang="en-US" altLang="ko-KR" sz="1600" dirty="0"/>
+          </a:p>
+        </p:txBody>
+      </p:sp>
     </p:spTree>
     <p:extLst>
       <p:ext uri="{BB962C8B-B14F-4D97-AF65-F5344CB8AC3E}">

--- a/Document/1122 기획발표자료_01.pptx
+++ b/Document/1122 기획발표자료_01.pptx
@@ -8,10 +8,9 @@
     <p:sldId id="256" r:id="rId2"/>
     <p:sldId id="260" r:id="rId3"/>
     <p:sldId id="263" r:id="rId4"/>
-    <p:sldId id="264" r:id="rId5"/>
-    <p:sldId id="257" r:id="rId6"/>
-    <p:sldId id="258" r:id="rId7"/>
-    <p:sldId id="259" r:id="rId8"/>
+    <p:sldId id="265" r:id="rId5"/>
+    <p:sldId id="258" r:id="rId6"/>
+    <p:sldId id="264" r:id="rId7"/>
   </p:sldIdLst>
   <p:sldSz cx="12192000" cy="6858000"/>
   <p:notesSz cx="6858000" cy="9144000"/>
@@ -265,7 +264,7 @@
           <a:p>
             <a:fld id="{BE8D2DAF-387B-41D4-BE33-DC8C35FEC344}" type="datetimeFigureOut">
               <a:rPr lang="ko-KR" altLang="en-US" smtClean="0"/>
-              <a:t>2018-11-21</a:t>
+              <a:t>2018-11-22</a:t>
             </a:fld>
             <a:endParaRPr lang="ko-KR" altLang="en-US"/>
           </a:p>
@@ -463,7 +462,7 @@
           <a:p>
             <a:fld id="{BE8D2DAF-387B-41D4-BE33-DC8C35FEC344}" type="datetimeFigureOut">
               <a:rPr lang="ko-KR" altLang="en-US" smtClean="0"/>
-              <a:t>2018-11-21</a:t>
+              <a:t>2018-11-22</a:t>
             </a:fld>
             <a:endParaRPr lang="ko-KR" altLang="en-US"/>
           </a:p>
@@ -671,7 +670,7 @@
           <a:p>
             <a:fld id="{BE8D2DAF-387B-41D4-BE33-DC8C35FEC344}" type="datetimeFigureOut">
               <a:rPr lang="ko-KR" altLang="en-US" smtClean="0"/>
-              <a:t>2018-11-21</a:t>
+              <a:t>2018-11-22</a:t>
             </a:fld>
             <a:endParaRPr lang="ko-KR" altLang="en-US"/>
           </a:p>
@@ -869,7 +868,7 @@
           <a:p>
             <a:fld id="{BE8D2DAF-387B-41D4-BE33-DC8C35FEC344}" type="datetimeFigureOut">
               <a:rPr lang="ko-KR" altLang="en-US" smtClean="0"/>
-              <a:t>2018-11-21</a:t>
+              <a:t>2018-11-22</a:t>
             </a:fld>
             <a:endParaRPr lang="ko-KR" altLang="en-US"/>
           </a:p>
@@ -1144,7 +1143,7 @@
           <a:p>
             <a:fld id="{BE8D2DAF-387B-41D4-BE33-DC8C35FEC344}" type="datetimeFigureOut">
               <a:rPr lang="ko-KR" altLang="en-US" smtClean="0"/>
-              <a:t>2018-11-21</a:t>
+              <a:t>2018-11-22</a:t>
             </a:fld>
             <a:endParaRPr lang="ko-KR" altLang="en-US"/>
           </a:p>
@@ -1409,7 +1408,7 @@
           <a:p>
             <a:fld id="{BE8D2DAF-387B-41D4-BE33-DC8C35FEC344}" type="datetimeFigureOut">
               <a:rPr lang="ko-KR" altLang="en-US" smtClean="0"/>
-              <a:t>2018-11-21</a:t>
+              <a:t>2018-11-22</a:t>
             </a:fld>
             <a:endParaRPr lang="ko-KR" altLang="en-US"/>
           </a:p>
@@ -1821,7 +1820,7 @@
           <a:p>
             <a:fld id="{BE8D2DAF-387B-41D4-BE33-DC8C35FEC344}" type="datetimeFigureOut">
               <a:rPr lang="ko-KR" altLang="en-US" smtClean="0"/>
-              <a:t>2018-11-21</a:t>
+              <a:t>2018-11-22</a:t>
             </a:fld>
             <a:endParaRPr lang="ko-KR" altLang="en-US"/>
           </a:p>
@@ -1962,7 +1961,7 @@
           <a:p>
             <a:fld id="{BE8D2DAF-387B-41D4-BE33-DC8C35FEC344}" type="datetimeFigureOut">
               <a:rPr lang="ko-KR" altLang="en-US" smtClean="0"/>
-              <a:t>2018-11-21</a:t>
+              <a:t>2018-11-22</a:t>
             </a:fld>
             <a:endParaRPr lang="ko-KR" altLang="en-US"/>
           </a:p>
@@ -2075,7 +2074,7 @@
           <a:p>
             <a:fld id="{BE8D2DAF-387B-41D4-BE33-DC8C35FEC344}" type="datetimeFigureOut">
               <a:rPr lang="ko-KR" altLang="en-US" smtClean="0"/>
-              <a:t>2018-11-21</a:t>
+              <a:t>2018-11-22</a:t>
             </a:fld>
             <a:endParaRPr lang="ko-KR" altLang="en-US"/>
           </a:p>
@@ -2386,7 +2385,7 @@
           <a:p>
             <a:fld id="{BE8D2DAF-387B-41D4-BE33-DC8C35FEC344}" type="datetimeFigureOut">
               <a:rPr lang="ko-KR" altLang="en-US" smtClean="0"/>
-              <a:t>2018-11-21</a:t>
+              <a:t>2018-11-22</a:t>
             </a:fld>
             <a:endParaRPr lang="ko-KR" altLang="en-US"/>
           </a:p>
@@ -2674,7 +2673,7 @@
           <a:p>
             <a:fld id="{BE8D2DAF-387B-41D4-BE33-DC8C35FEC344}" type="datetimeFigureOut">
               <a:rPr lang="ko-KR" altLang="en-US" smtClean="0"/>
-              <a:t>2018-11-21</a:t>
+              <a:t>2018-11-22</a:t>
             </a:fld>
             <a:endParaRPr lang="ko-KR" altLang="en-US"/>
           </a:p>
@@ -2915,7 +2914,7 @@
           <a:p>
             <a:fld id="{BE8D2DAF-387B-41D4-BE33-DC8C35FEC344}" type="datetimeFigureOut">
               <a:rPr lang="ko-KR" altLang="en-US" smtClean="0"/>
-              <a:t>2018-11-21</a:t>
+              <a:t>2018-11-22</a:t>
             </a:fld>
             <a:endParaRPr lang="ko-KR" altLang="en-US"/>
           </a:p>
@@ -3348,7 +3347,12 @@
             <p:ph type="ctrTitle"/>
           </p:nvPr>
         </p:nvSpPr>
-        <p:spPr/>
+        <p:spPr>
+          <a:xfrm>
+            <a:off x="1524000" y="1692275"/>
+            <a:ext cx="9144000" cy="2387600"/>
+          </a:xfrm>
+        </p:spPr>
         <p:txBody>
           <a:bodyPr>
             <a:normAutofit/>
@@ -3356,25 +3360,37 @@
           <a:lstStyle/>
           <a:p>
             <a:r>
-              <a:rPr lang="ko-KR" altLang="en-US" dirty="0"/>
+              <a:rPr lang="ko-KR" altLang="en-US" dirty="0">
+                <a:latin typeface="+mn-lt"/>
+              </a:rPr>
               <a:t>미세먼지에서 살아남기</a:t>
             </a:r>
             <a:r>
-              <a:rPr lang="en-US" altLang="ko-KR" sz="3200" dirty="0"/>
+              <a:rPr lang="en-US" altLang="ko-KR" sz="3200" dirty="0">
+                <a:latin typeface="+mn-lt"/>
+              </a:rPr>
               <a:t>(</a:t>
             </a:r>
             <a:r>
-              <a:rPr lang="ko-KR" altLang="en-US" sz="3200" dirty="0"/>
+              <a:rPr lang="ko-KR" altLang="en-US" sz="3200" dirty="0">
+                <a:latin typeface="+mn-lt"/>
+              </a:rPr>
               <a:t>가제</a:t>
             </a:r>
             <a:r>
-              <a:rPr lang="en-US" altLang="ko-KR" sz="3200" dirty="0"/>
+              <a:rPr lang="en-US" altLang="ko-KR" sz="3200" dirty="0">
+                <a:latin typeface="+mn-lt"/>
+              </a:rPr>
               <a:t>)</a:t>
             </a:r>
             <a:br>
-              <a:rPr lang="en-US" altLang="ko-KR" dirty="0"/>
+              <a:rPr lang="en-US" altLang="ko-KR" dirty="0">
+                <a:latin typeface="+mn-lt"/>
+              </a:rPr>
             </a:br>
-            <a:endParaRPr lang="ko-KR" altLang="en-US" dirty="0"/>
+            <a:endParaRPr lang="ko-KR" altLang="en-US" dirty="0">
+              <a:latin typeface="+mn-lt"/>
+            </a:endParaRPr>
           </a:p>
         </p:txBody>
       </p:sp>
@@ -3394,7 +3410,12 @@
             <p:ph type="subTitle" idx="1"/>
           </p:nvPr>
         </p:nvSpPr>
-        <p:spPr/>
+        <p:spPr>
+          <a:xfrm>
+            <a:off x="1524000" y="4079875"/>
+            <a:ext cx="9144000" cy="1655762"/>
+          </a:xfrm>
+        </p:spPr>
         <p:txBody>
           <a:bodyPr/>
           <a:lstStyle/>
@@ -3476,7 +3497,7 @@
         </p:nvSpPr>
         <p:spPr>
           <a:xfrm>
-            <a:off x="964276" y="565265"/>
+            <a:off x="996549" y="565265"/>
             <a:ext cx="1210588" cy="707886"/>
           </a:xfrm>
           <a:prstGeom prst="rect">
@@ -3513,7 +3534,7 @@
         </p:nvSpPr>
         <p:spPr>
           <a:xfrm>
-            <a:off x="2493092" y="1672384"/>
+            <a:off x="2482334" y="1543293"/>
             <a:ext cx="4196376" cy="375615"/>
           </a:xfrm>
           <a:prstGeom prst="rect">
@@ -3720,7 +3741,7 @@
         </p:nvSpPr>
         <p:spPr>
           <a:xfrm>
-            <a:off x="2493092" y="2400573"/>
+            <a:off x="2482334" y="2271482"/>
             <a:ext cx="4196376" cy="375615"/>
           </a:xfrm>
           <a:prstGeom prst="rect">
@@ -3927,7 +3948,7 @@
         </p:nvSpPr>
         <p:spPr>
           <a:xfrm>
-            <a:off x="2493092" y="3880836"/>
+            <a:off x="2482334" y="3751745"/>
             <a:ext cx="4196376" cy="375615"/>
           </a:xfrm>
           <a:prstGeom prst="rect">
@@ -4134,7 +4155,7 @@
         </p:nvSpPr>
         <p:spPr>
           <a:xfrm>
-            <a:off x="2493092" y="4651004"/>
+            <a:off x="2482334" y="4521913"/>
             <a:ext cx="4468726" cy="320952"/>
           </a:xfrm>
           <a:prstGeom prst="rect">
@@ -4341,7 +4362,7 @@
         </p:nvSpPr>
         <p:spPr>
           <a:xfrm>
-            <a:off x="2493092" y="5390825"/>
+            <a:off x="2482334" y="5261734"/>
             <a:ext cx="4196376" cy="375615"/>
           </a:xfrm>
           <a:prstGeom prst="rect">
@@ -4548,7 +4569,7 @@
         </p:nvSpPr>
         <p:spPr>
           <a:xfrm>
-            <a:off x="2493092" y="6090707"/>
+            <a:off x="2482334" y="5961616"/>
             <a:ext cx="5660310" cy="375615"/>
           </a:xfrm>
           <a:prstGeom prst="rect">
@@ -4755,7 +4776,7 @@
         </p:nvSpPr>
         <p:spPr>
           <a:xfrm>
-            <a:off x="2493092" y="3143550"/>
+            <a:off x="2482334" y="3014459"/>
             <a:ext cx="4196376" cy="375615"/>
           </a:xfrm>
           <a:prstGeom prst="rect">
@@ -5005,7 +5026,7 @@
         </p:nvSpPr>
         <p:spPr>
           <a:xfrm>
-            <a:off x="1180406" y="1206871"/>
+            <a:off x="996549" y="849815"/>
             <a:ext cx="4196376" cy="375615"/>
           </a:xfrm>
           <a:prstGeom prst="rect">
@@ -5210,8 +5231,8 @@
         </p:nvSpPr>
         <p:spPr>
           <a:xfrm>
-            <a:off x="1180406" y="2007183"/>
-            <a:ext cx="2866490" cy="1754326"/>
+            <a:off x="1355203" y="1674674"/>
+            <a:ext cx="2896947" cy="1415772"/>
           </a:xfrm>
           <a:prstGeom prst="rect">
             <a:avLst/>
@@ -5225,72 +5246,74 @@
           <a:lstStyle/>
           <a:p>
             <a:r>
-              <a:rPr lang="en-US" altLang="ko-KR" dirty="0"/>
+              <a:rPr lang="ko-KR" altLang="en-US" b="1" dirty="0"/>
+              <a:t>장르</a:t>
+            </a:r>
+            <a:r>
+              <a:rPr lang="ko-KR" altLang="en-US" dirty="0"/>
+              <a:t> </a:t>
+            </a:r>
+            <a:endParaRPr lang="en-US" altLang="ko-KR" dirty="0"/>
+          </a:p>
+          <a:p>
+            <a:r>
+              <a:rPr lang="en-US" altLang="ko-KR" sz="1600" dirty="0"/>
               <a:t>1</a:t>
             </a:r>
             <a:r>
-              <a:rPr lang="ko-KR" altLang="en-US" dirty="0"/>
+              <a:rPr lang="ko-KR" altLang="en-US" sz="1600" dirty="0"/>
               <a:t>인칭 </a:t>
             </a:r>
             <a:r>
-              <a:rPr lang="en-US" altLang="ko-KR" dirty="0"/>
+              <a:rPr lang="en-US" altLang="ko-KR" sz="1600" dirty="0"/>
               <a:t>( </a:t>
             </a:r>
             <a:r>
-              <a:rPr lang="ko-KR" altLang="en-US" dirty="0"/>
+              <a:rPr lang="ko-KR" altLang="en-US" sz="1600" dirty="0"/>
               <a:t>협동</a:t>
             </a:r>
             <a:r>
-              <a:rPr lang="en-US" altLang="ko-KR" dirty="0"/>
+              <a:rPr lang="en-US" altLang="ko-KR" sz="1600" dirty="0"/>
               <a:t> ) </a:t>
             </a:r>
             <a:r>
-              <a:rPr lang="ko-KR" altLang="en-US" dirty="0"/>
+              <a:rPr lang="ko-KR" altLang="en-US" sz="1600" dirty="0"/>
               <a:t>생존 게임</a:t>
             </a:r>
+            <a:endParaRPr lang="en-US" altLang="ko-KR" sz="1600" dirty="0"/>
+          </a:p>
+          <a:p>
             <a:endParaRPr lang="en-US" altLang="ko-KR" dirty="0"/>
           </a:p>
           <a:p>
-            <a:endParaRPr lang="en-US" altLang="ko-KR" dirty="0"/>
-          </a:p>
-          <a:p>
-            <a:r>
-              <a:rPr lang="ko-KR" altLang="en-US" dirty="0"/>
-              <a:t>플랫폼 </a:t>
-            </a:r>
-            <a:r>
-              <a:rPr lang="en-US" altLang="ko-KR" dirty="0"/>
-              <a:t>: PC</a:t>
-            </a:r>
-          </a:p>
-          <a:p>
-            <a:r>
-              <a:rPr lang="en-US" altLang="ko-KR" dirty="0"/>
-              <a:t>-&gt;</a:t>
-            </a:r>
-            <a:r>
-              <a:rPr lang="ko-KR" altLang="en-US" dirty="0"/>
-              <a:t> 더 나아간다면 모바일</a:t>
-            </a:r>
-            <a:r>
-              <a:rPr lang="en-US" altLang="ko-KR" dirty="0"/>
-              <a:t>..</a:t>
-            </a:r>
-          </a:p>
-          <a:p>
-            <a:endParaRPr lang="en-US" altLang="ko-KR" dirty="0"/>
-          </a:p>
-          <a:p>
-            <a:endParaRPr lang="en-US" altLang="ko-KR" dirty="0"/>
-          </a:p>
-        </p:txBody>
-      </p:sp>
-      <p:sp>
-        <p:nvSpPr>
-          <p:cNvPr id="4" name="TextBox 3">
-            <a:extLst>
-              <a:ext uri="{FF2B5EF4-FFF2-40B4-BE49-F238E27FC236}">
-                <a16:creationId xmlns:a16="http://schemas.microsoft.com/office/drawing/2014/main" id="{0A0897EC-F054-4D97-9E74-83BB26BCF96E}"/>
+            <a:r>
+              <a:rPr lang="ko-KR" altLang="en-US" b="1" dirty="0"/>
+              <a:t>플랫폼</a:t>
+            </a:r>
+            <a:endParaRPr lang="en-US" altLang="ko-KR" b="1" dirty="0"/>
+          </a:p>
+          <a:p>
+            <a:r>
+              <a:rPr lang="en-US" altLang="ko-KR" sz="1600" dirty="0"/>
+              <a:t>PC ( </a:t>
+            </a:r>
+            <a:r>
+              <a:rPr lang="ko-KR" altLang="en-US" sz="1600" dirty="0"/>
+              <a:t>가능하다면 모바일까지 </a:t>
+            </a:r>
+            <a:r>
+              <a:rPr lang="en-US" altLang="ko-KR" sz="1600" dirty="0"/>
+              <a:t>)</a:t>
+            </a:r>
+          </a:p>
+        </p:txBody>
+      </p:sp>
+      <p:sp>
+        <p:nvSpPr>
+          <p:cNvPr id="7" name="TextBox 6">
+            <a:extLst>
+              <a:ext uri="{FF2B5EF4-FFF2-40B4-BE49-F238E27FC236}">
+                <a16:creationId xmlns:a16="http://schemas.microsoft.com/office/drawing/2014/main" id="{7D36239F-BEC8-44A5-A1BE-D112BA830E48}"/>
               </a:ext>
             </a:extLst>
           </p:cNvPr>
@@ -5299,8 +5322,8 @@
         </p:nvSpPr>
         <p:spPr>
           <a:xfrm>
-            <a:off x="4580346" y="1206871"/>
-            <a:ext cx="7008650" cy="4801314"/>
+            <a:off x="1355203" y="3429000"/>
+            <a:ext cx="7514807" cy="2339102"/>
           </a:xfrm>
           <a:prstGeom prst="rect">
             <a:avLst/>
@@ -5308,287 +5331,205 @@
           <a:noFill/>
         </p:spPr>
         <p:txBody>
+          <a:bodyPr wrap="square" rtlCol="0">
+            <a:spAutoFit/>
+          </a:bodyPr>
+          <a:lstStyle/>
+          <a:p>
+            <a:r>
+              <a:rPr lang="ko-KR" altLang="en-US" b="1" dirty="0"/>
+              <a:t>배경 </a:t>
+            </a:r>
+            <a:r>
+              <a:rPr lang="en-US" altLang="ko-KR" b="1" dirty="0"/>
+              <a:t>info</a:t>
+            </a:r>
+          </a:p>
+          <a:p>
+            <a:endParaRPr lang="en-US" altLang="ko-KR" sz="1600" dirty="0"/>
+          </a:p>
+          <a:p>
+            <a:r>
+              <a:rPr lang="ko-KR" altLang="en-US" sz="1600" dirty="0"/>
+              <a:t>미세먼지가 너무 심각한 정도가 되어서 밖에 다니기 힘든 시대가 되어 버림</a:t>
+            </a:r>
+            <a:r>
+              <a:rPr lang="en-US" altLang="ko-KR" sz="1600" dirty="0"/>
+              <a:t>.</a:t>
+            </a:r>
+          </a:p>
+          <a:p>
+            <a:r>
+              <a:rPr lang="ko-KR" altLang="en-US" sz="1600" dirty="0"/>
+              <a:t>국가적으로 특정 도시 외곽에 돔을 설치하여 사람들이 생존 가능한 지대를 만듦</a:t>
+            </a:r>
+            <a:r>
+              <a:rPr lang="en-US" altLang="ko-KR" sz="1600" dirty="0"/>
+              <a:t>.</a:t>
+            </a:r>
+          </a:p>
+          <a:p>
+            <a:r>
+              <a:rPr lang="ko-KR" altLang="en-US" sz="1600" dirty="0"/>
+              <a:t>돔 내부는 특수기술로 공기 청정이 이루어지고 있다</a:t>
+            </a:r>
+            <a:r>
+              <a:rPr lang="en-US" altLang="ko-KR" sz="1600" dirty="0"/>
+              <a:t>.</a:t>
+            </a:r>
+          </a:p>
+          <a:p>
+            <a:endParaRPr lang="en-US" altLang="ko-KR" sz="1600" dirty="0"/>
+          </a:p>
+          <a:p>
+            <a:r>
+              <a:rPr lang="ko-KR" altLang="en-US" sz="1600" dirty="0"/>
+              <a:t>돔 </a:t>
+            </a:r>
+            <a:r>
+              <a:rPr lang="en-US" altLang="ko-KR" sz="1600" dirty="0"/>
+              <a:t>:: [</a:t>
+            </a:r>
+            <a:r>
+              <a:rPr lang="ko-KR" altLang="en-US" sz="1600" dirty="0"/>
+              <a:t>그림</a:t>
+            </a:r>
+            <a:r>
+              <a:rPr lang="en-US" altLang="ko-KR" sz="1600" dirty="0"/>
+              <a:t>1]</a:t>
+            </a:r>
+            <a:r>
+              <a:rPr lang="ko-KR" altLang="en-US" sz="1600" dirty="0"/>
+              <a:t>과 같이 스폰지밥에 </a:t>
+            </a:r>
+            <a:r>
+              <a:rPr lang="ko-KR" altLang="en-US" sz="1600" dirty="0" err="1"/>
+              <a:t>다람이</a:t>
+            </a:r>
+            <a:r>
+              <a:rPr lang="ko-KR" altLang="en-US" sz="1600" dirty="0"/>
+              <a:t> 집처럼 생김</a:t>
+            </a:r>
+            <a:r>
+              <a:rPr lang="en-US" altLang="ko-KR" sz="1600" dirty="0"/>
+              <a:t>.</a:t>
+            </a:r>
+          </a:p>
+          <a:p>
+            <a:r>
+              <a:rPr lang="ko-KR" altLang="en-US" sz="1600" dirty="0"/>
+              <a:t>돔은 부서지지 않는다</a:t>
+            </a:r>
+            <a:endParaRPr lang="en-US" altLang="ko-KR" sz="1600" dirty="0"/>
+          </a:p>
+          <a:p>
+            <a:endParaRPr lang="en-US" altLang="ko-KR" sz="1600" dirty="0"/>
+          </a:p>
+        </p:txBody>
+      </p:sp>
+      <p:pic>
+        <p:nvPicPr>
+          <p:cNvPr id="8" name="Picture 2" descr="ì¤í°ì§ë°¥ ë¤ëì´ ì§ì ëí ì´ë¯¸ì§ ê²ìê²°ê³¼">
+            <a:extLst>
+              <a:ext uri="{FF2B5EF4-FFF2-40B4-BE49-F238E27FC236}">
+                <a16:creationId xmlns:a16="http://schemas.microsoft.com/office/drawing/2014/main" id="{3F5352C6-2567-44A9-B1CB-5506F1E77B93}"/>
+              </a:ext>
+            </a:extLst>
+          </p:cNvPr>
+          <p:cNvPicPr>
+            <a:picLocks noChangeAspect="1" noChangeArrowheads="1"/>
+          </p:cNvPicPr>
+          <p:nvPr/>
+        </p:nvPicPr>
+        <p:blipFill>
+          <a:blip r:embed="rId2">
+            <a:extLst>
+              <a:ext uri="{28A0092B-C50C-407E-A947-70E740481C1C}">
+                <a14:useLocalDpi xmlns:a14="http://schemas.microsoft.com/office/drawing/2010/main" val="0"/>
+              </a:ext>
+            </a:extLst>
+          </a:blip>
+          <a:srcRect/>
+          <a:stretch>
+            <a:fillRect/>
+          </a:stretch>
+        </p:blipFill>
+        <p:spPr bwMode="auto">
+          <a:xfrm>
+            <a:off x="7286556" y="388799"/>
+            <a:ext cx="4572000" cy="2571750"/>
+          </a:xfrm>
+          <a:prstGeom prst="rect">
+            <a:avLst/>
+          </a:prstGeom>
+          <a:noFill/>
+          <a:extLst>
+            <a:ext uri="{909E8E84-426E-40DD-AFC4-6F175D3DCCD1}">
+              <a14:hiddenFill xmlns:a14="http://schemas.microsoft.com/office/drawing/2010/main">
+                <a:solidFill>
+                  <a:srgbClr val="FFFFFF"/>
+                </a:solidFill>
+              </a14:hiddenFill>
+            </a:ext>
+          </a:extLst>
+        </p:spPr>
+      </p:pic>
+      <p:sp>
+        <p:nvSpPr>
+          <p:cNvPr id="9" name="TextBox 8">
+            <a:extLst>
+              <a:ext uri="{FF2B5EF4-FFF2-40B4-BE49-F238E27FC236}">
+                <a16:creationId xmlns:a16="http://schemas.microsoft.com/office/drawing/2014/main" id="{4FA1B18A-2E61-4976-9A4A-C154C3EB8101}"/>
+              </a:ext>
+            </a:extLst>
+          </p:cNvPr>
+          <p:cNvSpPr txBox="1"/>
+          <p:nvPr/>
+        </p:nvSpPr>
+        <p:spPr>
+          <a:xfrm>
+            <a:off x="7286556" y="2960549"/>
+            <a:ext cx="3541354" cy="307777"/>
+          </a:xfrm>
+          <a:prstGeom prst="rect">
+            <a:avLst/>
+          </a:prstGeom>
+          <a:noFill/>
+        </p:spPr>
+        <p:txBody>
           <a:bodyPr wrap="none" rtlCol="0">
             <a:spAutoFit/>
           </a:bodyPr>
           <a:lstStyle/>
           <a:p>
             <a:r>
-              <a:rPr lang="ko-KR" altLang="en-US" dirty="0"/>
-              <a:t>게임 진행</a:t>
-            </a:r>
-            <a:endParaRPr lang="en-US" altLang="ko-KR" dirty="0"/>
-          </a:p>
-          <a:p>
-            <a:endParaRPr lang="en-US" altLang="ko-KR" dirty="0"/>
-          </a:p>
-          <a:p>
-            <a:pPr marL="285750" indent="-285750">
-              <a:buFontTx/>
-              <a:buChar char="-"/>
-            </a:pPr>
-            <a:r>
-              <a:rPr lang="ko-KR" altLang="en-US" dirty="0"/>
-              <a:t>싱글 플레이와 멀티 플레이 모두 가능</a:t>
-            </a:r>
-            <a:endParaRPr lang="en-US" altLang="ko-KR" dirty="0"/>
-          </a:p>
-          <a:p>
-            <a:pPr marL="285750" indent="-285750">
-              <a:buFontTx/>
-              <a:buChar char="-"/>
-            </a:pPr>
-            <a:r>
-              <a:rPr lang="ko-KR" altLang="en-US" dirty="0"/>
-              <a:t>게임의 목표는 기술 발전도를 올려서 해결</a:t>
-            </a:r>
-            <a:r>
-              <a:rPr lang="en-US" altLang="ko-KR" dirty="0"/>
-              <a:t>,</a:t>
-            </a:r>
-          </a:p>
-          <a:p>
-            <a:pPr marL="742950" lvl="1" indent="-285750">
-              <a:buFontTx/>
-              <a:buChar char="-"/>
-            </a:pPr>
-            <a:r>
-              <a:rPr lang="en-US" altLang="ko-KR" dirty="0">
-                <a:sym typeface="Wingdings" panose="05000000000000000000" pitchFamily="2" charset="2"/>
-              </a:rPr>
-              <a:t> 1. </a:t>
-            </a:r>
-            <a:r>
-              <a:rPr lang="ko-KR" altLang="en-US" dirty="0">
-                <a:sym typeface="Wingdings" panose="05000000000000000000" pitchFamily="2" charset="2"/>
-              </a:rPr>
-              <a:t>미세먼지를 몸에서 배출 시킬 수 있는 기술</a:t>
-            </a:r>
-            <a:endParaRPr lang="en-US" altLang="ko-KR" dirty="0"/>
-          </a:p>
-          <a:p>
-            <a:pPr marL="285750" indent="-285750">
-              <a:buFontTx/>
-              <a:buChar char="-"/>
-            </a:pPr>
-            <a:r>
-              <a:rPr lang="ko-KR" altLang="en-US" dirty="0"/>
-              <a:t>또는 자연완화 </a:t>
-            </a:r>
-            <a:r>
-              <a:rPr lang="ko-KR" altLang="en-US" dirty="0" err="1"/>
-              <a:t>될때까지</a:t>
-            </a:r>
-            <a:r>
-              <a:rPr lang="ko-KR" altLang="en-US" dirty="0"/>
-              <a:t> 생존</a:t>
-            </a:r>
-            <a:endParaRPr lang="en-US" altLang="ko-KR" dirty="0"/>
-          </a:p>
-          <a:p>
-            <a:pPr marL="742950" lvl="1" indent="-285750">
-              <a:buFontTx/>
-              <a:buChar char="-"/>
-            </a:pPr>
-            <a:r>
-              <a:rPr lang="en-US" altLang="ko-KR" dirty="0">
-                <a:sym typeface="Wingdings" panose="05000000000000000000" pitchFamily="2" charset="2"/>
-              </a:rPr>
-              <a:t> 1. </a:t>
-            </a:r>
-            <a:r>
-              <a:rPr lang="ko-KR" altLang="en-US" dirty="0">
-                <a:sym typeface="Wingdings" panose="05000000000000000000" pitchFamily="2" charset="2"/>
-              </a:rPr>
-              <a:t>나무를 특정 개수 심기</a:t>
-            </a:r>
-            <a:endParaRPr lang="en-US" altLang="ko-KR" dirty="0">
-              <a:sym typeface="Wingdings" panose="05000000000000000000" pitchFamily="2" charset="2"/>
-            </a:endParaRPr>
-          </a:p>
-          <a:p>
-            <a:pPr marL="742950" lvl="1" indent="-285750">
-              <a:buFontTx/>
-              <a:buChar char="-"/>
-            </a:pPr>
-            <a:r>
-              <a:rPr lang="en-US" altLang="ko-KR" dirty="0">
-                <a:sym typeface="Wingdings" panose="05000000000000000000" pitchFamily="2" charset="2"/>
-              </a:rPr>
-              <a:t> 2. </a:t>
-            </a:r>
-            <a:r>
-              <a:rPr lang="ko-KR" altLang="en-US" dirty="0">
-                <a:sym typeface="Wingdings" panose="05000000000000000000" pitchFamily="2" charset="2"/>
-              </a:rPr>
-              <a:t>그냥 오래 생존</a:t>
-            </a:r>
-            <a:endParaRPr lang="en-US" altLang="ko-KR" dirty="0">
-              <a:sym typeface="Wingdings" panose="05000000000000000000" pitchFamily="2" charset="2"/>
-            </a:endParaRPr>
-          </a:p>
-          <a:p>
-            <a:pPr marL="742950" lvl="1" indent="-285750">
-              <a:buFont typeface="Wingdings" panose="05000000000000000000" pitchFamily="2" charset="2"/>
-              <a:buChar char="à"/>
-            </a:pPr>
-            <a:r>
-              <a:rPr lang="ko-KR" altLang="en-US" dirty="0">
-                <a:sym typeface="Wingdings" panose="05000000000000000000" pitchFamily="2" charset="2"/>
-              </a:rPr>
-              <a:t>특수 엔딩 </a:t>
-            </a:r>
-            <a:r>
-              <a:rPr lang="en-US" altLang="ko-KR" dirty="0">
-                <a:sym typeface="Wingdings" panose="05000000000000000000" pitchFamily="2" charset="2"/>
-              </a:rPr>
-              <a:t>: </a:t>
-            </a:r>
-            <a:r>
-              <a:rPr lang="ko-KR" altLang="en-US" dirty="0">
-                <a:sym typeface="Wingdings" panose="05000000000000000000" pitchFamily="2" charset="2"/>
-              </a:rPr>
-              <a:t>사람들의 폐로 미세먼지 정화</a:t>
-            </a:r>
-            <a:r>
-              <a:rPr lang="en-US" altLang="ko-KR" dirty="0">
-                <a:sym typeface="Wingdings" panose="05000000000000000000" pitchFamily="2" charset="2"/>
-              </a:rPr>
-              <a:t>(</a:t>
-            </a:r>
-            <a:r>
-              <a:rPr lang="ko-KR" altLang="en-US" dirty="0">
-                <a:sym typeface="Wingdings" panose="05000000000000000000" pitchFamily="2" charset="2"/>
-              </a:rPr>
-              <a:t>인체 공기청정기</a:t>
-            </a:r>
-            <a:r>
-              <a:rPr lang="en-US" altLang="ko-KR" dirty="0">
-                <a:sym typeface="Wingdings" panose="05000000000000000000" pitchFamily="2" charset="2"/>
-              </a:rPr>
-              <a:t>)</a:t>
-            </a:r>
-            <a:endParaRPr lang="en-US" altLang="ko-KR" dirty="0"/>
-          </a:p>
-          <a:p>
-            <a:pPr marL="285750" indent="-285750">
-              <a:buFontTx/>
-              <a:buChar char="-"/>
-            </a:pPr>
-            <a:r>
-              <a:rPr lang="ko-KR" altLang="en-US" dirty="0"/>
-              <a:t>생존을 위해 여러 아이템을 얻거나 </a:t>
-            </a:r>
-            <a:endParaRPr lang="en-US" altLang="ko-KR" dirty="0"/>
-          </a:p>
-          <a:p>
-            <a:pPr marL="285750" indent="-285750">
-              <a:buFontTx/>
-              <a:buChar char="-"/>
-            </a:pPr>
-            <a:r>
-              <a:rPr lang="ko-KR" altLang="en-US" dirty="0"/>
-              <a:t>기술 발전을 위한 조건을 수행</a:t>
-            </a:r>
-            <a:endParaRPr lang="en-US" altLang="ko-KR" dirty="0"/>
-          </a:p>
-          <a:p>
-            <a:pPr marL="285750" indent="-285750">
-              <a:buFontTx/>
-              <a:buChar char="-"/>
-            </a:pPr>
-            <a:r>
-              <a:rPr lang="ko-KR" altLang="en-US" dirty="0"/>
-              <a:t>돔 외부에서는 이동할 때</a:t>
-            </a:r>
-            <a:r>
-              <a:rPr lang="en-US" altLang="ko-KR" dirty="0"/>
-              <a:t>, </a:t>
-            </a:r>
-            <a:r>
-              <a:rPr lang="ko-KR" altLang="en-US" dirty="0"/>
-              <a:t>미세먼지 지수가 쌓인다</a:t>
-            </a:r>
-            <a:r>
-              <a:rPr lang="en-US" altLang="ko-KR" dirty="0"/>
-              <a:t>.</a:t>
-            </a:r>
-          </a:p>
-          <a:p>
-            <a:pPr marL="285750" indent="-285750">
-              <a:buFontTx/>
-              <a:buChar char="-"/>
-            </a:pPr>
-            <a:r>
-              <a:rPr lang="ko-KR" altLang="en-US" dirty="0"/>
-              <a:t>사용 아이템에 따라 미세먼지가 덜 쌓이게 할 수 있다</a:t>
-            </a:r>
-            <a:r>
-              <a:rPr lang="en-US" altLang="ko-KR" dirty="0"/>
-              <a:t>.</a:t>
-            </a:r>
-          </a:p>
-          <a:p>
-            <a:pPr marL="285750" indent="-285750">
-              <a:buFontTx/>
-              <a:buChar char="-"/>
-            </a:pPr>
-            <a:r>
-              <a:rPr lang="ko-KR" altLang="en-US" dirty="0"/>
-              <a:t>미세먼지 지수가 </a:t>
-            </a:r>
-            <a:r>
-              <a:rPr lang="en-US" altLang="ko-KR" dirty="0"/>
-              <a:t>MAX </a:t>
-            </a:r>
-            <a:r>
-              <a:rPr lang="ko-KR" altLang="en-US" dirty="0"/>
-              <a:t>되면 사망</a:t>
-            </a:r>
-            <a:endParaRPr lang="en-US" altLang="ko-KR" dirty="0"/>
-          </a:p>
-          <a:p>
-            <a:pPr marL="285750" indent="-285750">
-              <a:buFontTx/>
-              <a:buChar char="-"/>
-            </a:pPr>
-            <a:r>
-              <a:rPr lang="ko-KR" altLang="en-US" dirty="0"/>
-              <a:t>상태창을 통해 미세먼지가 인체에 쌓인 수준을 볼 수 있고</a:t>
-            </a:r>
-            <a:r>
-              <a:rPr lang="en-US" altLang="ko-KR" dirty="0"/>
-              <a:t>,</a:t>
-            </a:r>
-          </a:p>
-          <a:p>
-            <a:pPr marL="285750" indent="-285750">
-              <a:buFontTx/>
-              <a:buChar char="-"/>
-            </a:pPr>
-            <a:r>
-              <a:rPr lang="ko-KR" altLang="en-US" dirty="0"/>
-              <a:t>특정 위치에 많이 쌓이게 되면</a:t>
-            </a:r>
-            <a:r>
-              <a:rPr lang="en-US" altLang="ko-KR" dirty="0"/>
-              <a:t>, </a:t>
-            </a:r>
-            <a:r>
-              <a:rPr lang="ko-KR" altLang="en-US" dirty="0"/>
-              <a:t>그 부위 사용에 제약이 생긴다</a:t>
-            </a:r>
-            <a:r>
-              <a:rPr lang="en-US" altLang="ko-KR" dirty="0"/>
-              <a:t>.</a:t>
-            </a:r>
-          </a:p>
-          <a:p>
-            <a:pPr marL="285750" indent="-285750">
-              <a:buFontTx/>
-              <a:buChar char="-"/>
-            </a:pPr>
-            <a:endParaRPr lang="en-US" altLang="ko-KR" dirty="0"/>
+              <a:rPr lang="en-US" altLang="ko-KR" sz="1400" dirty="0"/>
+              <a:t>[</a:t>
+            </a:r>
+            <a:r>
+              <a:rPr lang="ko-KR" altLang="en-US" sz="1400" dirty="0"/>
+              <a:t>그림</a:t>
+            </a:r>
+            <a:r>
+              <a:rPr lang="en-US" altLang="ko-KR" sz="1400" dirty="0"/>
+              <a:t>1] </a:t>
+            </a:r>
+            <a:r>
+              <a:rPr lang="ko-KR" altLang="en-US" sz="1400" dirty="0"/>
+              <a:t>애니메이션 스폰지밥 </a:t>
+            </a:r>
+            <a:r>
+              <a:rPr lang="en-US" altLang="ko-KR" sz="1400" dirty="0"/>
+              <a:t>:: </a:t>
+            </a:r>
+            <a:r>
+              <a:rPr lang="ko-KR" altLang="en-US" sz="1400" dirty="0" err="1"/>
+              <a:t>다람이</a:t>
+            </a:r>
+            <a:r>
+              <a:rPr lang="ko-KR" altLang="en-US" sz="1400" dirty="0"/>
+              <a:t> 집 </a:t>
+            </a:r>
           </a:p>
         </p:txBody>
       </p:sp>
@@ -5638,7 +5579,7 @@
         </p:nvSpPr>
         <p:spPr>
           <a:xfrm>
-            <a:off x="1113905" y="1285070"/>
+            <a:off x="996549" y="849815"/>
             <a:ext cx="4196376" cy="375615"/>
           </a:xfrm>
           <a:prstGeom prst="rect">
@@ -5824,17 +5765,17 @@
                   </a:schemeClr>
                 </a:solidFill>
               </a:rPr>
-              <a:t>기존 게임과의 차이점</a:t>
-            </a:r>
-          </a:p>
-        </p:txBody>
-      </p:sp>
-      <p:sp>
-        <p:nvSpPr>
-          <p:cNvPr id="2" name="TextBox 1">
-            <a:extLst>
-              <a:ext uri="{FF2B5EF4-FFF2-40B4-BE49-F238E27FC236}">
-                <a16:creationId xmlns:a16="http://schemas.microsoft.com/office/drawing/2014/main" id="{54067028-7029-4E3A-84F4-05E232532536}"/>
+              <a:t>게임 소개 및 특징</a:t>
+            </a:r>
+          </a:p>
+        </p:txBody>
+      </p:sp>
+      <p:sp>
+        <p:nvSpPr>
+          <p:cNvPr id="4" name="TextBox 3">
+            <a:extLst>
+              <a:ext uri="{FF2B5EF4-FFF2-40B4-BE49-F238E27FC236}">
+                <a16:creationId xmlns:a16="http://schemas.microsoft.com/office/drawing/2014/main" id="{0A0897EC-F054-4D97-9E74-83BB26BCF96E}"/>
               </a:ext>
             </a:extLst>
           </p:cNvPr>
@@ -5843,8 +5784,8 @@
         </p:nvSpPr>
         <p:spPr>
           <a:xfrm>
-            <a:off x="1113905" y="2273190"/>
-            <a:ext cx="9272090" cy="2585323"/>
+            <a:off x="1355202" y="1674674"/>
+            <a:ext cx="10284571" cy="3877985"/>
           </a:xfrm>
           <a:prstGeom prst="rect">
             <a:avLst/>
@@ -5852,15 +5793,18 @@
           <a:noFill/>
         </p:spPr>
         <p:txBody>
-          <a:bodyPr wrap="none" rtlCol="0">
+          <a:bodyPr wrap="square" rtlCol="0">
             <a:spAutoFit/>
           </a:bodyPr>
           <a:lstStyle/>
           <a:p>
             <a:r>
-              <a:rPr lang="ko-KR" altLang="en-US" dirty="0"/>
-              <a:t>배경 스토리를 이렇게 설정한 이유</a:t>
-            </a:r>
+              <a:rPr lang="ko-KR" altLang="en-US" b="1" dirty="0"/>
+              <a:t>게임 진행</a:t>
+            </a:r>
+            <a:endParaRPr lang="en-US" altLang="ko-KR" b="1" dirty="0"/>
+          </a:p>
+          <a:p>
             <a:endParaRPr lang="en-US" altLang="ko-KR" dirty="0"/>
           </a:p>
           <a:p>
@@ -5869,13 +5813,10 @@
               <a:buChar char="-"/>
             </a:pPr>
             <a:r>
-              <a:rPr lang="ko-KR" altLang="en-US" dirty="0"/>
-              <a:t>현실에 가까이 있는 문제점이고 내년에도 충분히 대두 될 수 있는 문제이기 때문이다</a:t>
-            </a:r>
-            <a:r>
-              <a:rPr lang="en-US" altLang="ko-KR" dirty="0"/>
-              <a:t>.</a:t>
-            </a:r>
+              <a:rPr lang="ko-KR" altLang="en-US" sz="1600" dirty="0"/>
+              <a:t>싱글 플레이와 멀티 플레이 모두 가능</a:t>
+            </a:r>
+            <a:endParaRPr lang="en-US" altLang="ko-KR" sz="1600" dirty="0"/>
           </a:p>
           <a:p>
             <a:pPr marL="285750" indent="-285750">
@@ -5883,34 +5824,222 @@
               <a:buChar char="-"/>
             </a:pPr>
             <a:r>
-              <a:rPr lang="ko-KR" altLang="en-US" dirty="0"/>
-              <a:t>미세먼지의 위험성을 알리기 위함</a:t>
-            </a:r>
-            <a:r>
-              <a:rPr lang="en-US" altLang="ko-KR" dirty="0"/>
-              <a:t>. </a:t>
-            </a:r>
-          </a:p>
-          <a:p>
-            <a:r>
-              <a:rPr lang="en-US" altLang="ko-KR" dirty="0"/>
-              <a:t>( </a:t>
-            </a:r>
-            <a:r>
-              <a:rPr lang="ko-KR" altLang="en-US" dirty="0"/>
-              <a:t>사람들이 위험하다는 것은 알지만</a:t>
-            </a:r>
-            <a:r>
-              <a:rPr lang="en-US" altLang="ko-KR" dirty="0"/>
+              <a:rPr lang="ko-KR" altLang="en-US" sz="1600" b="1" dirty="0"/>
+              <a:t>게임의 목표</a:t>
+            </a:r>
+            <a:r>
+              <a:rPr lang="ko-KR" altLang="en-US" sz="1600" dirty="0"/>
+              <a:t>는 기술 발전도를 올려서 미세먼지 문제 해결</a:t>
+            </a:r>
+            <a:r>
+              <a:rPr lang="en-US" altLang="ko-KR" sz="1600" dirty="0"/>
               <a:t>,</a:t>
             </a:r>
-            <a:r>
-              <a:rPr lang="ko-KR" altLang="en-US" dirty="0"/>
-              <a:t> 미세먼지에 대해 크게 와 닿지는 않음 </a:t>
-            </a:r>
-            <a:r>
-              <a:rPr lang="en-US" altLang="ko-KR" dirty="0"/>
+          </a:p>
+          <a:p>
+            <a:pPr lvl="1"/>
+            <a:r>
+              <a:rPr lang="en-US" altLang="ko-KR" sz="1600" dirty="0">
+                <a:sym typeface="Wingdings" panose="05000000000000000000" pitchFamily="2" charset="2"/>
+              </a:rPr>
+              <a:t> 1. </a:t>
+            </a:r>
+            <a:r>
+              <a:rPr lang="ko-KR" altLang="en-US" sz="1600" dirty="0">
+                <a:sym typeface="Wingdings" panose="05000000000000000000" pitchFamily="2" charset="2"/>
+              </a:rPr>
+              <a:t>인공 구름 개발</a:t>
+            </a:r>
+            <a:endParaRPr lang="en-US" altLang="ko-KR" sz="1600" dirty="0">
+              <a:sym typeface="Wingdings" panose="05000000000000000000" pitchFamily="2" charset="2"/>
+            </a:endParaRPr>
+          </a:p>
+          <a:p>
+            <a:pPr lvl="1"/>
+            <a:r>
+              <a:rPr lang="ko-KR" altLang="en-US" sz="1600" dirty="0"/>
+              <a:t>또는 자연 완화 될 때까지 생존</a:t>
+            </a:r>
+            <a:endParaRPr lang="en-US" altLang="ko-KR" sz="1600" dirty="0"/>
+          </a:p>
+          <a:p>
+            <a:pPr lvl="1"/>
+            <a:r>
+              <a:rPr lang="en-US" altLang="ko-KR" sz="1600" dirty="0">
+                <a:sym typeface="Wingdings" panose="05000000000000000000" pitchFamily="2" charset="2"/>
+              </a:rPr>
+              <a:t> 1. </a:t>
+            </a:r>
+            <a:r>
+              <a:rPr lang="ko-KR" altLang="en-US" sz="1600" dirty="0">
+                <a:sym typeface="Wingdings" panose="05000000000000000000" pitchFamily="2" charset="2"/>
+              </a:rPr>
+              <a:t>나무를 특정 개수 심기</a:t>
+            </a:r>
+            <a:endParaRPr lang="en-US" altLang="ko-KR" sz="1600" dirty="0">
+              <a:sym typeface="Wingdings" panose="05000000000000000000" pitchFamily="2" charset="2"/>
+            </a:endParaRPr>
+          </a:p>
+          <a:p>
+            <a:pPr lvl="1"/>
+            <a:r>
+              <a:rPr lang="en-US" altLang="ko-KR" sz="1600" dirty="0">
+                <a:sym typeface="Wingdings" panose="05000000000000000000" pitchFamily="2" charset="2"/>
+              </a:rPr>
+              <a:t> 2. </a:t>
+            </a:r>
+            <a:r>
+              <a:rPr lang="ko-KR" altLang="en-US" sz="1600" dirty="0">
+                <a:sym typeface="Wingdings" panose="05000000000000000000" pitchFamily="2" charset="2"/>
+              </a:rPr>
+              <a:t>그냥 오래 생존</a:t>
+            </a:r>
+            <a:endParaRPr lang="en-US" altLang="ko-KR" sz="1600" dirty="0">
+              <a:sym typeface="Wingdings" panose="05000000000000000000" pitchFamily="2" charset="2"/>
+            </a:endParaRPr>
+          </a:p>
+          <a:p>
+            <a:pPr lvl="1"/>
+            <a:r>
+              <a:rPr lang="ko-KR" altLang="en-US" sz="1600" dirty="0">
+                <a:sym typeface="Wingdings" panose="05000000000000000000" pitchFamily="2" charset="2"/>
+              </a:rPr>
+              <a:t>특수 엔딩 </a:t>
+            </a:r>
+            <a:r>
+              <a:rPr lang="en-US" altLang="ko-KR" sz="1600" dirty="0">
+                <a:sym typeface="Wingdings" panose="05000000000000000000" pitchFamily="2" charset="2"/>
+              </a:rPr>
+              <a:t>: </a:t>
+            </a:r>
+            <a:r>
+              <a:rPr lang="ko-KR" altLang="en-US" sz="1600" dirty="0">
+                <a:sym typeface="Wingdings" panose="05000000000000000000" pitchFamily="2" charset="2"/>
+              </a:rPr>
+              <a:t>사람들의 폐로 미세먼지 정화</a:t>
+            </a:r>
+            <a:r>
+              <a:rPr lang="en-US" altLang="ko-KR" sz="1600" dirty="0">
+                <a:sym typeface="Wingdings" panose="05000000000000000000" pitchFamily="2" charset="2"/>
+              </a:rPr>
+              <a:t>(</a:t>
+            </a:r>
+            <a:r>
+              <a:rPr lang="ko-KR" altLang="en-US" sz="1600" dirty="0">
+                <a:sym typeface="Wingdings" panose="05000000000000000000" pitchFamily="2" charset="2"/>
+              </a:rPr>
+              <a:t>인체 공기 청정기</a:t>
+            </a:r>
+            <a:r>
+              <a:rPr lang="en-US" altLang="ko-KR" sz="1600" dirty="0">
+                <a:sym typeface="Wingdings" panose="05000000000000000000" pitchFamily="2" charset="2"/>
+              </a:rPr>
               <a:t>)</a:t>
+            </a:r>
+            <a:endParaRPr lang="en-US" altLang="ko-KR" sz="1600" dirty="0"/>
+          </a:p>
+          <a:p>
+            <a:pPr marL="285750" indent="-285750">
+              <a:buFontTx/>
+              <a:buChar char="-"/>
+            </a:pPr>
+            <a:r>
+              <a:rPr lang="ko-KR" altLang="en-US" sz="1600" b="1" dirty="0"/>
+              <a:t>생존</a:t>
+            </a:r>
+            <a:r>
+              <a:rPr lang="ko-KR" altLang="en-US" sz="1600" dirty="0"/>
+              <a:t>을 위해 돔 밖에서 여러 아이템을 얻거나 기술 발전을 위한 조건들을 수행</a:t>
+            </a:r>
+            <a:endParaRPr lang="en-US" altLang="ko-KR" sz="1600" dirty="0"/>
+          </a:p>
+          <a:p>
+            <a:pPr marL="285750" indent="-285750">
+              <a:buFontTx/>
+              <a:buChar char="-"/>
+            </a:pPr>
+            <a:r>
+              <a:rPr lang="ko-KR" altLang="en-US" sz="1600" dirty="0"/>
+              <a:t>돔 외부에서는 이동할 때</a:t>
+            </a:r>
+            <a:r>
+              <a:rPr lang="en-US" altLang="ko-KR" sz="1600" dirty="0"/>
+              <a:t>, </a:t>
+            </a:r>
+            <a:r>
+              <a:rPr lang="ko-KR" altLang="en-US" sz="1600" b="1" dirty="0"/>
+              <a:t>미세먼지 지수</a:t>
+            </a:r>
+            <a:r>
+              <a:rPr lang="ko-KR" altLang="en-US" sz="1600" dirty="0"/>
+              <a:t>가 쌓이고</a:t>
+            </a:r>
+            <a:r>
+              <a:rPr lang="en-US" altLang="ko-KR" sz="1600" dirty="0"/>
+              <a:t>, </a:t>
+            </a:r>
+            <a:r>
+              <a:rPr lang="ko-KR" altLang="en-US" sz="1600" dirty="0"/>
+              <a:t>미세먼지 지수가 </a:t>
+            </a:r>
+            <a:r>
+              <a:rPr lang="en-US" altLang="ko-KR" sz="1600" dirty="0"/>
+              <a:t>MAX </a:t>
+            </a:r>
+            <a:r>
+              <a:rPr lang="ko-KR" altLang="en-US" sz="1600" dirty="0"/>
+              <a:t>되면 사망하여 </a:t>
+            </a:r>
+            <a:r>
+              <a:rPr lang="en-US" altLang="ko-KR" sz="1600" dirty="0"/>
+              <a:t>game over</a:t>
+            </a:r>
+          </a:p>
+          <a:p>
+            <a:pPr marL="285750" indent="-285750">
+              <a:buFontTx/>
+              <a:buChar char="-"/>
+            </a:pPr>
+            <a:r>
+              <a:rPr lang="ko-KR" altLang="en-US" sz="1600" dirty="0"/>
+              <a:t>안전 장치 아이템 이용과 기술 발전에 따라 미세먼지가 몸에 덜 쌓이게 할 수 있음</a:t>
+            </a:r>
+            <a:endParaRPr lang="en-US" altLang="ko-KR" sz="1600" dirty="0"/>
+          </a:p>
+          <a:p>
+            <a:pPr marL="285750" indent="-285750">
+              <a:buFontTx/>
+              <a:buChar char="-"/>
+            </a:pPr>
+            <a:r>
+              <a:rPr lang="ko-KR" altLang="en-US" sz="1600" dirty="0"/>
+              <a:t>상태창을 통해 미세먼지가 인체에 쌓인 수준 등의 정보를 볼 수 있음</a:t>
+            </a:r>
+            <a:endParaRPr lang="en-US" altLang="ko-KR" sz="1600" dirty="0"/>
+          </a:p>
+          <a:p>
+            <a:pPr lvl="1"/>
+            <a:r>
+              <a:rPr lang="en-US" altLang="ko-KR" sz="1600" dirty="0">
+                <a:sym typeface="Wingdings" panose="05000000000000000000" pitchFamily="2" charset="2"/>
+              </a:rPr>
+              <a:t> </a:t>
+            </a:r>
+            <a:r>
+              <a:rPr lang="ko-KR" altLang="en-US" sz="1600" dirty="0"/>
+              <a:t>특정 부위에 미세먼지가 많이 쌓이게 되면</a:t>
+            </a:r>
+            <a:r>
+              <a:rPr lang="en-US" altLang="ko-KR" sz="1600" dirty="0"/>
+              <a:t>, </a:t>
+            </a:r>
+            <a:r>
+              <a:rPr lang="ko-KR" altLang="en-US" sz="1600" dirty="0"/>
+              <a:t>그 부위 사용에 제약이 생긴다</a:t>
+            </a:r>
+            <a:r>
+              <a:rPr lang="en-US" altLang="ko-KR" sz="1600" dirty="0"/>
+              <a:t>.</a:t>
             </a:r>
           </a:p>
           <a:p>
@@ -5920,55 +6049,12 @@
             </a:pPr>
             <a:endParaRPr lang="en-US" altLang="ko-KR" dirty="0"/>
           </a:p>
-          <a:p>
-            <a:r>
-              <a:rPr lang="ko-KR" altLang="en-US" dirty="0"/>
-              <a:t>협동</a:t>
-            </a:r>
-            <a:r>
-              <a:rPr lang="en-US" altLang="ko-KR" dirty="0"/>
-              <a:t>/</a:t>
-            </a:r>
-            <a:r>
-              <a:rPr lang="ko-KR" altLang="en-US" dirty="0"/>
-              <a:t>생존 게임을 선정한 이유</a:t>
-            </a:r>
-            <a:endParaRPr lang="en-US" altLang="ko-KR" dirty="0"/>
-          </a:p>
-          <a:p>
-            <a:pPr marL="285750" indent="-285750">
-              <a:buFontTx/>
-              <a:buChar char="-"/>
-            </a:pPr>
-            <a:r>
-              <a:rPr lang="ko-KR" altLang="en-US" dirty="0"/>
-              <a:t>생존 게임이 게임 배경에 적합하다고 생각했기 때문이다</a:t>
-            </a:r>
-            <a:r>
-              <a:rPr lang="en-US" altLang="ko-KR" dirty="0"/>
-              <a:t>.</a:t>
-            </a:r>
-          </a:p>
-          <a:p>
-            <a:pPr marL="285750" indent="-285750">
-              <a:buFontTx/>
-              <a:buChar char="-"/>
-            </a:pPr>
-            <a:endParaRPr lang="en-US" altLang="ko-KR" dirty="0"/>
-          </a:p>
-          <a:p>
-            <a:pPr marL="285750" indent="-285750">
-              <a:buFontTx/>
-              <a:buChar char="-"/>
-            </a:pPr>
-            <a:endParaRPr lang="en-US" altLang="ko-KR" dirty="0"/>
-          </a:p>
         </p:txBody>
       </p:sp>
     </p:spTree>
     <p:extLst>
       <p:ext uri="{BB962C8B-B14F-4D97-AF65-F5344CB8AC3E}">
-        <p14:creationId xmlns:p14="http://schemas.microsoft.com/office/powerpoint/2010/main" val="1291013343"/>
+        <p14:creationId xmlns:p14="http://schemas.microsoft.com/office/powerpoint/2010/main" val="158685789"/>
       </p:ext>
     </p:extLst>
   </p:cSld>
@@ -5995,59 +6081,219 @@
           <a:chExt cx="0" cy="0"/>
         </a:xfrm>
       </p:grpSpPr>
-      <p:pic>
-        <p:nvPicPr>
-          <p:cNvPr id="1026" name="Picture 2" descr="ì¤í°ì§ë°¥ ë¤ëì´ ì§ì ëí ì´ë¯¸ì§ ê²ìê²°ê³¼">
-            <a:extLst>
-              <a:ext uri="{FF2B5EF4-FFF2-40B4-BE49-F238E27FC236}">
-                <a16:creationId xmlns:a16="http://schemas.microsoft.com/office/drawing/2014/main" id="{1242FE83-60C1-4D88-8665-FDDAE6A00E5E}"/>
-              </a:ext>
-            </a:extLst>
-          </p:cNvPr>
-          <p:cNvPicPr>
-            <a:picLocks noChangeAspect="1" noChangeArrowheads="1"/>
-          </p:cNvPicPr>
+      <p:sp>
+        <p:nvSpPr>
+          <p:cNvPr id="3" name="텍스트 개체 틀 2">
+            <a:extLst>
+              <a:ext uri="{FF2B5EF4-FFF2-40B4-BE49-F238E27FC236}">
+                <a16:creationId xmlns:a16="http://schemas.microsoft.com/office/drawing/2014/main" id="{FCAA81B6-5C56-49E3-ACD9-A9F7F8FE6E15}"/>
+              </a:ext>
+            </a:extLst>
+          </p:cNvPr>
+          <p:cNvSpPr txBox="1">
+            <a:spLocks/>
+          </p:cNvSpPr>
           <p:nvPr/>
-        </p:nvPicPr>
-        <p:blipFill>
-          <a:blip r:embed="rId2">
-            <a:extLst>
-              <a:ext uri="{28A0092B-C50C-407E-A947-70E740481C1C}">
-                <a14:useLocalDpi xmlns:a14="http://schemas.microsoft.com/office/drawing/2010/main" val="0"/>
-              </a:ext>
-            </a:extLst>
-          </a:blip>
-          <a:srcRect/>
-          <a:stretch>
-            <a:fillRect/>
-          </a:stretch>
-        </p:blipFill>
-        <p:spPr bwMode="auto">
+        </p:nvSpPr>
+        <p:spPr>
           <a:xfrm>
-            <a:off x="6910039" y="3537735"/>
-            <a:ext cx="4572000" cy="2571750"/>
+            <a:off x="996549" y="849815"/>
+            <a:ext cx="4196376" cy="375615"/>
           </a:xfrm>
           <a:prstGeom prst="rect">
             <a:avLst/>
           </a:prstGeom>
-          <a:noFill/>
-          <a:extLst>
-            <a:ext uri="{909E8E84-426E-40DD-AFC4-6F175D3DCCD1}">
-              <a14:hiddenFill xmlns:a14="http://schemas.microsoft.com/office/drawing/2010/main">
-                <a:solidFill>
-                  <a:srgbClr val="FFFFFF"/>
-                </a:solidFill>
-              </a14:hiddenFill>
-            </a:ext>
-          </a:extLst>
         </p:spPr>
-      </p:pic>
-      <p:sp>
-        <p:nvSpPr>
-          <p:cNvPr id="5" name="TextBox 4">
-            <a:extLst>
-              <a:ext uri="{FF2B5EF4-FFF2-40B4-BE49-F238E27FC236}">
-                <a16:creationId xmlns:a16="http://schemas.microsoft.com/office/drawing/2014/main" id="{8F3E1CD3-FD42-4AAB-AE6E-4FCAB3327E85}"/>
+        <p:txBody>
+          <a:bodyPr/>
+          <a:lstStyle>
+            <a:lvl1pPr marL="228600" indent="-228600" algn="l" defTabSz="914400" rtl="0" eaLnBrk="1" latinLnBrk="1" hangingPunct="1">
+              <a:lnSpc>
+                <a:spcPct val="90000"/>
+              </a:lnSpc>
+              <a:spcBef>
+                <a:spcPts val="1000"/>
+              </a:spcBef>
+              <a:buFont typeface="Arial" panose="020B0604020202020204" pitchFamily="34" charset="0"/>
+              <a:buChar char="•"/>
+              <a:defRPr sz="2800" kern="1200">
+                <a:solidFill>
+                  <a:schemeClr val="tx1"/>
+                </a:solidFill>
+                <a:latin typeface="+mn-lt"/>
+                <a:ea typeface="+mn-ea"/>
+                <a:cs typeface="+mn-cs"/>
+              </a:defRPr>
+            </a:lvl1pPr>
+            <a:lvl2pPr marL="685800" indent="-228600" algn="l" defTabSz="914400" rtl="0" eaLnBrk="1" latinLnBrk="1" hangingPunct="1">
+              <a:lnSpc>
+                <a:spcPct val="90000"/>
+              </a:lnSpc>
+              <a:spcBef>
+                <a:spcPts val="500"/>
+              </a:spcBef>
+              <a:buFont typeface="Arial" panose="020B0604020202020204" pitchFamily="34" charset="0"/>
+              <a:buChar char="•"/>
+              <a:defRPr sz="2400" kern="1200">
+                <a:solidFill>
+                  <a:schemeClr val="tx1"/>
+                </a:solidFill>
+                <a:latin typeface="+mn-lt"/>
+                <a:ea typeface="+mn-ea"/>
+                <a:cs typeface="+mn-cs"/>
+              </a:defRPr>
+            </a:lvl2pPr>
+            <a:lvl3pPr marL="1143000" indent="-228600" algn="l" defTabSz="914400" rtl="0" eaLnBrk="1" latinLnBrk="1" hangingPunct="1">
+              <a:lnSpc>
+                <a:spcPct val="90000"/>
+              </a:lnSpc>
+              <a:spcBef>
+                <a:spcPts val="500"/>
+              </a:spcBef>
+              <a:buFont typeface="Arial" panose="020B0604020202020204" pitchFamily="34" charset="0"/>
+              <a:buChar char="•"/>
+              <a:defRPr sz="2000" kern="1200">
+                <a:solidFill>
+                  <a:schemeClr val="tx1"/>
+                </a:solidFill>
+                <a:latin typeface="+mn-lt"/>
+                <a:ea typeface="+mn-ea"/>
+                <a:cs typeface="+mn-cs"/>
+              </a:defRPr>
+            </a:lvl3pPr>
+            <a:lvl4pPr marL="1600200" indent="-228600" algn="l" defTabSz="914400" rtl="0" eaLnBrk="1" latinLnBrk="1" hangingPunct="1">
+              <a:lnSpc>
+                <a:spcPct val="90000"/>
+              </a:lnSpc>
+              <a:spcBef>
+                <a:spcPts val="500"/>
+              </a:spcBef>
+              <a:buFont typeface="Arial" panose="020B0604020202020204" pitchFamily="34" charset="0"/>
+              <a:buChar char="•"/>
+              <a:defRPr sz="1800" kern="1200">
+                <a:solidFill>
+                  <a:schemeClr val="tx1"/>
+                </a:solidFill>
+                <a:latin typeface="+mn-lt"/>
+                <a:ea typeface="+mn-ea"/>
+                <a:cs typeface="+mn-cs"/>
+              </a:defRPr>
+            </a:lvl4pPr>
+            <a:lvl5pPr marL="2057400" indent="-228600" algn="l" defTabSz="914400" rtl="0" eaLnBrk="1" latinLnBrk="1" hangingPunct="1">
+              <a:lnSpc>
+                <a:spcPct val="90000"/>
+              </a:lnSpc>
+              <a:spcBef>
+                <a:spcPts val="500"/>
+              </a:spcBef>
+              <a:buFont typeface="Arial" panose="020B0604020202020204" pitchFamily="34" charset="0"/>
+              <a:buChar char="•"/>
+              <a:defRPr sz="1800" kern="1200">
+                <a:solidFill>
+                  <a:schemeClr val="tx1"/>
+                </a:solidFill>
+                <a:latin typeface="+mn-lt"/>
+                <a:ea typeface="+mn-ea"/>
+                <a:cs typeface="+mn-cs"/>
+              </a:defRPr>
+            </a:lvl5pPr>
+            <a:lvl6pPr marL="2514600" indent="-228600" algn="l" defTabSz="914400" rtl="0" eaLnBrk="1" latinLnBrk="1" hangingPunct="1">
+              <a:lnSpc>
+                <a:spcPct val="90000"/>
+              </a:lnSpc>
+              <a:spcBef>
+                <a:spcPts val="500"/>
+              </a:spcBef>
+              <a:buFont typeface="Arial" panose="020B0604020202020204" pitchFamily="34" charset="0"/>
+              <a:buChar char="•"/>
+              <a:defRPr sz="1800" kern="1200">
+                <a:solidFill>
+                  <a:schemeClr val="tx1"/>
+                </a:solidFill>
+                <a:latin typeface="+mn-lt"/>
+                <a:ea typeface="+mn-ea"/>
+                <a:cs typeface="+mn-cs"/>
+              </a:defRPr>
+            </a:lvl6pPr>
+            <a:lvl7pPr marL="2971800" indent="-228600" algn="l" defTabSz="914400" rtl="0" eaLnBrk="1" latinLnBrk="1" hangingPunct="1">
+              <a:lnSpc>
+                <a:spcPct val="90000"/>
+              </a:lnSpc>
+              <a:spcBef>
+                <a:spcPts val="500"/>
+              </a:spcBef>
+              <a:buFont typeface="Arial" panose="020B0604020202020204" pitchFamily="34" charset="0"/>
+              <a:buChar char="•"/>
+              <a:defRPr sz="1800" kern="1200">
+                <a:solidFill>
+                  <a:schemeClr val="tx1"/>
+                </a:solidFill>
+                <a:latin typeface="+mn-lt"/>
+                <a:ea typeface="+mn-ea"/>
+                <a:cs typeface="+mn-cs"/>
+              </a:defRPr>
+            </a:lvl7pPr>
+            <a:lvl8pPr marL="3429000" indent="-228600" algn="l" defTabSz="914400" rtl="0" eaLnBrk="1" latinLnBrk="1" hangingPunct="1">
+              <a:lnSpc>
+                <a:spcPct val="90000"/>
+              </a:lnSpc>
+              <a:spcBef>
+                <a:spcPts val="500"/>
+              </a:spcBef>
+              <a:buFont typeface="Arial" panose="020B0604020202020204" pitchFamily="34" charset="0"/>
+              <a:buChar char="•"/>
+              <a:defRPr sz="1800" kern="1200">
+                <a:solidFill>
+                  <a:schemeClr val="tx1"/>
+                </a:solidFill>
+                <a:latin typeface="+mn-lt"/>
+                <a:ea typeface="+mn-ea"/>
+                <a:cs typeface="+mn-cs"/>
+              </a:defRPr>
+            </a:lvl8pPr>
+            <a:lvl9pPr marL="3886200" indent="-228600" algn="l" defTabSz="914400" rtl="0" eaLnBrk="1" latinLnBrk="1" hangingPunct="1">
+              <a:lnSpc>
+                <a:spcPct val="90000"/>
+              </a:lnSpc>
+              <a:spcBef>
+                <a:spcPts val="500"/>
+              </a:spcBef>
+              <a:buFont typeface="Arial" panose="020B0604020202020204" pitchFamily="34" charset="0"/>
+              <a:buChar char="•"/>
+              <a:defRPr sz="1800" kern="1200">
+                <a:solidFill>
+                  <a:schemeClr val="tx1"/>
+                </a:solidFill>
+                <a:latin typeface="+mn-lt"/>
+                <a:ea typeface="+mn-ea"/>
+                <a:cs typeface="+mn-cs"/>
+              </a:defRPr>
+            </a:lvl9pPr>
+          </a:lstStyle>
+          <a:p>
+            <a:pPr marL="0" indent="0">
+              <a:buNone/>
+            </a:pPr>
+            <a:r>
+              <a:rPr lang="ko-KR" altLang="en-US" sz="2400" b="1" dirty="0">
+                <a:solidFill>
+                  <a:schemeClr val="tx1">
+                    <a:lumMod val="85000"/>
+                    <a:lumOff val="15000"/>
+                  </a:schemeClr>
+                </a:solidFill>
+              </a:rPr>
+              <a:t>게임 소개 및 특징</a:t>
+            </a:r>
+          </a:p>
+        </p:txBody>
+      </p:sp>
+      <p:sp>
+        <p:nvSpPr>
+          <p:cNvPr id="7" name="TextBox 6">
+            <a:extLst>
+              <a:ext uri="{FF2B5EF4-FFF2-40B4-BE49-F238E27FC236}">
+                <a16:creationId xmlns:a16="http://schemas.microsoft.com/office/drawing/2014/main" id="{2E687006-DBE5-41F1-8891-E62CEE06B2C3}"/>
               </a:ext>
             </a:extLst>
           </p:cNvPr>
@@ -6056,8 +6302,8 @@
         </p:nvSpPr>
         <p:spPr>
           <a:xfrm>
-            <a:off x="1325103" y="1014522"/>
-            <a:ext cx="7514807" cy="3170099"/>
+            <a:off x="1355203" y="1674674"/>
+            <a:ext cx="10510482" cy="4585871"/>
           </a:xfrm>
           <a:prstGeom prst="rect">
             <a:avLst/>
@@ -6071,21 +6317,31 @@
           <a:lstStyle/>
           <a:p>
             <a:r>
-              <a:rPr lang="ko-KR" altLang="en-US" sz="2400" b="1" dirty="0"/>
-              <a:t>배경 </a:t>
-            </a:r>
-            <a:r>
-              <a:rPr lang="en-US" altLang="ko-KR" sz="2400" b="1" dirty="0"/>
+              <a:rPr lang="ko-KR" altLang="en-US" b="1" dirty="0"/>
+              <a:t>게임 </a:t>
+            </a:r>
+            <a:r>
+              <a:rPr lang="en-US" altLang="ko-KR" b="1" dirty="0"/>
               <a:t>info</a:t>
             </a:r>
           </a:p>
           <a:p>
+            <a:endParaRPr lang="en-US" altLang="ko-KR" dirty="0"/>
+          </a:p>
+          <a:p>
+            <a:r>
+              <a:rPr lang="ko-KR" altLang="en-US" sz="1600" dirty="0"/>
+              <a:t>플레이어가 캐릭터 하나를 조작</a:t>
+            </a:r>
             <a:endParaRPr lang="en-US" altLang="ko-KR" sz="1600" dirty="0"/>
           </a:p>
           <a:p>
+            <a:endParaRPr lang="en-US" altLang="ko-KR" sz="1600" dirty="0"/>
+          </a:p>
+          <a:p>
             <a:r>
               <a:rPr lang="ko-KR" altLang="en-US" sz="1600" dirty="0"/>
-              <a:t>선정 이유 </a:t>
+              <a:t>공동목표를 이루는 게임 </a:t>
             </a:r>
             <a:r>
               <a:rPr lang="en-US" altLang="ko-KR" sz="1600" dirty="0"/>
@@ -6093,94 +6349,260 @@
             </a:r>
             <a:r>
               <a:rPr lang="ko-KR" altLang="en-US" sz="1600" dirty="0"/>
-              <a:t>지금 현실에 미세먼지가 너무 심각함</a:t>
+              <a:t>예상 플레이 시간 </a:t>
             </a:r>
             <a:r>
               <a:rPr lang="en-US" altLang="ko-KR" sz="1600" dirty="0"/>
-              <a:t>. </a:t>
-            </a:r>
-          </a:p>
-          <a:p>
+              <a:t>10</a:t>
+            </a:r>
             <a:r>
               <a:rPr lang="ko-KR" altLang="en-US" sz="1600" dirty="0"/>
-              <a:t>내년에도 심각한 상태이지 않을까</a:t>
+              <a:t>시간</a:t>
             </a:r>
             <a:r>
               <a:rPr lang="en-US" altLang="ko-KR" sz="1600" dirty="0"/>
-              <a:t>?</a:t>
-            </a:r>
-          </a:p>
-          <a:p>
+              <a:t> </a:t>
+            </a:r>
+            <a:r>
+              <a:rPr lang="ko-KR" altLang="en-US" sz="1600" dirty="0"/>
+              <a:t>내외</a:t>
+            </a:r>
             <a:endParaRPr lang="en-US" altLang="ko-KR" sz="1600" dirty="0"/>
           </a:p>
           <a:p>
+            <a:endParaRPr lang="en-US" altLang="ko-KR" sz="1600" dirty="0"/>
+          </a:p>
+          <a:p>
+            <a:r>
+              <a:rPr lang="ko-KR" altLang="en-US" sz="1600" dirty="0" err="1"/>
+              <a:t>맵의</a:t>
+            </a:r>
             <a:r>
               <a:rPr lang="ko-KR" altLang="en-US" sz="1600" dirty="0"/>
-              <a:t>미세먼지가 너무 심각한 정도가 되어서 밖에 다니기 힘든 시대가 되어 버림</a:t>
+              <a:t> 총 크기 </a:t>
             </a:r>
             <a:r>
               <a:rPr lang="en-US" altLang="ko-KR" sz="1600" dirty="0"/>
-              <a:t>.</a:t>
+              <a:t>: 8000m * 8000m</a:t>
             </a:r>
           </a:p>
           <a:p>
             <a:r>
               <a:rPr lang="ko-KR" altLang="en-US" sz="1600" dirty="0"/>
-              <a:t>국가적으로 특정 도시 외곽에 돔을 설치하여 사람들이 생존 가능한 지대를 </a:t>
-            </a:r>
-            <a:r>
-              <a:rPr lang="ko-KR" altLang="en-US" sz="1600" dirty="0" err="1"/>
-              <a:t>만듬</a:t>
+              <a:t>돔의 크기 </a:t>
             </a:r>
             <a:r>
               <a:rPr lang="en-US" altLang="ko-KR" sz="1600" dirty="0"/>
-              <a:t>.</a:t>
-            </a:r>
+              <a:t>: 3000m * 3000m</a:t>
+            </a:r>
+          </a:p>
+          <a:p>
+            <a:endParaRPr lang="en-US" altLang="ko-KR" sz="1600" dirty="0"/>
           </a:p>
           <a:p>
             <a:r>
               <a:rPr lang="ko-KR" altLang="en-US" sz="1600" dirty="0"/>
-              <a:t>돔 내부는 특수기술로 공기 청정이 이루어지고 있다</a:t>
+              <a:t>자원의 종류 </a:t>
             </a:r>
             <a:r>
               <a:rPr lang="en-US" altLang="ko-KR" sz="1600" dirty="0"/>
-              <a:t>.</a:t>
-            </a:r>
-          </a:p>
-          <a:p>
+              <a:t>:</a:t>
+            </a:r>
+          </a:p>
+          <a:p>
+            <a:pPr marL="342900" indent="-342900">
+              <a:buAutoNum type="arabicPeriod"/>
+            </a:pPr>
+            <a:r>
+              <a:rPr lang="ko-KR" altLang="en-US" sz="1600" dirty="0"/>
+              <a:t>안전장치 </a:t>
+            </a:r>
+            <a:r>
+              <a:rPr lang="en-US" altLang="ko-KR" sz="1600" dirty="0"/>
+              <a:t>: </a:t>
+            </a:r>
+            <a:r>
+              <a:rPr lang="ko-KR" altLang="en-US" sz="1600" dirty="0"/>
+              <a:t>마스크 </a:t>
+            </a:r>
+            <a:r>
+              <a:rPr lang="en-US" altLang="ko-KR" sz="1600" dirty="0"/>
+              <a:t>(</a:t>
+            </a:r>
+            <a:r>
+              <a:rPr lang="ko-KR" altLang="en-US" sz="1600" dirty="0"/>
+              <a:t>구하기 쉬운 대신 내구도와 정화도 낮음</a:t>
+            </a:r>
+            <a:r>
+              <a:rPr lang="en-US" altLang="ko-KR" sz="1600" dirty="0"/>
+              <a:t>), </a:t>
+            </a:r>
+            <a:r>
+              <a:rPr lang="ko-KR" altLang="en-US" sz="1600" dirty="0"/>
+              <a:t>방독면</a:t>
+            </a:r>
+            <a:r>
+              <a:rPr lang="en-US" altLang="ko-KR" sz="1600" dirty="0"/>
+              <a:t>(</a:t>
+            </a:r>
+            <a:r>
+              <a:rPr lang="ko-KR" altLang="en-US" sz="1600" dirty="0"/>
+              <a:t>무거워서 이동에 제약이 생김</a:t>
+            </a:r>
+            <a:r>
+              <a:rPr lang="en-US" altLang="ko-KR" sz="1600" dirty="0"/>
+              <a:t>)</a:t>
+            </a:r>
+          </a:p>
+          <a:p>
+            <a:pPr marL="342900" indent="-342900">
+              <a:buAutoNum type="arabicPeriod"/>
+            </a:pPr>
+            <a:r>
+              <a:rPr lang="ko-KR" altLang="en-US" sz="1600" dirty="0"/>
+              <a:t>음식 </a:t>
+            </a:r>
+            <a:r>
+              <a:rPr lang="en-US" altLang="ko-KR" sz="1600" dirty="0"/>
+              <a:t>(</a:t>
+            </a:r>
+            <a:r>
+              <a:rPr lang="ko-KR" altLang="en-US" sz="1600" dirty="0"/>
+              <a:t>먼지에 내성이 생긴 진화된 동</a:t>
+            </a:r>
+            <a:r>
+              <a:rPr lang="en-US" altLang="ko-KR" sz="1600" dirty="0"/>
+              <a:t>,</a:t>
+            </a:r>
+            <a:r>
+              <a:rPr lang="ko-KR" altLang="en-US" sz="1600" dirty="0"/>
+              <a:t>식물</a:t>
+            </a:r>
+            <a:r>
+              <a:rPr lang="en-US" altLang="ko-KR" sz="1600" dirty="0"/>
+              <a:t>)</a:t>
+            </a:r>
+          </a:p>
+          <a:p>
+            <a:pPr marL="342900" indent="-342900">
+              <a:buAutoNum type="arabicPeriod"/>
+            </a:pPr>
+            <a:r>
+              <a:rPr lang="ko-KR" altLang="en-US" sz="1600" dirty="0"/>
+              <a:t>물 </a:t>
+            </a:r>
+            <a:r>
+              <a:rPr lang="en-US" altLang="ko-KR" sz="1600" dirty="0"/>
+              <a:t>(</a:t>
+            </a:r>
+            <a:r>
+              <a:rPr lang="ko-KR" altLang="en-US" sz="1600" dirty="0"/>
+              <a:t>기술 발전의 정도에 따라 먼지 오염도가 낮은 물을 얻을 수 있음</a:t>
+            </a:r>
+            <a:r>
+              <a:rPr lang="en-US" altLang="ko-KR" sz="1600" dirty="0"/>
+              <a:t>)</a:t>
+            </a:r>
+          </a:p>
+          <a:p>
+            <a:pPr marL="342900" indent="-342900">
+              <a:buAutoNum type="arabicPeriod"/>
+            </a:pPr>
+            <a:r>
+              <a:rPr lang="ko-KR" altLang="en-US" sz="1600" dirty="0"/>
+              <a:t>나무</a:t>
+            </a:r>
+            <a:r>
+              <a:rPr lang="en-US" altLang="ko-KR" sz="1600" dirty="0"/>
+              <a:t>, </a:t>
+            </a:r>
+            <a:r>
+              <a:rPr lang="ko-KR" altLang="en-US" sz="1600" dirty="0"/>
+              <a:t>돌</a:t>
+            </a:r>
+            <a:r>
+              <a:rPr lang="en-US" altLang="ko-KR" sz="1600" dirty="0"/>
+              <a:t>, </a:t>
+            </a:r>
+            <a:r>
+              <a:rPr lang="ko-KR" altLang="en-US" sz="1600" dirty="0"/>
+              <a:t>철기</a:t>
+            </a:r>
+            <a:r>
+              <a:rPr lang="en-US" altLang="ko-KR" sz="1600" dirty="0"/>
+              <a:t>, </a:t>
+            </a:r>
+            <a:r>
+              <a:rPr lang="ko-KR" altLang="en-US" sz="1600" dirty="0"/>
+              <a:t>의료기구</a:t>
+            </a:r>
             <a:endParaRPr lang="en-US" altLang="ko-KR" sz="1600" dirty="0"/>
           </a:p>
           <a:p>
+            <a:pPr marL="342900" indent="-342900">
+              <a:buAutoNum type="arabicPeriod"/>
+            </a:pPr>
+            <a:endParaRPr lang="en-US" altLang="ko-KR" sz="1600" dirty="0"/>
+          </a:p>
+          <a:p>
             <a:r>
               <a:rPr lang="ko-KR" altLang="en-US" sz="1600" dirty="0"/>
-              <a:t>돔 </a:t>
+              <a:t>플레이어의 행동 종류 </a:t>
             </a:r>
             <a:r>
               <a:rPr lang="en-US" altLang="ko-KR" sz="1600" dirty="0"/>
-              <a:t>:: </a:t>
+              <a:t>: </a:t>
             </a:r>
             <a:r>
               <a:rPr lang="ko-KR" altLang="en-US" sz="1600" dirty="0"/>
-              <a:t>스폰지밥에 </a:t>
-            </a:r>
-            <a:r>
-              <a:rPr lang="ko-KR" altLang="en-US" sz="1600" dirty="0" err="1"/>
-              <a:t>다람이</a:t>
+              <a:t>공격</a:t>
+            </a:r>
+            <a:r>
+              <a:rPr lang="en-US" altLang="ko-KR" sz="1600" dirty="0"/>
+              <a:t>, </a:t>
             </a:r>
             <a:r>
               <a:rPr lang="ko-KR" altLang="en-US" sz="1600" dirty="0"/>
-              <a:t> 집처럼 되어있음</a:t>
+              <a:t>줍기</a:t>
             </a:r>
             <a:r>
               <a:rPr lang="en-US" altLang="ko-KR" sz="1600" dirty="0"/>
-              <a:t>.</a:t>
-            </a:r>
-          </a:p>
-          <a:p>
+              <a:t>, </a:t>
+            </a:r>
             <a:r>
               <a:rPr lang="ko-KR" altLang="en-US" sz="1600" dirty="0"/>
-              <a:t>돔은 부서지지 않는다</a:t>
-            </a:r>
+              <a:t>간단한 제작</a:t>
+            </a:r>
+            <a:r>
+              <a:rPr lang="en-US" altLang="ko-KR" sz="1600" dirty="0"/>
+              <a:t>, </a:t>
+            </a:r>
+            <a:r>
+              <a:rPr lang="ko-KR" altLang="en-US" sz="1600" dirty="0"/>
+              <a:t>걷기</a:t>
+            </a:r>
+            <a:r>
+              <a:rPr lang="en-US" altLang="ko-KR" sz="1600" dirty="0"/>
+              <a:t>, </a:t>
+            </a:r>
+            <a:r>
+              <a:rPr lang="ko-KR" altLang="en-US" sz="1600" dirty="0"/>
+              <a:t>뛰기</a:t>
+            </a:r>
+            <a:r>
+              <a:rPr lang="en-US" altLang="ko-KR" sz="1600" dirty="0"/>
+              <a:t>.. </a:t>
+            </a:r>
+            <a:r>
+              <a:rPr lang="ko-KR" altLang="en-US" sz="1600" dirty="0"/>
+              <a:t>등</a:t>
+            </a:r>
+            <a:r>
+              <a:rPr lang="en-US" altLang="ko-KR" sz="1600" dirty="0"/>
+              <a:t> </a:t>
+            </a:r>
+          </a:p>
+          <a:p>
             <a:endParaRPr lang="en-US" altLang="ko-KR" sz="1600" dirty="0"/>
           </a:p>
           <a:p>
@@ -6191,7 +6613,7 @@
     </p:spTree>
     <p:extLst>
       <p:ext uri="{BB962C8B-B14F-4D97-AF65-F5344CB8AC3E}">
-        <p14:creationId xmlns:p14="http://schemas.microsoft.com/office/powerpoint/2010/main" val="4230179416"/>
+        <p14:creationId xmlns:p14="http://schemas.microsoft.com/office/powerpoint/2010/main" val="3599806928"/>
       </p:ext>
     </p:extLst>
   </p:cSld>
@@ -6220,10 +6642,217 @@
       </p:grpSpPr>
       <p:sp>
         <p:nvSpPr>
-          <p:cNvPr id="5" name="TextBox 4">
-            <a:extLst>
-              <a:ext uri="{FF2B5EF4-FFF2-40B4-BE49-F238E27FC236}">
-                <a16:creationId xmlns:a16="http://schemas.microsoft.com/office/drawing/2014/main" id="{8D548C6D-FA41-4DFC-9A7D-AF57B6DF1031}"/>
+          <p:cNvPr id="6" name="텍스트 개체 틀 2">
+            <a:extLst>
+              <a:ext uri="{FF2B5EF4-FFF2-40B4-BE49-F238E27FC236}">
+                <a16:creationId xmlns:a16="http://schemas.microsoft.com/office/drawing/2014/main" id="{C4A5C19D-66F2-4BB0-AB4B-3311175ECED7}"/>
+              </a:ext>
+            </a:extLst>
+          </p:cNvPr>
+          <p:cNvSpPr txBox="1">
+            <a:spLocks/>
+          </p:cNvSpPr>
+          <p:nvPr/>
+        </p:nvSpPr>
+        <p:spPr>
+          <a:xfrm>
+            <a:off x="996549" y="849814"/>
+            <a:ext cx="4196376" cy="375615"/>
+          </a:xfrm>
+          <a:prstGeom prst="rect">
+            <a:avLst/>
+          </a:prstGeom>
+        </p:spPr>
+        <p:txBody>
+          <a:bodyPr/>
+          <a:lstStyle>
+            <a:lvl1pPr marL="228600" indent="-228600" algn="l" defTabSz="914400" rtl="0" eaLnBrk="1" latinLnBrk="1" hangingPunct="1">
+              <a:lnSpc>
+                <a:spcPct val="90000"/>
+              </a:lnSpc>
+              <a:spcBef>
+                <a:spcPts val="1000"/>
+              </a:spcBef>
+              <a:buFont typeface="Arial" panose="020B0604020202020204" pitchFamily="34" charset="0"/>
+              <a:buChar char="•"/>
+              <a:defRPr sz="2800" kern="1200">
+                <a:solidFill>
+                  <a:schemeClr val="tx1"/>
+                </a:solidFill>
+                <a:latin typeface="+mn-lt"/>
+                <a:ea typeface="+mn-ea"/>
+                <a:cs typeface="+mn-cs"/>
+              </a:defRPr>
+            </a:lvl1pPr>
+            <a:lvl2pPr marL="685800" indent="-228600" algn="l" defTabSz="914400" rtl="0" eaLnBrk="1" latinLnBrk="1" hangingPunct="1">
+              <a:lnSpc>
+                <a:spcPct val="90000"/>
+              </a:lnSpc>
+              <a:spcBef>
+                <a:spcPts val="500"/>
+              </a:spcBef>
+              <a:buFont typeface="Arial" panose="020B0604020202020204" pitchFamily="34" charset="0"/>
+              <a:buChar char="•"/>
+              <a:defRPr sz="2400" kern="1200">
+                <a:solidFill>
+                  <a:schemeClr val="tx1"/>
+                </a:solidFill>
+                <a:latin typeface="+mn-lt"/>
+                <a:ea typeface="+mn-ea"/>
+                <a:cs typeface="+mn-cs"/>
+              </a:defRPr>
+            </a:lvl2pPr>
+            <a:lvl3pPr marL="1143000" indent="-228600" algn="l" defTabSz="914400" rtl="0" eaLnBrk="1" latinLnBrk="1" hangingPunct="1">
+              <a:lnSpc>
+                <a:spcPct val="90000"/>
+              </a:lnSpc>
+              <a:spcBef>
+                <a:spcPts val="500"/>
+              </a:spcBef>
+              <a:buFont typeface="Arial" panose="020B0604020202020204" pitchFamily="34" charset="0"/>
+              <a:buChar char="•"/>
+              <a:defRPr sz="2000" kern="1200">
+                <a:solidFill>
+                  <a:schemeClr val="tx1"/>
+                </a:solidFill>
+                <a:latin typeface="+mn-lt"/>
+                <a:ea typeface="+mn-ea"/>
+                <a:cs typeface="+mn-cs"/>
+              </a:defRPr>
+            </a:lvl3pPr>
+            <a:lvl4pPr marL="1600200" indent="-228600" algn="l" defTabSz="914400" rtl="0" eaLnBrk="1" latinLnBrk="1" hangingPunct="1">
+              <a:lnSpc>
+                <a:spcPct val="90000"/>
+              </a:lnSpc>
+              <a:spcBef>
+                <a:spcPts val="500"/>
+              </a:spcBef>
+              <a:buFont typeface="Arial" panose="020B0604020202020204" pitchFamily="34" charset="0"/>
+              <a:buChar char="•"/>
+              <a:defRPr sz="1800" kern="1200">
+                <a:solidFill>
+                  <a:schemeClr val="tx1"/>
+                </a:solidFill>
+                <a:latin typeface="+mn-lt"/>
+                <a:ea typeface="+mn-ea"/>
+                <a:cs typeface="+mn-cs"/>
+              </a:defRPr>
+            </a:lvl4pPr>
+            <a:lvl5pPr marL="2057400" indent="-228600" algn="l" defTabSz="914400" rtl="0" eaLnBrk="1" latinLnBrk="1" hangingPunct="1">
+              <a:lnSpc>
+                <a:spcPct val="90000"/>
+              </a:lnSpc>
+              <a:spcBef>
+                <a:spcPts val="500"/>
+              </a:spcBef>
+              <a:buFont typeface="Arial" panose="020B0604020202020204" pitchFamily="34" charset="0"/>
+              <a:buChar char="•"/>
+              <a:defRPr sz="1800" kern="1200">
+                <a:solidFill>
+                  <a:schemeClr val="tx1"/>
+                </a:solidFill>
+                <a:latin typeface="+mn-lt"/>
+                <a:ea typeface="+mn-ea"/>
+                <a:cs typeface="+mn-cs"/>
+              </a:defRPr>
+            </a:lvl5pPr>
+            <a:lvl6pPr marL="2514600" indent="-228600" algn="l" defTabSz="914400" rtl="0" eaLnBrk="1" latinLnBrk="1" hangingPunct="1">
+              <a:lnSpc>
+                <a:spcPct val="90000"/>
+              </a:lnSpc>
+              <a:spcBef>
+                <a:spcPts val="500"/>
+              </a:spcBef>
+              <a:buFont typeface="Arial" panose="020B0604020202020204" pitchFamily="34" charset="0"/>
+              <a:buChar char="•"/>
+              <a:defRPr sz="1800" kern="1200">
+                <a:solidFill>
+                  <a:schemeClr val="tx1"/>
+                </a:solidFill>
+                <a:latin typeface="+mn-lt"/>
+                <a:ea typeface="+mn-ea"/>
+                <a:cs typeface="+mn-cs"/>
+              </a:defRPr>
+            </a:lvl6pPr>
+            <a:lvl7pPr marL="2971800" indent="-228600" algn="l" defTabSz="914400" rtl="0" eaLnBrk="1" latinLnBrk="1" hangingPunct="1">
+              <a:lnSpc>
+                <a:spcPct val="90000"/>
+              </a:lnSpc>
+              <a:spcBef>
+                <a:spcPts val="500"/>
+              </a:spcBef>
+              <a:buFont typeface="Arial" panose="020B0604020202020204" pitchFamily="34" charset="0"/>
+              <a:buChar char="•"/>
+              <a:defRPr sz="1800" kern="1200">
+                <a:solidFill>
+                  <a:schemeClr val="tx1"/>
+                </a:solidFill>
+                <a:latin typeface="+mn-lt"/>
+                <a:ea typeface="+mn-ea"/>
+                <a:cs typeface="+mn-cs"/>
+              </a:defRPr>
+            </a:lvl7pPr>
+            <a:lvl8pPr marL="3429000" indent="-228600" algn="l" defTabSz="914400" rtl="0" eaLnBrk="1" latinLnBrk="1" hangingPunct="1">
+              <a:lnSpc>
+                <a:spcPct val="90000"/>
+              </a:lnSpc>
+              <a:spcBef>
+                <a:spcPts val="500"/>
+              </a:spcBef>
+              <a:buFont typeface="Arial" panose="020B0604020202020204" pitchFamily="34" charset="0"/>
+              <a:buChar char="•"/>
+              <a:defRPr sz="1800" kern="1200">
+                <a:solidFill>
+                  <a:schemeClr val="tx1"/>
+                </a:solidFill>
+                <a:latin typeface="+mn-lt"/>
+                <a:ea typeface="+mn-ea"/>
+                <a:cs typeface="+mn-cs"/>
+              </a:defRPr>
+            </a:lvl8pPr>
+            <a:lvl9pPr marL="3886200" indent="-228600" algn="l" defTabSz="914400" rtl="0" eaLnBrk="1" latinLnBrk="1" hangingPunct="1">
+              <a:lnSpc>
+                <a:spcPct val="90000"/>
+              </a:lnSpc>
+              <a:spcBef>
+                <a:spcPts val="500"/>
+              </a:spcBef>
+              <a:buFont typeface="Arial" panose="020B0604020202020204" pitchFamily="34" charset="0"/>
+              <a:buChar char="•"/>
+              <a:defRPr sz="1800" kern="1200">
+                <a:solidFill>
+                  <a:schemeClr val="tx1"/>
+                </a:solidFill>
+                <a:latin typeface="+mn-lt"/>
+                <a:ea typeface="+mn-ea"/>
+                <a:cs typeface="+mn-cs"/>
+              </a:defRPr>
+            </a:lvl9pPr>
+          </a:lstStyle>
+          <a:p>
+            <a:pPr marL="0" indent="0">
+              <a:buNone/>
+            </a:pPr>
+            <a:r>
+              <a:rPr lang="ko-KR" altLang="en-US" sz="2400" b="1" dirty="0">
+                <a:solidFill>
+                  <a:schemeClr val="tx1">
+                    <a:lumMod val="85000"/>
+                    <a:lumOff val="15000"/>
+                  </a:schemeClr>
+                </a:solidFill>
+              </a:rPr>
+              <a:t>기존 게임과의 차이점</a:t>
+            </a:r>
+          </a:p>
+        </p:txBody>
+      </p:sp>
+      <p:sp>
+        <p:nvSpPr>
+          <p:cNvPr id="2" name="TextBox 1">
+            <a:extLst>
+              <a:ext uri="{FF2B5EF4-FFF2-40B4-BE49-F238E27FC236}">
+                <a16:creationId xmlns:a16="http://schemas.microsoft.com/office/drawing/2014/main" id="{54067028-7029-4E3A-84F4-05E232532536}"/>
               </a:ext>
             </a:extLst>
           </p:cNvPr>
@@ -6232,8 +6861,8 @@
         </p:nvSpPr>
         <p:spPr>
           <a:xfrm>
-            <a:off x="1008052" y="1153789"/>
-            <a:ext cx="11339676" cy="3908762"/>
+            <a:off x="1355203" y="1674674"/>
+            <a:ext cx="10350911" cy="3200876"/>
           </a:xfrm>
           <a:prstGeom prst="rect">
             <a:avLst/>
@@ -6241,619 +6870,166 @@
           <a:noFill/>
         </p:spPr>
         <p:txBody>
-          <a:bodyPr wrap="square" rtlCol="0">
+          <a:bodyPr wrap="none" rtlCol="0">
             <a:spAutoFit/>
           </a:bodyPr>
           <a:lstStyle/>
           <a:p>
             <a:r>
-              <a:rPr lang="ko-KR" altLang="en-US" sz="2400" b="1" dirty="0"/>
-              <a:t>게임 </a:t>
-            </a:r>
-            <a:r>
-              <a:rPr lang="en-US" altLang="ko-KR" sz="2400" b="1" dirty="0"/>
-              <a:t>info</a:t>
-            </a:r>
-          </a:p>
-          <a:p>
-            <a:endParaRPr lang="en-US" altLang="ko-KR" sz="1600" dirty="0"/>
-          </a:p>
-          <a:p>
+              <a:rPr lang="ko-KR" altLang="en-US" b="1" dirty="0"/>
+              <a:t>배경 스토리를 </a:t>
+            </a:r>
+            <a:r>
+              <a:rPr lang="en-US" altLang="ko-KR" b="1" dirty="0"/>
+              <a:t>‘</a:t>
+            </a:r>
+            <a:r>
+              <a:rPr lang="ko-KR" altLang="en-US" b="1" dirty="0"/>
+              <a:t>미세먼지</a:t>
+            </a:r>
+            <a:r>
+              <a:rPr lang="en-US" altLang="ko-KR" b="1" dirty="0"/>
+              <a:t>’</a:t>
+            </a:r>
+            <a:r>
+              <a:rPr lang="ko-KR" altLang="en-US" b="1" dirty="0"/>
+              <a:t>로 설정한 이유</a:t>
+            </a:r>
+            <a:endParaRPr lang="en-US" altLang="ko-KR" b="1" dirty="0"/>
+          </a:p>
+          <a:p>
+            <a:endParaRPr lang="en-US" altLang="ko-KR" b="1" dirty="0"/>
+          </a:p>
+          <a:p>
+            <a:pPr marL="285750" indent="-285750">
+              <a:buFontTx/>
+              <a:buChar char="-"/>
+            </a:pPr>
+            <a:r>
+              <a:rPr lang="ko-KR" altLang="en-US" sz="1600" dirty="0"/>
+              <a:t>현실에 가까이 있는 문제점이고 내년에도 충분히 대두 될 수 있는 문제이기 때문이다</a:t>
+            </a:r>
             <a:r>
               <a:rPr lang="en-US" altLang="ko-KR" sz="1600" dirty="0"/>
-              <a:t>(1</a:t>
-            </a:r>
+              <a:t>.</a:t>
+            </a:r>
+          </a:p>
+          <a:p>
+            <a:pPr marL="285750" indent="-285750">
+              <a:buFontTx/>
+              <a:buChar char="-"/>
+            </a:pPr>
             <a:r>
               <a:rPr lang="ko-KR" altLang="en-US" sz="1600" dirty="0"/>
-              <a:t>인칭 </a:t>
+              <a:t>미세먼지의 위험성을 알리기 위함</a:t>
             </a:r>
             <a:r>
               <a:rPr lang="en-US" altLang="ko-KR" sz="1600" dirty="0"/>
-              <a:t>/ </a:t>
+              <a:t>. </a:t>
+            </a:r>
+          </a:p>
+          <a:p>
+            <a:r>
+              <a:rPr lang="en-US" altLang="ko-KR" sz="1600" dirty="0"/>
+              <a:t>( </a:t>
             </a:r>
             <a:r>
               <a:rPr lang="ko-KR" altLang="en-US" sz="1600" dirty="0"/>
-              <a:t>전지적</a:t>
+              <a:t>사람들이 위험하다는 것은 알지만</a:t>
+            </a:r>
+            <a:r>
+              <a:rPr lang="en-US" altLang="ko-KR" sz="1600" dirty="0"/>
+              <a:t>,</a:t>
+            </a:r>
+            <a:r>
+              <a:rPr lang="ko-KR" altLang="en-US" sz="1600" dirty="0"/>
+              <a:t> 미세먼지에 대해 크게 와 닿지는 않음 </a:t>
             </a:r>
             <a:r>
               <a:rPr lang="en-US" altLang="ko-KR" sz="1600" dirty="0"/>
               <a:t>)</a:t>
             </a:r>
+          </a:p>
+          <a:p>
+            <a:pPr marL="285750" indent="-285750">
+              <a:buFontTx/>
+              <a:buChar char="-"/>
+            </a:pPr>
+            <a:endParaRPr lang="en-US" altLang="ko-KR" dirty="0"/>
+          </a:p>
+          <a:p>
+            <a:r>
+              <a:rPr lang="ko-KR" altLang="en-US" b="1" dirty="0"/>
+              <a:t>협동</a:t>
+            </a:r>
+            <a:r>
+              <a:rPr lang="en-US" altLang="ko-KR" b="1" dirty="0"/>
+              <a:t>/</a:t>
+            </a:r>
+            <a:r>
+              <a:rPr lang="ko-KR" altLang="en-US" b="1" dirty="0"/>
+              <a:t>생존 게임을 선정한 이유</a:t>
+            </a:r>
+            <a:endParaRPr lang="en-US" altLang="ko-KR" b="1" dirty="0"/>
+          </a:p>
+          <a:p>
+            <a:endParaRPr lang="en-US" altLang="ko-KR" b="1" dirty="0"/>
+          </a:p>
+          <a:p>
+            <a:pPr marL="285750" indent="-285750">
+              <a:buFontTx/>
+              <a:buChar char="-"/>
+            </a:pPr>
             <a:r>
               <a:rPr lang="ko-KR" altLang="en-US" sz="1600" dirty="0"/>
-              <a:t> 시점</a:t>
+              <a:t>생존 게임이 게임 배경과 사용자의 직접적인 경험에 영향을 주기 적합하다고 생각했기 때문이다</a:t>
+            </a:r>
+            <a:r>
+              <a:rPr lang="en-US" altLang="ko-KR" sz="1600" dirty="0"/>
+              <a:t>.</a:t>
+            </a:r>
+          </a:p>
+          <a:p>
+            <a:pPr marL="285750" indent="-285750">
+              <a:buFontTx/>
+              <a:buChar char="-"/>
+            </a:pPr>
+            <a:r>
+              <a:rPr lang="ko-KR" altLang="en-US" sz="1600" dirty="0"/>
+              <a:t>게임의 최종 목표가 미세 먼지가 해결되는 것이기 때문에 경쟁이 아닌 협동으로 멀티 플레이 요소를 넣었다</a:t>
+            </a:r>
+            <a:r>
+              <a:rPr lang="en-US" altLang="ko-KR" sz="1600" dirty="0"/>
+              <a:t>.</a:t>
+            </a:r>
+          </a:p>
+          <a:p>
+            <a:r>
+              <a:rPr lang="en-US" altLang="ko-KR" sz="1600" dirty="0"/>
+              <a:t>( </a:t>
+            </a:r>
+            <a:r>
+              <a:rPr lang="ko-KR" altLang="en-US" sz="1600" dirty="0"/>
+              <a:t>게임을 즐겁게 하는 요소 중 하나가 다른 사람과 함께 플레이하는 것이라고 생각되었기 때문에 </a:t>
             </a:r>
             <a:endParaRPr lang="en-US" altLang="ko-KR" sz="1600" dirty="0"/>
           </a:p>
           <a:p>
             <a:r>
               <a:rPr lang="ko-KR" altLang="en-US" sz="1600" dirty="0"/>
-              <a:t>플레이어 하나로 게임</a:t>
-            </a:r>
-            <a:endParaRPr lang="en-US" altLang="ko-KR" sz="1600" dirty="0"/>
-          </a:p>
-          <a:p>
-            <a:endParaRPr lang="en-US" altLang="ko-KR" sz="1600" dirty="0"/>
-          </a:p>
-          <a:p>
-            <a:r>
-              <a:rPr lang="ko-KR" altLang="en-US" sz="1600" dirty="0"/>
-              <a:t>안전장치 </a:t>
-            </a:r>
-            <a:r>
-              <a:rPr lang="en-US" altLang="ko-KR" sz="1600" dirty="0"/>
-              <a:t>: </a:t>
-            </a:r>
-            <a:r>
-              <a:rPr lang="ko-KR" altLang="en-US" sz="1600" dirty="0"/>
-              <a:t>마스크</a:t>
-            </a:r>
-            <a:r>
-              <a:rPr lang="en-US" altLang="ko-KR" sz="1600" dirty="0"/>
-              <a:t>(</a:t>
-            </a:r>
-            <a:r>
-              <a:rPr lang="ko-KR" altLang="en-US" sz="1600" dirty="0"/>
-              <a:t>구하기 </a:t>
-            </a:r>
-            <a:r>
-              <a:rPr lang="ko-KR" altLang="en-US" sz="1600" dirty="0" err="1"/>
-              <a:t>쉬운대신</a:t>
-            </a:r>
-            <a:r>
-              <a:rPr lang="en-US" altLang="ko-KR" sz="1600" dirty="0"/>
-              <a:t>, </a:t>
-            </a:r>
-            <a:r>
-              <a:rPr lang="ko-KR" altLang="en-US" sz="1600" dirty="0"/>
-              <a:t>오래 못쓰고</a:t>
-            </a:r>
-            <a:r>
-              <a:rPr lang="en-US" altLang="ko-KR" sz="1600" dirty="0"/>
-              <a:t>, </a:t>
-            </a:r>
-            <a:r>
-              <a:rPr lang="ko-KR" altLang="en-US" sz="1600" dirty="0"/>
-              <a:t>정화효과가 낮다</a:t>
-            </a:r>
-            <a:r>
-              <a:rPr lang="en-US" altLang="ko-KR" sz="1600" dirty="0"/>
-              <a:t>), </a:t>
-            </a:r>
-          </a:p>
-          <a:p>
-            <a:r>
-              <a:rPr lang="en-US" altLang="ko-KR" sz="1600" dirty="0"/>
-              <a:t>	</a:t>
-            </a:r>
-            <a:r>
-              <a:rPr lang="ko-KR" altLang="en-US" sz="1600" dirty="0"/>
-              <a:t>방독면</a:t>
-            </a:r>
-            <a:r>
-              <a:rPr lang="en-US" altLang="ko-KR" sz="1600" dirty="0"/>
-              <a:t>(</a:t>
-            </a:r>
-            <a:r>
-              <a:rPr lang="ko-KR" altLang="en-US" sz="1600" dirty="0"/>
-              <a:t>무거워서 이동 제약</a:t>
+              <a:t>멀티 플레이를 꼭 게임에 넣고 싶었음 </a:t>
             </a:r>
             <a:r>
               <a:rPr lang="en-US" altLang="ko-KR" sz="1600" dirty="0"/>
               <a:t>)</a:t>
             </a:r>
-          </a:p>
-          <a:p>
-            <a:endParaRPr lang="en-US" altLang="ko-KR" sz="1600" dirty="0"/>
-          </a:p>
-          <a:p>
-            <a:r>
-              <a:rPr lang="ko-KR" altLang="en-US" sz="1600" dirty="0"/>
-              <a:t>돔 밖으로 나가는 이유 </a:t>
-            </a:r>
-            <a:r>
-              <a:rPr lang="en-US" altLang="ko-KR" sz="1600" dirty="0"/>
-              <a:t>- </a:t>
-            </a:r>
-            <a:r>
-              <a:rPr lang="ko-KR" altLang="en-US" sz="1600" dirty="0"/>
-              <a:t>사람들 구조하고</a:t>
-            </a:r>
-            <a:r>
-              <a:rPr lang="en-US" altLang="ko-KR" sz="1600" dirty="0"/>
-              <a:t>, </a:t>
-            </a:r>
-            <a:r>
-              <a:rPr lang="ko-KR" altLang="en-US" sz="1600" dirty="0"/>
-              <a:t>음식</a:t>
-            </a:r>
-            <a:r>
-              <a:rPr lang="en-US" altLang="ko-KR" sz="1600" dirty="0"/>
-              <a:t>, </a:t>
-            </a:r>
-            <a:r>
-              <a:rPr lang="ko-KR" altLang="en-US" sz="1600" dirty="0"/>
-              <a:t>물품 같은 것을 구하기 위해서</a:t>
-            </a:r>
-            <a:r>
-              <a:rPr lang="en-US" altLang="ko-KR" sz="1600" dirty="0"/>
-              <a:t>.</a:t>
-            </a:r>
-          </a:p>
-          <a:p>
-            <a:r>
-              <a:rPr lang="en-US" altLang="ko-KR" sz="1600" dirty="0"/>
-              <a:t>		</a:t>
-            </a:r>
-            <a:r>
-              <a:rPr lang="ko-KR" altLang="en-US" sz="1600" dirty="0"/>
-              <a:t>사람들이 많아질 수록 음식을 더 많이 구해와야 하고</a:t>
-            </a:r>
-            <a:r>
-              <a:rPr lang="en-US" altLang="ko-KR" sz="1600" dirty="0"/>
-              <a:t> </a:t>
-            </a:r>
-            <a:r>
-              <a:rPr lang="ko-KR" altLang="en-US" sz="1600" dirty="0"/>
-              <a:t>사람이 많아야 기술 개발이 빨라진다</a:t>
-            </a:r>
-            <a:r>
-              <a:rPr lang="en-US" altLang="ko-KR" sz="1600" dirty="0"/>
-              <a:t>.</a:t>
-            </a:r>
-          </a:p>
-          <a:p>
-            <a:r>
-              <a:rPr lang="en-US" altLang="ko-KR" sz="1600" dirty="0"/>
-              <a:t>		</a:t>
-            </a:r>
-            <a:r>
-              <a:rPr lang="ko-KR" altLang="en-US" sz="1600" dirty="0"/>
-              <a:t>인구 적어지면 기술 개발이 멈춤</a:t>
-            </a:r>
-            <a:r>
-              <a:rPr lang="en-US" altLang="ko-KR" sz="1600" dirty="0"/>
-              <a:t> </a:t>
-            </a:r>
-            <a:r>
-              <a:rPr lang="ko-KR" altLang="en-US" sz="1600" dirty="0"/>
-              <a:t>구조된 사람들 중에 연구원이 있으면 개발이 빨라진다</a:t>
-            </a:r>
-            <a:r>
-              <a:rPr lang="en-US" altLang="ko-KR" sz="1600" dirty="0"/>
-              <a:t>.</a:t>
-            </a:r>
-          </a:p>
-          <a:p>
-            <a:r>
-              <a:rPr lang="en-US" altLang="ko-KR" sz="1600" dirty="0"/>
-              <a:t>		</a:t>
-            </a:r>
-            <a:r>
-              <a:rPr lang="ko-KR" altLang="en-US" sz="1600" dirty="0"/>
-              <a:t>시간이 갈 수록 먹을 것 구하기 </a:t>
-            </a:r>
-            <a:r>
-              <a:rPr lang="ko-KR" altLang="en-US" sz="1600" dirty="0" err="1"/>
-              <a:t>힘들어짐</a:t>
-            </a:r>
-            <a:r>
-              <a:rPr lang="en-US" altLang="ko-KR" sz="1600" dirty="0"/>
-              <a:t>.</a:t>
-            </a:r>
-          </a:p>
-          <a:p>
-            <a:r>
-              <a:rPr lang="en-US" altLang="ko-KR" sz="1600" dirty="0"/>
-              <a:t>		</a:t>
-            </a:r>
-            <a:r>
-              <a:rPr lang="ko-KR" altLang="en-US" sz="1600" dirty="0"/>
-              <a:t>기술 개발 목적 </a:t>
-            </a:r>
-            <a:r>
-              <a:rPr lang="en-US" altLang="ko-KR" sz="1600" dirty="0"/>
-              <a:t>: </a:t>
-            </a:r>
-            <a:r>
-              <a:rPr lang="ko-KR" altLang="en-US" sz="1600" dirty="0"/>
-              <a:t>인공 구름</a:t>
-            </a:r>
-            <a:r>
-              <a:rPr lang="en-US" altLang="ko-KR" sz="1600" dirty="0"/>
-              <a:t>(ending)</a:t>
-            </a:r>
-          </a:p>
-          <a:p>
-            <a:endParaRPr lang="en-US" altLang="ko-KR" sz="1600" dirty="0"/>
-          </a:p>
-          <a:p>
-            <a:endParaRPr lang="en-US" altLang="ko-KR" sz="1600" dirty="0"/>
           </a:p>
         </p:txBody>
       </p:sp>
     </p:spTree>
     <p:extLst>
       <p:ext uri="{BB962C8B-B14F-4D97-AF65-F5344CB8AC3E}">
-        <p14:creationId xmlns:p14="http://schemas.microsoft.com/office/powerpoint/2010/main" val="3599806928"/>
-      </p:ext>
-    </p:extLst>
-  </p:cSld>
-  <p:clrMapOvr>
-    <a:masterClrMapping/>
-  </p:clrMapOvr>
-</p:sld>
-</file>
-
-<file path=ppt/slides/slide7.xml><?xml version="1.0" encoding="utf-8"?>
-<p:sld xmlns:a="http://schemas.openxmlformats.org/drawingml/2006/main" xmlns:r="http://schemas.openxmlformats.org/officeDocument/2006/relationships" xmlns:p="http://schemas.openxmlformats.org/presentationml/2006/main">
-  <p:cSld>
-    <p:spTree>
-      <p:nvGrpSpPr>
-        <p:cNvPr id="1" name=""/>
-        <p:cNvGrpSpPr/>
-        <p:nvPr/>
-      </p:nvGrpSpPr>
-      <p:grpSpPr>
-        <a:xfrm>
-          <a:off x="0" y="0"/>
-          <a:ext cx="0" cy="0"/>
-          <a:chOff x="0" y="0"/>
-          <a:chExt cx="0" cy="0"/>
-        </a:xfrm>
-      </p:grpSpPr>
-      <p:sp>
-        <p:nvSpPr>
-          <p:cNvPr id="2" name="TextBox 1">
-            <a:extLst>
-              <a:ext uri="{FF2B5EF4-FFF2-40B4-BE49-F238E27FC236}">
-                <a16:creationId xmlns:a16="http://schemas.microsoft.com/office/drawing/2014/main" id="{2C217F55-AA37-4930-BB03-4D6E18C0A520}"/>
-              </a:ext>
-            </a:extLst>
-          </p:cNvPr>
-          <p:cNvSpPr txBox="1"/>
-          <p:nvPr/>
-        </p:nvSpPr>
-        <p:spPr>
-          <a:xfrm>
-            <a:off x="1101842" y="1228397"/>
-            <a:ext cx="8175162" cy="4401205"/>
-          </a:xfrm>
-          <a:prstGeom prst="rect">
-            <a:avLst/>
-          </a:prstGeom>
-          <a:noFill/>
-        </p:spPr>
-        <p:txBody>
-          <a:bodyPr wrap="square" rtlCol="0">
-            <a:spAutoFit/>
-          </a:bodyPr>
-          <a:lstStyle/>
-          <a:p>
-            <a:r>
-              <a:rPr lang="ko-KR" altLang="en-US" sz="2400" b="1" dirty="0"/>
-              <a:t>게임 디테일</a:t>
-            </a:r>
-            <a:endParaRPr lang="en-US" altLang="ko-KR" sz="2400" b="1" dirty="0"/>
-          </a:p>
-          <a:p>
-            <a:endParaRPr lang="en-US" altLang="ko-KR" sz="1600" dirty="0"/>
-          </a:p>
-          <a:p>
-            <a:r>
-              <a:rPr lang="ko-KR" altLang="en-US" sz="1600" b="1" dirty="0"/>
-              <a:t>공동목표 이루는 게임</a:t>
-            </a:r>
-            <a:r>
-              <a:rPr lang="ko-KR" altLang="en-US" sz="1600" dirty="0"/>
-              <a:t> </a:t>
-            </a:r>
-            <a:r>
-              <a:rPr lang="en-US" altLang="ko-KR" sz="1600" dirty="0"/>
-              <a:t>: </a:t>
-            </a:r>
-            <a:r>
-              <a:rPr lang="ko-KR" altLang="en-US" sz="1600" dirty="0"/>
-              <a:t>대체로 좀 길다</a:t>
-            </a:r>
-            <a:r>
-              <a:rPr lang="en-US" altLang="ko-KR" sz="1600" dirty="0"/>
-              <a:t>. 10</a:t>
-            </a:r>
-            <a:r>
-              <a:rPr lang="ko-KR" altLang="en-US" sz="1600" dirty="0"/>
-              <a:t>시간</a:t>
-            </a:r>
-            <a:endParaRPr lang="en-US" altLang="ko-KR" sz="1600" dirty="0"/>
-          </a:p>
-          <a:p>
-            <a:endParaRPr lang="en-US" altLang="ko-KR" sz="1600" dirty="0"/>
-          </a:p>
-          <a:p>
-            <a:r>
-              <a:rPr lang="en-US" altLang="ko-KR" sz="1600" dirty="0"/>
-              <a:t>(</a:t>
-            </a:r>
-            <a:r>
-              <a:rPr lang="ko-KR" altLang="en-US" sz="1600" dirty="0"/>
-              <a:t>작은행성</a:t>
-            </a:r>
-            <a:r>
-              <a:rPr lang="en-US" altLang="ko-KR" sz="1600" dirty="0"/>
-              <a:t>/</a:t>
-            </a:r>
-            <a:r>
-              <a:rPr lang="ko-KR" altLang="en-US" sz="1600" dirty="0"/>
-              <a:t>나라</a:t>
-            </a:r>
-            <a:r>
-              <a:rPr lang="en-US" altLang="ko-KR" sz="1600" dirty="0"/>
-              <a:t>/</a:t>
-            </a:r>
-            <a:r>
-              <a:rPr lang="ko-KR" altLang="en-US" sz="1600" dirty="0"/>
-              <a:t>섬</a:t>
-            </a:r>
-            <a:r>
-              <a:rPr lang="en-US" altLang="ko-KR" sz="1600" dirty="0"/>
-              <a:t>)</a:t>
-            </a:r>
-            <a:r>
-              <a:rPr lang="ko-KR" altLang="en-US" sz="1600" dirty="0"/>
-              <a:t>의 크기 </a:t>
-            </a:r>
-            <a:r>
-              <a:rPr lang="en-US" altLang="ko-KR" sz="1600" dirty="0"/>
-              <a:t>: 8000m * 8000m</a:t>
-            </a:r>
-          </a:p>
-          <a:p>
-            <a:r>
-              <a:rPr lang="ko-KR" altLang="en-US" sz="1600" dirty="0"/>
-              <a:t>돔의 크기 </a:t>
-            </a:r>
-            <a:r>
-              <a:rPr lang="en-US" altLang="ko-KR" sz="1600" dirty="0"/>
-              <a:t>: 3000m * 2000m</a:t>
-            </a:r>
-          </a:p>
-          <a:p>
-            <a:r>
-              <a:rPr lang="ko-KR" altLang="en-US" sz="1600" dirty="0"/>
-              <a:t>자원의 종류 </a:t>
-            </a:r>
-            <a:r>
-              <a:rPr lang="en-US" altLang="ko-KR" sz="1600" dirty="0"/>
-              <a:t>: </a:t>
-            </a:r>
-          </a:p>
-          <a:p>
-            <a:r>
-              <a:rPr lang="en-US" altLang="ko-KR" sz="1600" dirty="0"/>
-              <a:t>1. </a:t>
-            </a:r>
-            <a:r>
-              <a:rPr lang="ko-KR" altLang="en-US" sz="1600" dirty="0"/>
-              <a:t>밖에서 쓸 수 있는 마스크류</a:t>
-            </a:r>
-            <a:r>
-              <a:rPr lang="en-US" altLang="ko-KR" sz="1600" dirty="0"/>
-              <a:t>(</a:t>
-            </a:r>
-            <a:r>
-              <a:rPr lang="ko-KR" altLang="en-US" sz="1600" dirty="0"/>
-              <a:t>일회용 마스크</a:t>
-            </a:r>
-            <a:r>
-              <a:rPr lang="en-US" altLang="ko-KR" sz="1600" dirty="0"/>
-              <a:t>, </a:t>
-            </a:r>
-            <a:r>
-              <a:rPr lang="ko-KR" altLang="en-US" sz="1600" dirty="0"/>
-              <a:t>공기 </a:t>
-            </a:r>
-            <a:r>
-              <a:rPr lang="ko-KR" altLang="en-US" sz="1600" dirty="0" err="1"/>
-              <a:t>정화통</a:t>
-            </a:r>
-            <a:r>
-              <a:rPr lang="en-US" altLang="ko-KR" sz="1600" dirty="0"/>
-              <a:t>, </a:t>
-            </a:r>
-            <a:r>
-              <a:rPr lang="ko-KR" altLang="en-US" sz="1600" dirty="0"/>
-              <a:t>방독면</a:t>
-            </a:r>
-            <a:r>
-              <a:rPr lang="en-US" altLang="ko-KR" sz="1600" dirty="0"/>
-              <a:t>, </a:t>
-            </a:r>
-            <a:r>
-              <a:rPr lang="ko-KR" altLang="en-US" sz="1600" dirty="0"/>
-              <a:t>등</a:t>
-            </a:r>
-            <a:r>
-              <a:rPr lang="en-US" altLang="ko-KR" sz="1600" dirty="0"/>
-              <a:t>)</a:t>
-            </a:r>
-          </a:p>
-          <a:p>
-            <a:r>
-              <a:rPr lang="en-US" altLang="ko-KR" sz="1600" dirty="0"/>
-              <a:t>2. </a:t>
-            </a:r>
-            <a:r>
-              <a:rPr lang="ko-KR" altLang="en-US" sz="1600" dirty="0"/>
-              <a:t>음식</a:t>
-            </a:r>
-            <a:r>
-              <a:rPr lang="en-US" altLang="ko-KR" sz="1600" dirty="0"/>
-              <a:t>(</a:t>
-            </a:r>
-            <a:r>
-              <a:rPr lang="ko-KR" altLang="en-US" sz="1600" dirty="0"/>
-              <a:t>먼지에 내성이 생긴 진화된 동</a:t>
-            </a:r>
-            <a:r>
-              <a:rPr lang="en-US" altLang="ko-KR" sz="1600" dirty="0"/>
-              <a:t>,</a:t>
-            </a:r>
-            <a:r>
-              <a:rPr lang="ko-KR" altLang="en-US" sz="1600" dirty="0"/>
-              <a:t>식물</a:t>
-            </a:r>
-            <a:r>
-              <a:rPr lang="en-US" altLang="ko-KR" sz="1600" dirty="0"/>
-              <a:t>) </a:t>
-            </a:r>
-          </a:p>
-          <a:p>
-            <a:r>
-              <a:rPr lang="en-US" altLang="ko-KR" sz="1600" dirty="0"/>
-              <a:t>3. </a:t>
-            </a:r>
-            <a:r>
-              <a:rPr lang="ko-KR" altLang="en-US" sz="1600" dirty="0"/>
-              <a:t>물</a:t>
-            </a:r>
-            <a:r>
-              <a:rPr lang="en-US" altLang="ko-KR" sz="1600" dirty="0"/>
-              <a:t>(</a:t>
-            </a:r>
-            <a:r>
-              <a:rPr lang="ko-KR" altLang="en-US" sz="1600" dirty="0"/>
-              <a:t>물도 기술 개발에 따라 먼지가 덜 쌓임</a:t>
-            </a:r>
-            <a:r>
-              <a:rPr lang="en-US" altLang="ko-KR" sz="1600" dirty="0"/>
-              <a:t>)</a:t>
-            </a:r>
-          </a:p>
-          <a:p>
-            <a:r>
-              <a:rPr lang="en-US" altLang="ko-KR" sz="1600" dirty="0"/>
-              <a:t>4. </a:t>
-            </a:r>
-            <a:r>
-              <a:rPr lang="ko-KR" altLang="en-US" sz="1600" dirty="0"/>
-              <a:t>나무</a:t>
-            </a:r>
-            <a:r>
-              <a:rPr lang="en-US" altLang="ko-KR" sz="1600" dirty="0"/>
-              <a:t>, </a:t>
-            </a:r>
-            <a:r>
-              <a:rPr lang="ko-KR" altLang="en-US" sz="1600" dirty="0"/>
-              <a:t>돌</a:t>
-            </a:r>
-            <a:r>
-              <a:rPr lang="en-US" altLang="ko-KR" sz="1600" dirty="0"/>
-              <a:t>, </a:t>
-            </a:r>
-            <a:r>
-              <a:rPr lang="ko-KR" altLang="en-US" sz="1600" dirty="0"/>
-              <a:t>철기</a:t>
-            </a:r>
-            <a:r>
-              <a:rPr lang="en-US" altLang="ko-KR" sz="1600" dirty="0"/>
-              <a:t>, </a:t>
-            </a:r>
-            <a:r>
-              <a:rPr lang="ko-KR" altLang="en-US" sz="1600" dirty="0"/>
-              <a:t>의료기구</a:t>
-            </a:r>
-            <a:r>
-              <a:rPr lang="en-US" altLang="ko-KR" sz="1600" dirty="0"/>
-              <a:t>, </a:t>
-            </a:r>
-          </a:p>
-          <a:p>
-            <a:endParaRPr lang="en-US" altLang="ko-KR" sz="1600" dirty="0"/>
-          </a:p>
-          <a:p>
-            <a:r>
-              <a:rPr lang="ko-KR" altLang="en-US" sz="1600" dirty="0"/>
-              <a:t>플레이어 행동 종류 </a:t>
-            </a:r>
-            <a:r>
-              <a:rPr lang="en-US" altLang="ko-KR" sz="1600" dirty="0"/>
-              <a:t>: </a:t>
-            </a:r>
-            <a:r>
-              <a:rPr lang="ko-KR" altLang="en-US" sz="1600" dirty="0"/>
-              <a:t>공격</a:t>
-            </a:r>
-            <a:r>
-              <a:rPr lang="en-US" altLang="ko-KR" sz="1600" dirty="0"/>
-              <a:t>, </a:t>
-            </a:r>
-            <a:r>
-              <a:rPr lang="ko-KR" altLang="en-US" sz="1600" dirty="0"/>
-              <a:t>줍기</a:t>
-            </a:r>
-            <a:r>
-              <a:rPr lang="en-US" altLang="ko-KR" sz="1600" dirty="0"/>
-              <a:t>, </a:t>
-            </a:r>
-            <a:r>
-              <a:rPr lang="ko-KR" altLang="en-US" sz="1600" dirty="0"/>
-              <a:t>간단한 제작</a:t>
-            </a:r>
-            <a:r>
-              <a:rPr lang="en-US" altLang="ko-KR" sz="1600" dirty="0"/>
-              <a:t>,</a:t>
-            </a:r>
-          </a:p>
-          <a:p>
-            <a:r>
-              <a:rPr lang="ko-KR" altLang="en-US" sz="1600" dirty="0"/>
-              <a:t>걷기</a:t>
-            </a:r>
-            <a:r>
-              <a:rPr lang="en-US" altLang="ko-KR" sz="1600" dirty="0"/>
-              <a:t>, </a:t>
-            </a:r>
-            <a:r>
-              <a:rPr lang="ko-KR" altLang="en-US" sz="1600" dirty="0"/>
-              <a:t>뛰기</a:t>
-            </a:r>
-            <a:endParaRPr lang="en-US" altLang="ko-KR" sz="1600" dirty="0"/>
-          </a:p>
-          <a:p>
-            <a:endParaRPr lang="en-US" altLang="ko-KR" sz="1600" dirty="0"/>
-          </a:p>
-          <a:p>
-            <a:endParaRPr lang="en-US" altLang="ko-KR" sz="1600" dirty="0"/>
-          </a:p>
-          <a:p>
-            <a:endParaRPr lang="en-US" altLang="ko-KR" sz="1600" dirty="0"/>
-          </a:p>
-        </p:txBody>
-      </p:sp>
-    </p:spTree>
-    <p:extLst>
-      <p:ext uri="{BB962C8B-B14F-4D97-AF65-F5344CB8AC3E}">
-        <p14:creationId xmlns:p14="http://schemas.microsoft.com/office/powerpoint/2010/main" val="867380372"/>
+        <p14:creationId xmlns:p14="http://schemas.microsoft.com/office/powerpoint/2010/main" val="1291013343"/>
       </p:ext>
     </p:extLst>
   </p:cSld>

--- a/Document/1122 기획발표자료_01.pptx
+++ b/Document/1122 기획발표자료_01.pptx
@@ -4,6 +4,9 @@
   <p:sldMasterIdLst>
     <p:sldMasterId id="2147483648" r:id="rId1"/>
   </p:sldMasterIdLst>
+  <p:notesMasterIdLst>
+    <p:notesMasterId r:id="rId8"/>
+  </p:notesMasterIdLst>
   <p:sldIdLst>
     <p:sldId id="256" r:id="rId2"/>
     <p:sldId id="260" r:id="rId3"/>
@@ -117,6 +120,662 @@
 </p:presentation>
 </file>
 
+<file path=ppt/notesMasters/notesMaster1.xml><?xml version="1.0" encoding="utf-8"?>
+<p:notesMaster xmlns:a="http://schemas.openxmlformats.org/drawingml/2006/main" xmlns:r="http://schemas.openxmlformats.org/officeDocument/2006/relationships" xmlns:p="http://schemas.openxmlformats.org/presentationml/2006/main">
+  <p:cSld>
+    <p:bg>
+      <p:bgRef idx="1001">
+        <a:schemeClr val="bg1"/>
+      </p:bgRef>
+    </p:bg>
+    <p:spTree>
+      <p:nvGrpSpPr>
+        <p:cNvPr id="1" name=""/>
+        <p:cNvGrpSpPr/>
+        <p:nvPr/>
+      </p:nvGrpSpPr>
+      <p:grpSpPr>
+        <a:xfrm>
+          <a:off x="0" y="0"/>
+          <a:ext cx="0" cy="0"/>
+          <a:chOff x="0" y="0"/>
+          <a:chExt cx="0" cy="0"/>
+        </a:xfrm>
+      </p:grpSpPr>
+      <p:sp>
+        <p:nvSpPr>
+          <p:cNvPr id="2" name="머리글 개체 틀 1"/>
+          <p:cNvSpPr>
+            <a:spLocks noGrp="1"/>
+          </p:cNvSpPr>
+          <p:nvPr>
+            <p:ph type="hdr" sz="quarter"/>
+          </p:nvPr>
+        </p:nvSpPr>
+        <p:spPr>
+          <a:xfrm>
+            <a:off x="0" y="0"/>
+            <a:ext cx="2971800" cy="458788"/>
+          </a:xfrm>
+          <a:prstGeom prst="rect">
+            <a:avLst/>
+          </a:prstGeom>
+        </p:spPr>
+        <p:txBody>
+          <a:bodyPr vert="horz" lIns="91440" tIns="45720" rIns="91440" bIns="45720" rtlCol="0"/>
+          <a:lstStyle>
+            <a:lvl1pPr algn="l">
+              <a:defRPr sz="1200"/>
+            </a:lvl1pPr>
+          </a:lstStyle>
+          <a:p>
+            <a:endParaRPr lang="ko-KR" altLang="en-US"/>
+          </a:p>
+        </p:txBody>
+      </p:sp>
+      <p:sp>
+        <p:nvSpPr>
+          <p:cNvPr id="3" name="날짜 개체 틀 2"/>
+          <p:cNvSpPr>
+            <a:spLocks noGrp="1"/>
+          </p:cNvSpPr>
+          <p:nvPr>
+            <p:ph type="dt" idx="1"/>
+          </p:nvPr>
+        </p:nvSpPr>
+        <p:spPr>
+          <a:xfrm>
+            <a:off x="3884613" y="0"/>
+            <a:ext cx="2971800" cy="458788"/>
+          </a:xfrm>
+          <a:prstGeom prst="rect">
+            <a:avLst/>
+          </a:prstGeom>
+        </p:spPr>
+        <p:txBody>
+          <a:bodyPr vert="horz" lIns="91440" tIns="45720" rIns="91440" bIns="45720" rtlCol="0"/>
+          <a:lstStyle>
+            <a:lvl1pPr algn="r">
+              <a:defRPr sz="1200"/>
+            </a:lvl1pPr>
+          </a:lstStyle>
+          <a:p>
+            <a:fld id="{9D794B7A-BBCD-44D0-BDEB-93CF3F498FBF}" type="datetimeFigureOut">
+              <a:rPr lang="ko-KR" altLang="en-US" smtClean="0"/>
+              <a:t>2018-11-27</a:t>
+            </a:fld>
+            <a:endParaRPr lang="ko-KR" altLang="en-US"/>
+          </a:p>
+        </p:txBody>
+      </p:sp>
+      <p:sp>
+        <p:nvSpPr>
+          <p:cNvPr id="4" name="슬라이드 이미지 개체 틀 3"/>
+          <p:cNvSpPr>
+            <a:spLocks noGrp="1" noRot="1" noChangeAspect="1"/>
+          </p:cNvSpPr>
+          <p:nvPr>
+            <p:ph type="sldImg" idx="2"/>
+          </p:nvPr>
+        </p:nvSpPr>
+        <p:spPr>
+          <a:xfrm>
+            <a:off x="685800" y="1143000"/>
+            <a:ext cx="5486400" cy="3086100"/>
+          </a:xfrm>
+          <a:prstGeom prst="rect">
+            <a:avLst/>
+          </a:prstGeom>
+          <a:noFill/>
+          <a:ln w="12700">
+            <a:solidFill>
+              <a:prstClr val="black"/>
+            </a:solidFill>
+          </a:ln>
+        </p:spPr>
+        <p:txBody>
+          <a:bodyPr vert="horz" lIns="91440" tIns="45720" rIns="91440" bIns="45720" rtlCol="0" anchor="ctr"/>
+          <a:lstStyle/>
+          <a:p>
+            <a:endParaRPr lang="ko-KR" altLang="en-US"/>
+          </a:p>
+        </p:txBody>
+      </p:sp>
+      <p:sp>
+        <p:nvSpPr>
+          <p:cNvPr id="5" name="슬라이드 노트 개체 틀 4"/>
+          <p:cNvSpPr>
+            <a:spLocks noGrp="1"/>
+          </p:cNvSpPr>
+          <p:nvPr>
+            <p:ph type="body" sz="quarter" idx="3"/>
+          </p:nvPr>
+        </p:nvSpPr>
+        <p:spPr>
+          <a:xfrm>
+            <a:off x="685800" y="4400550"/>
+            <a:ext cx="5486400" cy="3600450"/>
+          </a:xfrm>
+          <a:prstGeom prst="rect">
+            <a:avLst/>
+          </a:prstGeom>
+        </p:spPr>
+        <p:txBody>
+          <a:bodyPr vert="horz" lIns="91440" tIns="45720" rIns="91440" bIns="45720" rtlCol="0"/>
+          <a:lstStyle/>
+          <a:p>
+            <a:pPr lvl="0"/>
+            <a:r>
+              <a:rPr lang="ko-KR" altLang="en-US"/>
+              <a:t>마스터 텍스트 스타일 편집</a:t>
+            </a:r>
+          </a:p>
+          <a:p>
+            <a:pPr lvl="1"/>
+            <a:r>
+              <a:rPr lang="ko-KR" altLang="en-US"/>
+              <a:t>둘째 수준</a:t>
+            </a:r>
+          </a:p>
+          <a:p>
+            <a:pPr lvl="2"/>
+            <a:r>
+              <a:rPr lang="ko-KR" altLang="en-US"/>
+              <a:t>셋째 수준</a:t>
+            </a:r>
+          </a:p>
+          <a:p>
+            <a:pPr lvl="3"/>
+            <a:r>
+              <a:rPr lang="ko-KR" altLang="en-US"/>
+              <a:t>넷째 수준</a:t>
+            </a:r>
+          </a:p>
+          <a:p>
+            <a:pPr lvl="4"/>
+            <a:r>
+              <a:rPr lang="ko-KR" altLang="en-US"/>
+              <a:t>다섯째 수준</a:t>
+            </a:r>
+          </a:p>
+        </p:txBody>
+      </p:sp>
+      <p:sp>
+        <p:nvSpPr>
+          <p:cNvPr id="6" name="바닥글 개체 틀 5"/>
+          <p:cNvSpPr>
+            <a:spLocks noGrp="1"/>
+          </p:cNvSpPr>
+          <p:nvPr>
+            <p:ph type="ftr" sz="quarter" idx="4"/>
+          </p:nvPr>
+        </p:nvSpPr>
+        <p:spPr>
+          <a:xfrm>
+            <a:off x="0" y="8685213"/>
+            <a:ext cx="2971800" cy="458787"/>
+          </a:xfrm>
+          <a:prstGeom prst="rect">
+            <a:avLst/>
+          </a:prstGeom>
+        </p:spPr>
+        <p:txBody>
+          <a:bodyPr vert="horz" lIns="91440" tIns="45720" rIns="91440" bIns="45720" rtlCol="0" anchor="b"/>
+          <a:lstStyle>
+            <a:lvl1pPr algn="l">
+              <a:defRPr sz="1200"/>
+            </a:lvl1pPr>
+          </a:lstStyle>
+          <a:p>
+            <a:endParaRPr lang="ko-KR" altLang="en-US"/>
+          </a:p>
+        </p:txBody>
+      </p:sp>
+      <p:sp>
+        <p:nvSpPr>
+          <p:cNvPr id="7" name="슬라이드 번호 개체 틀 6"/>
+          <p:cNvSpPr>
+            <a:spLocks noGrp="1"/>
+          </p:cNvSpPr>
+          <p:nvPr>
+            <p:ph type="sldNum" sz="quarter" idx="5"/>
+          </p:nvPr>
+        </p:nvSpPr>
+        <p:spPr>
+          <a:xfrm>
+            <a:off x="3884613" y="8685213"/>
+            <a:ext cx="2971800" cy="458787"/>
+          </a:xfrm>
+          <a:prstGeom prst="rect">
+            <a:avLst/>
+          </a:prstGeom>
+        </p:spPr>
+        <p:txBody>
+          <a:bodyPr vert="horz" lIns="91440" tIns="45720" rIns="91440" bIns="45720" rtlCol="0" anchor="b"/>
+          <a:lstStyle>
+            <a:lvl1pPr algn="r">
+              <a:defRPr sz="1200"/>
+            </a:lvl1pPr>
+          </a:lstStyle>
+          <a:p>
+            <a:fld id="{4480B861-D6FD-49EB-95C2-C5D13E36DAB6}" type="slidenum">
+              <a:rPr lang="ko-KR" altLang="en-US" smtClean="0"/>
+              <a:t>‹#›</a:t>
+            </a:fld>
+            <a:endParaRPr lang="ko-KR" altLang="en-US"/>
+          </a:p>
+        </p:txBody>
+      </p:sp>
+    </p:spTree>
+    <p:extLst>
+      <p:ext uri="{BB962C8B-B14F-4D97-AF65-F5344CB8AC3E}">
+        <p14:creationId xmlns:p14="http://schemas.microsoft.com/office/powerpoint/2010/main" val="78438541"/>
+      </p:ext>
+    </p:extLst>
+  </p:cSld>
+  <p:clrMap bg1="lt1" tx1="dk1" bg2="lt2" tx2="dk2" accent1="accent1" accent2="accent2" accent3="accent3" accent4="accent4" accent5="accent5" accent6="accent6" hlink="hlink" folHlink="folHlink"/>
+  <p:notesStyle>
+    <a:lvl1pPr marL="0" algn="l" defTabSz="914400" rtl="0" eaLnBrk="1" latinLnBrk="1" hangingPunct="1">
+      <a:defRPr sz="1200" kern="1200">
+        <a:solidFill>
+          <a:schemeClr val="tx1"/>
+        </a:solidFill>
+        <a:latin typeface="+mn-lt"/>
+        <a:ea typeface="+mn-ea"/>
+        <a:cs typeface="+mn-cs"/>
+      </a:defRPr>
+    </a:lvl1pPr>
+    <a:lvl2pPr marL="457200" algn="l" defTabSz="914400" rtl="0" eaLnBrk="1" latinLnBrk="1" hangingPunct="1">
+      <a:defRPr sz="1200" kern="1200">
+        <a:solidFill>
+          <a:schemeClr val="tx1"/>
+        </a:solidFill>
+        <a:latin typeface="+mn-lt"/>
+        <a:ea typeface="+mn-ea"/>
+        <a:cs typeface="+mn-cs"/>
+      </a:defRPr>
+    </a:lvl2pPr>
+    <a:lvl3pPr marL="914400" algn="l" defTabSz="914400" rtl="0" eaLnBrk="1" latinLnBrk="1" hangingPunct="1">
+      <a:defRPr sz="1200" kern="1200">
+        <a:solidFill>
+          <a:schemeClr val="tx1"/>
+        </a:solidFill>
+        <a:latin typeface="+mn-lt"/>
+        <a:ea typeface="+mn-ea"/>
+        <a:cs typeface="+mn-cs"/>
+      </a:defRPr>
+    </a:lvl3pPr>
+    <a:lvl4pPr marL="1371600" algn="l" defTabSz="914400" rtl="0" eaLnBrk="1" latinLnBrk="1" hangingPunct="1">
+      <a:defRPr sz="1200" kern="1200">
+        <a:solidFill>
+          <a:schemeClr val="tx1"/>
+        </a:solidFill>
+        <a:latin typeface="+mn-lt"/>
+        <a:ea typeface="+mn-ea"/>
+        <a:cs typeface="+mn-cs"/>
+      </a:defRPr>
+    </a:lvl4pPr>
+    <a:lvl5pPr marL="1828800" algn="l" defTabSz="914400" rtl="0" eaLnBrk="1" latinLnBrk="1" hangingPunct="1">
+      <a:defRPr sz="1200" kern="1200">
+        <a:solidFill>
+          <a:schemeClr val="tx1"/>
+        </a:solidFill>
+        <a:latin typeface="+mn-lt"/>
+        <a:ea typeface="+mn-ea"/>
+        <a:cs typeface="+mn-cs"/>
+      </a:defRPr>
+    </a:lvl5pPr>
+    <a:lvl6pPr marL="2286000" algn="l" defTabSz="914400" rtl="0" eaLnBrk="1" latinLnBrk="1" hangingPunct="1">
+      <a:defRPr sz="1200" kern="1200">
+        <a:solidFill>
+          <a:schemeClr val="tx1"/>
+        </a:solidFill>
+        <a:latin typeface="+mn-lt"/>
+        <a:ea typeface="+mn-ea"/>
+        <a:cs typeface="+mn-cs"/>
+      </a:defRPr>
+    </a:lvl6pPr>
+    <a:lvl7pPr marL="2743200" algn="l" defTabSz="914400" rtl="0" eaLnBrk="1" latinLnBrk="1" hangingPunct="1">
+      <a:defRPr sz="1200" kern="1200">
+        <a:solidFill>
+          <a:schemeClr val="tx1"/>
+        </a:solidFill>
+        <a:latin typeface="+mn-lt"/>
+        <a:ea typeface="+mn-ea"/>
+        <a:cs typeface="+mn-cs"/>
+      </a:defRPr>
+    </a:lvl7pPr>
+    <a:lvl8pPr marL="3200400" algn="l" defTabSz="914400" rtl="0" eaLnBrk="1" latinLnBrk="1" hangingPunct="1">
+      <a:defRPr sz="1200" kern="1200">
+        <a:solidFill>
+          <a:schemeClr val="tx1"/>
+        </a:solidFill>
+        <a:latin typeface="+mn-lt"/>
+        <a:ea typeface="+mn-ea"/>
+        <a:cs typeface="+mn-cs"/>
+      </a:defRPr>
+    </a:lvl8pPr>
+    <a:lvl9pPr marL="3657600" algn="l" defTabSz="914400" rtl="0" eaLnBrk="1" latinLnBrk="1" hangingPunct="1">
+      <a:defRPr sz="1200" kern="1200">
+        <a:solidFill>
+          <a:schemeClr val="tx1"/>
+        </a:solidFill>
+        <a:latin typeface="+mn-lt"/>
+        <a:ea typeface="+mn-ea"/>
+        <a:cs typeface="+mn-cs"/>
+      </a:defRPr>
+    </a:lvl9pPr>
+  </p:notesStyle>
+</p:notesMaster>
+</file>
+
+<file path=ppt/notesSlides/notesSlide1.xml><?xml version="1.0" encoding="utf-8"?>
+<p:notes xmlns:a="http://schemas.openxmlformats.org/drawingml/2006/main" xmlns:r="http://schemas.openxmlformats.org/officeDocument/2006/relationships" xmlns:p="http://schemas.openxmlformats.org/presentationml/2006/main">
+  <p:cSld>
+    <p:spTree>
+      <p:nvGrpSpPr>
+        <p:cNvPr id="1" name=""/>
+        <p:cNvGrpSpPr/>
+        <p:nvPr/>
+      </p:nvGrpSpPr>
+      <p:grpSpPr>
+        <a:xfrm>
+          <a:off x="0" y="0"/>
+          <a:ext cx="0" cy="0"/>
+          <a:chOff x="0" y="0"/>
+          <a:chExt cx="0" cy="0"/>
+        </a:xfrm>
+      </p:grpSpPr>
+      <p:sp>
+        <p:nvSpPr>
+          <p:cNvPr id="2" name="슬라이드 이미지 개체 틀 1"/>
+          <p:cNvSpPr>
+            <a:spLocks noGrp="1" noRot="1" noChangeAspect="1"/>
+          </p:cNvSpPr>
+          <p:nvPr>
+            <p:ph type="sldImg"/>
+          </p:nvPr>
+        </p:nvSpPr>
+        <p:spPr/>
+      </p:sp>
+      <p:sp>
+        <p:nvSpPr>
+          <p:cNvPr id="3" name="슬라이드 노트 개체 틀 2"/>
+          <p:cNvSpPr>
+            <a:spLocks noGrp="1"/>
+          </p:cNvSpPr>
+          <p:nvPr>
+            <p:ph type="body" idx="1"/>
+          </p:nvPr>
+        </p:nvSpPr>
+        <p:spPr/>
+        <p:txBody>
+          <a:bodyPr/>
+          <a:lstStyle/>
+          <a:p>
+            <a:r>
+              <a:rPr lang="ko-KR" altLang="en-US"/>
+              <a:t>클라</a:t>
+            </a:r>
+            <a:endParaRPr lang="en-US" altLang="ko-KR"/>
+          </a:p>
+          <a:p>
+            <a:r>
+              <a:rPr lang="ko-KR" altLang="en-US" dirty="0"/>
+              <a:t>미세먼지</a:t>
+            </a:r>
+            <a:r>
+              <a:rPr lang="en-US" altLang="ko-KR" dirty="0"/>
+              <a:t> </a:t>
+            </a:r>
+            <a:r>
+              <a:rPr lang="ko-KR" altLang="en-US" dirty="0"/>
+              <a:t>표시는 클라이언트에서 구현하고 저장하여</a:t>
+            </a:r>
+            <a:endParaRPr lang="en-US" altLang="ko-KR" dirty="0"/>
+          </a:p>
+          <a:p>
+            <a:r>
+              <a:rPr lang="ko-KR" altLang="en-US" dirty="0"/>
+              <a:t>미세먼지가 </a:t>
+            </a:r>
+            <a:r>
+              <a:rPr lang="en-US" altLang="ko-KR" dirty="0"/>
+              <a:t>MAX</a:t>
+            </a:r>
+            <a:r>
+              <a:rPr lang="ko-KR" altLang="en-US" dirty="0"/>
+              <a:t>일 경우 죽었다는 신호를 서버로 보내주는 방식</a:t>
+            </a:r>
+            <a:r>
+              <a:rPr lang="en-US" altLang="ko-KR" dirty="0"/>
+              <a:t>.</a:t>
+            </a:r>
+            <a:r>
+              <a:rPr lang="ko-KR" altLang="en-US" dirty="0"/>
+              <a:t> </a:t>
+            </a:r>
+          </a:p>
+        </p:txBody>
+      </p:sp>
+      <p:sp>
+        <p:nvSpPr>
+          <p:cNvPr id="4" name="슬라이드 번호 개체 틀 3"/>
+          <p:cNvSpPr>
+            <a:spLocks noGrp="1"/>
+          </p:cNvSpPr>
+          <p:nvPr>
+            <p:ph type="sldNum" sz="quarter" idx="5"/>
+          </p:nvPr>
+        </p:nvSpPr>
+        <p:spPr/>
+        <p:txBody>
+          <a:bodyPr/>
+          <a:lstStyle/>
+          <a:p>
+            <a:fld id="{4480B861-D6FD-49EB-95C2-C5D13E36DAB6}" type="slidenum">
+              <a:rPr lang="ko-KR" altLang="en-US" smtClean="0"/>
+              <a:t>4</a:t>
+            </a:fld>
+            <a:endParaRPr lang="ko-KR" altLang="en-US"/>
+          </a:p>
+        </p:txBody>
+      </p:sp>
+    </p:spTree>
+    <p:extLst>
+      <p:ext uri="{BB962C8B-B14F-4D97-AF65-F5344CB8AC3E}">
+        <p14:creationId xmlns:p14="http://schemas.microsoft.com/office/powerpoint/2010/main" val="2747045775"/>
+      </p:ext>
+    </p:extLst>
+  </p:cSld>
+  <p:clrMapOvr>
+    <a:masterClrMapping/>
+  </p:clrMapOvr>
+</p:notes>
+</file>
+
+<file path=ppt/notesSlides/notesSlide2.xml><?xml version="1.0" encoding="utf-8"?>
+<p:notes xmlns:a="http://schemas.openxmlformats.org/drawingml/2006/main" xmlns:r="http://schemas.openxmlformats.org/officeDocument/2006/relationships" xmlns:p="http://schemas.openxmlformats.org/presentationml/2006/main">
+  <p:cSld>
+    <p:spTree>
+      <p:nvGrpSpPr>
+        <p:cNvPr id="1" name=""/>
+        <p:cNvGrpSpPr/>
+        <p:nvPr/>
+      </p:nvGrpSpPr>
+      <p:grpSpPr>
+        <a:xfrm>
+          <a:off x="0" y="0"/>
+          <a:ext cx="0" cy="0"/>
+          <a:chOff x="0" y="0"/>
+          <a:chExt cx="0" cy="0"/>
+        </a:xfrm>
+      </p:grpSpPr>
+      <p:sp>
+        <p:nvSpPr>
+          <p:cNvPr id="2" name="슬라이드 이미지 개체 틀 1"/>
+          <p:cNvSpPr>
+            <a:spLocks noGrp="1" noRot="1" noChangeAspect="1"/>
+          </p:cNvSpPr>
+          <p:nvPr>
+            <p:ph type="sldImg"/>
+          </p:nvPr>
+        </p:nvSpPr>
+        <p:spPr/>
+      </p:sp>
+      <p:sp>
+        <p:nvSpPr>
+          <p:cNvPr id="3" name="슬라이드 노트 개체 틀 2"/>
+          <p:cNvSpPr>
+            <a:spLocks noGrp="1"/>
+          </p:cNvSpPr>
+          <p:nvPr>
+            <p:ph type="body" idx="1"/>
+          </p:nvPr>
+        </p:nvSpPr>
+        <p:spPr/>
+        <p:txBody>
+          <a:bodyPr/>
+          <a:lstStyle/>
+          <a:p>
+            <a:r>
+              <a:rPr lang="ko-KR" altLang="en-US" dirty="0" err="1"/>
+              <a:t>클라</a:t>
+            </a:r>
+            <a:endParaRPr lang="en-US" altLang="ko-KR" dirty="0"/>
+          </a:p>
+          <a:p>
+            <a:r>
+              <a:rPr lang="en-US" altLang="ko-KR" dirty="0"/>
+              <a:t>64</a:t>
+            </a:r>
+            <a:r>
+              <a:rPr lang="ko-KR" altLang="en-US" dirty="0"/>
+              <a:t>비트면 </a:t>
+            </a:r>
+            <a:r>
+              <a:rPr lang="en-US" altLang="ko-KR" dirty="0"/>
+              <a:t>7</a:t>
+            </a:r>
+            <a:r>
+              <a:rPr lang="ko-KR" altLang="en-US" dirty="0"/>
+              <a:t>자리</a:t>
+            </a:r>
+            <a:r>
+              <a:rPr lang="en-US" altLang="ko-KR" dirty="0"/>
+              <a:t>(?)</a:t>
+            </a:r>
+            <a:r>
+              <a:rPr lang="ko-KR" altLang="en-US" dirty="0"/>
+              <a:t>여서 </a:t>
+            </a:r>
+            <a:r>
+              <a:rPr lang="en-US" altLang="ko-KR" dirty="0"/>
+              <a:t>8000*8000</a:t>
+            </a:r>
+            <a:r>
+              <a:rPr lang="ko-KR" altLang="en-US" dirty="0"/>
+              <a:t>이면 </a:t>
+            </a:r>
+            <a:endParaRPr lang="en-US" altLang="ko-KR" dirty="0"/>
+          </a:p>
+          <a:p>
+            <a:r>
+              <a:rPr lang="ko-KR" altLang="en-US" dirty="0"/>
+              <a:t>그래픽 단위를 </a:t>
+            </a:r>
+            <a:r>
+              <a:rPr lang="en-US" altLang="ko-KR" dirty="0"/>
+              <a:t>mm</a:t>
+            </a:r>
+            <a:r>
+              <a:rPr lang="ko-KR" altLang="en-US" dirty="0"/>
+              <a:t>로 했을 때 맵 가장자리로 가면 오류가 생기게 됨</a:t>
+            </a:r>
+            <a:r>
+              <a:rPr lang="en-US" altLang="ko-KR" dirty="0"/>
+              <a:t>.</a:t>
+            </a:r>
+          </a:p>
+          <a:p>
+            <a:r>
+              <a:rPr lang="ko-KR" altLang="en-US" dirty="0"/>
+              <a:t>따라서 섬과 주위를 둘러싼 바다 포함 </a:t>
+            </a:r>
+            <a:r>
+              <a:rPr lang="en-US" altLang="ko-KR" dirty="0"/>
+              <a:t>6000 * 6000</a:t>
+            </a:r>
+            <a:r>
+              <a:rPr lang="ko-KR" altLang="en-US" dirty="0"/>
+              <a:t>으로 한다</a:t>
+            </a:r>
+            <a:r>
+              <a:rPr lang="en-US" altLang="ko-KR" dirty="0"/>
+              <a:t>. </a:t>
+            </a:r>
+          </a:p>
+          <a:p>
+            <a:r>
+              <a:rPr lang="en-US" altLang="ko-KR" dirty="0"/>
+              <a:t>-&gt; </a:t>
+            </a:r>
+            <a:r>
+              <a:rPr lang="ko-KR" altLang="en-US" dirty="0"/>
+              <a:t>사실상 플레이어가 이동할 수 있는 거리는 </a:t>
+            </a:r>
+            <a:r>
+              <a:rPr lang="en-US" altLang="ko-KR" dirty="0"/>
+              <a:t>6000*6000</a:t>
+            </a:r>
+            <a:r>
+              <a:rPr lang="ko-KR" altLang="en-US" dirty="0"/>
+              <a:t>이 안됨</a:t>
+            </a:r>
+            <a:r>
+              <a:rPr lang="en-US" altLang="ko-KR" dirty="0"/>
+              <a:t>.</a:t>
+            </a:r>
+            <a:endParaRPr lang="ko-KR" altLang="en-US" dirty="0"/>
+          </a:p>
+        </p:txBody>
+      </p:sp>
+      <p:sp>
+        <p:nvSpPr>
+          <p:cNvPr id="4" name="슬라이드 번호 개체 틀 3"/>
+          <p:cNvSpPr>
+            <a:spLocks noGrp="1"/>
+          </p:cNvSpPr>
+          <p:nvPr>
+            <p:ph type="sldNum" sz="quarter" idx="5"/>
+          </p:nvPr>
+        </p:nvSpPr>
+        <p:spPr/>
+        <p:txBody>
+          <a:bodyPr/>
+          <a:lstStyle/>
+          <a:p>
+            <a:fld id="{4480B861-D6FD-49EB-95C2-C5D13E36DAB6}" type="slidenum">
+              <a:rPr lang="ko-KR" altLang="en-US" smtClean="0"/>
+              <a:t>5</a:t>
+            </a:fld>
+            <a:endParaRPr lang="ko-KR" altLang="en-US"/>
+          </a:p>
+        </p:txBody>
+      </p:sp>
+    </p:spTree>
+    <p:extLst>
+      <p:ext uri="{BB962C8B-B14F-4D97-AF65-F5344CB8AC3E}">
+        <p14:creationId xmlns:p14="http://schemas.microsoft.com/office/powerpoint/2010/main" val="725736083"/>
+      </p:ext>
+    </p:extLst>
+  </p:cSld>
+  <p:clrMapOvr>
+    <a:masterClrMapping/>
+  </p:clrMapOvr>
+</p:notes>
+</file>
+
 <file path=ppt/slideLayouts/slideLayout1.xml><?xml version="1.0" encoding="utf-8"?>
 <p:sldLayout xmlns:a="http://schemas.openxmlformats.org/drawingml/2006/main" xmlns:r="http://schemas.openxmlformats.org/officeDocument/2006/relationships" xmlns:p="http://schemas.openxmlformats.org/presentationml/2006/main" type="title" preserve="1">
   <p:cSld name="제목 슬라이드">
@@ -264,7 +923,7 @@
           <a:p>
             <a:fld id="{BE8D2DAF-387B-41D4-BE33-DC8C35FEC344}" type="datetimeFigureOut">
               <a:rPr lang="ko-KR" altLang="en-US" smtClean="0"/>
-              <a:t>2018-11-22</a:t>
+              <a:t>2018-11-27</a:t>
             </a:fld>
             <a:endParaRPr lang="ko-KR" altLang="en-US"/>
           </a:p>
@@ -462,7 +1121,7 @@
           <a:p>
             <a:fld id="{BE8D2DAF-387B-41D4-BE33-DC8C35FEC344}" type="datetimeFigureOut">
               <a:rPr lang="ko-KR" altLang="en-US" smtClean="0"/>
-              <a:t>2018-11-22</a:t>
+              <a:t>2018-11-27</a:t>
             </a:fld>
             <a:endParaRPr lang="ko-KR" altLang="en-US"/>
           </a:p>
@@ -670,7 +1329,7 @@
           <a:p>
             <a:fld id="{BE8D2DAF-387B-41D4-BE33-DC8C35FEC344}" type="datetimeFigureOut">
               <a:rPr lang="ko-KR" altLang="en-US" smtClean="0"/>
-              <a:t>2018-11-22</a:t>
+              <a:t>2018-11-27</a:t>
             </a:fld>
             <a:endParaRPr lang="ko-KR" altLang="en-US"/>
           </a:p>
@@ -868,7 +1527,7 @@
           <a:p>
             <a:fld id="{BE8D2DAF-387B-41D4-BE33-DC8C35FEC344}" type="datetimeFigureOut">
               <a:rPr lang="ko-KR" altLang="en-US" smtClean="0"/>
-              <a:t>2018-11-22</a:t>
+              <a:t>2018-11-27</a:t>
             </a:fld>
             <a:endParaRPr lang="ko-KR" altLang="en-US"/>
           </a:p>
@@ -1143,7 +1802,7 @@
           <a:p>
             <a:fld id="{BE8D2DAF-387B-41D4-BE33-DC8C35FEC344}" type="datetimeFigureOut">
               <a:rPr lang="ko-KR" altLang="en-US" smtClean="0"/>
-              <a:t>2018-11-22</a:t>
+              <a:t>2018-11-27</a:t>
             </a:fld>
             <a:endParaRPr lang="ko-KR" altLang="en-US"/>
           </a:p>
@@ -1408,7 +2067,7 @@
           <a:p>
             <a:fld id="{BE8D2DAF-387B-41D4-BE33-DC8C35FEC344}" type="datetimeFigureOut">
               <a:rPr lang="ko-KR" altLang="en-US" smtClean="0"/>
-              <a:t>2018-11-22</a:t>
+              <a:t>2018-11-27</a:t>
             </a:fld>
             <a:endParaRPr lang="ko-KR" altLang="en-US"/>
           </a:p>
@@ -1820,7 +2479,7 @@
           <a:p>
             <a:fld id="{BE8D2DAF-387B-41D4-BE33-DC8C35FEC344}" type="datetimeFigureOut">
               <a:rPr lang="ko-KR" altLang="en-US" smtClean="0"/>
-              <a:t>2018-11-22</a:t>
+              <a:t>2018-11-27</a:t>
             </a:fld>
             <a:endParaRPr lang="ko-KR" altLang="en-US"/>
           </a:p>
@@ -1961,7 +2620,7 @@
           <a:p>
             <a:fld id="{BE8D2DAF-387B-41D4-BE33-DC8C35FEC344}" type="datetimeFigureOut">
               <a:rPr lang="ko-KR" altLang="en-US" smtClean="0"/>
-              <a:t>2018-11-22</a:t>
+              <a:t>2018-11-27</a:t>
             </a:fld>
             <a:endParaRPr lang="ko-KR" altLang="en-US"/>
           </a:p>
@@ -2074,7 +2733,7 @@
           <a:p>
             <a:fld id="{BE8D2DAF-387B-41D4-BE33-DC8C35FEC344}" type="datetimeFigureOut">
               <a:rPr lang="ko-KR" altLang="en-US" smtClean="0"/>
-              <a:t>2018-11-22</a:t>
+              <a:t>2018-11-27</a:t>
             </a:fld>
             <a:endParaRPr lang="ko-KR" altLang="en-US"/>
           </a:p>
@@ -2385,7 +3044,7 @@
           <a:p>
             <a:fld id="{BE8D2DAF-387B-41D4-BE33-DC8C35FEC344}" type="datetimeFigureOut">
               <a:rPr lang="ko-KR" altLang="en-US" smtClean="0"/>
-              <a:t>2018-11-22</a:t>
+              <a:t>2018-11-27</a:t>
             </a:fld>
             <a:endParaRPr lang="ko-KR" altLang="en-US"/>
           </a:p>
@@ -2673,7 +3332,7 @@
           <a:p>
             <a:fld id="{BE8D2DAF-387B-41D4-BE33-DC8C35FEC344}" type="datetimeFigureOut">
               <a:rPr lang="ko-KR" altLang="en-US" smtClean="0"/>
-              <a:t>2018-11-22</a:t>
+              <a:t>2018-11-27</a:t>
             </a:fld>
             <a:endParaRPr lang="ko-KR" altLang="en-US"/>
           </a:p>
@@ -2914,7 +3573,7 @@
           <a:p>
             <a:fld id="{BE8D2DAF-387B-41D4-BE33-DC8C35FEC344}" type="datetimeFigureOut">
               <a:rPr lang="ko-KR" altLang="en-US" smtClean="0"/>
-              <a:t>2018-11-22</a:t>
+              <a:t>2018-11-27</a:t>
             </a:fld>
             <a:endParaRPr lang="ko-KR" altLang="en-US"/>
           </a:p>
@@ -6383,7 +7042,7 @@
             </a:r>
             <a:r>
               <a:rPr lang="en-US" altLang="ko-KR" sz="1600" dirty="0"/>
-              <a:t>: 8000m * 8000m</a:t>
+              <a:t>: 6000m * 6000m</a:t>
             </a:r>
           </a:p>
           <a:p>
@@ -6393,7 +7052,7 @@
             </a:r>
             <a:r>
               <a:rPr lang="en-US" altLang="ko-KR" sz="1600" dirty="0"/>
-              <a:t>: 3000m * 3000m</a:t>
+              <a:t>: 2000m * 2000m</a:t>
             </a:r>
           </a:p>
           <a:p>
@@ -7332,4 +7991,299 @@
     </a:ext>
   </a:extLst>
 </a:theme>
+</file>
+
+<file path=ppt/theme/theme2.xml><?xml version="1.0" encoding="utf-8"?>
+<a:theme xmlns:a="http://schemas.openxmlformats.org/drawingml/2006/main" name="Office 테마">
+  <a:themeElements>
+    <a:clrScheme name="Office">
+      <a:dk1>
+        <a:sysClr val="windowText" lastClr="000000"/>
+      </a:dk1>
+      <a:lt1>
+        <a:sysClr val="window" lastClr="FFFFFF"/>
+      </a:lt1>
+      <a:dk2>
+        <a:srgbClr val="44546A"/>
+      </a:dk2>
+      <a:lt2>
+        <a:srgbClr val="E7E6E6"/>
+      </a:lt2>
+      <a:accent1>
+        <a:srgbClr val="4472C4"/>
+      </a:accent1>
+      <a:accent2>
+        <a:srgbClr val="ED7D31"/>
+      </a:accent2>
+      <a:accent3>
+        <a:srgbClr val="A5A5A5"/>
+      </a:accent3>
+      <a:accent4>
+        <a:srgbClr val="FFC000"/>
+      </a:accent4>
+      <a:accent5>
+        <a:srgbClr val="5B9BD5"/>
+      </a:accent5>
+      <a:accent6>
+        <a:srgbClr val="70AD47"/>
+      </a:accent6>
+      <a:hlink>
+        <a:srgbClr val="0563C1"/>
+      </a:hlink>
+      <a:folHlink>
+        <a:srgbClr val="954F72"/>
+      </a:folHlink>
+    </a:clrScheme>
+    <a:fontScheme name="Office">
+      <a:majorFont>
+        <a:latin typeface="맑은 고딕" panose="020F0302020204030204"/>
+        <a:ea typeface=""/>
+        <a:cs typeface=""/>
+        <a:font script="Jpan" typeface="游ゴシック Light"/>
+        <a:font script="Hang" typeface="맑은 고딕"/>
+        <a:font script="Hans" typeface="等线 Light"/>
+        <a:font script="Hant" typeface="新細明體"/>
+        <a:font script="Arab" typeface="Times New Roman"/>
+        <a:font script="Hebr" typeface="Times New Roman"/>
+        <a:font script="Thai" typeface="Angsana New"/>
+        <a:font script="Ethi" typeface="Nyala"/>
+        <a:font script="Beng" typeface="Vrinda"/>
+        <a:font script="Gujr" typeface="Shruti"/>
+        <a:font script="Khmr" typeface="MoolBoran"/>
+        <a:font script="Knda" typeface="Tunga"/>
+        <a:font script="Guru" typeface="Raavi"/>
+        <a:font script="Cans" typeface="Euphemia"/>
+        <a:font script="Cher" typeface="Plantagenet Cherokee"/>
+        <a:font script="Yiii" typeface="Microsoft Yi Baiti"/>
+        <a:font script="Tibt" typeface="Microsoft Himalaya"/>
+        <a:font script="Thaa" typeface="MV Boli"/>
+        <a:font script="Deva" typeface="Mangal"/>
+        <a:font script="Telu" typeface="Gautami"/>
+        <a:font script="Taml" typeface="Latha"/>
+        <a:font script="Syrc" typeface="Estrangelo Edessa"/>
+        <a:font script="Orya" typeface="Kalinga"/>
+        <a:font script="Mlym" typeface="Kartika"/>
+        <a:font script="Laoo" typeface="DokChampa"/>
+        <a:font script="Sinh" typeface="Iskoola Pota"/>
+        <a:font script="Mong" typeface="Mongolian Baiti"/>
+        <a:font script="Viet" typeface="Times New Roman"/>
+        <a:font script="Uigh" typeface="Microsoft Uighur"/>
+        <a:font script="Geor" typeface="Sylfaen"/>
+        <a:font script="Armn" typeface="Arial"/>
+        <a:font script="Bugi" typeface="Leelawadee UI"/>
+        <a:font script="Bopo" typeface="Microsoft JhengHei"/>
+        <a:font script="Java" typeface="Javanese Text"/>
+        <a:font script="Lisu" typeface="Segoe UI"/>
+        <a:font script="Mymr" typeface="Myanmar Text"/>
+        <a:font script="Nkoo" typeface="Ebrima"/>
+        <a:font script="Olck" typeface="Nirmala UI"/>
+        <a:font script="Osma" typeface="Ebrima"/>
+        <a:font script="Phag" typeface="Phagspa"/>
+        <a:font script="Syrn" typeface="Estrangelo Edessa"/>
+        <a:font script="Syrj" typeface="Estrangelo Edessa"/>
+        <a:font script="Syre" typeface="Estrangelo Edessa"/>
+        <a:font script="Sora" typeface="Nirmala UI"/>
+        <a:font script="Tale" typeface="Microsoft Tai Le"/>
+        <a:font script="Talu" typeface="Microsoft New Tai Lue"/>
+        <a:font script="Tfng" typeface="Ebrima"/>
+      </a:majorFont>
+      <a:minorFont>
+        <a:latin typeface="맑은 고딕" panose="020F0502020204030204"/>
+        <a:ea typeface=""/>
+        <a:cs typeface=""/>
+        <a:font script="Jpan" typeface="游ゴシック"/>
+        <a:font script="Hang" typeface="맑은 고딕"/>
+        <a:font script="Hans" typeface="等线"/>
+        <a:font script="Hant" typeface="新細明體"/>
+        <a:font script="Arab" typeface="Arial"/>
+        <a:font script="Hebr" typeface="Arial"/>
+        <a:font script="Thai" typeface="Cordia New"/>
+        <a:font script="Ethi" typeface="Nyala"/>
+        <a:font script="Beng" typeface="Vrinda"/>
+        <a:font script="Gujr" typeface="Shruti"/>
+        <a:font script="Khmr" typeface="DaunPenh"/>
+        <a:font script="Knda" typeface="Tunga"/>
+        <a:font script="Guru" typeface="Raavi"/>
+        <a:font script="Cans" typeface="Euphemia"/>
+        <a:font script="Cher" typeface="Plantagenet Cherokee"/>
+        <a:font script="Yiii" typeface="Microsoft Yi Baiti"/>
+        <a:font script="Tibt" typeface="Microsoft Himalaya"/>
+        <a:font script="Thaa" typeface="MV Boli"/>
+        <a:font script="Deva" typeface="Mangal"/>
+        <a:font script="Telu" typeface="Gautami"/>
+        <a:font script="Taml" typeface="Latha"/>
+        <a:font script="Syrc" typeface="Estrangelo Edessa"/>
+        <a:font script="Orya" typeface="Kalinga"/>
+        <a:font script="Mlym" typeface="Kartika"/>
+        <a:font script="Laoo" typeface="DokChampa"/>
+        <a:font script="Sinh" typeface="Iskoola Pota"/>
+        <a:font script="Mong" typeface="Mongolian Baiti"/>
+        <a:font script="Viet" typeface="Arial"/>
+        <a:font script="Uigh" typeface="Microsoft Uighur"/>
+        <a:font script="Geor" typeface="Sylfaen"/>
+        <a:font script="Armn" typeface="Arial"/>
+        <a:font script="Bugi" typeface="Leelawadee UI"/>
+        <a:font script="Bopo" typeface="Microsoft JhengHei"/>
+        <a:font script="Java" typeface="Javanese Text"/>
+        <a:font script="Lisu" typeface="Segoe UI"/>
+        <a:font script="Mymr" typeface="Myanmar Text"/>
+        <a:font script="Nkoo" typeface="Ebrima"/>
+        <a:font script="Olck" typeface="Nirmala UI"/>
+        <a:font script="Osma" typeface="Ebrima"/>
+        <a:font script="Phag" typeface="Phagspa"/>
+        <a:font script="Syrn" typeface="Estrangelo Edessa"/>
+        <a:font script="Syrj" typeface="Estrangelo Edessa"/>
+        <a:font script="Syre" typeface="Estrangelo Edessa"/>
+        <a:font script="Sora" typeface="Nirmala UI"/>
+        <a:font script="Tale" typeface="Microsoft Tai Le"/>
+        <a:font script="Talu" typeface="Microsoft New Tai Lue"/>
+        <a:font script="Tfng" typeface="Ebrima"/>
+      </a:minorFont>
+    </a:fontScheme>
+    <a:fmtScheme name="Office">
+      <a:fillStyleLst>
+        <a:solidFill>
+          <a:schemeClr val="phClr"/>
+        </a:solidFill>
+        <a:gradFill rotWithShape="1">
+          <a:gsLst>
+            <a:gs pos="0">
+              <a:schemeClr val="phClr">
+                <a:lumMod val="110000"/>
+                <a:satMod val="105000"/>
+                <a:tint val="67000"/>
+              </a:schemeClr>
+            </a:gs>
+            <a:gs pos="50000">
+              <a:schemeClr val="phClr">
+                <a:lumMod val="105000"/>
+                <a:satMod val="103000"/>
+                <a:tint val="73000"/>
+              </a:schemeClr>
+            </a:gs>
+            <a:gs pos="100000">
+              <a:schemeClr val="phClr">
+                <a:lumMod val="105000"/>
+                <a:satMod val="109000"/>
+                <a:tint val="81000"/>
+              </a:schemeClr>
+            </a:gs>
+          </a:gsLst>
+          <a:lin ang="5400000" scaled="0"/>
+        </a:gradFill>
+        <a:gradFill rotWithShape="1">
+          <a:gsLst>
+            <a:gs pos="0">
+              <a:schemeClr val="phClr">
+                <a:satMod val="103000"/>
+                <a:lumMod val="102000"/>
+                <a:tint val="94000"/>
+              </a:schemeClr>
+            </a:gs>
+            <a:gs pos="50000">
+              <a:schemeClr val="phClr">
+                <a:satMod val="110000"/>
+                <a:lumMod val="100000"/>
+                <a:shade val="100000"/>
+              </a:schemeClr>
+            </a:gs>
+            <a:gs pos="100000">
+              <a:schemeClr val="phClr">
+                <a:lumMod val="99000"/>
+                <a:satMod val="120000"/>
+                <a:shade val="78000"/>
+              </a:schemeClr>
+            </a:gs>
+          </a:gsLst>
+          <a:lin ang="5400000" scaled="0"/>
+        </a:gradFill>
+      </a:fillStyleLst>
+      <a:lnStyleLst>
+        <a:ln w="6350" cap="flat" cmpd="sng" algn="ctr">
+          <a:solidFill>
+            <a:schemeClr val="phClr"/>
+          </a:solidFill>
+          <a:prstDash val="solid"/>
+          <a:miter lim="800000"/>
+        </a:ln>
+        <a:ln w="12700" cap="flat" cmpd="sng" algn="ctr">
+          <a:solidFill>
+            <a:schemeClr val="phClr"/>
+          </a:solidFill>
+          <a:prstDash val="solid"/>
+          <a:miter lim="800000"/>
+        </a:ln>
+        <a:ln w="19050" cap="flat" cmpd="sng" algn="ctr">
+          <a:solidFill>
+            <a:schemeClr val="phClr"/>
+          </a:solidFill>
+          <a:prstDash val="solid"/>
+          <a:miter lim="800000"/>
+        </a:ln>
+      </a:lnStyleLst>
+      <a:effectStyleLst>
+        <a:effectStyle>
+          <a:effectLst/>
+        </a:effectStyle>
+        <a:effectStyle>
+          <a:effectLst/>
+        </a:effectStyle>
+        <a:effectStyle>
+          <a:effectLst>
+            <a:outerShdw blurRad="57150" dist="19050" dir="5400000" algn="ctr" rotWithShape="0">
+              <a:srgbClr val="000000">
+                <a:alpha val="63000"/>
+              </a:srgbClr>
+            </a:outerShdw>
+          </a:effectLst>
+        </a:effectStyle>
+      </a:effectStyleLst>
+      <a:bgFillStyleLst>
+        <a:solidFill>
+          <a:schemeClr val="phClr"/>
+        </a:solidFill>
+        <a:solidFill>
+          <a:schemeClr val="phClr">
+            <a:tint val="95000"/>
+            <a:satMod val="170000"/>
+          </a:schemeClr>
+        </a:solidFill>
+        <a:gradFill rotWithShape="1">
+          <a:gsLst>
+            <a:gs pos="0">
+              <a:schemeClr val="phClr">
+                <a:tint val="93000"/>
+                <a:satMod val="150000"/>
+                <a:shade val="98000"/>
+                <a:lumMod val="102000"/>
+              </a:schemeClr>
+            </a:gs>
+            <a:gs pos="50000">
+              <a:schemeClr val="phClr">
+                <a:tint val="98000"/>
+                <a:satMod val="130000"/>
+                <a:shade val="90000"/>
+                <a:lumMod val="103000"/>
+              </a:schemeClr>
+            </a:gs>
+            <a:gs pos="100000">
+              <a:schemeClr val="phClr">
+                <a:shade val="63000"/>
+                <a:satMod val="120000"/>
+              </a:schemeClr>
+            </a:gs>
+          </a:gsLst>
+          <a:lin ang="5400000" scaled="0"/>
+        </a:gradFill>
+      </a:bgFillStyleLst>
+    </a:fmtScheme>
+  </a:themeElements>
+  <a:objectDefaults/>
+  <a:extraClrSchemeLst/>
+  <a:extLst>
+    <a:ext uri="{05A4C25C-085E-4340-85A3-A5531E510DB2}">
+      <thm15:themeFamily xmlns:thm15="http://schemas.microsoft.com/office/thememl/2012/main" name="Office Theme" id="{62F939B6-93AF-4DB8-9C6B-D6C7DFDC589F}" vid="{4A3C46E8-61CC-4603-A589-7422A47A8E4A}"/>
+    </a:ext>
+  </a:extLst>
+</a:theme>
 </file>
--- a/Document/1122 기획발표자료_01.pptx
+++ b/Document/1122 기획발표자료_01.pptx
@@ -5,7 +5,7 @@
     <p:sldMasterId id="2147483648" r:id="rId1"/>
   </p:sldMasterIdLst>
   <p:notesMasterIdLst>
-    <p:notesMasterId r:id="rId8"/>
+    <p:notesMasterId r:id="rId12"/>
   </p:notesMasterIdLst>
   <p:sldIdLst>
     <p:sldId id="256" r:id="rId2"/>
@@ -14,6 +14,10 @@
     <p:sldId id="265" r:id="rId5"/>
     <p:sldId id="258" r:id="rId6"/>
     <p:sldId id="264" r:id="rId7"/>
+    <p:sldId id="266" r:id="rId8"/>
+    <p:sldId id="267" r:id="rId9"/>
+    <p:sldId id="268" r:id="rId10"/>
+    <p:sldId id="269" r:id="rId11"/>
   </p:sldIdLst>
   <p:sldSz cx="12192000" cy="6858000"/>
   <p:notesSz cx="6858000" cy="9144000"/>
@@ -514,15 +518,30 @@
           <a:lstStyle/>
           <a:p>
             <a:r>
-              <a:rPr lang="ko-KR" altLang="en-US"/>
-              <a:t>클라</a:t>
-            </a:r>
-            <a:endParaRPr lang="en-US" altLang="ko-KR"/>
-          </a:p>
-          <a:p>
-            <a:r>
               <a:rPr lang="ko-KR" altLang="en-US" dirty="0"/>
-              <a:t>미세먼지</a:t>
+              <a:t>내륙은 미세먼지 피해가 심해서</a:t>
+            </a:r>
+            <a:r>
+              <a:rPr lang="en-US" altLang="ko-KR" dirty="0"/>
+              <a:t>, </a:t>
+            </a:r>
+            <a:r>
+              <a:rPr lang="ko-KR" altLang="en-US" dirty="0"/>
+              <a:t>피하기 위해서 섬 쪽으로 대피했다</a:t>
+            </a:r>
+            <a:r>
+              <a:rPr lang="en-US" altLang="ko-KR" dirty="0"/>
+              <a:t>.</a:t>
+            </a:r>
+          </a:p>
+          <a:p>
+            <a:r>
+              <a:rPr lang="en-US" altLang="ko-KR" dirty="0"/>
+              <a:t>(</a:t>
+            </a:r>
+            <a:r>
+              <a:rPr lang="ko-KR" altLang="en-US" dirty="0"/>
+              <a:t>사람들이 섬에 있는 이유와</a:t>
             </a:r>
             <a:r>
               <a:rPr lang="en-US" altLang="ko-KR" dirty="0"/>
@@ -530,30 +549,11 @@
             </a:r>
             <a:r>
               <a:rPr lang="ko-KR" altLang="en-US" dirty="0"/>
-              <a:t>표시는 클라이언트에서 구현하고 저장하여</a:t>
-            </a:r>
-            <a:endParaRPr lang="en-US" altLang="ko-KR" dirty="0"/>
-          </a:p>
-          <a:p>
-            <a:r>
-              <a:rPr lang="ko-KR" altLang="en-US" dirty="0"/>
-              <a:t>미세먼지가 </a:t>
+              <a:t>섬이 그렇게 도시들만큼 발전 안 한 이유에 뒷받침 될 수 있다</a:t>
             </a:r>
             <a:r>
               <a:rPr lang="en-US" altLang="ko-KR" dirty="0"/>
-              <a:t>MAX</a:t>
-            </a:r>
-            <a:r>
-              <a:rPr lang="ko-KR" altLang="en-US" dirty="0"/>
-              <a:t>일 경우 죽었다는 신호를 서버로 보내주는 방식</a:t>
-            </a:r>
-            <a:r>
-              <a:rPr lang="en-US" altLang="ko-KR" dirty="0"/>
-              <a:t>.</a:t>
-            </a:r>
-            <a:r>
-              <a:rPr lang="ko-KR" altLang="en-US" dirty="0"/>
-              <a:t> </a:t>
+              <a:t>.)</a:t>
             </a:r>
           </a:p>
         </p:txBody>
@@ -575,7 +575,7 @@
           <a:p>
             <a:fld id="{4480B861-D6FD-49EB-95C2-C5D13E36DAB6}" type="slidenum">
               <a:rPr lang="ko-KR" altLang="en-US" smtClean="0"/>
-              <a:t>4</a:t>
+              <a:t>3</a:t>
             </a:fld>
             <a:endParaRPr lang="ko-KR" altLang="en-US"/>
           </a:p>
@@ -584,7 +584,7 @@
     </p:spTree>
     <p:extLst>
       <p:ext uri="{BB962C8B-B14F-4D97-AF65-F5344CB8AC3E}">
-        <p14:creationId xmlns:p14="http://schemas.microsoft.com/office/powerpoint/2010/main" val="2747045775"/>
+        <p14:creationId xmlns:p14="http://schemas.microsoft.com/office/powerpoint/2010/main" val="477042604"/>
       </p:ext>
     </p:extLst>
   </p:cSld>
@@ -646,97 +646,40 @@
           </a:p>
           <a:p>
             <a:r>
+              <a:rPr lang="ko-KR" altLang="en-US" dirty="0"/>
+              <a:t>미세먼지</a:t>
+            </a:r>
+            <a:r>
               <a:rPr lang="en-US" altLang="ko-KR" dirty="0"/>
-              <a:t>64</a:t>
+              <a:t> </a:t>
             </a:r>
             <a:r>
               <a:rPr lang="ko-KR" altLang="en-US" dirty="0"/>
-              <a:t>비트면 </a:t>
+              <a:t>표시는 클라이언트에서 구현하고 저장하여</a:t>
+            </a:r>
+            <a:endParaRPr lang="en-US" altLang="ko-KR" dirty="0"/>
+          </a:p>
+          <a:p>
+            <a:r>
+              <a:rPr lang="ko-KR" altLang="en-US" dirty="0"/>
+              <a:t>미세먼지가 </a:t>
             </a:r>
             <a:r>
               <a:rPr lang="en-US" altLang="ko-KR" dirty="0"/>
-              <a:t>7</a:t>
+              <a:t>MAX</a:t>
             </a:r>
             <a:r>
               <a:rPr lang="ko-KR" altLang="en-US" dirty="0"/>
-              <a:t>자리</a:t>
-            </a:r>
-            <a:r>
-              <a:rPr lang="en-US" altLang="ko-KR" dirty="0"/>
-              <a:t>(?)</a:t>
-            </a:r>
-            <a:r>
-              <a:rPr lang="ko-KR" altLang="en-US" dirty="0"/>
-              <a:t>여서 </a:t>
-            </a:r>
-            <a:r>
-              <a:rPr lang="en-US" altLang="ko-KR" dirty="0"/>
-              <a:t>8000*8000</a:t>
-            </a:r>
-            <a:r>
-              <a:rPr lang="ko-KR" altLang="en-US" dirty="0"/>
-              <a:t>이면 </a:t>
-            </a:r>
-            <a:endParaRPr lang="en-US" altLang="ko-KR" dirty="0"/>
-          </a:p>
-          <a:p>
-            <a:r>
-              <a:rPr lang="ko-KR" altLang="en-US" dirty="0"/>
-              <a:t>그래픽 단위를 </a:t>
-            </a:r>
-            <a:r>
-              <a:rPr lang="en-US" altLang="ko-KR" dirty="0"/>
-              <a:t>mm</a:t>
-            </a:r>
-            <a:r>
-              <a:rPr lang="ko-KR" altLang="en-US" dirty="0"/>
-              <a:t>로 했을 때 맵 가장자리로 가면 오류가 생기게 됨</a:t>
+              <a:t>일 경우 죽었다는 신호를 서버로 보내주는 방식</a:t>
             </a:r>
             <a:r>
               <a:rPr lang="en-US" altLang="ko-KR" dirty="0"/>
               <a:t>.</a:t>
             </a:r>
-          </a:p>
-          <a:p>
             <a:r>
               <a:rPr lang="ko-KR" altLang="en-US" dirty="0"/>
-              <a:t>따라서 섬과 주위를 둘러싼 바다 포함 </a:t>
-            </a:r>
-            <a:r>
-              <a:rPr lang="en-US" altLang="ko-KR" dirty="0"/>
-              <a:t>6000 * 6000</a:t>
-            </a:r>
-            <a:r>
-              <a:rPr lang="ko-KR" altLang="en-US" dirty="0"/>
-              <a:t>으로 한다</a:t>
-            </a:r>
-            <a:r>
-              <a:rPr lang="en-US" altLang="ko-KR" dirty="0"/>
-              <a:t>. </a:t>
-            </a:r>
-          </a:p>
-          <a:p>
-            <a:r>
-              <a:rPr lang="en-US" altLang="ko-KR" dirty="0"/>
-              <a:t>-&gt; </a:t>
-            </a:r>
-            <a:r>
-              <a:rPr lang="ko-KR" altLang="en-US" dirty="0"/>
-              <a:t>사실상 플레이어가 이동할 수 있는 거리는 </a:t>
-            </a:r>
-            <a:r>
-              <a:rPr lang="en-US" altLang="ko-KR" dirty="0"/>
-              <a:t>6000*6000</a:t>
-            </a:r>
-            <a:r>
-              <a:rPr lang="ko-KR" altLang="en-US" dirty="0"/>
-              <a:t>이 안됨</a:t>
-            </a:r>
-            <a:r>
-              <a:rPr lang="en-US" altLang="ko-KR" dirty="0"/>
-              <a:t>.</a:t>
-            </a:r>
-            <a:endParaRPr lang="ko-KR" altLang="en-US" dirty="0"/>
+              <a:t> </a:t>
+            </a:r>
           </a:p>
         </p:txBody>
       </p:sp>
@@ -757,6 +700,188 @@
           <a:p>
             <a:fld id="{4480B861-D6FD-49EB-95C2-C5D13E36DAB6}" type="slidenum">
               <a:rPr lang="ko-KR" altLang="en-US" smtClean="0"/>
+              <a:t>4</a:t>
+            </a:fld>
+            <a:endParaRPr lang="ko-KR" altLang="en-US"/>
+          </a:p>
+        </p:txBody>
+      </p:sp>
+    </p:spTree>
+    <p:extLst>
+      <p:ext uri="{BB962C8B-B14F-4D97-AF65-F5344CB8AC3E}">
+        <p14:creationId xmlns:p14="http://schemas.microsoft.com/office/powerpoint/2010/main" val="2747045775"/>
+      </p:ext>
+    </p:extLst>
+  </p:cSld>
+  <p:clrMapOvr>
+    <a:masterClrMapping/>
+  </p:clrMapOvr>
+</p:notes>
+</file>
+
+<file path=ppt/notesSlides/notesSlide3.xml><?xml version="1.0" encoding="utf-8"?>
+<p:notes xmlns:a="http://schemas.openxmlformats.org/drawingml/2006/main" xmlns:r="http://schemas.openxmlformats.org/officeDocument/2006/relationships" xmlns:p="http://schemas.openxmlformats.org/presentationml/2006/main">
+  <p:cSld>
+    <p:spTree>
+      <p:nvGrpSpPr>
+        <p:cNvPr id="1" name=""/>
+        <p:cNvGrpSpPr/>
+        <p:nvPr/>
+      </p:nvGrpSpPr>
+      <p:grpSpPr>
+        <a:xfrm>
+          <a:off x="0" y="0"/>
+          <a:ext cx="0" cy="0"/>
+          <a:chOff x="0" y="0"/>
+          <a:chExt cx="0" cy="0"/>
+        </a:xfrm>
+      </p:grpSpPr>
+      <p:sp>
+        <p:nvSpPr>
+          <p:cNvPr id="2" name="슬라이드 이미지 개체 틀 1"/>
+          <p:cNvSpPr>
+            <a:spLocks noGrp="1" noRot="1" noChangeAspect="1"/>
+          </p:cNvSpPr>
+          <p:nvPr>
+            <p:ph type="sldImg"/>
+          </p:nvPr>
+        </p:nvSpPr>
+        <p:spPr/>
+      </p:sp>
+      <p:sp>
+        <p:nvSpPr>
+          <p:cNvPr id="3" name="슬라이드 노트 개체 틀 2"/>
+          <p:cNvSpPr>
+            <a:spLocks noGrp="1"/>
+          </p:cNvSpPr>
+          <p:nvPr>
+            <p:ph type="body" idx="1"/>
+          </p:nvPr>
+        </p:nvSpPr>
+        <p:spPr/>
+        <p:txBody>
+          <a:bodyPr/>
+          <a:lstStyle/>
+          <a:p>
+            <a:r>
+              <a:rPr lang="ko-KR" altLang="en-US" dirty="0" err="1"/>
+              <a:t>클라</a:t>
+            </a:r>
+            <a:endParaRPr lang="en-US" altLang="ko-KR" dirty="0"/>
+          </a:p>
+          <a:p>
+            <a:r>
+              <a:rPr lang="en-US" altLang="ko-KR" dirty="0"/>
+              <a:t>64</a:t>
+            </a:r>
+            <a:r>
+              <a:rPr lang="ko-KR" altLang="en-US" dirty="0"/>
+              <a:t>비트면 </a:t>
+            </a:r>
+            <a:r>
+              <a:rPr lang="en-US" altLang="ko-KR" dirty="0"/>
+              <a:t>7</a:t>
+            </a:r>
+            <a:r>
+              <a:rPr lang="ko-KR" altLang="en-US" dirty="0"/>
+              <a:t>자리</a:t>
+            </a:r>
+            <a:r>
+              <a:rPr lang="en-US" altLang="ko-KR" dirty="0"/>
+              <a:t>(?)</a:t>
+            </a:r>
+            <a:r>
+              <a:rPr lang="ko-KR" altLang="en-US" dirty="0"/>
+              <a:t>여서 </a:t>
+            </a:r>
+            <a:r>
+              <a:rPr lang="en-US" altLang="ko-KR" dirty="0"/>
+              <a:t>2000*2000</a:t>
+            </a:r>
+            <a:r>
+              <a:rPr lang="ko-KR" altLang="en-US" dirty="0"/>
+              <a:t>이면 </a:t>
+            </a:r>
+            <a:endParaRPr lang="en-US" altLang="ko-KR" dirty="0"/>
+          </a:p>
+          <a:p>
+            <a:r>
+              <a:rPr lang="ko-KR" altLang="en-US" dirty="0"/>
+              <a:t>그래픽 단위를 </a:t>
+            </a:r>
+            <a:r>
+              <a:rPr lang="en-US" altLang="ko-KR" dirty="0"/>
+              <a:t>cm</a:t>
+            </a:r>
+            <a:r>
+              <a:rPr lang="ko-KR" altLang="en-US" dirty="0"/>
+              <a:t>로 했을 때 맵 가장자리로 가면 오류가 생기게 됨</a:t>
+            </a:r>
+            <a:r>
+              <a:rPr lang="en-US" altLang="ko-KR" dirty="0"/>
+              <a:t>.</a:t>
+            </a:r>
+          </a:p>
+          <a:p>
+            <a:r>
+              <a:rPr lang="ko-KR" altLang="en-US" dirty="0"/>
+              <a:t>따라서 섬과 주위를 둘러싼 바다 포함 </a:t>
+            </a:r>
+            <a:r>
+              <a:rPr lang="en-US" altLang="ko-KR" dirty="0"/>
+              <a:t>2000 * 2000</a:t>
+            </a:r>
+            <a:r>
+              <a:rPr lang="ko-KR" altLang="en-US" dirty="0"/>
+              <a:t>으로 한다</a:t>
+            </a:r>
+            <a:r>
+              <a:rPr lang="en-US" altLang="ko-KR" dirty="0"/>
+              <a:t>. </a:t>
+            </a:r>
+          </a:p>
+          <a:p>
+            <a:r>
+              <a:rPr lang="en-US" altLang="ko-KR" dirty="0"/>
+              <a:t>-&gt; </a:t>
+            </a:r>
+            <a:r>
+              <a:rPr lang="ko-KR" altLang="en-US" dirty="0"/>
+              <a:t>사실상 플레이어가 이동할 수 있는 거리는 </a:t>
+            </a:r>
+            <a:r>
+              <a:rPr lang="en-US" altLang="ko-KR" dirty="0"/>
+              <a:t>2000*2000</a:t>
+            </a:r>
+            <a:r>
+              <a:rPr lang="ko-KR" altLang="en-US" dirty="0"/>
+              <a:t>이 안됨</a:t>
+            </a:r>
+            <a:r>
+              <a:rPr lang="en-US" altLang="ko-KR" dirty="0"/>
+              <a:t>.</a:t>
+            </a:r>
+            <a:endParaRPr lang="ko-KR" altLang="en-US" dirty="0"/>
+          </a:p>
+        </p:txBody>
+      </p:sp>
+      <p:sp>
+        <p:nvSpPr>
+          <p:cNvPr id="4" name="슬라이드 번호 개체 틀 3"/>
+          <p:cNvSpPr>
+            <a:spLocks noGrp="1"/>
+          </p:cNvSpPr>
+          <p:nvPr>
+            <p:ph type="sldNum" sz="quarter" idx="5"/>
+          </p:nvPr>
+        </p:nvSpPr>
+        <p:spPr/>
+        <p:txBody>
+          <a:bodyPr/>
+          <a:lstStyle/>
+          <a:p>
+            <a:fld id="{4480B861-D6FD-49EB-95C2-C5D13E36DAB6}" type="slidenum">
+              <a:rPr lang="ko-KR" altLang="en-US" smtClean="0"/>
               <a:t>5</a:t>
             </a:fld>
             <a:endParaRPr lang="ko-KR" altLang="en-US"/>
@@ -767,6 +892,728 @@
     <p:extLst>
       <p:ext uri="{BB962C8B-B14F-4D97-AF65-F5344CB8AC3E}">
         <p14:creationId xmlns:p14="http://schemas.microsoft.com/office/powerpoint/2010/main" val="725736083"/>
+      </p:ext>
+    </p:extLst>
+  </p:cSld>
+  <p:clrMapOvr>
+    <a:masterClrMapping/>
+  </p:clrMapOvr>
+</p:notes>
+</file>
+
+<file path=ppt/notesSlides/notesSlide4.xml><?xml version="1.0" encoding="utf-8"?>
+<p:notes xmlns:a="http://schemas.openxmlformats.org/drawingml/2006/main" xmlns:r="http://schemas.openxmlformats.org/officeDocument/2006/relationships" xmlns:p="http://schemas.openxmlformats.org/presentationml/2006/main">
+  <p:cSld>
+    <p:spTree>
+      <p:nvGrpSpPr>
+        <p:cNvPr id="1" name=""/>
+        <p:cNvGrpSpPr/>
+        <p:nvPr/>
+      </p:nvGrpSpPr>
+      <p:grpSpPr>
+        <a:xfrm>
+          <a:off x="0" y="0"/>
+          <a:ext cx="0" cy="0"/>
+          <a:chOff x="0" y="0"/>
+          <a:chExt cx="0" cy="0"/>
+        </a:xfrm>
+      </p:grpSpPr>
+      <p:sp>
+        <p:nvSpPr>
+          <p:cNvPr id="2" name="슬라이드 이미지 개체 틀 1"/>
+          <p:cNvSpPr>
+            <a:spLocks noGrp="1" noRot="1" noChangeAspect="1"/>
+          </p:cNvSpPr>
+          <p:nvPr>
+            <p:ph type="sldImg"/>
+          </p:nvPr>
+        </p:nvSpPr>
+        <p:spPr/>
+      </p:sp>
+      <p:sp>
+        <p:nvSpPr>
+          <p:cNvPr id="3" name="슬라이드 노트 개체 틀 2"/>
+          <p:cNvSpPr>
+            <a:spLocks noGrp="1"/>
+          </p:cNvSpPr>
+          <p:nvPr>
+            <p:ph type="body" idx="1"/>
+          </p:nvPr>
+        </p:nvSpPr>
+        <p:spPr/>
+        <p:txBody>
+          <a:bodyPr/>
+          <a:lstStyle/>
+          <a:p>
+            <a:endParaRPr lang="ko-KR" altLang="en-US" dirty="0"/>
+          </a:p>
+        </p:txBody>
+      </p:sp>
+      <p:sp>
+        <p:nvSpPr>
+          <p:cNvPr id="4" name="슬라이드 번호 개체 틀 3"/>
+          <p:cNvSpPr>
+            <a:spLocks noGrp="1"/>
+          </p:cNvSpPr>
+          <p:nvPr>
+            <p:ph type="sldNum" sz="quarter" idx="5"/>
+          </p:nvPr>
+        </p:nvSpPr>
+        <p:spPr/>
+        <p:txBody>
+          <a:bodyPr/>
+          <a:lstStyle/>
+          <a:p>
+            <a:fld id="{4480B861-D6FD-49EB-95C2-C5D13E36DAB6}" type="slidenum">
+              <a:rPr lang="ko-KR" altLang="en-US" smtClean="0"/>
+              <a:t>6</a:t>
+            </a:fld>
+            <a:endParaRPr lang="ko-KR" altLang="en-US"/>
+          </a:p>
+        </p:txBody>
+      </p:sp>
+    </p:spTree>
+    <p:extLst>
+      <p:ext uri="{BB962C8B-B14F-4D97-AF65-F5344CB8AC3E}">
+        <p14:creationId xmlns:p14="http://schemas.microsoft.com/office/powerpoint/2010/main" val="2579858628"/>
+      </p:ext>
+    </p:extLst>
+  </p:cSld>
+  <p:clrMapOvr>
+    <a:masterClrMapping/>
+  </p:clrMapOvr>
+</p:notes>
+</file>
+
+<file path=ppt/notesSlides/notesSlide5.xml><?xml version="1.0" encoding="utf-8"?>
+<p:notes xmlns:a="http://schemas.openxmlformats.org/drawingml/2006/main" xmlns:r="http://schemas.openxmlformats.org/officeDocument/2006/relationships" xmlns:p="http://schemas.openxmlformats.org/presentationml/2006/main">
+  <p:cSld>
+    <p:spTree>
+      <p:nvGrpSpPr>
+        <p:cNvPr id="1" name=""/>
+        <p:cNvGrpSpPr/>
+        <p:nvPr/>
+      </p:nvGrpSpPr>
+      <p:grpSpPr>
+        <a:xfrm>
+          <a:off x="0" y="0"/>
+          <a:ext cx="0" cy="0"/>
+          <a:chOff x="0" y="0"/>
+          <a:chExt cx="0" cy="0"/>
+        </a:xfrm>
+      </p:grpSpPr>
+      <p:sp>
+        <p:nvSpPr>
+          <p:cNvPr id="2" name="슬라이드 이미지 개체 틀 1"/>
+          <p:cNvSpPr>
+            <a:spLocks noGrp="1" noRot="1" noChangeAspect="1"/>
+          </p:cNvSpPr>
+          <p:nvPr>
+            <p:ph type="sldImg"/>
+          </p:nvPr>
+        </p:nvSpPr>
+        <p:spPr/>
+      </p:sp>
+      <p:sp>
+        <p:nvSpPr>
+          <p:cNvPr id="3" name="슬라이드 노트 개체 틀 2"/>
+          <p:cNvSpPr>
+            <a:spLocks noGrp="1"/>
+          </p:cNvSpPr>
+          <p:nvPr>
+            <p:ph type="body" idx="1"/>
+          </p:nvPr>
+        </p:nvSpPr>
+        <p:spPr/>
+        <p:txBody>
+          <a:bodyPr/>
+          <a:lstStyle/>
+          <a:p>
+            <a:r>
+              <a:rPr lang="ko-KR" altLang="en-US" dirty="0"/>
+              <a:t>기존 게임은 현실에 이루지 못하는 바를 게임에서 성취하거나 해소하고자 한다면</a:t>
+            </a:r>
+            <a:r>
+              <a:rPr lang="en-US" altLang="ko-KR" dirty="0"/>
+              <a:t>,</a:t>
+            </a:r>
+          </a:p>
+          <a:p>
+            <a:r>
+              <a:rPr lang="ko-KR" altLang="en-US" dirty="0"/>
+              <a:t>우리의 게임은 오히려 현실에 일어날 수 있을 지도 모르는 일을 극적으로 연출하고</a:t>
+            </a:r>
+            <a:r>
+              <a:rPr lang="en-US" altLang="ko-KR" dirty="0"/>
+              <a:t>,</a:t>
+            </a:r>
+            <a:r>
+              <a:rPr lang="ko-KR" altLang="en-US" dirty="0"/>
+              <a:t> 경험함으로써 더 몰두할 수 있게 하고</a:t>
+            </a:r>
+            <a:r>
+              <a:rPr lang="en-US" altLang="ko-KR" dirty="0"/>
+              <a:t>, </a:t>
+            </a:r>
+            <a:r>
+              <a:rPr lang="ko-KR" altLang="en-US" dirty="0"/>
+              <a:t>감정적 공감을 끌어내고</a:t>
+            </a:r>
+            <a:r>
+              <a:rPr lang="en-US" altLang="ko-KR" dirty="0"/>
+              <a:t>,</a:t>
+            </a:r>
+            <a:r>
+              <a:rPr lang="ko-KR" altLang="en-US" dirty="0"/>
+              <a:t> 경각심을 일깨워준다</a:t>
+            </a:r>
+            <a:r>
+              <a:rPr lang="en-US" altLang="ko-KR" dirty="0"/>
+              <a:t>.</a:t>
+            </a:r>
+            <a:endParaRPr lang="ko-KR" altLang="en-US" dirty="0"/>
+          </a:p>
+        </p:txBody>
+      </p:sp>
+      <p:sp>
+        <p:nvSpPr>
+          <p:cNvPr id="4" name="슬라이드 번호 개체 틀 3"/>
+          <p:cNvSpPr>
+            <a:spLocks noGrp="1"/>
+          </p:cNvSpPr>
+          <p:nvPr>
+            <p:ph type="sldNum" sz="quarter" idx="5"/>
+          </p:nvPr>
+        </p:nvSpPr>
+        <p:spPr/>
+        <p:txBody>
+          <a:bodyPr/>
+          <a:lstStyle/>
+          <a:p>
+            <a:fld id="{4480B861-D6FD-49EB-95C2-C5D13E36DAB6}" type="slidenum">
+              <a:rPr lang="ko-KR" altLang="en-US" smtClean="0"/>
+              <a:t>7</a:t>
+            </a:fld>
+            <a:endParaRPr lang="ko-KR" altLang="en-US"/>
+          </a:p>
+        </p:txBody>
+      </p:sp>
+    </p:spTree>
+    <p:extLst>
+      <p:ext uri="{BB962C8B-B14F-4D97-AF65-F5344CB8AC3E}">
+        <p14:creationId xmlns:p14="http://schemas.microsoft.com/office/powerpoint/2010/main" val="3574998352"/>
+      </p:ext>
+    </p:extLst>
+  </p:cSld>
+  <p:clrMapOvr>
+    <a:masterClrMapping/>
+  </p:clrMapOvr>
+</p:notes>
+</file>
+
+<file path=ppt/notesSlides/notesSlide6.xml><?xml version="1.0" encoding="utf-8"?>
+<p:notes xmlns:a="http://schemas.openxmlformats.org/drawingml/2006/main" xmlns:r="http://schemas.openxmlformats.org/officeDocument/2006/relationships" xmlns:p="http://schemas.openxmlformats.org/presentationml/2006/main">
+  <p:cSld>
+    <p:spTree>
+      <p:nvGrpSpPr>
+        <p:cNvPr id="1" name=""/>
+        <p:cNvGrpSpPr/>
+        <p:nvPr/>
+      </p:nvGrpSpPr>
+      <p:grpSpPr>
+        <a:xfrm>
+          <a:off x="0" y="0"/>
+          <a:ext cx="0" cy="0"/>
+          <a:chOff x="0" y="0"/>
+          <a:chExt cx="0" cy="0"/>
+        </a:xfrm>
+      </p:grpSpPr>
+      <p:sp>
+        <p:nvSpPr>
+          <p:cNvPr id="2" name="슬라이드 이미지 개체 틀 1"/>
+          <p:cNvSpPr>
+            <a:spLocks noGrp="1" noRot="1" noChangeAspect="1"/>
+          </p:cNvSpPr>
+          <p:nvPr>
+            <p:ph type="sldImg"/>
+          </p:nvPr>
+        </p:nvSpPr>
+        <p:spPr/>
+      </p:sp>
+      <p:sp>
+        <p:nvSpPr>
+          <p:cNvPr id="3" name="슬라이드 노트 개체 틀 2"/>
+          <p:cNvSpPr>
+            <a:spLocks noGrp="1"/>
+          </p:cNvSpPr>
+          <p:nvPr>
+            <p:ph type="body" idx="1"/>
+          </p:nvPr>
+        </p:nvSpPr>
+        <p:spPr/>
+        <p:txBody>
+          <a:bodyPr/>
+          <a:lstStyle/>
+          <a:p>
+            <a:r>
+              <a:rPr lang="en-US" altLang="ko-KR" dirty="0"/>
+              <a:t>5</a:t>
+            </a:r>
+            <a:r>
+              <a:rPr lang="ko-KR" altLang="en-US" dirty="0"/>
+              <a:t>등신에 엄지만 떨어져 있고 손가락 </a:t>
+            </a:r>
+            <a:r>
+              <a:rPr lang="en-US" altLang="ko-KR" dirty="0"/>
+              <a:t>4</a:t>
+            </a:r>
+            <a:r>
+              <a:rPr lang="ko-KR" altLang="en-US" dirty="0"/>
+              <a:t>개 붙어있는 캐릭터</a:t>
+            </a:r>
+            <a:endParaRPr lang="en-US" altLang="ko-KR" dirty="0"/>
+          </a:p>
+          <a:p>
+            <a:r>
+              <a:rPr lang="ko-KR" altLang="en-US" dirty="0"/>
+              <a:t>표현 단위 </a:t>
+            </a:r>
+            <a:r>
+              <a:rPr lang="en-US" altLang="ko-KR" dirty="0"/>
+              <a:t>CM</a:t>
+            </a:r>
+          </a:p>
+          <a:p>
+            <a:endParaRPr lang="en-US" altLang="ko-KR" dirty="0"/>
+          </a:p>
+          <a:p>
+            <a:endParaRPr lang="en-US" altLang="ko-KR" dirty="0"/>
+          </a:p>
+        </p:txBody>
+      </p:sp>
+      <p:sp>
+        <p:nvSpPr>
+          <p:cNvPr id="4" name="슬라이드 번호 개체 틀 3"/>
+          <p:cNvSpPr>
+            <a:spLocks noGrp="1"/>
+          </p:cNvSpPr>
+          <p:nvPr>
+            <p:ph type="sldNum" sz="quarter" idx="5"/>
+          </p:nvPr>
+        </p:nvSpPr>
+        <p:spPr/>
+        <p:txBody>
+          <a:bodyPr/>
+          <a:lstStyle/>
+          <a:p>
+            <a:fld id="{4480B861-D6FD-49EB-95C2-C5D13E36DAB6}" type="slidenum">
+              <a:rPr lang="ko-KR" altLang="en-US" smtClean="0"/>
+              <a:t>9</a:t>
+            </a:fld>
+            <a:endParaRPr lang="ko-KR" altLang="en-US"/>
+          </a:p>
+        </p:txBody>
+      </p:sp>
+    </p:spTree>
+    <p:extLst>
+      <p:ext uri="{BB962C8B-B14F-4D97-AF65-F5344CB8AC3E}">
+        <p14:creationId xmlns:p14="http://schemas.microsoft.com/office/powerpoint/2010/main" val="1870615079"/>
+      </p:ext>
+    </p:extLst>
+  </p:cSld>
+  <p:clrMapOvr>
+    <a:masterClrMapping/>
+  </p:clrMapOvr>
+</p:notes>
+</file>
+
+<file path=ppt/notesSlides/notesSlide7.xml><?xml version="1.0" encoding="utf-8"?>
+<p:notes xmlns:a="http://schemas.openxmlformats.org/drawingml/2006/main" xmlns:r="http://schemas.openxmlformats.org/officeDocument/2006/relationships" xmlns:p="http://schemas.openxmlformats.org/presentationml/2006/main">
+  <p:cSld>
+    <p:spTree>
+      <p:nvGrpSpPr>
+        <p:cNvPr id="1" name=""/>
+        <p:cNvGrpSpPr/>
+        <p:nvPr/>
+      </p:nvGrpSpPr>
+      <p:grpSpPr>
+        <a:xfrm>
+          <a:off x="0" y="0"/>
+          <a:ext cx="0" cy="0"/>
+          <a:chOff x="0" y="0"/>
+          <a:chExt cx="0" cy="0"/>
+        </a:xfrm>
+      </p:grpSpPr>
+      <p:sp>
+        <p:nvSpPr>
+          <p:cNvPr id="2" name="슬라이드 이미지 개체 틀 1"/>
+          <p:cNvSpPr>
+            <a:spLocks noGrp="1" noRot="1" noChangeAspect="1"/>
+          </p:cNvSpPr>
+          <p:nvPr>
+            <p:ph type="sldImg"/>
+          </p:nvPr>
+        </p:nvSpPr>
+        <p:spPr/>
+      </p:sp>
+      <p:sp>
+        <p:nvSpPr>
+          <p:cNvPr id="3" name="슬라이드 노트 개체 틀 2"/>
+          <p:cNvSpPr>
+            <a:spLocks noGrp="1"/>
+          </p:cNvSpPr>
+          <p:nvPr>
+            <p:ph type="body" idx="1"/>
+          </p:nvPr>
+        </p:nvSpPr>
+        <p:spPr/>
+        <p:txBody>
+          <a:bodyPr/>
+          <a:lstStyle/>
+          <a:p>
+            <a:r>
+              <a:rPr lang="ko-KR" altLang="en-US" dirty="0"/>
+              <a:t>캐릭터가 가지는 것 </a:t>
+            </a:r>
+            <a:r>
+              <a:rPr lang="en-US" altLang="ko-KR" dirty="0"/>
+              <a:t>:</a:t>
+            </a:r>
+          </a:p>
+          <a:p>
+            <a:r>
+              <a:rPr lang="ko-KR" altLang="en-US" dirty="0"/>
+              <a:t>위치</a:t>
+            </a:r>
+            <a:r>
+              <a:rPr lang="en-US" altLang="ko-KR" dirty="0"/>
+              <a:t>, </a:t>
+            </a:r>
+            <a:r>
+              <a:rPr lang="ko-KR" altLang="en-US" dirty="0"/>
+              <a:t>이동속도</a:t>
+            </a:r>
+            <a:r>
+              <a:rPr lang="en-US" altLang="ko-KR" dirty="0"/>
+              <a:t>, </a:t>
+            </a:r>
+            <a:r>
+              <a:rPr lang="ko-KR" altLang="en-US" dirty="0"/>
+              <a:t>무게</a:t>
+            </a:r>
+            <a:r>
+              <a:rPr lang="en-US" altLang="ko-KR" dirty="0"/>
+              <a:t>, </a:t>
+            </a:r>
+            <a:r>
+              <a:rPr lang="ko-KR" altLang="en-US" dirty="0"/>
+              <a:t>기술</a:t>
+            </a:r>
+            <a:r>
+              <a:rPr lang="en-US" altLang="ko-KR" dirty="0"/>
+              <a:t>(skill), </a:t>
+            </a:r>
+            <a:r>
+              <a:rPr lang="ko-KR" altLang="en-US" dirty="0"/>
+              <a:t>인벤토리</a:t>
+            </a:r>
+            <a:r>
+              <a:rPr lang="en-US" altLang="ko-KR" dirty="0"/>
+              <a:t>?</a:t>
+            </a:r>
+          </a:p>
+          <a:p>
+            <a:endParaRPr lang="en-US" altLang="ko-KR" dirty="0"/>
+          </a:p>
+          <a:p>
+            <a:r>
+              <a:rPr lang="ko-KR" altLang="en-US" dirty="0"/>
+              <a:t>제작 </a:t>
+            </a:r>
+            <a:r>
+              <a:rPr lang="en-US" altLang="ko-KR" dirty="0"/>
+              <a:t>: </a:t>
+            </a:r>
+            <a:r>
+              <a:rPr lang="ko-KR" altLang="en-US" dirty="0"/>
+              <a:t>재료 </a:t>
+            </a:r>
+            <a:r>
+              <a:rPr lang="en-US" altLang="ko-KR" dirty="0"/>
+              <a:t>+ </a:t>
+            </a:r>
+            <a:r>
+              <a:rPr lang="ko-KR" altLang="en-US" dirty="0"/>
+              <a:t>재료 </a:t>
+            </a:r>
+            <a:r>
+              <a:rPr lang="en-US" altLang="ko-KR" dirty="0"/>
+              <a:t>+ </a:t>
+            </a:r>
+            <a:r>
+              <a:rPr lang="ko-KR" altLang="en-US" dirty="0"/>
+              <a:t>기술 있으면 만들기 가능</a:t>
+            </a:r>
+            <a:endParaRPr lang="en-US" altLang="ko-KR" dirty="0"/>
+          </a:p>
+          <a:p>
+            <a:r>
+              <a:rPr lang="ko-KR" altLang="en-US" dirty="0"/>
+              <a:t>기술 얻어야 한다</a:t>
+            </a:r>
+            <a:endParaRPr lang="en-US" altLang="ko-KR" dirty="0"/>
+          </a:p>
+          <a:p>
+            <a:endParaRPr lang="en-US" altLang="ko-KR" dirty="0"/>
+          </a:p>
+          <a:p>
+            <a:r>
+              <a:rPr lang="ko-KR" altLang="en-US" dirty="0"/>
+              <a:t>행동 </a:t>
+            </a:r>
+            <a:r>
+              <a:rPr lang="en-US" altLang="ko-KR" dirty="0"/>
+              <a:t>: </a:t>
+            </a:r>
+            <a:r>
+              <a:rPr lang="ko-KR" altLang="en-US" dirty="0"/>
+              <a:t>공격</a:t>
+            </a:r>
+            <a:r>
+              <a:rPr lang="en-US" altLang="ko-KR" dirty="0"/>
+              <a:t>, </a:t>
+            </a:r>
+            <a:r>
+              <a:rPr lang="ko-KR" altLang="en-US" dirty="0"/>
+              <a:t>줍기</a:t>
+            </a:r>
+            <a:r>
+              <a:rPr lang="en-US" altLang="ko-KR" dirty="0"/>
+              <a:t>, </a:t>
+            </a:r>
+            <a:r>
+              <a:rPr lang="ko-KR" altLang="en-US" dirty="0"/>
+              <a:t>나무 패기</a:t>
+            </a:r>
+            <a:r>
+              <a:rPr lang="en-US" altLang="ko-KR" dirty="0"/>
+              <a:t>, </a:t>
+            </a:r>
+            <a:r>
+              <a:rPr lang="ko-KR" altLang="en-US" dirty="0"/>
+              <a:t>간단한 제작</a:t>
+            </a:r>
+            <a:r>
+              <a:rPr lang="en-US" altLang="ko-KR" dirty="0"/>
+              <a:t>, </a:t>
+            </a:r>
+            <a:r>
+              <a:rPr lang="ko-KR" altLang="en-US" dirty="0"/>
+              <a:t>걷기</a:t>
+            </a:r>
+            <a:r>
+              <a:rPr lang="en-US" altLang="ko-KR" dirty="0"/>
+              <a:t>, </a:t>
+            </a:r>
+            <a:r>
+              <a:rPr lang="ko-KR" altLang="en-US" dirty="0"/>
+              <a:t>뛰기</a:t>
+            </a:r>
+            <a:r>
+              <a:rPr lang="en-US" altLang="ko-KR" dirty="0"/>
+              <a:t>, </a:t>
+            </a:r>
+            <a:r>
+              <a:rPr lang="ko-KR" altLang="en-US" dirty="0"/>
+              <a:t>앉기</a:t>
+            </a:r>
+            <a:r>
+              <a:rPr lang="en-US" altLang="ko-KR" dirty="0"/>
+              <a:t>, </a:t>
+            </a:r>
+            <a:r>
+              <a:rPr lang="ko-KR" altLang="en-US" dirty="0"/>
+              <a:t>죽기</a:t>
+            </a:r>
+            <a:r>
+              <a:rPr lang="en-US" altLang="ko-KR" dirty="0"/>
+              <a:t>, </a:t>
+            </a:r>
+          </a:p>
+          <a:p>
+            <a:r>
+              <a:rPr lang="ko-KR" altLang="en-US" dirty="0"/>
+              <a:t>휴대폰 배터리는 닳지않는다</a:t>
+            </a:r>
+            <a:r>
+              <a:rPr lang="en-US" altLang="ko-KR" dirty="0"/>
+              <a:t>. (</a:t>
+            </a:r>
+            <a:r>
+              <a:rPr lang="ko-KR" altLang="en-US" dirty="0"/>
+              <a:t>지도 기능</a:t>
+            </a:r>
+            <a:r>
+              <a:rPr lang="en-US" altLang="ko-KR" dirty="0"/>
+              <a:t>)</a:t>
+            </a:r>
+          </a:p>
+          <a:p>
+            <a:endParaRPr lang="en-US" altLang="ko-KR" dirty="0"/>
+          </a:p>
+          <a:p>
+            <a:r>
+              <a:rPr lang="ko-KR" altLang="en-US" dirty="0"/>
+              <a:t>하루마다 저장된다</a:t>
+            </a:r>
+            <a:r>
+              <a:rPr lang="en-US" altLang="ko-KR" dirty="0"/>
+              <a:t>.</a:t>
+            </a:r>
+          </a:p>
+          <a:p>
+            <a:r>
+              <a:rPr lang="ko-KR" altLang="en-US" dirty="0"/>
+              <a:t>마지막 저장된</a:t>
+            </a:r>
+            <a:r>
+              <a:rPr lang="en-US" altLang="ko-KR" dirty="0"/>
+              <a:t>(</a:t>
+            </a:r>
+            <a:r>
+              <a:rPr lang="ko-KR" altLang="en-US" dirty="0"/>
+              <a:t>하루가 지나서</a:t>
+            </a:r>
+            <a:r>
+              <a:rPr lang="en-US" altLang="ko-KR" dirty="0"/>
+              <a:t>) </a:t>
+            </a:r>
+            <a:r>
+              <a:rPr lang="ko-KR" altLang="en-US" dirty="0"/>
+              <a:t>곳</a:t>
+            </a:r>
+            <a:endParaRPr lang="en-US" altLang="ko-KR" dirty="0"/>
+          </a:p>
+          <a:p>
+            <a:r>
+              <a:rPr lang="ko-KR" altLang="en-US" dirty="0"/>
+              <a:t>하루가 실제 시간에서 </a:t>
+            </a:r>
+            <a:endParaRPr lang="en-US" altLang="ko-KR" dirty="0"/>
+          </a:p>
+          <a:p>
+            <a:r>
+              <a:rPr lang="ko-KR" altLang="en-US" dirty="0"/>
+              <a:t>하루가 현실시간으로 </a:t>
+            </a:r>
+            <a:r>
+              <a:rPr lang="en-US" altLang="ko-KR" dirty="0"/>
+              <a:t>10</a:t>
+            </a:r>
+            <a:r>
+              <a:rPr lang="ko-KR" altLang="en-US" dirty="0"/>
+              <a:t>분 </a:t>
+            </a:r>
+            <a:endParaRPr lang="en-US" altLang="ko-KR" dirty="0"/>
+          </a:p>
+          <a:p>
+            <a:endParaRPr lang="en-US" altLang="ko-KR" dirty="0"/>
+          </a:p>
+          <a:p>
+            <a:r>
+              <a:rPr lang="ko-KR" altLang="en-US" dirty="0"/>
+              <a:t>휴대폰으로 할 수 있는 것 </a:t>
+            </a:r>
+            <a:r>
+              <a:rPr lang="en-US" altLang="ko-KR" dirty="0"/>
+              <a:t>: </a:t>
+            </a:r>
+            <a:r>
+              <a:rPr lang="ko-KR" altLang="en-US" dirty="0"/>
+              <a:t>지도를 본다</a:t>
+            </a:r>
+            <a:r>
+              <a:rPr lang="en-US" altLang="ko-KR" dirty="0"/>
+              <a:t>, </a:t>
+            </a:r>
+            <a:r>
+              <a:rPr lang="ko-KR" altLang="en-US" dirty="0"/>
+              <a:t>불빛 공급</a:t>
+            </a:r>
+            <a:r>
+              <a:rPr lang="en-US" altLang="ko-KR" dirty="0"/>
+              <a:t>, </a:t>
+            </a:r>
+          </a:p>
+          <a:p>
+            <a:endParaRPr lang="en-US" altLang="ko-KR" dirty="0"/>
+          </a:p>
+          <a:p>
+            <a:r>
+              <a:rPr lang="ko-KR" altLang="en-US" dirty="0"/>
+              <a:t>아이템이 가지는 것 </a:t>
+            </a:r>
+            <a:r>
+              <a:rPr lang="en-US" altLang="ko-KR" dirty="0"/>
+              <a:t>: </a:t>
+            </a:r>
+            <a:r>
+              <a:rPr lang="ko-KR" altLang="en-US" dirty="0"/>
+              <a:t>위치</a:t>
+            </a:r>
+            <a:r>
+              <a:rPr lang="en-US" altLang="ko-KR" dirty="0"/>
+              <a:t>, </a:t>
+            </a:r>
+            <a:r>
+              <a:rPr lang="ko-KR" altLang="en-US" dirty="0"/>
+              <a:t>내구도</a:t>
+            </a:r>
+            <a:r>
+              <a:rPr lang="en-US" altLang="ko-KR" dirty="0"/>
+              <a:t>, </a:t>
+            </a:r>
+            <a:r>
+              <a:rPr lang="ko-KR" altLang="en-US" dirty="0"/>
+              <a:t>정화도</a:t>
+            </a:r>
+            <a:r>
+              <a:rPr lang="en-US" altLang="ko-KR" dirty="0"/>
+              <a:t>, </a:t>
+            </a:r>
+          </a:p>
+          <a:p>
+            <a:endParaRPr lang="en-US" altLang="ko-KR" dirty="0"/>
+          </a:p>
+        </p:txBody>
+      </p:sp>
+      <p:sp>
+        <p:nvSpPr>
+          <p:cNvPr id="4" name="슬라이드 번호 개체 틀 3"/>
+          <p:cNvSpPr>
+            <a:spLocks noGrp="1"/>
+          </p:cNvSpPr>
+          <p:nvPr>
+            <p:ph type="sldNum" sz="quarter" idx="5"/>
+          </p:nvPr>
+        </p:nvSpPr>
+        <p:spPr/>
+        <p:txBody>
+          <a:bodyPr/>
+          <a:lstStyle/>
+          <a:p>
+            <a:fld id="{4480B861-D6FD-49EB-95C2-C5D13E36DAB6}" type="slidenum">
+              <a:rPr lang="ko-KR" altLang="en-US" smtClean="0"/>
+              <a:t>10</a:t>
+            </a:fld>
+            <a:endParaRPr lang="ko-KR" altLang="en-US"/>
+          </a:p>
+        </p:txBody>
+      </p:sp>
+    </p:spTree>
+    <p:extLst>
+      <p:ext uri="{BB962C8B-B14F-4D97-AF65-F5344CB8AC3E}">
+        <p14:creationId xmlns:p14="http://schemas.microsoft.com/office/powerpoint/2010/main" val="625920929"/>
       </p:ext>
     </p:extLst>
   </p:cSld>
@@ -4125,6 +4972,475 @@
 </p:sld>
 </file>
 
+<file path=ppt/slides/slide10.xml><?xml version="1.0" encoding="utf-8"?>
+<p:sld xmlns:a="http://schemas.openxmlformats.org/drawingml/2006/main" xmlns:r="http://schemas.openxmlformats.org/officeDocument/2006/relationships" xmlns:p="http://schemas.openxmlformats.org/presentationml/2006/main">
+  <p:cSld>
+    <p:spTree>
+      <p:nvGrpSpPr>
+        <p:cNvPr id="1" name=""/>
+        <p:cNvGrpSpPr/>
+        <p:nvPr/>
+      </p:nvGrpSpPr>
+      <p:grpSpPr>
+        <a:xfrm>
+          <a:off x="0" y="0"/>
+          <a:ext cx="0" cy="0"/>
+          <a:chOff x="0" y="0"/>
+          <a:chExt cx="0" cy="0"/>
+        </a:xfrm>
+      </p:grpSpPr>
+      <p:sp>
+        <p:nvSpPr>
+          <p:cNvPr id="6" name="텍스트 개체 틀 2">
+            <a:extLst>
+              <a:ext uri="{FF2B5EF4-FFF2-40B4-BE49-F238E27FC236}">
+                <a16:creationId xmlns:a16="http://schemas.microsoft.com/office/drawing/2014/main" id="{C4A5C19D-66F2-4BB0-AB4B-3311175ECED7}"/>
+              </a:ext>
+            </a:extLst>
+          </p:cNvPr>
+          <p:cNvSpPr txBox="1">
+            <a:spLocks/>
+          </p:cNvSpPr>
+          <p:nvPr/>
+        </p:nvSpPr>
+        <p:spPr>
+          <a:xfrm>
+            <a:off x="996549" y="849814"/>
+            <a:ext cx="4196376" cy="375615"/>
+          </a:xfrm>
+          <a:prstGeom prst="rect">
+            <a:avLst/>
+          </a:prstGeom>
+        </p:spPr>
+        <p:txBody>
+          <a:bodyPr/>
+          <a:lstStyle>
+            <a:lvl1pPr marL="228600" indent="-228600" algn="l" defTabSz="914400" rtl="0" eaLnBrk="1" latinLnBrk="1" hangingPunct="1">
+              <a:lnSpc>
+                <a:spcPct val="90000"/>
+              </a:lnSpc>
+              <a:spcBef>
+                <a:spcPts val="1000"/>
+              </a:spcBef>
+              <a:buFont typeface="Arial" panose="020B0604020202020204" pitchFamily="34" charset="0"/>
+              <a:buChar char="•"/>
+              <a:defRPr sz="2800" kern="1200">
+                <a:solidFill>
+                  <a:schemeClr val="tx1"/>
+                </a:solidFill>
+                <a:latin typeface="+mn-lt"/>
+                <a:ea typeface="+mn-ea"/>
+                <a:cs typeface="+mn-cs"/>
+              </a:defRPr>
+            </a:lvl1pPr>
+            <a:lvl2pPr marL="685800" indent="-228600" algn="l" defTabSz="914400" rtl="0" eaLnBrk="1" latinLnBrk="1" hangingPunct="1">
+              <a:lnSpc>
+                <a:spcPct val="90000"/>
+              </a:lnSpc>
+              <a:spcBef>
+                <a:spcPts val="500"/>
+              </a:spcBef>
+              <a:buFont typeface="Arial" panose="020B0604020202020204" pitchFamily="34" charset="0"/>
+              <a:buChar char="•"/>
+              <a:defRPr sz="2400" kern="1200">
+                <a:solidFill>
+                  <a:schemeClr val="tx1"/>
+                </a:solidFill>
+                <a:latin typeface="+mn-lt"/>
+                <a:ea typeface="+mn-ea"/>
+                <a:cs typeface="+mn-cs"/>
+              </a:defRPr>
+            </a:lvl2pPr>
+            <a:lvl3pPr marL="1143000" indent="-228600" algn="l" defTabSz="914400" rtl="0" eaLnBrk="1" latinLnBrk="1" hangingPunct="1">
+              <a:lnSpc>
+                <a:spcPct val="90000"/>
+              </a:lnSpc>
+              <a:spcBef>
+                <a:spcPts val="500"/>
+              </a:spcBef>
+              <a:buFont typeface="Arial" panose="020B0604020202020204" pitchFamily="34" charset="0"/>
+              <a:buChar char="•"/>
+              <a:defRPr sz="2000" kern="1200">
+                <a:solidFill>
+                  <a:schemeClr val="tx1"/>
+                </a:solidFill>
+                <a:latin typeface="+mn-lt"/>
+                <a:ea typeface="+mn-ea"/>
+                <a:cs typeface="+mn-cs"/>
+              </a:defRPr>
+            </a:lvl3pPr>
+            <a:lvl4pPr marL="1600200" indent="-228600" algn="l" defTabSz="914400" rtl="0" eaLnBrk="1" latinLnBrk="1" hangingPunct="1">
+              <a:lnSpc>
+                <a:spcPct val="90000"/>
+              </a:lnSpc>
+              <a:spcBef>
+                <a:spcPts val="500"/>
+              </a:spcBef>
+              <a:buFont typeface="Arial" panose="020B0604020202020204" pitchFamily="34" charset="0"/>
+              <a:buChar char="•"/>
+              <a:defRPr sz="1800" kern="1200">
+                <a:solidFill>
+                  <a:schemeClr val="tx1"/>
+                </a:solidFill>
+                <a:latin typeface="+mn-lt"/>
+                <a:ea typeface="+mn-ea"/>
+                <a:cs typeface="+mn-cs"/>
+              </a:defRPr>
+            </a:lvl4pPr>
+            <a:lvl5pPr marL="2057400" indent="-228600" algn="l" defTabSz="914400" rtl="0" eaLnBrk="1" latinLnBrk="1" hangingPunct="1">
+              <a:lnSpc>
+                <a:spcPct val="90000"/>
+              </a:lnSpc>
+              <a:spcBef>
+                <a:spcPts val="500"/>
+              </a:spcBef>
+              <a:buFont typeface="Arial" panose="020B0604020202020204" pitchFamily="34" charset="0"/>
+              <a:buChar char="•"/>
+              <a:defRPr sz="1800" kern="1200">
+                <a:solidFill>
+                  <a:schemeClr val="tx1"/>
+                </a:solidFill>
+                <a:latin typeface="+mn-lt"/>
+                <a:ea typeface="+mn-ea"/>
+                <a:cs typeface="+mn-cs"/>
+              </a:defRPr>
+            </a:lvl5pPr>
+            <a:lvl6pPr marL="2514600" indent="-228600" algn="l" defTabSz="914400" rtl="0" eaLnBrk="1" latinLnBrk="1" hangingPunct="1">
+              <a:lnSpc>
+                <a:spcPct val="90000"/>
+              </a:lnSpc>
+              <a:spcBef>
+                <a:spcPts val="500"/>
+              </a:spcBef>
+              <a:buFont typeface="Arial" panose="020B0604020202020204" pitchFamily="34" charset="0"/>
+              <a:buChar char="•"/>
+              <a:defRPr sz="1800" kern="1200">
+                <a:solidFill>
+                  <a:schemeClr val="tx1"/>
+                </a:solidFill>
+                <a:latin typeface="+mn-lt"/>
+                <a:ea typeface="+mn-ea"/>
+                <a:cs typeface="+mn-cs"/>
+              </a:defRPr>
+            </a:lvl6pPr>
+            <a:lvl7pPr marL="2971800" indent="-228600" algn="l" defTabSz="914400" rtl="0" eaLnBrk="1" latinLnBrk="1" hangingPunct="1">
+              <a:lnSpc>
+                <a:spcPct val="90000"/>
+              </a:lnSpc>
+              <a:spcBef>
+                <a:spcPts val="500"/>
+              </a:spcBef>
+              <a:buFont typeface="Arial" panose="020B0604020202020204" pitchFamily="34" charset="0"/>
+              <a:buChar char="•"/>
+              <a:defRPr sz="1800" kern="1200">
+                <a:solidFill>
+                  <a:schemeClr val="tx1"/>
+                </a:solidFill>
+                <a:latin typeface="+mn-lt"/>
+                <a:ea typeface="+mn-ea"/>
+                <a:cs typeface="+mn-cs"/>
+              </a:defRPr>
+            </a:lvl7pPr>
+            <a:lvl8pPr marL="3429000" indent="-228600" algn="l" defTabSz="914400" rtl="0" eaLnBrk="1" latinLnBrk="1" hangingPunct="1">
+              <a:lnSpc>
+                <a:spcPct val="90000"/>
+              </a:lnSpc>
+              <a:spcBef>
+                <a:spcPts val="500"/>
+              </a:spcBef>
+              <a:buFont typeface="Arial" panose="020B0604020202020204" pitchFamily="34" charset="0"/>
+              <a:buChar char="•"/>
+              <a:defRPr sz="1800" kern="1200">
+                <a:solidFill>
+                  <a:schemeClr val="tx1"/>
+                </a:solidFill>
+                <a:latin typeface="+mn-lt"/>
+                <a:ea typeface="+mn-ea"/>
+                <a:cs typeface="+mn-cs"/>
+              </a:defRPr>
+            </a:lvl8pPr>
+            <a:lvl9pPr marL="3886200" indent="-228600" algn="l" defTabSz="914400" rtl="0" eaLnBrk="1" latinLnBrk="1" hangingPunct="1">
+              <a:lnSpc>
+                <a:spcPct val="90000"/>
+              </a:lnSpc>
+              <a:spcBef>
+                <a:spcPts val="500"/>
+              </a:spcBef>
+              <a:buFont typeface="Arial" panose="020B0604020202020204" pitchFamily="34" charset="0"/>
+              <a:buChar char="•"/>
+              <a:defRPr sz="1800" kern="1200">
+                <a:solidFill>
+                  <a:schemeClr val="tx1"/>
+                </a:solidFill>
+                <a:latin typeface="+mn-lt"/>
+                <a:ea typeface="+mn-ea"/>
+                <a:cs typeface="+mn-cs"/>
+              </a:defRPr>
+            </a:lvl9pPr>
+          </a:lstStyle>
+          <a:p>
+            <a:pPr marL="0" indent="0">
+              <a:buNone/>
+            </a:pPr>
+            <a:r>
+              <a:rPr lang="ko-KR" altLang="en-US" sz="2400" b="1" dirty="0">
+                <a:solidFill>
+                  <a:schemeClr val="tx1">
+                    <a:lumMod val="85000"/>
+                    <a:lumOff val="15000"/>
+                  </a:schemeClr>
+                </a:solidFill>
+              </a:rPr>
+              <a:t>이득</a:t>
+            </a:r>
+          </a:p>
+        </p:txBody>
+      </p:sp>
+      <p:sp>
+        <p:nvSpPr>
+          <p:cNvPr id="2" name="TextBox 1">
+            <a:extLst>
+              <a:ext uri="{FF2B5EF4-FFF2-40B4-BE49-F238E27FC236}">
+                <a16:creationId xmlns:a16="http://schemas.microsoft.com/office/drawing/2014/main" id="{54067028-7029-4E3A-84F4-05E232532536}"/>
+              </a:ext>
+            </a:extLst>
+          </p:cNvPr>
+          <p:cNvSpPr txBox="1"/>
+          <p:nvPr/>
+        </p:nvSpPr>
+        <p:spPr>
+          <a:xfrm>
+            <a:off x="1355203" y="1674674"/>
+            <a:ext cx="10668305" cy="2031325"/>
+          </a:xfrm>
+          <a:prstGeom prst="rect">
+            <a:avLst/>
+          </a:prstGeom>
+          <a:noFill/>
+        </p:spPr>
+        <p:txBody>
+          <a:bodyPr wrap="none" rtlCol="0">
+            <a:spAutoFit/>
+          </a:bodyPr>
+          <a:lstStyle/>
+          <a:p>
+            <a:r>
+              <a:rPr lang="ko-KR" altLang="en-US" dirty="0"/>
+              <a:t>자원의 종류 </a:t>
+            </a:r>
+            <a:r>
+              <a:rPr lang="en-US" altLang="ko-KR" dirty="0"/>
+              <a:t>:</a:t>
+            </a:r>
+          </a:p>
+          <a:p>
+            <a:pPr marL="342900" indent="-342900">
+              <a:buAutoNum type="arabicPeriod"/>
+            </a:pPr>
+            <a:r>
+              <a:rPr lang="ko-KR" altLang="en-US" dirty="0"/>
+              <a:t>안전장치 </a:t>
+            </a:r>
+            <a:r>
+              <a:rPr lang="en-US" altLang="ko-KR" dirty="0"/>
+              <a:t>: </a:t>
+            </a:r>
+            <a:r>
+              <a:rPr lang="ko-KR" altLang="en-US" dirty="0"/>
+              <a:t>마스크 </a:t>
+            </a:r>
+            <a:r>
+              <a:rPr lang="en-US" altLang="ko-KR" dirty="0"/>
+              <a:t>(</a:t>
+            </a:r>
+            <a:r>
+              <a:rPr lang="ko-KR" altLang="en-US" dirty="0"/>
+              <a:t>구하기 쉬운 대신 내구도와 정화도 낮음</a:t>
+            </a:r>
+            <a:r>
+              <a:rPr lang="en-US" altLang="ko-KR" dirty="0"/>
+              <a:t>), </a:t>
+            </a:r>
+            <a:r>
+              <a:rPr lang="ko-KR" altLang="en-US" dirty="0"/>
+              <a:t>방독면</a:t>
+            </a:r>
+            <a:r>
+              <a:rPr lang="en-US" altLang="ko-KR" dirty="0"/>
+              <a:t>(</a:t>
+            </a:r>
+            <a:r>
+              <a:rPr lang="ko-KR" altLang="en-US" dirty="0"/>
+              <a:t>무거워서 이동에 제약이 생김</a:t>
+            </a:r>
+            <a:r>
+              <a:rPr lang="en-US" altLang="ko-KR" dirty="0"/>
+              <a:t>)</a:t>
+            </a:r>
+          </a:p>
+          <a:p>
+            <a:pPr marL="342900" indent="-342900">
+              <a:buAutoNum type="arabicPeriod"/>
+            </a:pPr>
+            <a:r>
+              <a:rPr lang="ko-KR" altLang="en-US" dirty="0"/>
+              <a:t>음식 </a:t>
+            </a:r>
+            <a:r>
+              <a:rPr lang="en-US" altLang="ko-KR" dirty="0"/>
+              <a:t>(</a:t>
+            </a:r>
+            <a:r>
+              <a:rPr lang="ko-KR" altLang="en-US" dirty="0"/>
+              <a:t>먼지에 내성이 생긴 진화된 동</a:t>
+            </a:r>
+            <a:r>
+              <a:rPr lang="en-US" altLang="ko-KR" dirty="0"/>
+              <a:t>,</a:t>
+            </a:r>
+            <a:r>
+              <a:rPr lang="ko-KR" altLang="en-US" dirty="0"/>
+              <a:t>식물</a:t>
+            </a:r>
+            <a:r>
+              <a:rPr lang="en-US" altLang="ko-KR" dirty="0"/>
+              <a:t>)</a:t>
+            </a:r>
+          </a:p>
+          <a:p>
+            <a:pPr marL="342900" indent="-342900">
+              <a:buAutoNum type="arabicPeriod"/>
+            </a:pPr>
+            <a:r>
+              <a:rPr lang="ko-KR" altLang="en-US" dirty="0"/>
+              <a:t>물 </a:t>
+            </a:r>
+            <a:r>
+              <a:rPr lang="en-US" altLang="ko-KR" dirty="0"/>
+              <a:t>(</a:t>
+            </a:r>
+            <a:r>
+              <a:rPr lang="ko-KR" altLang="en-US" dirty="0"/>
+              <a:t>기술 발전의 정도에 따라 먼지 오염도가 낮은 물을 얻을 수 있음</a:t>
+            </a:r>
+            <a:r>
+              <a:rPr lang="en-US" altLang="ko-KR" dirty="0"/>
+              <a:t>)</a:t>
+            </a:r>
+          </a:p>
+          <a:p>
+            <a:pPr marL="342900" indent="-342900">
+              <a:buAutoNum type="arabicPeriod"/>
+            </a:pPr>
+            <a:r>
+              <a:rPr lang="ko-KR" altLang="en-US" dirty="0"/>
+              <a:t>나무</a:t>
+            </a:r>
+            <a:r>
+              <a:rPr lang="en-US" altLang="ko-KR" dirty="0"/>
+              <a:t>, </a:t>
+            </a:r>
+            <a:r>
+              <a:rPr lang="ko-KR" altLang="en-US" dirty="0"/>
+              <a:t>돌</a:t>
+            </a:r>
+            <a:r>
+              <a:rPr lang="en-US" altLang="ko-KR" dirty="0"/>
+              <a:t>, </a:t>
+            </a:r>
+            <a:r>
+              <a:rPr lang="ko-KR" altLang="en-US" dirty="0"/>
+              <a:t>철기</a:t>
+            </a:r>
+            <a:r>
+              <a:rPr lang="en-US" altLang="ko-KR" dirty="0"/>
+              <a:t>, </a:t>
+            </a:r>
+            <a:r>
+              <a:rPr lang="ko-KR" altLang="en-US" dirty="0"/>
+              <a:t>의료기구</a:t>
+            </a:r>
+            <a:endParaRPr lang="en-US" altLang="ko-KR" dirty="0"/>
+          </a:p>
+          <a:p>
+            <a:pPr marL="342900" indent="-342900">
+              <a:buAutoNum type="arabicPeriod"/>
+            </a:pPr>
+            <a:endParaRPr lang="en-US" altLang="ko-KR" dirty="0"/>
+          </a:p>
+          <a:p>
+            <a:r>
+              <a:rPr lang="ko-KR" altLang="en-US" dirty="0"/>
+              <a:t>플레이어의 행동 종류 </a:t>
+            </a:r>
+            <a:r>
+              <a:rPr lang="en-US" altLang="ko-KR" dirty="0"/>
+              <a:t>: </a:t>
+            </a:r>
+            <a:r>
+              <a:rPr lang="ko-KR" altLang="en-US" dirty="0"/>
+              <a:t>공격</a:t>
+            </a:r>
+            <a:r>
+              <a:rPr lang="en-US" altLang="ko-KR" dirty="0"/>
+              <a:t>, </a:t>
+            </a:r>
+            <a:r>
+              <a:rPr lang="ko-KR" altLang="en-US" dirty="0"/>
+              <a:t>줍기</a:t>
+            </a:r>
+            <a:r>
+              <a:rPr lang="en-US" altLang="ko-KR" dirty="0"/>
+              <a:t>, </a:t>
+            </a:r>
+            <a:r>
+              <a:rPr lang="ko-KR" altLang="en-US" dirty="0"/>
+              <a:t>간단한 제작</a:t>
+            </a:r>
+            <a:r>
+              <a:rPr lang="en-US" altLang="ko-KR" dirty="0"/>
+              <a:t>, </a:t>
+            </a:r>
+            <a:r>
+              <a:rPr lang="ko-KR" altLang="en-US" dirty="0"/>
+              <a:t>걷기</a:t>
+            </a:r>
+            <a:r>
+              <a:rPr lang="en-US" altLang="ko-KR" dirty="0"/>
+              <a:t>, </a:t>
+            </a:r>
+            <a:r>
+              <a:rPr lang="ko-KR" altLang="en-US" dirty="0"/>
+              <a:t>뛰기</a:t>
+            </a:r>
+            <a:r>
+              <a:rPr lang="en-US" altLang="ko-KR" dirty="0"/>
+              <a:t>.. </a:t>
+            </a:r>
+            <a:r>
+              <a:rPr lang="ko-KR" altLang="en-US" dirty="0"/>
+              <a:t>등</a:t>
+            </a:r>
+            <a:r>
+              <a:rPr lang="en-US" altLang="ko-KR" dirty="0"/>
+              <a:t> </a:t>
+            </a:r>
+          </a:p>
+        </p:txBody>
+      </p:sp>
+    </p:spTree>
+    <p:extLst>
+      <p:ext uri="{BB962C8B-B14F-4D97-AF65-F5344CB8AC3E}">
+        <p14:creationId xmlns:p14="http://schemas.microsoft.com/office/powerpoint/2010/main" val="2285112196"/>
+      </p:ext>
+    </p:extLst>
+  </p:cSld>
+  <p:clrMapOvr>
+    <a:masterClrMapping/>
+  </p:clrMapOvr>
+</p:sld>
+</file>
+
 <file path=ppt/slides/slide2.xml><?xml version="1.0" encoding="utf-8"?>
 <p:sld xmlns:a="http://schemas.openxmlformats.org/drawingml/2006/main" xmlns:r="http://schemas.openxmlformats.org/officeDocument/2006/relationships" xmlns:p="http://schemas.openxmlformats.org/presentationml/2006/main">
   <p:cSld>
@@ -6101,7 +7417,7 @@
           <p:nvPr/>
         </p:nvPicPr>
         <p:blipFill>
-          <a:blip r:embed="rId2">
+          <a:blip r:embed="rId3">
             <a:extLst>
               <a:ext uri="{28A0092B-C50C-407E-A947-70E740481C1C}">
                 <a14:useLocalDpi xmlns:a14="http://schemas.microsoft.com/office/drawing/2010/main" val="0"/>
@@ -6962,7 +8278,7 @@
         <p:spPr>
           <a:xfrm>
             <a:off x="1355203" y="1674674"/>
-            <a:ext cx="10510482" cy="4585871"/>
+            <a:ext cx="10510482" cy="4339650"/>
           </a:xfrm>
           <a:prstGeom prst="rect">
             <a:avLst/>
@@ -6990,46 +8306,41 @@
           <a:p>
             <a:r>
               <a:rPr lang="ko-KR" altLang="en-US" sz="1600" dirty="0"/>
-              <a:t>플레이어가 캐릭터 하나를 조작</a:t>
-            </a:r>
+              <a:t>플레이어가 캐릭터 하나를 조작 </a:t>
+            </a:r>
+            <a:r>
+              <a:rPr lang="en-US" altLang="ko-KR" sz="1600" dirty="0"/>
+              <a:t>(</a:t>
+            </a:r>
+            <a:r>
+              <a:rPr lang="ko-KR" altLang="en-US" sz="1600" dirty="0"/>
+              <a:t>총 </a:t>
+            </a:r>
+            <a:r>
+              <a:rPr lang="en-US" altLang="ko-KR" sz="1600" dirty="0"/>
+              <a:t>4</a:t>
+            </a:r>
+            <a:r>
+              <a:rPr lang="ko-KR" altLang="en-US" sz="1600" dirty="0"/>
+              <a:t>명까지</a:t>
+            </a:r>
+            <a:r>
+              <a:rPr lang="en-US" altLang="ko-KR" sz="1600" dirty="0"/>
+              <a:t>)</a:t>
+            </a:r>
+          </a:p>
+          <a:p>
             <a:endParaRPr lang="en-US" altLang="ko-KR" sz="1600" dirty="0"/>
           </a:p>
           <a:p>
-            <a:endParaRPr lang="en-US" altLang="ko-KR" sz="1600" dirty="0"/>
-          </a:p>
-          <a:p>
             <a:r>
               <a:rPr lang="ko-KR" altLang="en-US" sz="1600" dirty="0"/>
-              <a:t>공동목표를 이루는 게임 </a:t>
+              <a:t>단위 </a:t>
             </a:r>
             <a:r>
               <a:rPr lang="en-US" altLang="ko-KR" sz="1600" dirty="0"/>
-              <a:t>: </a:t>
-            </a:r>
-            <a:r>
-              <a:rPr lang="ko-KR" altLang="en-US" sz="1600" dirty="0"/>
-              <a:t>예상 플레이 시간 </a:t>
-            </a:r>
-            <a:r>
-              <a:rPr lang="en-US" altLang="ko-KR" sz="1600" dirty="0"/>
-              <a:t>10</a:t>
-            </a:r>
-            <a:r>
-              <a:rPr lang="ko-KR" altLang="en-US" sz="1600" dirty="0"/>
-              <a:t>시간</a:t>
-            </a:r>
-            <a:r>
-              <a:rPr lang="en-US" altLang="ko-KR" sz="1600" dirty="0"/>
-              <a:t> </a:t>
-            </a:r>
-            <a:r>
-              <a:rPr lang="ko-KR" altLang="en-US" sz="1600" dirty="0"/>
-              <a:t>내외</a:t>
-            </a:r>
-            <a:endParaRPr lang="en-US" altLang="ko-KR" sz="1600" dirty="0"/>
-          </a:p>
-          <a:p>
-            <a:endParaRPr lang="en-US" altLang="ko-KR" sz="1600" dirty="0"/>
+              <a:t>: cm</a:t>
+            </a:r>
           </a:p>
           <a:p>
             <a:r>
@@ -7042,7 +8353,7 @@
             </a:r>
             <a:r>
               <a:rPr lang="en-US" altLang="ko-KR" sz="1600" dirty="0"/>
-              <a:t>: 6000m * 6000m</a:t>
+              <a:t>: 2000m * 2000m</a:t>
             </a:r>
           </a:p>
           <a:p>
@@ -7052,7 +8363,7 @@
             </a:r>
             <a:r>
               <a:rPr lang="en-US" altLang="ko-KR" sz="1600" dirty="0"/>
-              <a:t>: 2000m * 2000m</a:t>
+              <a:t>: 700m * 700m</a:t>
             </a:r>
           </a:p>
           <a:p>
@@ -7689,6 +9000,1041 @@
     <p:extLst>
       <p:ext uri="{BB962C8B-B14F-4D97-AF65-F5344CB8AC3E}">
         <p14:creationId xmlns:p14="http://schemas.microsoft.com/office/powerpoint/2010/main" val="1291013343"/>
+      </p:ext>
+    </p:extLst>
+  </p:cSld>
+  <p:clrMapOvr>
+    <a:masterClrMapping/>
+  </p:clrMapOvr>
+</p:sld>
+</file>
+
+<file path=ppt/slides/slide7.xml><?xml version="1.0" encoding="utf-8"?>
+<p:sld xmlns:a="http://schemas.openxmlformats.org/drawingml/2006/main" xmlns:r="http://schemas.openxmlformats.org/officeDocument/2006/relationships" xmlns:p="http://schemas.openxmlformats.org/presentationml/2006/main">
+  <p:cSld>
+    <p:spTree>
+      <p:nvGrpSpPr>
+        <p:cNvPr id="1" name=""/>
+        <p:cNvGrpSpPr/>
+        <p:nvPr/>
+      </p:nvGrpSpPr>
+      <p:grpSpPr>
+        <a:xfrm>
+          <a:off x="0" y="0"/>
+          <a:ext cx="0" cy="0"/>
+          <a:chOff x="0" y="0"/>
+          <a:chExt cx="0" cy="0"/>
+        </a:xfrm>
+      </p:grpSpPr>
+      <p:sp>
+        <p:nvSpPr>
+          <p:cNvPr id="6" name="텍스트 개체 틀 2">
+            <a:extLst>
+              <a:ext uri="{FF2B5EF4-FFF2-40B4-BE49-F238E27FC236}">
+                <a16:creationId xmlns:a16="http://schemas.microsoft.com/office/drawing/2014/main" id="{C4A5C19D-66F2-4BB0-AB4B-3311175ECED7}"/>
+              </a:ext>
+            </a:extLst>
+          </p:cNvPr>
+          <p:cNvSpPr txBox="1">
+            <a:spLocks/>
+          </p:cNvSpPr>
+          <p:nvPr/>
+        </p:nvSpPr>
+        <p:spPr>
+          <a:xfrm>
+            <a:off x="996549" y="849814"/>
+            <a:ext cx="4196376" cy="375615"/>
+          </a:xfrm>
+          <a:prstGeom prst="rect">
+            <a:avLst/>
+          </a:prstGeom>
+        </p:spPr>
+        <p:txBody>
+          <a:bodyPr/>
+          <a:lstStyle>
+            <a:lvl1pPr marL="228600" indent="-228600" algn="l" defTabSz="914400" rtl="0" eaLnBrk="1" latinLnBrk="1" hangingPunct="1">
+              <a:lnSpc>
+                <a:spcPct val="90000"/>
+              </a:lnSpc>
+              <a:spcBef>
+                <a:spcPts val="1000"/>
+              </a:spcBef>
+              <a:buFont typeface="Arial" panose="020B0604020202020204" pitchFamily="34" charset="0"/>
+              <a:buChar char="•"/>
+              <a:defRPr sz="2800" kern="1200">
+                <a:solidFill>
+                  <a:schemeClr val="tx1"/>
+                </a:solidFill>
+                <a:latin typeface="+mn-lt"/>
+                <a:ea typeface="+mn-ea"/>
+                <a:cs typeface="+mn-cs"/>
+              </a:defRPr>
+            </a:lvl1pPr>
+            <a:lvl2pPr marL="685800" indent="-228600" algn="l" defTabSz="914400" rtl="0" eaLnBrk="1" latinLnBrk="1" hangingPunct="1">
+              <a:lnSpc>
+                <a:spcPct val="90000"/>
+              </a:lnSpc>
+              <a:spcBef>
+                <a:spcPts val="500"/>
+              </a:spcBef>
+              <a:buFont typeface="Arial" panose="020B0604020202020204" pitchFamily="34" charset="0"/>
+              <a:buChar char="•"/>
+              <a:defRPr sz="2400" kern="1200">
+                <a:solidFill>
+                  <a:schemeClr val="tx1"/>
+                </a:solidFill>
+                <a:latin typeface="+mn-lt"/>
+                <a:ea typeface="+mn-ea"/>
+                <a:cs typeface="+mn-cs"/>
+              </a:defRPr>
+            </a:lvl2pPr>
+            <a:lvl3pPr marL="1143000" indent="-228600" algn="l" defTabSz="914400" rtl="0" eaLnBrk="1" latinLnBrk="1" hangingPunct="1">
+              <a:lnSpc>
+                <a:spcPct val="90000"/>
+              </a:lnSpc>
+              <a:spcBef>
+                <a:spcPts val="500"/>
+              </a:spcBef>
+              <a:buFont typeface="Arial" panose="020B0604020202020204" pitchFamily="34" charset="0"/>
+              <a:buChar char="•"/>
+              <a:defRPr sz="2000" kern="1200">
+                <a:solidFill>
+                  <a:schemeClr val="tx1"/>
+                </a:solidFill>
+                <a:latin typeface="+mn-lt"/>
+                <a:ea typeface="+mn-ea"/>
+                <a:cs typeface="+mn-cs"/>
+              </a:defRPr>
+            </a:lvl3pPr>
+            <a:lvl4pPr marL="1600200" indent="-228600" algn="l" defTabSz="914400" rtl="0" eaLnBrk="1" latinLnBrk="1" hangingPunct="1">
+              <a:lnSpc>
+                <a:spcPct val="90000"/>
+              </a:lnSpc>
+              <a:spcBef>
+                <a:spcPts val="500"/>
+              </a:spcBef>
+              <a:buFont typeface="Arial" panose="020B0604020202020204" pitchFamily="34" charset="0"/>
+              <a:buChar char="•"/>
+              <a:defRPr sz="1800" kern="1200">
+                <a:solidFill>
+                  <a:schemeClr val="tx1"/>
+                </a:solidFill>
+                <a:latin typeface="+mn-lt"/>
+                <a:ea typeface="+mn-ea"/>
+                <a:cs typeface="+mn-cs"/>
+              </a:defRPr>
+            </a:lvl4pPr>
+            <a:lvl5pPr marL="2057400" indent="-228600" algn="l" defTabSz="914400" rtl="0" eaLnBrk="1" latinLnBrk="1" hangingPunct="1">
+              <a:lnSpc>
+                <a:spcPct val="90000"/>
+              </a:lnSpc>
+              <a:spcBef>
+                <a:spcPts val="500"/>
+              </a:spcBef>
+              <a:buFont typeface="Arial" panose="020B0604020202020204" pitchFamily="34" charset="0"/>
+              <a:buChar char="•"/>
+              <a:defRPr sz="1800" kern="1200">
+                <a:solidFill>
+                  <a:schemeClr val="tx1"/>
+                </a:solidFill>
+                <a:latin typeface="+mn-lt"/>
+                <a:ea typeface="+mn-ea"/>
+                <a:cs typeface="+mn-cs"/>
+              </a:defRPr>
+            </a:lvl5pPr>
+            <a:lvl6pPr marL="2514600" indent="-228600" algn="l" defTabSz="914400" rtl="0" eaLnBrk="1" latinLnBrk="1" hangingPunct="1">
+              <a:lnSpc>
+                <a:spcPct val="90000"/>
+              </a:lnSpc>
+              <a:spcBef>
+                <a:spcPts val="500"/>
+              </a:spcBef>
+              <a:buFont typeface="Arial" panose="020B0604020202020204" pitchFamily="34" charset="0"/>
+              <a:buChar char="•"/>
+              <a:defRPr sz="1800" kern="1200">
+                <a:solidFill>
+                  <a:schemeClr val="tx1"/>
+                </a:solidFill>
+                <a:latin typeface="+mn-lt"/>
+                <a:ea typeface="+mn-ea"/>
+                <a:cs typeface="+mn-cs"/>
+              </a:defRPr>
+            </a:lvl6pPr>
+            <a:lvl7pPr marL="2971800" indent="-228600" algn="l" defTabSz="914400" rtl="0" eaLnBrk="1" latinLnBrk="1" hangingPunct="1">
+              <a:lnSpc>
+                <a:spcPct val="90000"/>
+              </a:lnSpc>
+              <a:spcBef>
+                <a:spcPts val="500"/>
+              </a:spcBef>
+              <a:buFont typeface="Arial" panose="020B0604020202020204" pitchFamily="34" charset="0"/>
+              <a:buChar char="•"/>
+              <a:defRPr sz="1800" kern="1200">
+                <a:solidFill>
+                  <a:schemeClr val="tx1"/>
+                </a:solidFill>
+                <a:latin typeface="+mn-lt"/>
+                <a:ea typeface="+mn-ea"/>
+                <a:cs typeface="+mn-cs"/>
+              </a:defRPr>
+            </a:lvl7pPr>
+            <a:lvl8pPr marL="3429000" indent="-228600" algn="l" defTabSz="914400" rtl="0" eaLnBrk="1" latinLnBrk="1" hangingPunct="1">
+              <a:lnSpc>
+                <a:spcPct val="90000"/>
+              </a:lnSpc>
+              <a:spcBef>
+                <a:spcPts val="500"/>
+              </a:spcBef>
+              <a:buFont typeface="Arial" panose="020B0604020202020204" pitchFamily="34" charset="0"/>
+              <a:buChar char="•"/>
+              <a:defRPr sz="1800" kern="1200">
+                <a:solidFill>
+                  <a:schemeClr val="tx1"/>
+                </a:solidFill>
+                <a:latin typeface="+mn-lt"/>
+                <a:ea typeface="+mn-ea"/>
+                <a:cs typeface="+mn-cs"/>
+              </a:defRPr>
+            </a:lvl8pPr>
+            <a:lvl9pPr marL="3886200" indent="-228600" algn="l" defTabSz="914400" rtl="0" eaLnBrk="1" latinLnBrk="1" hangingPunct="1">
+              <a:lnSpc>
+                <a:spcPct val="90000"/>
+              </a:lnSpc>
+              <a:spcBef>
+                <a:spcPts val="500"/>
+              </a:spcBef>
+              <a:buFont typeface="Arial" panose="020B0604020202020204" pitchFamily="34" charset="0"/>
+              <a:buChar char="•"/>
+              <a:defRPr sz="1800" kern="1200">
+                <a:solidFill>
+                  <a:schemeClr val="tx1"/>
+                </a:solidFill>
+                <a:latin typeface="+mn-lt"/>
+                <a:ea typeface="+mn-ea"/>
+                <a:cs typeface="+mn-cs"/>
+              </a:defRPr>
+            </a:lvl9pPr>
+          </a:lstStyle>
+          <a:p>
+            <a:pPr marL="0" indent="0">
+              <a:buNone/>
+            </a:pPr>
+            <a:r>
+              <a:rPr lang="en-US" altLang="ko-KR" sz="2400" b="1" dirty="0">
+                <a:solidFill>
+                  <a:schemeClr val="tx1">
+                    <a:lumMod val="85000"/>
+                    <a:lumOff val="15000"/>
+                  </a:schemeClr>
+                </a:solidFill>
+              </a:rPr>
+              <a:t>Need</a:t>
+            </a:r>
+            <a:endParaRPr lang="ko-KR" altLang="en-US" sz="2400" b="1" dirty="0">
+              <a:solidFill>
+                <a:schemeClr val="tx1">
+                  <a:lumMod val="85000"/>
+                  <a:lumOff val="15000"/>
+                </a:schemeClr>
+              </a:solidFill>
+            </a:endParaRPr>
+          </a:p>
+        </p:txBody>
+      </p:sp>
+      <p:sp>
+        <p:nvSpPr>
+          <p:cNvPr id="2" name="TextBox 1">
+            <a:extLst>
+              <a:ext uri="{FF2B5EF4-FFF2-40B4-BE49-F238E27FC236}">
+                <a16:creationId xmlns:a16="http://schemas.microsoft.com/office/drawing/2014/main" id="{54067028-7029-4E3A-84F4-05E232532536}"/>
+              </a:ext>
+            </a:extLst>
+          </p:cNvPr>
+          <p:cNvSpPr txBox="1"/>
+          <p:nvPr/>
+        </p:nvSpPr>
+        <p:spPr>
+          <a:xfrm>
+            <a:off x="1355203" y="1674674"/>
+            <a:ext cx="10350911" cy="3200876"/>
+          </a:xfrm>
+          <a:prstGeom prst="rect">
+            <a:avLst/>
+          </a:prstGeom>
+          <a:noFill/>
+        </p:spPr>
+        <p:txBody>
+          <a:bodyPr wrap="none" rtlCol="0">
+            <a:spAutoFit/>
+          </a:bodyPr>
+          <a:lstStyle/>
+          <a:p>
+            <a:r>
+              <a:rPr lang="ko-KR" altLang="en-US" b="1" dirty="0"/>
+              <a:t>배경 스토리를 </a:t>
+            </a:r>
+            <a:r>
+              <a:rPr lang="en-US" altLang="ko-KR" b="1" dirty="0"/>
+              <a:t>‘</a:t>
+            </a:r>
+            <a:r>
+              <a:rPr lang="ko-KR" altLang="en-US" b="1" dirty="0"/>
+              <a:t>미세먼지</a:t>
+            </a:r>
+            <a:r>
+              <a:rPr lang="en-US" altLang="ko-KR" b="1" dirty="0"/>
+              <a:t>’</a:t>
+            </a:r>
+            <a:r>
+              <a:rPr lang="ko-KR" altLang="en-US" b="1" dirty="0"/>
+              <a:t>로 설정한 이유</a:t>
+            </a:r>
+            <a:endParaRPr lang="en-US" altLang="ko-KR" b="1" dirty="0"/>
+          </a:p>
+          <a:p>
+            <a:endParaRPr lang="en-US" altLang="ko-KR" b="1" dirty="0"/>
+          </a:p>
+          <a:p>
+            <a:pPr marL="285750" indent="-285750">
+              <a:buFontTx/>
+              <a:buChar char="-"/>
+            </a:pPr>
+            <a:r>
+              <a:rPr lang="ko-KR" altLang="en-US" sz="1600" dirty="0"/>
+              <a:t>현실에 가까이 있는 문제점이고 내년에도 충분히 대두 될 수 있는 문제이기 때문이다</a:t>
+            </a:r>
+            <a:r>
+              <a:rPr lang="en-US" altLang="ko-KR" sz="1600" dirty="0"/>
+              <a:t>.</a:t>
+            </a:r>
+          </a:p>
+          <a:p>
+            <a:pPr marL="285750" indent="-285750">
+              <a:buFontTx/>
+              <a:buChar char="-"/>
+            </a:pPr>
+            <a:r>
+              <a:rPr lang="ko-KR" altLang="en-US" sz="1600" dirty="0"/>
+              <a:t>미세먼지의 위험성을 알리기 위함</a:t>
+            </a:r>
+            <a:r>
+              <a:rPr lang="en-US" altLang="ko-KR" sz="1600" dirty="0"/>
+              <a:t>. </a:t>
+            </a:r>
+          </a:p>
+          <a:p>
+            <a:r>
+              <a:rPr lang="en-US" altLang="ko-KR" sz="1600" dirty="0"/>
+              <a:t>( </a:t>
+            </a:r>
+            <a:r>
+              <a:rPr lang="ko-KR" altLang="en-US" sz="1600" dirty="0"/>
+              <a:t>사람들이 위험하다는 것은 알지만</a:t>
+            </a:r>
+            <a:r>
+              <a:rPr lang="en-US" altLang="ko-KR" sz="1600" dirty="0"/>
+              <a:t>,</a:t>
+            </a:r>
+            <a:r>
+              <a:rPr lang="ko-KR" altLang="en-US" sz="1600" dirty="0"/>
+              <a:t> 미세먼지에 대해 크게 와 닿지는 않음 </a:t>
+            </a:r>
+            <a:r>
+              <a:rPr lang="en-US" altLang="ko-KR" sz="1600" dirty="0"/>
+              <a:t>)</a:t>
+            </a:r>
+          </a:p>
+          <a:p>
+            <a:pPr marL="285750" indent="-285750">
+              <a:buFontTx/>
+              <a:buChar char="-"/>
+            </a:pPr>
+            <a:endParaRPr lang="en-US" altLang="ko-KR" dirty="0"/>
+          </a:p>
+          <a:p>
+            <a:r>
+              <a:rPr lang="ko-KR" altLang="en-US" b="1" dirty="0"/>
+              <a:t>협동</a:t>
+            </a:r>
+            <a:r>
+              <a:rPr lang="en-US" altLang="ko-KR" b="1" dirty="0"/>
+              <a:t>/</a:t>
+            </a:r>
+            <a:r>
+              <a:rPr lang="ko-KR" altLang="en-US" b="1" dirty="0"/>
+              <a:t>생존 게임을 선정한 이유</a:t>
+            </a:r>
+            <a:endParaRPr lang="en-US" altLang="ko-KR" b="1" dirty="0"/>
+          </a:p>
+          <a:p>
+            <a:endParaRPr lang="en-US" altLang="ko-KR" b="1" dirty="0"/>
+          </a:p>
+          <a:p>
+            <a:pPr marL="285750" indent="-285750">
+              <a:buFontTx/>
+              <a:buChar char="-"/>
+            </a:pPr>
+            <a:r>
+              <a:rPr lang="ko-KR" altLang="en-US" sz="1600" dirty="0"/>
+              <a:t>생존 게임이 게임 배경과 사용자의 직접적인 경험에 영향을 주기 적합하다고 생각했기 때문이다</a:t>
+            </a:r>
+            <a:r>
+              <a:rPr lang="en-US" altLang="ko-KR" sz="1600" dirty="0"/>
+              <a:t>.</a:t>
+            </a:r>
+          </a:p>
+          <a:p>
+            <a:pPr marL="285750" indent="-285750">
+              <a:buFontTx/>
+              <a:buChar char="-"/>
+            </a:pPr>
+            <a:r>
+              <a:rPr lang="ko-KR" altLang="en-US" sz="1600" dirty="0"/>
+              <a:t>게임의 최종 목표가 미세 먼지가 해결되는 것이기 때문에 경쟁이 아닌 협동으로 멀티 플레이 요소를 넣었다</a:t>
+            </a:r>
+            <a:r>
+              <a:rPr lang="en-US" altLang="ko-KR" sz="1600" dirty="0"/>
+              <a:t>.</a:t>
+            </a:r>
+          </a:p>
+          <a:p>
+            <a:r>
+              <a:rPr lang="en-US" altLang="ko-KR" sz="1600" dirty="0"/>
+              <a:t>( </a:t>
+            </a:r>
+            <a:r>
+              <a:rPr lang="ko-KR" altLang="en-US" sz="1600" dirty="0"/>
+              <a:t>게임을 즐겁게 하는 요소 중 하나가 다른 사람과 함께 플레이하는 것이라고 생각되었기 때문에 </a:t>
+            </a:r>
+            <a:endParaRPr lang="en-US" altLang="ko-KR" sz="1600" dirty="0"/>
+          </a:p>
+          <a:p>
+            <a:r>
+              <a:rPr lang="ko-KR" altLang="en-US" sz="1600" dirty="0"/>
+              <a:t>멀티 플레이를 꼭 게임에 넣고 싶었음 </a:t>
+            </a:r>
+            <a:r>
+              <a:rPr lang="en-US" altLang="ko-KR" sz="1600" dirty="0"/>
+              <a:t>)</a:t>
+            </a:r>
+          </a:p>
+        </p:txBody>
+      </p:sp>
+    </p:spTree>
+    <p:extLst>
+      <p:ext uri="{BB962C8B-B14F-4D97-AF65-F5344CB8AC3E}">
+        <p14:creationId xmlns:p14="http://schemas.microsoft.com/office/powerpoint/2010/main" val="1666848618"/>
+      </p:ext>
+    </p:extLst>
+  </p:cSld>
+  <p:clrMapOvr>
+    <a:masterClrMapping/>
+  </p:clrMapOvr>
+</p:sld>
+</file>
+
+<file path=ppt/slides/slide8.xml><?xml version="1.0" encoding="utf-8"?>
+<p:sld xmlns:a="http://schemas.openxmlformats.org/drawingml/2006/main" xmlns:r="http://schemas.openxmlformats.org/officeDocument/2006/relationships" xmlns:p="http://schemas.openxmlformats.org/presentationml/2006/main">
+  <p:cSld>
+    <p:spTree>
+      <p:nvGrpSpPr>
+        <p:cNvPr id="1" name=""/>
+        <p:cNvGrpSpPr/>
+        <p:nvPr/>
+      </p:nvGrpSpPr>
+      <p:grpSpPr>
+        <a:xfrm>
+          <a:off x="0" y="0"/>
+          <a:ext cx="0" cy="0"/>
+          <a:chOff x="0" y="0"/>
+          <a:chExt cx="0" cy="0"/>
+        </a:xfrm>
+      </p:grpSpPr>
+      <p:sp>
+        <p:nvSpPr>
+          <p:cNvPr id="6" name="텍스트 개체 틀 2">
+            <a:extLst>
+              <a:ext uri="{FF2B5EF4-FFF2-40B4-BE49-F238E27FC236}">
+                <a16:creationId xmlns:a16="http://schemas.microsoft.com/office/drawing/2014/main" id="{C4A5C19D-66F2-4BB0-AB4B-3311175ECED7}"/>
+              </a:ext>
+            </a:extLst>
+          </p:cNvPr>
+          <p:cNvSpPr txBox="1">
+            <a:spLocks/>
+          </p:cNvSpPr>
+          <p:nvPr/>
+        </p:nvSpPr>
+        <p:spPr>
+          <a:xfrm>
+            <a:off x="996549" y="849814"/>
+            <a:ext cx="4196376" cy="375615"/>
+          </a:xfrm>
+          <a:prstGeom prst="rect">
+            <a:avLst/>
+          </a:prstGeom>
+        </p:spPr>
+        <p:txBody>
+          <a:bodyPr/>
+          <a:lstStyle>
+            <a:lvl1pPr marL="228600" indent="-228600" algn="l" defTabSz="914400" rtl="0" eaLnBrk="1" latinLnBrk="1" hangingPunct="1">
+              <a:lnSpc>
+                <a:spcPct val="90000"/>
+              </a:lnSpc>
+              <a:spcBef>
+                <a:spcPts val="1000"/>
+              </a:spcBef>
+              <a:buFont typeface="Arial" panose="020B0604020202020204" pitchFamily="34" charset="0"/>
+              <a:buChar char="•"/>
+              <a:defRPr sz="2800" kern="1200">
+                <a:solidFill>
+                  <a:schemeClr val="tx1"/>
+                </a:solidFill>
+                <a:latin typeface="+mn-lt"/>
+                <a:ea typeface="+mn-ea"/>
+                <a:cs typeface="+mn-cs"/>
+              </a:defRPr>
+            </a:lvl1pPr>
+            <a:lvl2pPr marL="685800" indent="-228600" algn="l" defTabSz="914400" rtl="0" eaLnBrk="1" latinLnBrk="1" hangingPunct="1">
+              <a:lnSpc>
+                <a:spcPct val="90000"/>
+              </a:lnSpc>
+              <a:spcBef>
+                <a:spcPts val="500"/>
+              </a:spcBef>
+              <a:buFont typeface="Arial" panose="020B0604020202020204" pitchFamily="34" charset="0"/>
+              <a:buChar char="•"/>
+              <a:defRPr sz="2400" kern="1200">
+                <a:solidFill>
+                  <a:schemeClr val="tx1"/>
+                </a:solidFill>
+                <a:latin typeface="+mn-lt"/>
+                <a:ea typeface="+mn-ea"/>
+                <a:cs typeface="+mn-cs"/>
+              </a:defRPr>
+            </a:lvl2pPr>
+            <a:lvl3pPr marL="1143000" indent="-228600" algn="l" defTabSz="914400" rtl="0" eaLnBrk="1" latinLnBrk="1" hangingPunct="1">
+              <a:lnSpc>
+                <a:spcPct val="90000"/>
+              </a:lnSpc>
+              <a:spcBef>
+                <a:spcPts val="500"/>
+              </a:spcBef>
+              <a:buFont typeface="Arial" panose="020B0604020202020204" pitchFamily="34" charset="0"/>
+              <a:buChar char="•"/>
+              <a:defRPr sz="2000" kern="1200">
+                <a:solidFill>
+                  <a:schemeClr val="tx1"/>
+                </a:solidFill>
+                <a:latin typeface="+mn-lt"/>
+                <a:ea typeface="+mn-ea"/>
+                <a:cs typeface="+mn-cs"/>
+              </a:defRPr>
+            </a:lvl3pPr>
+            <a:lvl4pPr marL="1600200" indent="-228600" algn="l" defTabSz="914400" rtl="0" eaLnBrk="1" latinLnBrk="1" hangingPunct="1">
+              <a:lnSpc>
+                <a:spcPct val="90000"/>
+              </a:lnSpc>
+              <a:spcBef>
+                <a:spcPts val="500"/>
+              </a:spcBef>
+              <a:buFont typeface="Arial" panose="020B0604020202020204" pitchFamily="34" charset="0"/>
+              <a:buChar char="•"/>
+              <a:defRPr sz="1800" kern="1200">
+                <a:solidFill>
+                  <a:schemeClr val="tx1"/>
+                </a:solidFill>
+                <a:latin typeface="+mn-lt"/>
+                <a:ea typeface="+mn-ea"/>
+                <a:cs typeface="+mn-cs"/>
+              </a:defRPr>
+            </a:lvl4pPr>
+            <a:lvl5pPr marL="2057400" indent="-228600" algn="l" defTabSz="914400" rtl="0" eaLnBrk="1" latinLnBrk="1" hangingPunct="1">
+              <a:lnSpc>
+                <a:spcPct val="90000"/>
+              </a:lnSpc>
+              <a:spcBef>
+                <a:spcPts val="500"/>
+              </a:spcBef>
+              <a:buFont typeface="Arial" panose="020B0604020202020204" pitchFamily="34" charset="0"/>
+              <a:buChar char="•"/>
+              <a:defRPr sz="1800" kern="1200">
+                <a:solidFill>
+                  <a:schemeClr val="tx1"/>
+                </a:solidFill>
+                <a:latin typeface="+mn-lt"/>
+                <a:ea typeface="+mn-ea"/>
+                <a:cs typeface="+mn-cs"/>
+              </a:defRPr>
+            </a:lvl5pPr>
+            <a:lvl6pPr marL="2514600" indent="-228600" algn="l" defTabSz="914400" rtl="0" eaLnBrk="1" latinLnBrk="1" hangingPunct="1">
+              <a:lnSpc>
+                <a:spcPct val="90000"/>
+              </a:lnSpc>
+              <a:spcBef>
+                <a:spcPts val="500"/>
+              </a:spcBef>
+              <a:buFont typeface="Arial" panose="020B0604020202020204" pitchFamily="34" charset="0"/>
+              <a:buChar char="•"/>
+              <a:defRPr sz="1800" kern="1200">
+                <a:solidFill>
+                  <a:schemeClr val="tx1"/>
+                </a:solidFill>
+                <a:latin typeface="+mn-lt"/>
+                <a:ea typeface="+mn-ea"/>
+                <a:cs typeface="+mn-cs"/>
+              </a:defRPr>
+            </a:lvl6pPr>
+            <a:lvl7pPr marL="2971800" indent="-228600" algn="l" defTabSz="914400" rtl="0" eaLnBrk="1" latinLnBrk="1" hangingPunct="1">
+              <a:lnSpc>
+                <a:spcPct val="90000"/>
+              </a:lnSpc>
+              <a:spcBef>
+                <a:spcPts val="500"/>
+              </a:spcBef>
+              <a:buFont typeface="Arial" panose="020B0604020202020204" pitchFamily="34" charset="0"/>
+              <a:buChar char="•"/>
+              <a:defRPr sz="1800" kern="1200">
+                <a:solidFill>
+                  <a:schemeClr val="tx1"/>
+                </a:solidFill>
+                <a:latin typeface="+mn-lt"/>
+                <a:ea typeface="+mn-ea"/>
+                <a:cs typeface="+mn-cs"/>
+              </a:defRPr>
+            </a:lvl7pPr>
+            <a:lvl8pPr marL="3429000" indent="-228600" algn="l" defTabSz="914400" rtl="0" eaLnBrk="1" latinLnBrk="1" hangingPunct="1">
+              <a:lnSpc>
+                <a:spcPct val="90000"/>
+              </a:lnSpc>
+              <a:spcBef>
+                <a:spcPts val="500"/>
+              </a:spcBef>
+              <a:buFont typeface="Arial" panose="020B0604020202020204" pitchFamily="34" charset="0"/>
+              <a:buChar char="•"/>
+              <a:defRPr sz="1800" kern="1200">
+                <a:solidFill>
+                  <a:schemeClr val="tx1"/>
+                </a:solidFill>
+                <a:latin typeface="+mn-lt"/>
+                <a:ea typeface="+mn-ea"/>
+                <a:cs typeface="+mn-cs"/>
+              </a:defRPr>
+            </a:lvl8pPr>
+            <a:lvl9pPr marL="3886200" indent="-228600" algn="l" defTabSz="914400" rtl="0" eaLnBrk="1" latinLnBrk="1" hangingPunct="1">
+              <a:lnSpc>
+                <a:spcPct val="90000"/>
+              </a:lnSpc>
+              <a:spcBef>
+                <a:spcPts val="500"/>
+              </a:spcBef>
+              <a:buFont typeface="Arial" panose="020B0604020202020204" pitchFamily="34" charset="0"/>
+              <a:buChar char="•"/>
+              <a:defRPr sz="1800" kern="1200">
+                <a:solidFill>
+                  <a:schemeClr val="tx1"/>
+                </a:solidFill>
+                <a:latin typeface="+mn-lt"/>
+                <a:ea typeface="+mn-ea"/>
+                <a:cs typeface="+mn-cs"/>
+              </a:defRPr>
+            </a:lvl9pPr>
+          </a:lstStyle>
+          <a:p>
+            <a:pPr marL="0" indent="0">
+              <a:buNone/>
+            </a:pPr>
+            <a:r>
+              <a:rPr lang="ko-KR" altLang="en-US" sz="2400" b="1" dirty="0">
+                <a:solidFill>
+                  <a:schemeClr val="tx1">
+                    <a:lumMod val="85000"/>
+                    <a:lumOff val="15000"/>
+                  </a:schemeClr>
+                </a:solidFill>
+              </a:rPr>
+              <a:t>개발환경</a:t>
+            </a:r>
+          </a:p>
+        </p:txBody>
+      </p:sp>
+      <p:sp>
+        <p:nvSpPr>
+          <p:cNvPr id="2" name="TextBox 1">
+            <a:extLst>
+              <a:ext uri="{FF2B5EF4-FFF2-40B4-BE49-F238E27FC236}">
+                <a16:creationId xmlns:a16="http://schemas.microsoft.com/office/drawing/2014/main" id="{54067028-7029-4E3A-84F4-05E232532536}"/>
+              </a:ext>
+            </a:extLst>
+          </p:cNvPr>
+          <p:cNvSpPr txBox="1"/>
+          <p:nvPr/>
+        </p:nvSpPr>
+        <p:spPr>
+          <a:xfrm>
+            <a:off x="1355203" y="1674674"/>
+            <a:ext cx="2624436" cy="1754326"/>
+          </a:xfrm>
+          <a:prstGeom prst="rect">
+            <a:avLst/>
+          </a:prstGeom>
+          <a:noFill/>
+        </p:spPr>
+        <p:txBody>
+          <a:bodyPr wrap="none" rtlCol="0">
+            <a:spAutoFit/>
+          </a:bodyPr>
+          <a:lstStyle/>
+          <a:p>
+            <a:r>
+              <a:rPr lang="en-US" altLang="ko-KR" dirty="0"/>
+              <a:t>Unity 2018.2.0f2 (64bit)</a:t>
+            </a:r>
+          </a:p>
+          <a:p>
+            <a:r>
+              <a:rPr lang="en-US" altLang="ko-KR" dirty="0"/>
+              <a:t>3ds max 2017</a:t>
+            </a:r>
+          </a:p>
+          <a:p>
+            <a:r>
+              <a:rPr lang="en-US" altLang="ko-KR" dirty="0"/>
+              <a:t>Visual studio 2017</a:t>
+            </a:r>
+          </a:p>
+          <a:p>
+            <a:r>
+              <a:rPr lang="en-US" altLang="ko-KR" dirty="0" err="1"/>
+              <a:t>Sdk</a:t>
+            </a:r>
+            <a:r>
+              <a:rPr lang="en-US" altLang="ko-KR" dirty="0"/>
+              <a:t> 10.0.17763.0</a:t>
+            </a:r>
+          </a:p>
+          <a:p>
+            <a:r>
+              <a:rPr lang="en-US" altLang="ko-KR" dirty="0" err="1"/>
+              <a:t>Github</a:t>
+            </a:r>
+            <a:endParaRPr lang="en-US" altLang="ko-KR" dirty="0"/>
+          </a:p>
+          <a:p>
+            <a:r>
+              <a:rPr lang="en-US" altLang="ko-KR" dirty="0"/>
+              <a:t>Photoshop cc 2018</a:t>
+            </a:r>
+          </a:p>
+        </p:txBody>
+      </p:sp>
+    </p:spTree>
+    <p:extLst>
+      <p:ext uri="{BB962C8B-B14F-4D97-AF65-F5344CB8AC3E}">
+        <p14:creationId xmlns:p14="http://schemas.microsoft.com/office/powerpoint/2010/main" val="3837590997"/>
+      </p:ext>
+    </p:extLst>
+  </p:cSld>
+  <p:clrMapOvr>
+    <a:masterClrMapping/>
+  </p:clrMapOvr>
+</p:sld>
+</file>
+
+<file path=ppt/slides/slide9.xml><?xml version="1.0" encoding="utf-8"?>
+<p:sld xmlns:a="http://schemas.openxmlformats.org/drawingml/2006/main" xmlns:r="http://schemas.openxmlformats.org/officeDocument/2006/relationships" xmlns:p="http://schemas.openxmlformats.org/presentationml/2006/main">
+  <p:cSld>
+    <p:spTree>
+      <p:nvGrpSpPr>
+        <p:cNvPr id="1" name=""/>
+        <p:cNvGrpSpPr/>
+        <p:nvPr/>
+      </p:nvGrpSpPr>
+      <p:grpSpPr>
+        <a:xfrm>
+          <a:off x="0" y="0"/>
+          <a:ext cx="0" cy="0"/>
+          <a:chOff x="0" y="0"/>
+          <a:chExt cx="0" cy="0"/>
+        </a:xfrm>
+      </p:grpSpPr>
+      <p:sp>
+        <p:nvSpPr>
+          <p:cNvPr id="6" name="텍스트 개체 틀 2">
+            <a:extLst>
+              <a:ext uri="{FF2B5EF4-FFF2-40B4-BE49-F238E27FC236}">
+                <a16:creationId xmlns:a16="http://schemas.microsoft.com/office/drawing/2014/main" id="{C4A5C19D-66F2-4BB0-AB4B-3311175ECED7}"/>
+              </a:ext>
+            </a:extLst>
+          </p:cNvPr>
+          <p:cNvSpPr txBox="1">
+            <a:spLocks/>
+          </p:cNvSpPr>
+          <p:nvPr/>
+        </p:nvSpPr>
+        <p:spPr>
+          <a:xfrm>
+            <a:off x="996549" y="849814"/>
+            <a:ext cx="4196376" cy="375615"/>
+          </a:xfrm>
+          <a:prstGeom prst="rect">
+            <a:avLst/>
+          </a:prstGeom>
+        </p:spPr>
+        <p:txBody>
+          <a:bodyPr/>
+          <a:lstStyle>
+            <a:lvl1pPr marL="228600" indent="-228600" algn="l" defTabSz="914400" rtl="0" eaLnBrk="1" latinLnBrk="1" hangingPunct="1">
+              <a:lnSpc>
+                <a:spcPct val="90000"/>
+              </a:lnSpc>
+              <a:spcBef>
+                <a:spcPts val="1000"/>
+              </a:spcBef>
+              <a:buFont typeface="Arial" panose="020B0604020202020204" pitchFamily="34" charset="0"/>
+              <a:buChar char="•"/>
+              <a:defRPr sz="2800" kern="1200">
+                <a:solidFill>
+                  <a:schemeClr val="tx1"/>
+                </a:solidFill>
+                <a:latin typeface="+mn-lt"/>
+                <a:ea typeface="+mn-ea"/>
+                <a:cs typeface="+mn-cs"/>
+              </a:defRPr>
+            </a:lvl1pPr>
+            <a:lvl2pPr marL="685800" indent="-228600" algn="l" defTabSz="914400" rtl="0" eaLnBrk="1" latinLnBrk="1" hangingPunct="1">
+              <a:lnSpc>
+                <a:spcPct val="90000"/>
+              </a:lnSpc>
+              <a:spcBef>
+                <a:spcPts val="500"/>
+              </a:spcBef>
+              <a:buFont typeface="Arial" panose="020B0604020202020204" pitchFamily="34" charset="0"/>
+              <a:buChar char="•"/>
+              <a:defRPr sz="2400" kern="1200">
+                <a:solidFill>
+                  <a:schemeClr val="tx1"/>
+                </a:solidFill>
+                <a:latin typeface="+mn-lt"/>
+                <a:ea typeface="+mn-ea"/>
+                <a:cs typeface="+mn-cs"/>
+              </a:defRPr>
+            </a:lvl2pPr>
+            <a:lvl3pPr marL="1143000" indent="-228600" algn="l" defTabSz="914400" rtl="0" eaLnBrk="1" latinLnBrk="1" hangingPunct="1">
+              <a:lnSpc>
+                <a:spcPct val="90000"/>
+              </a:lnSpc>
+              <a:spcBef>
+                <a:spcPts val="500"/>
+              </a:spcBef>
+              <a:buFont typeface="Arial" panose="020B0604020202020204" pitchFamily="34" charset="0"/>
+              <a:buChar char="•"/>
+              <a:defRPr sz="2000" kern="1200">
+                <a:solidFill>
+                  <a:schemeClr val="tx1"/>
+                </a:solidFill>
+                <a:latin typeface="+mn-lt"/>
+                <a:ea typeface="+mn-ea"/>
+                <a:cs typeface="+mn-cs"/>
+              </a:defRPr>
+            </a:lvl3pPr>
+            <a:lvl4pPr marL="1600200" indent="-228600" algn="l" defTabSz="914400" rtl="0" eaLnBrk="1" latinLnBrk="1" hangingPunct="1">
+              <a:lnSpc>
+                <a:spcPct val="90000"/>
+              </a:lnSpc>
+              <a:spcBef>
+                <a:spcPts val="500"/>
+              </a:spcBef>
+              <a:buFont typeface="Arial" panose="020B0604020202020204" pitchFamily="34" charset="0"/>
+              <a:buChar char="•"/>
+              <a:defRPr sz="1800" kern="1200">
+                <a:solidFill>
+                  <a:schemeClr val="tx1"/>
+                </a:solidFill>
+                <a:latin typeface="+mn-lt"/>
+                <a:ea typeface="+mn-ea"/>
+                <a:cs typeface="+mn-cs"/>
+              </a:defRPr>
+            </a:lvl4pPr>
+            <a:lvl5pPr marL="2057400" indent="-228600" algn="l" defTabSz="914400" rtl="0" eaLnBrk="1" latinLnBrk="1" hangingPunct="1">
+              <a:lnSpc>
+                <a:spcPct val="90000"/>
+              </a:lnSpc>
+              <a:spcBef>
+                <a:spcPts val="500"/>
+              </a:spcBef>
+              <a:buFont typeface="Arial" panose="020B0604020202020204" pitchFamily="34" charset="0"/>
+              <a:buChar char="•"/>
+              <a:defRPr sz="1800" kern="1200">
+                <a:solidFill>
+                  <a:schemeClr val="tx1"/>
+                </a:solidFill>
+                <a:latin typeface="+mn-lt"/>
+                <a:ea typeface="+mn-ea"/>
+                <a:cs typeface="+mn-cs"/>
+              </a:defRPr>
+            </a:lvl5pPr>
+            <a:lvl6pPr marL="2514600" indent="-228600" algn="l" defTabSz="914400" rtl="0" eaLnBrk="1" latinLnBrk="1" hangingPunct="1">
+              <a:lnSpc>
+                <a:spcPct val="90000"/>
+              </a:lnSpc>
+              <a:spcBef>
+                <a:spcPts val="500"/>
+              </a:spcBef>
+              <a:buFont typeface="Arial" panose="020B0604020202020204" pitchFamily="34" charset="0"/>
+              <a:buChar char="•"/>
+              <a:defRPr sz="1800" kern="1200">
+                <a:solidFill>
+                  <a:schemeClr val="tx1"/>
+                </a:solidFill>
+                <a:latin typeface="+mn-lt"/>
+                <a:ea typeface="+mn-ea"/>
+                <a:cs typeface="+mn-cs"/>
+              </a:defRPr>
+            </a:lvl6pPr>
+            <a:lvl7pPr marL="2971800" indent="-228600" algn="l" defTabSz="914400" rtl="0" eaLnBrk="1" latinLnBrk="1" hangingPunct="1">
+              <a:lnSpc>
+                <a:spcPct val="90000"/>
+              </a:lnSpc>
+              <a:spcBef>
+                <a:spcPts val="500"/>
+              </a:spcBef>
+              <a:buFont typeface="Arial" panose="020B0604020202020204" pitchFamily="34" charset="0"/>
+              <a:buChar char="•"/>
+              <a:defRPr sz="1800" kern="1200">
+                <a:solidFill>
+                  <a:schemeClr val="tx1"/>
+                </a:solidFill>
+                <a:latin typeface="+mn-lt"/>
+                <a:ea typeface="+mn-ea"/>
+                <a:cs typeface="+mn-cs"/>
+              </a:defRPr>
+            </a:lvl7pPr>
+            <a:lvl8pPr marL="3429000" indent="-228600" algn="l" defTabSz="914400" rtl="0" eaLnBrk="1" latinLnBrk="1" hangingPunct="1">
+              <a:lnSpc>
+                <a:spcPct val="90000"/>
+              </a:lnSpc>
+              <a:spcBef>
+                <a:spcPts val="500"/>
+              </a:spcBef>
+              <a:buFont typeface="Arial" panose="020B0604020202020204" pitchFamily="34" charset="0"/>
+              <a:buChar char="•"/>
+              <a:defRPr sz="1800" kern="1200">
+                <a:solidFill>
+                  <a:schemeClr val="tx1"/>
+                </a:solidFill>
+                <a:latin typeface="+mn-lt"/>
+                <a:ea typeface="+mn-ea"/>
+                <a:cs typeface="+mn-cs"/>
+              </a:defRPr>
+            </a:lvl8pPr>
+            <a:lvl9pPr marL="3886200" indent="-228600" algn="l" defTabSz="914400" rtl="0" eaLnBrk="1" latinLnBrk="1" hangingPunct="1">
+              <a:lnSpc>
+                <a:spcPct val="90000"/>
+              </a:lnSpc>
+              <a:spcBef>
+                <a:spcPts val="500"/>
+              </a:spcBef>
+              <a:buFont typeface="Arial" panose="020B0604020202020204" pitchFamily="34" charset="0"/>
+              <a:buChar char="•"/>
+              <a:defRPr sz="1800" kern="1200">
+                <a:solidFill>
+                  <a:schemeClr val="tx1"/>
+                </a:solidFill>
+                <a:latin typeface="+mn-lt"/>
+                <a:ea typeface="+mn-ea"/>
+                <a:cs typeface="+mn-cs"/>
+              </a:defRPr>
+            </a:lvl9pPr>
+          </a:lstStyle>
+          <a:p>
+            <a:pPr marL="0" indent="0">
+              <a:buNone/>
+            </a:pPr>
+            <a:r>
+              <a:rPr lang="ko-KR" altLang="en-US" sz="2400" b="1" dirty="0">
+                <a:solidFill>
+                  <a:schemeClr val="tx1">
+                    <a:lumMod val="85000"/>
+                    <a:lumOff val="15000"/>
+                  </a:schemeClr>
+                </a:solidFill>
+              </a:rPr>
+              <a:t>이득</a:t>
+            </a:r>
+          </a:p>
+        </p:txBody>
+      </p:sp>
+      <p:sp>
+        <p:nvSpPr>
+          <p:cNvPr id="2" name="TextBox 1">
+            <a:extLst>
+              <a:ext uri="{FF2B5EF4-FFF2-40B4-BE49-F238E27FC236}">
+                <a16:creationId xmlns:a16="http://schemas.microsoft.com/office/drawing/2014/main" id="{54067028-7029-4E3A-84F4-05E232532536}"/>
+              </a:ext>
+            </a:extLst>
+          </p:cNvPr>
+          <p:cNvSpPr txBox="1"/>
+          <p:nvPr/>
+        </p:nvSpPr>
+        <p:spPr>
+          <a:xfrm>
+            <a:off x="1355203" y="1674674"/>
+            <a:ext cx="5633273" cy="1477328"/>
+          </a:xfrm>
+          <a:prstGeom prst="rect">
+            <a:avLst/>
+          </a:prstGeom>
+          <a:noFill/>
+        </p:spPr>
+        <p:txBody>
+          <a:bodyPr wrap="none" rtlCol="0">
+            <a:spAutoFit/>
+          </a:bodyPr>
+          <a:lstStyle/>
+          <a:p>
+            <a:r>
+              <a:rPr lang="ko-KR" altLang="en-US" b="1" dirty="0"/>
+              <a:t>기술적 요소</a:t>
+            </a:r>
+            <a:endParaRPr lang="en-US" altLang="ko-KR" b="1" dirty="0"/>
+          </a:p>
+          <a:p>
+            <a:endParaRPr lang="en-US" altLang="ko-KR" b="1" dirty="0"/>
+          </a:p>
+          <a:p>
+            <a:r>
+              <a:rPr lang="ko-KR" altLang="en-US" dirty="0"/>
+              <a:t>네트워크를 구현할 수 있다</a:t>
+            </a:r>
+            <a:r>
+              <a:rPr lang="en-US" altLang="ko-KR" dirty="0"/>
+              <a:t>. ( --- </a:t>
+            </a:r>
+            <a:r>
+              <a:rPr lang="ko-KR" altLang="en-US" dirty="0"/>
+              <a:t>걸 구현할 수 있음 </a:t>
+            </a:r>
+            <a:r>
+              <a:rPr lang="en-US" altLang="ko-KR" dirty="0"/>
+              <a:t>)</a:t>
+            </a:r>
+          </a:p>
+          <a:p>
+            <a:endParaRPr lang="en-US" altLang="ko-KR" dirty="0"/>
+          </a:p>
+          <a:p>
+            <a:r>
+              <a:rPr lang="ko-KR" altLang="en-US" b="1" dirty="0"/>
+              <a:t> </a:t>
+            </a:r>
+            <a:endParaRPr lang="en-US" altLang="ko-KR" sz="1600" dirty="0"/>
+          </a:p>
+        </p:txBody>
+      </p:sp>
+    </p:spTree>
+    <p:extLst>
+      <p:ext uri="{BB962C8B-B14F-4D97-AF65-F5344CB8AC3E}">
+        <p14:creationId xmlns:p14="http://schemas.microsoft.com/office/powerpoint/2010/main" val="3165565292"/>
       </p:ext>
     </p:extLst>
   </p:cSld>
